--- a/Presentation3/Staggered Grids.pptx
+++ b/Presentation3/Staggered Grids.pptx
@@ -285,7 +285,7 @@
           <a:p>
             <a:fld id="{F972D81F-9226-4579-A993-28406F3FA19C}" type="datetimeFigureOut">
               <a:rPr lang="en-CA" smtClean="0"/>
-              <a:t>2018-03-27</a:t>
+              <a:t>2018-03-28</a:t>
             </a:fld>
             <a:endParaRPr lang="en-CA"/>
           </a:p>
@@ -485,7 +485,7 @@
           <a:p>
             <a:fld id="{F972D81F-9226-4579-A993-28406F3FA19C}" type="datetimeFigureOut">
               <a:rPr lang="en-CA" smtClean="0"/>
-              <a:t>2018-03-27</a:t>
+              <a:t>2018-03-28</a:t>
             </a:fld>
             <a:endParaRPr lang="en-CA"/>
           </a:p>
@@ -695,7 +695,7 @@
           <a:p>
             <a:fld id="{F972D81F-9226-4579-A993-28406F3FA19C}" type="datetimeFigureOut">
               <a:rPr lang="en-CA" smtClean="0"/>
-              <a:t>2018-03-27</a:t>
+              <a:t>2018-03-28</a:t>
             </a:fld>
             <a:endParaRPr lang="en-CA"/>
           </a:p>
@@ -895,7 +895,7 @@
           <a:p>
             <a:fld id="{F972D81F-9226-4579-A993-28406F3FA19C}" type="datetimeFigureOut">
               <a:rPr lang="en-CA" smtClean="0"/>
-              <a:t>2018-03-27</a:t>
+              <a:t>2018-03-28</a:t>
             </a:fld>
             <a:endParaRPr lang="en-CA"/>
           </a:p>
@@ -1171,7 +1171,7 @@
           <a:p>
             <a:fld id="{F972D81F-9226-4579-A993-28406F3FA19C}" type="datetimeFigureOut">
               <a:rPr lang="en-CA" smtClean="0"/>
-              <a:t>2018-03-27</a:t>
+              <a:t>2018-03-28</a:t>
             </a:fld>
             <a:endParaRPr lang="en-CA"/>
           </a:p>
@@ -1439,7 +1439,7 @@
           <a:p>
             <a:fld id="{F972D81F-9226-4579-A993-28406F3FA19C}" type="datetimeFigureOut">
               <a:rPr lang="en-CA" smtClean="0"/>
-              <a:t>2018-03-27</a:t>
+              <a:t>2018-03-28</a:t>
             </a:fld>
             <a:endParaRPr lang="en-CA"/>
           </a:p>
@@ -1854,7 +1854,7 @@
           <a:p>
             <a:fld id="{F972D81F-9226-4579-A993-28406F3FA19C}" type="datetimeFigureOut">
               <a:rPr lang="en-CA" smtClean="0"/>
-              <a:t>2018-03-27</a:t>
+              <a:t>2018-03-28</a:t>
             </a:fld>
             <a:endParaRPr lang="en-CA"/>
           </a:p>
@@ -1996,7 +1996,7 @@
           <a:p>
             <a:fld id="{F972D81F-9226-4579-A993-28406F3FA19C}" type="datetimeFigureOut">
               <a:rPr lang="en-CA" smtClean="0"/>
-              <a:t>2018-03-27</a:t>
+              <a:t>2018-03-28</a:t>
             </a:fld>
             <a:endParaRPr lang="en-CA"/>
           </a:p>
@@ -2109,7 +2109,7 @@
           <a:p>
             <a:fld id="{F972D81F-9226-4579-A993-28406F3FA19C}" type="datetimeFigureOut">
               <a:rPr lang="en-CA" smtClean="0"/>
-              <a:t>2018-03-27</a:t>
+              <a:t>2018-03-28</a:t>
             </a:fld>
             <a:endParaRPr lang="en-CA"/>
           </a:p>
@@ -2422,7 +2422,7 @@
           <a:p>
             <a:fld id="{F972D81F-9226-4579-A993-28406F3FA19C}" type="datetimeFigureOut">
               <a:rPr lang="en-CA" smtClean="0"/>
-              <a:t>2018-03-27</a:t>
+              <a:t>2018-03-28</a:t>
             </a:fld>
             <a:endParaRPr lang="en-CA"/>
           </a:p>
@@ -2711,7 +2711,7 @@
           <a:p>
             <a:fld id="{F972D81F-9226-4579-A993-28406F3FA19C}" type="datetimeFigureOut">
               <a:rPr lang="en-CA" smtClean="0"/>
-              <a:t>2018-03-27</a:t>
+              <a:t>2018-03-28</a:t>
             </a:fld>
             <a:endParaRPr lang="en-CA"/>
           </a:p>
@@ -2954,7 +2954,7 @@
           <a:p>
             <a:fld id="{F972D81F-9226-4579-A993-28406F3FA19C}" type="datetimeFigureOut">
               <a:rPr lang="en-CA" smtClean="0"/>
-              <a:t>2018-03-27</a:t>
+              <a:t>2018-03-28</a:t>
             </a:fld>
             <a:endParaRPr lang="en-CA"/>
           </a:p>
@@ -3373,6 +3373,2548 @@
       </p:grpSpPr>
       <p:sp>
         <p:nvSpPr>
+          <p:cNvPr id="11" name="Rectangle 10">
+            <a:extLst>
+              <a:ext uri="{FF2B5EF4-FFF2-40B4-BE49-F238E27FC236}">
+                <a16:creationId xmlns:a16="http://schemas.microsoft.com/office/drawing/2014/main" id="{AF925FD9-D72D-4AE8-A254-38F45A1260F0}"/>
+              </a:ext>
+            </a:extLst>
+          </p:cNvPr>
+          <p:cNvSpPr/>
+          <p:nvPr/>
+        </p:nvSpPr>
+        <p:spPr>
+          <a:xfrm>
+            <a:off x="0" y="0"/>
+            <a:ext cx="12192000" cy="6858000"/>
+          </a:xfrm>
+          <a:prstGeom prst="rect">
+            <a:avLst/>
+          </a:prstGeom>
+          <a:solidFill>
+            <a:srgbClr val="F8A6EC"/>
+          </a:solidFill>
+        </p:spPr>
+        <p:style>
+          <a:lnRef idx="2">
+            <a:schemeClr val="accent1">
+              <a:shade val="50000"/>
+            </a:schemeClr>
+          </a:lnRef>
+          <a:fillRef idx="1">
+            <a:schemeClr val="accent1"/>
+          </a:fillRef>
+          <a:effectRef idx="0">
+            <a:schemeClr val="accent1"/>
+          </a:effectRef>
+          <a:fontRef idx="minor">
+            <a:schemeClr val="lt1"/>
+          </a:fontRef>
+        </p:style>
+        <p:txBody>
+          <a:bodyPr rtlCol="0" anchor="ctr"/>
+          <a:lstStyle/>
+          <a:p>
+            <a:pPr algn="ctr"/>
+            <a:endParaRPr lang="en-CA"/>
+          </a:p>
+        </p:txBody>
+      </p:sp>
+      <p:cxnSp>
+        <p:nvCxnSpPr>
+          <p:cNvPr id="87" name="Straight Connector 86">
+            <a:extLst>
+              <a:ext uri="{FF2B5EF4-FFF2-40B4-BE49-F238E27FC236}">
+                <a16:creationId xmlns:a16="http://schemas.microsoft.com/office/drawing/2014/main" id="{463C0A84-BD46-4131-98C8-8DFB259D9DD5}"/>
+              </a:ext>
+            </a:extLst>
+          </p:cNvPr>
+          <p:cNvCxnSpPr>
+            <a:cxnSpLocks/>
+          </p:cNvCxnSpPr>
+          <p:nvPr/>
+        </p:nvCxnSpPr>
+        <p:spPr>
+          <a:xfrm flipH="1">
+            <a:off x="-92629" y="655675"/>
+            <a:ext cx="12257015" cy="0"/>
+          </a:xfrm>
+          <a:prstGeom prst="line">
+            <a:avLst/>
+          </a:prstGeom>
+          <a:ln w="9525">
+            <a:solidFill>
+              <a:schemeClr val="bg1"/>
+            </a:solidFill>
+          </a:ln>
+        </p:spPr>
+        <p:style>
+          <a:lnRef idx="1">
+            <a:schemeClr val="accent1"/>
+          </a:lnRef>
+          <a:fillRef idx="0">
+            <a:schemeClr val="accent1"/>
+          </a:fillRef>
+          <a:effectRef idx="0">
+            <a:schemeClr val="accent1"/>
+          </a:effectRef>
+          <a:fontRef idx="minor">
+            <a:schemeClr val="tx1"/>
+          </a:fontRef>
+        </p:style>
+      </p:cxnSp>
+      <p:cxnSp>
+        <p:nvCxnSpPr>
+          <p:cNvPr id="13" name="Straight Connector 12">
+            <a:extLst>
+              <a:ext uri="{FF2B5EF4-FFF2-40B4-BE49-F238E27FC236}">
+                <a16:creationId xmlns:a16="http://schemas.microsoft.com/office/drawing/2014/main" id="{49379ED9-89CC-4D01-A0CA-CA9D7CF26E58}"/>
+              </a:ext>
+            </a:extLst>
+          </p:cNvPr>
+          <p:cNvCxnSpPr/>
+          <p:nvPr/>
+        </p:nvCxnSpPr>
+        <p:spPr>
+          <a:xfrm>
+            <a:off x="9026554" y="0"/>
+            <a:ext cx="0" cy="6858000"/>
+          </a:xfrm>
+          <a:prstGeom prst="line">
+            <a:avLst/>
+          </a:prstGeom>
+          <a:ln w="9525">
+            <a:solidFill>
+              <a:schemeClr val="bg1"/>
+            </a:solidFill>
+          </a:ln>
+        </p:spPr>
+        <p:style>
+          <a:lnRef idx="1">
+            <a:schemeClr val="accent1"/>
+          </a:lnRef>
+          <a:fillRef idx="0">
+            <a:schemeClr val="accent1"/>
+          </a:fillRef>
+          <a:effectRef idx="0">
+            <a:schemeClr val="accent1"/>
+          </a:effectRef>
+          <a:fontRef idx="minor">
+            <a:schemeClr val="tx1"/>
+          </a:fontRef>
+        </p:style>
+      </p:cxnSp>
+      <p:cxnSp>
+        <p:nvCxnSpPr>
+          <p:cNvPr id="14" name="Straight Connector 13">
+            <a:extLst>
+              <a:ext uri="{FF2B5EF4-FFF2-40B4-BE49-F238E27FC236}">
+                <a16:creationId xmlns:a16="http://schemas.microsoft.com/office/drawing/2014/main" id="{8338372D-2F44-4D6C-B33B-7A2EFD9217EE}"/>
+              </a:ext>
+            </a:extLst>
+          </p:cNvPr>
+          <p:cNvCxnSpPr/>
+          <p:nvPr/>
+        </p:nvCxnSpPr>
+        <p:spPr>
+          <a:xfrm>
+            <a:off x="9355123" y="0"/>
+            <a:ext cx="0" cy="6858000"/>
+          </a:xfrm>
+          <a:prstGeom prst="line">
+            <a:avLst/>
+          </a:prstGeom>
+          <a:ln w="9525">
+            <a:solidFill>
+              <a:schemeClr val="bg1"/>
+            </a:solidFill>
+          </a:ln>
+        </p:spPr>
+        <p:style>
+          <a:lnRef idx="1">
+            <a:schemeClr val="accent1"/>
+          </a:lnRef>
+          <a:fillRef idx="0">
+            <a:schemeClr val="accent1"/>
+          </a:fillRef>
+          <a:effectRef idx="0">
+            <a:schemeClr val="accent1"/>
+          </a:effectRef>
+          <a:fontRef idx="minor">
+            <a:schemeClr val="tx1"/>
+          </a:fontRef>
+        </p:style>
+      </p:cxnSp>
+      <p:cxnSp>
+        <p:nvCxnSpPr>
+          <p:cNvPr id="15" name="Straight Connector 14">
+            <a:extLst>
+              <a:ext uri="{FF2B5EF4-FFF2-40B4-BE49-F238E27FC236}">
+                <a16:creationId xmlns:a16="http://schemas.microsoft.com/office/drawing/2014/main" id="{89D8832C-653E-4CB5-8433-2BC24EB85440}"/>
+              </a:ext>
+            </a:extLst>
+          </p:cNvPr>
+          <p:cNvCxnSpPr/>
+          <p:nvPr/>
+        </p:nvCxnSpPr>
+        <p:spPr>
+          <a:xfrm>
+            <a:off x="9673904" y="0"/>
+            <a:ext cx="0" cy="6858000"/>
+          </a:xfrm>
+          <a:prstGeom prst="line">
+            <a:avLst/>
+          </a:prstGeom>
+          <a:ln w="9525">
+            <a:solidFill>
+              <a:schemeClr val="bg1"/>
+            </a:solidFill>
+          </a:ln>
+        </p:spPr>
+        <p:style>
+          <a:lnRef idx="1">
+            <a:schemeClr val="accent1"/>
+          </a:lnRef>
+          <a:fillRef idx="0">
+            <a:schemeClr val="accent1"/>
+          </a:fillRef>
+          <a:effectRef idx="0">
+            <a:schemeClr val="accent1"/>
+          </a:effectRef>
+          <a:fontRef idx="minor">
+            <a:schemeClr val="tx1"/>
+          </a:fontRef>
+        </p:style>
+      </p:cxnSp>
+      <p:cxnSp>
+        <p:nvCxnSpPr>
+          <p:cNvPr id="16" name="Straight Connector 15">
+            <a:extLst>
+              <a:ext uri="{FF2B5EF4-FFF2-40B4-BE49-F238E27FC236}">
+                <a16:creationId xmlns:a16="http://schemas.microsoft.com/office/drawing/2014/main" id="{5736A4F8-CC36-4527-B70A-E9503A318347}"/>
+              </a:ext>
+            </a:extLst>
+          </p:cNvPr>
+          <p:cNvCxnSpPr/>
+          <p:nvPr/>
+        </p:nvCxnSpPr>
+        <p:spPr>
+          <a:xfrm>
+            <a:off x="10002473" y="0"/>
+            <a:ext cx="0" cy="6858000"/>
+          </a:xfrm>
+          <a:prstGeom prst="line">
+            <a:avLst/>
+          </a:prstGeom>
+          <a:ln w="9525">
+            <a:solidFill>
+              <a:schemeClr val="bg1"/>
+            </a:solidFill>
+          </a:ln>
+        </p:spPr>
+        <p:style>
+          <a:lnRef idx="1">
+            <a:schemeClr val="accent1"/>
+          </a:lnRef>
+          <a:fillRef idx="0">
+            <a:schemeClr val="accent1"/>
+          </a:fillRef>
+          <a:effectRef idx="0">
+            <a:schemeClr val="accent1"/>
+          </a:effectRef>
+          <a:fontRef idx="minor">
+            <a:schemeClr val="tx1"/>
+          </a:fontRef>
+        </p:style>
+      </p:cxnSp>
+      <p:cxnSp>
+        <p:nvCxnSpPr>
+          <p:cNvPr id="17" name="Straight Connector 16">
+            <a:extLst>
+              <a:ext uri="{FF2B5EF4-FFF2-40B4-BE49-F238E27FC236}">
+                <a16:creationId xmlns:a16="http://schemas.microsoft.com/office/drawing/2014/main" id="{955283D8-F9BE-41D4-BDF3-7AA2FAEA0E62}"/>
+              </a:ext>
+            </a:extLst>
+          </p:cNvPr>
+          <p:cNvCxnSpPr/>
+          <p:nvPr/>
+        </p:nvCxnSpPr>
+        <p:spPr>
+          <a:xfrm>
+            <a:off x="10321254" y="0"/>
+            <a:ext cx="0" cy="6858000"/>
+          </a:xfrm>
+          <a:prstGeom prst="line">
+            <a:avLst/>
+          </a:prstGeom>
+          <a:ln w="9525">
+            <a:solidFill>
+              <a:schemeClr val="bg1"/>
+            </a:solidFill>
+          </a:ln>
+        </p:spPr>
+        <p:style>
+          <a:lnRef idx="1">
+            <a:schemeClr val="accent1"/>
+          </a:lnRef>
+          <a:fillRef idx="0">
+            <a:schemeClr val="accent1"/>
+          </a:fillRef>
+          <a:effectRef idx="0">
+            <a:schemeClr val="accent1"/>
+          </a:effectRef>
+          <a:fontRef idx="minor">
+            <a:schemeClr val="tx1"/>
+          </a:fontRef>
+        </p:style>
+      </p:cxnSp>
+      <p:cxnSp>
+        <p:nvCxnSpPr>
+          <p:cNvPr id="18" name="Straight Connector 17">
+            <a:extLst>
+              <a:ext uri="{FF2B5EF4-FFF2-40B4-BE49-F238E27FC236}">
+                <a16:creationId xmlns:a16="http://schemas.microsoft.com/office/drawing/2014/main" id="{C9E10AF4-8D71-499E-B0B4-5B006890AC31}"/>
+              </a:ext>
+            </a:extLst>
+          </p:cNvPr>
+          <p:cNvCxnSpPr/>
+          <p:nvPr/>
+        </p:nvCxnSpPr>
+        <p:spPr>
+          <a:xfrm>
+            <a:off x="10649823" y="0"/>
+            <a:ext cx="0" cy="6858000"/>
+          </a:xfrm>
+          <a:prstGeom prst="line">
+            <a:avLst/>
+          </a:prstGeom>
+          <a:ln w="9525">
+            <a:solidFill>
+              <a:schemeClr val="bg1"/>
+            </a:solidFill>
+          </a:ln>
+        </p:spPr>
+        <p:style>
+          <a:lnRef idx="1">
+            <a:schemeClr val="accent1"/>
+          </a:lnRef>
+          <a:fillRef idx="0">
+            <a:schemeClr val="accent1"/>
+          </a:fillRef>
+          <a:effectRef idx="0">
+            <a:schemeClr val="accent1"/>
+          </a:effectRef>
+          <a:fontRef idx="minor">
+            <a:schemeClr val="tx1"/>
+          </a:fontRef>
+        </p:style>
+      </p:cxnSp>
+      <p:cxnSp>
+        <p:nvCxnSpPr>
+          <p:cNvPr id="19" name="Straight Connector 18">
+            <a:extLst>
+              <a:ext uri="{FF2B5EF4-FFF2-40B4-BE49-F238E27FC236}">
+                <a16:creationId xmlns:a16="http://schemas.microsoft.com/office/drawing/2014/main" id="{1255889E-1684-4669-89FA-1C6025568713}"/>
+              </a:ext>
+            </a:extLst>
+          </p:cNvPr>
+          <p:cNvCxnSpPr/>
+          <p:nvPr/>
+        </p:nvCxnSpPr>
+        <p:spPr>
+          <a:xfrm>
+            <a:off x="10968604" y="0"/>
+            <a:ext cx="0" cy="6858000"/>
+          </a:xfrm>
+          <a:prstGeom prst="line">
+            <a:avLst/>
+          </a:prstGeom>
+          <a:ln w="9525">
+            <a:solidFill>
+              <a:schemeClr val="bg1"/>
+            </a:solidFill>
+          </a:ln>
+        </p:spPr>
+        <p:style>
+          <a:lnRef idx="1">
+            <a:schemeClr val="accent1"/>
+          </a:lnRef>
+          <a:fillRef idx="0">
+            <a:schemeClr val="accent1"/>
+          </a:fillRef>
+          <a:effectRef idx="0">
+            <a:schemeClr val="accent1"/>
+          </a:effectRef>
+          <a:fontRef idx="minor">
+            <a:schemeClr val="tx1"/>
+          </a:fontRef>
+        </p:style>
+      </p:cxnSp>
+      <p:cxnSp>
+        <p:nvCxnSpPr>
+          <p:cNvPr id="20" name="Straight Connector 19">
+            <a:extLst>
+              <a:ext uri="{FF2B5EF4-FFF2-40B4-BE49-F238E27FC236}">
+                <a16:creationId xmlns:a16="http://schemas.microsoft.com/office/drawing/2014/main" id="{4C5D0C4A-8997-449B-A807-6EB5DBA23B9B}"/>
+              </a:ext>
+            </a:extLst>
+          </p:cNvPr>
+          <p:cNvCxnSpPr/>
+          <p:nvPr/>
+        </p:nvCxnSpPr>
+        <p:spPr>
+          <a:xfrm>
+            <a:off x="11297173" y="0"/>
+            <a:ext cx="0" cy="6858000"/>
+          </a:xfrm>
+          <a:prstGeom prst="line">
+            <a:avLst/>
+          </a:prstGeom>
+          <a:ln w="9525">
+            <a:solidFill>
+              <a:schemeClr val="bg1"/>
+            </a:solidFill>
+          </a:ln>
+        </p:spPr>
+        <p:style>
+          <a:lnRef idx="1">
+            <a:schemeClr val="accent1"/>
+          </a:lnRef>
+          <a:fillRef idx="0">
+            <a:schemeClr val="accent1"/>
+          </a:fillRef>
+          <a:effectRef idx="0">
+            <a:schemeClr val="accent1"/>
+          </a:effectRef>
+          <a:fontRef idx="minor">
+            <a:schemeClr val="tx1"/>
+          </a:fontRef>
+        </p:style>
+      </p:cxnSp>
+      <p:cxnSp>
+        <p:nvCxnSpPr>
+          <p:cNvPr id="21" name="Straight Connector 20">
+            <a:extLst>
+              <a:ext uri="{FF2B5EF4-FFF2-40B4-BE49-F238E27FC236}">
+                <a16:creationId xmlns:a16="http://schemas.microsoft.com/office/drawing/2014/main" id="{7F1CFB5E-DB01-4D1F-8E05-A1CC71C82AD1}"/>
+              </a:ext>
+            </a:extLst>
+          </p:cNvPr>
+          <p:cNvCxnSpPr/>
+          <p:nvPr/>
+        </p:nvCxnSpPr>
+        <p:spPr>
+          <a:xfrm>
+            <a:off x="11615954" y="0"/>
+            <a:ext cx="0" cy="6858000"/>
+          </a:xfrm>
+          <a:prstGeom prst="line">
+            <a:avLst/>
+          </a:prstGeom>
+          <a:ln w="9525">
+            <a:solidFill>
+              <a:schemeClr val="bg1"/>
+            </a:solidFill>
+          </a:ln>
+        </p:spPr>
+        <p:style>
+          <a:lnRef idx="1">
+            <a:schemeClr val="accent1"/>
+          </a:lnRef>
+          <a:fillRef idx="0">
+            <a:schemeClr val="accent1"/>
+          </a:fillRef>
+          <a:effectRef idx="0">
+            <a:schemeClr val="accent1"/>
+          </a:effectRef>
+          <a:fontRef idx="minor">
+            <a:schemeClr val="tx1"/>
+          </a:fontRef>
+        </p:style>
+      </p:cxnSp>
+      <p:cxnSp>
+        <p:nvCxnSpPr>
+          <p:cNvPr id="22" name="Straight Connector 21">
+            <a:extLst>
+              <a:ext uri="{FF2B5EF4-FFF2-40B4-BE49-F238E27FC236}">
+                <a16:creationId xmlns:a16="http://schemas.microsoft.com/office/drawing/2014/main" id="{B72A12F7-525B-4F15-A7EB-55CE72963A26}"/>
+              </a:ext>
+            </a:extLst>
+          </p:cNvPr>
+          <p:cNvCxnSpPr/>
+          <p:nvPr/>
+        </p:nvCxnSpPr>
+        <p:spPr>
+          <a:xfrm>
+            <a:off x="11944523" y="0"/>
+            <a:ext cx="0" cy="6858000"/>
+          </a:xfrm>
+          <a:prstGeom prst="line">
+            <a:avLst/>
+          </a:prstGeom>
+          <a:ln w="9525">
+            <a:solidFill>
+              <a:schemeClr val="bg1"/>
+            </a:solidFill>
+          </a:ln>
+        </p:spPr>
+        <p:style>
+          <a:lnRef idx="1">
+            <a:schemeClr val="accent1"/>
+          </a:lnRef>
+          <a:fillRef idx="0">
+            <a:schemeClr val="accent1"/>
+          </a:fillRef>
+          <a:effectRef idx="0">
+            <a:schemeClr val="accent1"/>
+          </a:effectRef>
+          <a:fontRef idx="minor">
+            <a:schemeClr val="tx1"/>
+          </a:fontRef>
+        </p:style>
+      </p:cxnSp>
+      <p:cxnSp>
+        <p:nvCxnSpPr>
+          <p:cNvPr id="23" name="Straight Connector 22">
+            <a:extLst>
+              <a:ext uri="{FF2B5EF4-FFF2-40B4-BE49-F238E27FC236}">
+                <a16:creationId xmlns:a16="http://schemas.microsoft.com/office/drawing/2014/main" id="{050C6CBC-C573-45FA-9E74-F4036330A906}"/>
+              </a:ext>
+            </a:extLst>
+          </p:cNvPr>
+          <p:cNvCxnSpPr/>
+          <p:nvPr/>
+        </p:nvCxnSpPr>
+        <p:spPr>
+          <a:xfrm>
+            <a:off x="8354034" y="0"/>
+            <a:ext cx="0" cy="6858000"/>
+          </a:xfrm>
+          <a:prstGeom prst="line">
+            <a:avLst/>
+          </a:prstGeom>
+          <a:ln w="9525">
+            <a:solidFill>
+              <a:schemeClr val="bg1"/>
+            </a:solidFill>
+          </a:ln>
+        </p:spPr>
+        <p:style>
+          <a:lnRef idx="1">
+            <a:schemeClr val="accent1"/>
+          </a:lnRef>
+          <a:fillRef idx="0">
+            <a:schemeClr val="accent1"/>
+          </a:fillRef>
+          <a:effectRef idx="0">
+            <a:schemeClr val="accent1"/>
+          </a:effectRef>
+          <a:fontRef idx="minor">
+            <a:schemeClr val="tx1"/>
+          </a:fontRef>
+        </p:style>
+      </p:cxnSp>
+      <p:cxnSp>
+        <p:nvCxnSpPr>
+          <p:cNvPr id="24" name="Straight Connector 23">
+            <a:extLst>
+              <a:ext uri="{FF2B5EF4-FFF2-40B4-BE49-F238E27FC236}">
+                <a16:creationId xmlns:a16="http://schemas.microsoft.com/office/drawing/2014/main" id="{AA0357E1-1C11-4D15-B7FD-6399AB47CAFA}"/>
+              </a:ext>
+            </a:extLst>
+          </p:cNvPr>
+          <p:cNvCxnSpPr/>
+          <p:nvPr/>
+        </p:nvCxnSpPr>
+        <p:spPr>
+          <a:xfrm>
+            <a:off x="8682603" y="0"/>
+            <a:ext cx="0" cy="6858000"/>
+          </a:xfrm>
+          <a:prstGeom prst="line">
+            <a:avLst/>
+          </a:prstGeom>
+          <a:ln w="9525">
+            <a:solidFill>
+              <a:schemeClr val="bg1"/>
+            </a:solidFill>
+          </a:ln>
+        </p:spPr>
+        <p:style>
+          <a:lnRef idx="1">
+            <a:schemeClr val="accent1"/>
+          </a:lnRef>
+          <a:fillRef idx="0">
+            <a:schemeClr val="accent1"/>
+          </a:fillRef>
+          <a:effectRef idx="0">
+            <a:schemeClr val="accent1"/>
+          </a:effectRef>
+          <a:fontRef idx="minor">
+            <a:schemeClr val="tx1"/>
+          </a:fontRef>
+        </p:style>
+      </p:cxnSp>
+      <p:cxnSp>
+        <p:nvCxnSpPr>
+          <p:cNvPr id="49" name="Straight Connector 48">
+            <a:extLst>
+              <a:ext uri="{FF2B5EF4-FFF2-40B4-BE49-F238E27FC236}">
+                <a16:creationId xmlns:a16="http://schemas.microsoft.com/office/drawing/2014/main" id="{2BBB435B-C78F-41D9-8419-E19B6F4720E1}"/>
+              </a:ext>
+            </a:extLst>
+          </p:cNvPr>
+          <p:cNvCxnSpPr/>
+          <p:nvPr/>
+        </p:nvCxnSpPr>
+        <p:spPr>
+          <a:xfrm>
+            <a:off x="5059960" y="0"/>
+            <a:ext cx="0" cy="6858000"/>
+          </a:xfrm>
+          <a:prstGeom prst="line">
+            <a:avLst/>
+          </a:prstGeom>
+          <a:ln w="9525">
+            <a:solidFill>
+              <a:schemeClr val="bg1"/>
+            </a:solidFill>
+          </a:ln>
+        </p:spPr>
+        <p:style>
+          <a:lnRef idx="1">
+            <a:schemeClr val="accent1"/>
+          </a:lnRef>
+          <a:fillRef idx="0">
+            <a:schemeClr val="accent1"/>
+          </a:fillRef>
+          <a:effectRef idx="0">
+            <a:schemeClr val="accent1"/>
+          </a:effectRef>
+          <a:fontRef idx="minor">
+            <a:schemeClr val="tx1"/>
+          </a:fontRef>
+        </p:style>
+      </p:cxnSp>
+      <p:cxnSp>
+        <p:nvCxnSpPr>
+          <p:cNvPr id="50" name="Straight Connector 49">
+            <a:extLst>
+              <a:ext uri="{FF2B5EF4-FFF2-40B4-BE49-F238E27FC236}">
+                <a16:creationId xmlns:a16="http://schemas.microsoft.com/office/drawing/2014/main" id="{1F6F009C-86E2-4BB9-AA8F-A7CDC1096F4A}"/>
+              </a:ext>
+            </a:extLst>
+          </p:cNvPr>
+          <p:cNvCxnSpPr/>
+          <p:nvPr/>
+        </p:nvCxnSpPr>
+        <p:spPr>
+          <a:xfrm>
+            <a:off x="5388529" y="0"/>
+            <a:ext cx="0" cy="6858000"/>
+          </a:xfrm>
+          <a:prstGeom prst="line">
+            <a:avLst/>
+          </a:prstGeom>
+          <a:ln w="9525">
+            <a:solidFill>
+              <a:schemeClr val="bg1"/>
+            </a:solidFill>
+          </a:ln>
+        </p:spPr>
+        <p:style>
+          <a:lnRef idx="1">
+            <a:schemeClr val="accent1"/>
+          </a:lnRef>
+          <a:fillRef idx="0">
+            <a:schemeClr val="accent1"/>
+          </a:fillRef>
+          <a:effectRef idx="0">
+            <a:schemeClr val="accent1"/>
+          </a:effectRef>
+          <a:fontRef idx="minor">
+            <a:schemeClr val="tx1"/>
+          </a:fontRef>
+        </p:style>
+      </p:cxnSp>
+      <p:cxnSp>
+        <p:nvCxnSpPr>
+          <p:cNvPr id="51" name="Straight Connector 50">
+            <a:extLst>
+              <a:ext uri="{FF2B5EF4-FFF2-40B4-BE49-F238E27FC236}">
+                <a16:creationId xmlns:a16="http://schemas.microsoft.com/office/drawing/2014/main" id="{1A73C4A6-09CC-493A-BDC9-EDF87F4AE3E8}"/>
+              </a:ext>
+            </a:extLst>
+          </p:cNvPr>
+          <p:cNvCxnSpPr/>
+          <p:nvPr/>
+        </p:nvCxnSpPr>
+        <p:spPr>
+          <a:xfrm>
+            <a:off x="5707310" y="0"/>
+            <a:ext cx="0" cy="6858000"/>
+          </a:xfrm>
+          <a:prstGeom prst="line">
+            <a:avLst/>
+          </a:prstGeom>
+          <a:ln w="9525">
+            <a:solidFill>
+              <a:schemeClr val="bg1"/>
+            </a:solidFill>
+          </a:ln>
+        </p:spPr>
+        <p:style>
+          <a:lnRef idx="1">
+            <a:schemeClr val="accent1"/>
+          </a:lnRef>
+          <a:fillRef idx="0">
+            <a:schemeClr val="accent1"/>
+          </a:fillRef>
+          <a:effectRef idx="0">
+            <a:schemeClr val="accent1"/>
+          </a:effectRef>
+          <a:fontRef idx="minor">
+            <a:schemeClr val="tx1"/>
+          </a:fontRef>
+        </p:style>
+      </p:cxnSp>
+      <p:cxnSp>
+        <p:nvCxnSpPr>
+          <p:cNvPr id="52" name="Straight Connector 51">
+            <a:extLst>
+              <a:ext uri="{FF2B5EF4-FFF2-40B4-BE49-F238E27FC236}">
+                <a16:creationId xmlns:a16="http://schemas.microsoft.com/office/drawing/2014/main" id="{CA94DC01-6111-4741-80CE-5FD89C58B47A}"/>
+              </a:ext>
+            </a:extLst>
+          </p:cNvPr>
+          <p:cNvCxnSpPr/>
+          <p:nvPr/>
+        </p:nvCxnSpPr>
+        <p:spPr>
+          <a:xfrm>
+            <a:off x="6035879" y="0"/>
+            <a:ext cx="0" cy="6858000"/>
+          </a:xfrm>
+          <a:prstGeom prst="line">
+            <a:avLst/>
+          </a:prstGeom>
+          <a:ln w="9525">
+            <a:solidFill>
+              <a:schemeClr val="bg1"/>
+            </a:solidFill>
+          </a:ln>
+        </p:spPr>
+        <p:style>
+          <a:lnRef idx="1">
+            <a:schemeClr val="accent1"/>
+          </a:lnRef>
+          <a:fillRef idx="0">
+            <a:schemeClr val="accent1"/>
+          </a:fillRef>
+          <a:effectRef idx="0">
+            <a:schemeClr val="accent1"/>
+          </a:effectRef>
+          <a:fontRef idx="minor">
+            <a:schemeClr val="tx1"/>
+          </a:fontRef>
+        </p:style>
+      </p:cxnSp>
+      <p:cxnSp>
+        <p:nvCxnSpPr>
+          <p:cNvPr id="53" name="Straight Connector 52">
+            <a:extLst>
+              <a:ext uri="{FF2B5EF4-FFF2-40B4-BE49-F238E27FC236}">
+                <a16:creationId xmlns:a16="http://schemas.microsoft.com/office/drawing/2014/main" id="{42C0B60B-725F-47C8-8A44-9A736234EFAC}"/>
+              </a:ext>
+            </a:extLst>
+          </p:cNvPr>
+          <p:cNvCxnSpPr/>
+          <p:nvPr/>
+        </p:nvCxnSpPr>
+        <p:spPr>
+          <a:xfrm>
+            <a:off x="6354660" y="0"/>
+            <a:ext cx="0" cy="6858000"/>
+          </a:xfrm>
+          <a:prstGeom prst="line">
+            <a:avLst/>
+          </a:prstGeom>
+          <a:ln w="9525">
+            <a:solidFill>
+              <a:schemeClr val="bg1"/>
+            </a:solidFill>
+          </a:ln>
+        </p:spPr>
+        <p:style>
+          <a:lnRef idx="1">
+            <a:schemeClr val="accent1"/>
+          </a:lnRef>
+          <a:fillRef idx="0">
+            <a:schemeClr val="accent1"/>
+          </a:fillRef>
+          <a:effectRef idx="0">
+            <a:schemeClr val="accent1"/>
+          </a:effectRef>
+          <a:fontRef idx="minor">
+            <a:schemeClr val="tx1"/>
+          </a:fontRef>
+        </p:style>
+      </p:cxnSp>
+      <p:cxnSp>
+        <p:nvCxnSpPr>
+          <p:cNvPr id="54" name="Straight Connector 53">
+            <a:extLst>
+              <a:ext uri="{FF2B5EF4-FFF2-40B4-BE49-F238E27FC236}">
+                <a16:creationId xmlns:a16="http://schemas.microsoft.com/office/drawing/2014/main" id="{69012DA8-01A2-4F7C-8E84-165B9A0E091C}"/>
+              </a:ext>
+            </a:extLst>
+          </p:cNvPr>
+          <p:cNvCxnSpPr/>
+          <p:nvPr/>
+        </p:nvCxnSpPr>
+        <p:spPr>
+          <a:xfrm>
+            <a:off x="6683229" y="0"/>
+            <a:ext cx="0" cy="6858000"/>
+          </a:xfrm>
+          <a:prstGeom prst="line">
+            <a:avLst/>
+          </a:prstGeom>
+          <a:ln w="9525">
+            <a:solidFill>
+              <a:schemeClr val="bg1"/>
+            </a:solidFill>
+          </a:ln>
+        </p:spPr>
+        <p:style>
+          <a:lnRef idx="1">
+            <a:schemeClr val="accent1"/>
+          </a:lnRef>
+          <a:fillRef idx="0">
+            <a:schemeClr val="accent1"/>
+          </a:fillRef>
+          <a:effectRef idx="0">
+            <a:schemeClr val="accent1"/>
+          </a:effectRef>
+          <a:fontRef idx="minor">
+            <a:schemeClr val="tx1"/>
+          </a:fontRef>
+        </p:style>
+      </p:cxnSp>
+      <p:cxnSp>
+        <p:nvCxnSpPr>
+          <p:cNvPr id="55" name="Straight Connector 54">
+            <a:extLst>
+              <a:ext uri="{FF2B5EF4-FFF2-40B4-BE49-F238E27FC236}">
+                <a16:creationId xmlns:a16="http://schemas.microsoft.com/office/drawing/2014/main" id="{B2910C7D-D878-46D2-85B8-0CA69F72AF07}"/>
+              </a:ext>
+            </a:extLst>
+          </p:cNvPr>
+          <p:cNvCxnSpPr/>
+          <p:nvPr/>
+        </p:nvCxnSpPr>
+        <p:spPr>
+          <a:xfrm>
+            <a:off x="7002010" y="0"/>
+            <a:ext cx="0" cy="6858000"/>
+          </a:xfrm>
+          <a:prstGeom prst="line">
+            <a:avLst/>
+          </a:prstGeom>
+          <a:ln w="9525">
+            <a:solidFill>
+              <a:schemeClr val="bg1"/>
+            </a:solidFill>
+          </a:ln>
+        </p:spPr>
+        <p:style>
+          <a:lnRef idx="1">
+            <a:schemeClr val="accent1"/>
+          </a:lnRef>
+          <a:fillRef idx="0">
+            <a:schemeClr val="accent1"/>
+          </a:fillRef>
+          <a:effectRef idx="0">
+            <a:schemeClr val="accent1"/>
+          </a:effectRef>
+          <a:fontRef idx="minor">
+            <a:schemeClr val="tx1"/>
+          </a:fontRef>
+        </p:style>
+      </p:cxnSp>
+      <p:cxnSp>
+        <p:nvCxnSpPr>
+          <p:cNvPr id="56" name="Straight Connector 55">
+            <a:extLst>
+              <a:ext uri="{FF2B5EF4-FFF2-40B4-BE49-F238E27FC236}">
+                <a16:creationId xmlns:a16="http://schemas.microsoft.com/office/drawing/2014/main" id="{1AD6F264-B90C-40EE-A7C6-AA211AB18853}"/>
+              </a:ext>
+            </a:extLst>
+          </p:cNvPr>
+          <p:cNvCxnSpPr/>
+          <p:nvPr/>
+        </p:nvCxnSpPr>
+        <p:spPr>
+          <a:xfrm>
+            <a:off x="7330579" y="0"/>
+            <a:ext cx="0" cy="6858000"/>
+          </a:xfrm>
+          <a:prstGeom prst="line">
+            <a:avLst/>
+          </a:prstGeom>
+          <a:ln w="9525">
+            <a:solidFill>
+              <a:schemeClr val="bg1"/>
+            </a:solidFill>
+          </a:ln>
+        </p:spPr>
+        <p:style>
+          <a:lnRef idx="1">
+            <a:schemeClr val="accent1"/>
+          </a:lnRef>
+          <a:fillRef idx="0">
+            <a:schemeClr val="accent1"/>
+          </a:fillRef>
+          <a:effectRef idx="0">
+            <a:schemeClr val="accent1"/>
+          </a:effectRef>
+          <a:fontRef idx="minor">
+            <a:schemeClr val="tx1"/>
+          </a:fontRef>
+        </p:style>
+      </p:cxnSp>
+      <p:cxnSp>
+        <p:nvCxnSpPr>
+          <p:cNvPr id="57" name="Straight Connector 56">
+            <a:extLst>
+              <a:ext uri="{FF2B5EF4-FFF2-40B4-BE49-F238E27FC236}">
+                <a16:creationId xmlns:a16="http://schemas.microsoft.com/office/drawing/2014/main" id="{F5E3E16A-ADFA-43D4-B7D0-7ADDD7B8B9D9}"/>
+              </a:ext>
+            </a:extLst>
+          </p:cNvPr>
+          <p:cNvCxnSpPr/>
+          <p:nvPr/>
+        </p:nvCxnSpPr>
+        <p:spPr>
+          <a:xfrm>
+            <a:off x="7649360" y="0"/>
+            <a:ext cx="0" cy="6858000"/>
+          </a:xfrm>
+          <a:prstGeom prst="line">
+            <a:avLst/>
+          </a:prstGeom>
+          <a:ln w="9525">
+            <a:solidFill>
+              <a:schemeClr val="bg1"/>
+            </a:solidFill>
+          </a:ln>
+        </p:spPr>
+        <p:style>
+          <a:lnRef idx="1">
+            <a:schemeClr val="accent1"/>
+          </a:lnRef>
+          <a:fillRef idx="0">
+            <a:schemeClr val="accent1"/>
+          </a:fillRef>
+          <a:effectRef idx="0">
+            <a:schemeClr val="accent1"/>
+          </a:effectRef>
+          <a:fontRef idx="minor">
+            <a:schemeClr val="tx1"/>
+          </a:fontRef>
+        </p:style>
+      </p:cxnSp>
+      <p:cxnSp>
+        <p:nvCxnSpPr>
+          <p:cNvPr id="58" name="Straight Connector 57">
+            <a:extLst>
+              <a:ext uri="{FF2B5EF4-FFF2-40B4-BE49-F238E27FC236}">
+                <a16:creationId xmlns:a16="http://schemas.microsoft.com/office/drawing/2014/main" id="{B8558689-4D96-4816-8822-44FEAF9DE665}"/>
+              </a:ext>
+            </a:extLst>
+          </p:cNvPr>
+          <p:cNvCxnSpPr/>
+          <p:nvPr/>
+        </p:nvCxnSpPr>
+        <p:spPr>
+          <a:xfrm>
+            <a:off x="7977929" y="0"/>
+            <a:ext cx="0" cy="6858000"/>
+          </a:xfrm>
+          <a:prstGeom prst="line">
+            <a:avLst/>
+          </a:prstGeom>
+          <a:ln w="9525">
+            <a:solidFill>
+              <a:schemeClr val="bg1"/>
+            </a:solidFill>
+          </a:ln>
+        </p:spPr>
+        <p:style>
+          <a:lnRef idx="1">
+            <a:schemeClr val="accent1"/>
+          </a:lnRef>
+          <a:fillRef idx="0">
+            <a:schemeClr val="accent1"/>
+          </a:fillRef>
+          <a:effectRef idx="0">
+            <a:schemeClr val="accent1"/>
+          </a:effectRef>
+          <a:fontRef idx="minor">
+            <a:schemeClr val="tx1"/>
+          </a:fontRef>
+        </p:style>
+      </p:cxnSp>
+      <p:cxnSp>
+        <p:nvCxnSpPr>
+          <p:cNvPr id="59" name="Straight Connector 58">
+            <a:extLst>
+              <a:ext uri="{FF2B5EF4-FFF2-40B4-BE49-F238E27FC236}">
+                <a16:creationId xmlns:a16="http://schemas.microsoft.com/office/drawing/2014/main" id="{BDD2EE42-AAC4-48FB-A316-50B735D568C6}"/>
+              </a:ext>
+            </a:extLst>
+          </p:cNvPr>
+          <p:cNvCxnSpPr/>
+          <p:nvPr/>
+        </p:nvCxnSpPr>
+        <p:spPr>
+          <a:xfrm>
+            <a:off x="4387440" y="0"/>
+            <a:ext cx="0" cy="6858000"/>
+          </a:xfrm>
+          <a:prstGeom prst="line">
+            <a:avLst/>
+          </a:prstGeom>
+          <a:ln w="9525">
+            <a:solidFill>
+              <a:schemeClr val="bg1"/>
+            </a:solidFill>
+          </a:ln>
+        </p:spPr>
+        <p:style>
+          <a:lnRef idx="1">
+            <a:schemeClr val="accent1"/>
+          </a:lnRef>
+          <a:fillRef idx="0">
+            <a:schemeClr val="accent1"/>
+          </a:fillRef>
+          <a:effectRef idx="0">
+            <a:schemeClr val="accent1"/>
+          </a:effectRef>
+          <a:fontRef idx="minor">
+            <a:schemeClr val="tx1"/>
+          </a:fontRef>
+        </p:style>
+      </p:cxnSp>
+      <p:cxnSp>
+        <p:nvCxnSpPr>
+          <p:cNvPr id="60" name="Straight Connector 59">
+            <a:extLst>
+              <a:ext uri="{FF2B5EF4-FFF2-40B4-BE49-F238E27FC236}">
+                <a16:creationId xmlns:a16="http://schemas.microsoft.com/office/drawing/2014/main" id="{17D05E04-BEAA-42D6-82FE-D78B576AFB81}"/>
+              </a:ext>
+            </a:extLst>
+          </p:cNvPr>
+          <p:cNvCxnSpPr/>
+          <p:nvPr/>
+        </p:nvCxnSpPr>
+        <p:spPr>
+          <a:xfrm>
+            <a:off x="4716009" y="0"/>
+            <a:ext cx="0" cy="6858000"/>
+          </a:xfrm>
+          <a:prstGeom prst="line">
+            <a:avLst/>
+          </a:prstGeom>
+          <a:ln w="9525">
+            <a:solidFill>
+              <a:schemeClr val="bg1"/>
+            </a:solidFill>
+          </a:ln>
+        </p:spPr>
+        <p:style>
+          <a:lnRef idx="1">
+            <a:schemeClr val="accent1"/>
+          </a:lnRef>
+          <a:fillRef idx="0">
+            <a:schemeClr val="accent1"/>
+          </a:fillRef>
+          <a:effectRef idx="0">
+            <a:schemeClr val="accent1"/>
+          </a:effectRef>
+          <a:fontRef idx="minor">
+            <a:schemeClr val="tx1"/>
+          </a:fontRef>
+        </p:style>
+      </p:cxnSp>
+      <p:cxnSp>
+        <p:nvCxnSpPr>
+          <p:cNvPr id="61" name="Straight Connector 60">
+            <a:extLst>
+              <a:ext uri="{FF2B5EF4-FFF2-40B4-BE49-F238E27FC236}">
+                <a16:creationId xmlns:a16="http://schemas.microsoft.com/office/drawing/2014/main" id="{204184B6-A727-4D25-A2F7-4D539755BFB5}"/>
+              </a:ext>
+            </a:extLst>
+          </p:cNvPr>
+          <p:cNvCxnSpPr/>
+          <p:nvPr/>
+        </p:nvCxnSpPr>
+        <p:spPr>
+          <a:xfrm>
+            <a:off x="1093366" y="0"/>
+            <a:ext cx="0" cy="6858000"/>
+          </a:xfrm>
+          <a:prstGeom prst="line">
+            <a:avLst/>
+          </a:prstGeom>
+          <a:ln w="9525">
+            <a:solidFill>
+              <a:schemeClr val="bg1"/>
+            </a:solidFill>
+          </a:ln>
+        </p:spPr>
+        <p:style>
+          <a:lnRef idx="1">
+            <a:schemeClr val="accent1"/>
+          </a:lnRef>
+          <a:fillRef idx="0">
+            <a:schemeClr val="accent1"/>
+          </a:fillRef>
+          <a:effectRef idx="0">
+            <a:schemeClr val="accent1"/>
+          </a:effectRef>
+          <a:fontRef idx="minor">
+            <a:schemeClr val="tx1"/>
+          </a:fontRef>
+        </p:style>
+      </p:cxnSp>
+      <p:cxnSp>
+        <p:nvCxnSpPr>
+          <p:cNvPr id="62" name="Straight Connector 61">
+            <a:extLst>
+              <a:ext uri="{FF2B5EF4-FFF2-40B4-BE49-F238E27FC236}">
+                <a16:creationId xmlns:a16="http://schemas.microsoft.com/office/drawing/2014/main" id="{01AC72B8-B49D-4C49-B6F0-0DE2923E7B29}"/>
+              </a:ext>
+            </a:extLst>
+          </p:cNvPr>
+          <p:cNvCxnSpPr/>
+          <p:nvPr/>
+        </p:nvCxnSpPr>
+        <p:spPr>
+          <a:xfrm>
+            <a:off x="1421935" y="0"/>
+            <a:ext cx="0" cy="6858000"/>
+          </a:xfrm>
+          <a:prstGeom prst="line">
+            <a:avLst/>
+          </a:prstGeom>
+          <a:ln w="9525">
+            <a:solidFill>
+              <a:schemeClr val="bg1"/>
+            </a:solidFill>
+          </a:ln>
+        </p:spPr>
+        <p:style>
+          <a:lnRef idx="1">
+            <a:schemeClr val="accent1"/>
+          </a:lnRef>
+          <a:fillRef idx="0">
+            <a:schemeClr val="accent1"/>
+          </a:fillRef>
+          <a:effectRef idx="0">
+            <a:schemeClr val="accent1"/>
+          </a:effectRef>
+          <a:fontRef idx="minor">
+            <a:schemeClr val="tx1"/>
+          </a:fontRef>
+        </p:style>
+      </p:cxnSp>
+      <p:cxnSp>
+        <p:nvCxnSpPr>
+          <p:cNvPr id="63" name="Straight Connector 62">
+            <a:extLst>
+              <a:ext uri="{FF2B5EF4-FFF2-40B4-BE49-F238E27FC236}">
+                <a16:creationId xmlns:a16="http://schemas.microsoft.com/office/drawing/2014/main" id="{F4445D75-C544-4605-9810-9653A307835B}"/>
+              </a:ext>
+            </a:extLst>
+          </p:cNvPr>
+          <p:cNvCxnSpPr/>
+          <p:nvPr/>
+        </p:nvCxnSpPr>
+        <p:spPr>
+          <a:xfrm>
+            <a:off x="1740716" y="0"/>
+            <a:ext cx="0" cy="6858000"/>
+          </a:xfrm>
+          <a:prstGeom prst="line">
+            <a:avLst/>
+          </a:prstGeom>
+          <a:ln w="9525">
+            <a:solidFill>
+              <a:schemeClr val="bg1"/>
+            </a:solidFill>
+          </a:ln>
+        </p:spPr>
+        <p:style>
+          <a:lnRef idx="1">
+            <a:schemeClr val="accent1"/>
+          </a:lnRef>
+          <a:fillRef idx="0">
+            <a:schemeClr val="accent1"/>
+          </a:fillRef>
+          <a:effectRef idx="0">
+            <a:schemeClr val="accent1"/>
+          </a:effectRef>
+          <a:fontRef idx="minor">
+            <a:schemeClr val="tx1"/>
+          </a:fontRef>
+        </p:style>
+      </p:cxnSp>
+      <p:cxnSp>
+        <p:nvCxnSpPr>
+          <p:cNvPr id="64" name="Straight Connector 63">
+            <a:extLst>
+              <a:ext uri="{FF2B5EF4-FFF2-40B4-BE49-F238E27FC236}">
+                <a16:creationId xmlns:a16="http://schemas.microsoft.com/office/drawing/2014/main" id="{685D50FE-9023-4978-896E-B45A7DAD5282}"/>
+              </a:ext>
+            </a:extLst>
+          </p:cNvPr>
+          <p:cNvCxnSpPr/>
+          <p:nvPr/>
+        </p:nvCxnSpPr>
+        <p:spPr>
+          <a:xfrm>
+            <a:off x="2069285" y="0"/>
+            <a:ext cx="0" cy="6858000"/>
+          </a:xfrm>
+          <a:prstGeom prst="line">
+            <a:avLst/>
+          </a:prstGeom>
+          <a:ln w="9525">
+            <a:solidFill>
+              <a:schemeClr val="bg1"/>
+            </a:solidFill>
+          </a:ln>
+        </p:spPr>
+        <p:style>
+          <a:lnRef idx="1">
+            <a:schemeClr val="accent1"/>
+          </a:lnRef>
+          <a:fillRef idx="0">
+            <a:schemeClr val="accent1"/>
+          </a:fillRef>
+          <a:effectRef idx="0">
+            <a:schemeClr val="accent1"/>
+          </a:effectRef>
+          <a:fontRef idx="minor">
+            <a:schemeClr val="tx1"/>
+          </a:fontRef>
+        </p:style>
+      </p:cxnSp>
+      <p:cxnSp>
+        <p:nvCxnSpPr>
+          <p:cNvPr id="65" name="Straight Connector 64">
+            <a:extLst>
+              <a:ext uri="{FF2B5EF4-FFF2-40B4-BE49-F238E27FC236}">
+                <a16:creationId xmlns:a16="http://schemas.microsoft.com/office/drawing/2014/main" id="{0461D712-C895-43E9-BB1F-AD7868034B80}"/>
+              </a:ext>
+            </a:extLst>
+          </p:cNvPr>
+          <p:cNvCxnSpPr/>
+          <p:nvPr/>
+        </p:nvCxnSpPr>
+        <p:spPr>
+          <a:xfrm>
+            <a:off x="2388066" y="0"/>
+            <a:ext cx="0" cy="6858000"/>
+          </a:xfrm>
+          <a:prstGeom prst="line">
+            <a:avLst/>
+          </a:prstGeom>
+          <a:ln w="9525">
+            <a:solidFill>
+              <a:schemeClr val="bg1"/>
+            </a:solidFill>
+          </a:ln>
+        </p:spPr>
+        <p:style>
+          <a:lnRef idx="1">
+            <a:schemeClr val="accent1"/>
+          </a:lnRef>
+          <a:fillRef idx="0">
+            <a:schemeClr val="accent1"/>
+          </a:fillRef>
+          <a:effectRef idx="0">
+            <a:schemeClr val="accent1"/>
+          </a:effectRef>
+          <a:fontRef idx="minor">
+            <a:schemeClr val="tx1"/>
+          </a:fontRef>
+        </p:style>
+      </p:cxnSp>
+      <p:cxnSp>
+        <p:nvCxnSpPr>
+          <p:cNvPr id="66" name="Straight Connector 65">
+            <a:extLst>
+              <a:ext uri="{FF2B5EF4-FFF2-40B4-BE49-F238E27FC236}">
+                <a16:creationId xmlns:a16="http://schemas.microsoft.com/office/drawing/2014/main" id="{1279A64B-E95C-4783-923B-99920C474833}"/>
+              </a:ext>
+            </a:extLst>
+          </p:cNvPr>
+          <p:cNvCxnSpPr/>
+          <p:nvPr/>
+        </p:nvCxnSpPr>
+        <p:spPr>
+          <a:xfrm>
+            <a:off x="2716635" y="0"/>
+            <a:ext cx="0" cy="6858000"/>
+          </a:xfrm>
+          <a:prstGeom prst="line">
+            <a:avLst/>
+          </a:prstGeom>
+          <a:ln w="9525">
+            <a:solidFill>
+              <a:schemeClr val="bg1"/>
+            </a:solidFill>
+          </a:ln>
+        </p:spPr>
+        <p:style>
+          <a:lnRef idx="1">
+            <a:schemeClr val="accent1"/>
+          </a:lnRef>
+          <a:fillRef idx="0">
+            <a:schemeClr val="accent1"/>
+          </a:fillRef>
+          <a:effectRef idx="0">
+            <a:schemeClr val="accent1"/>
+          </a:effectRef>
+          <a:fontRef idx="minor">
+            <a:schemeClr val="tx1"/>
+          </a:fontRef>
+        </p:style>
+      </p:cxnSp>
+      <p:cxnSp>
+        <p:nvCxnSpPr>
+          <p:cNvPr id="67" name="Straight Connector 66">
+            <a:extLst>
+              <a:ext uri="{FF2B5EF4-FFF2-40B4-BE49-F238E27FC236}">
+                <a16:creationId xmlns:a16="http://schemas.microsoft.com/office/drawing/2014/main" id="{DF233AE5-9E5D-45E6-AD4D-AB0D55921EDC}"/>
+              </a:ext>
+            </a:extLst>
+          </p:cNvPr>
+          <p:cNvCxnSpPr/>
+          <p:nvPr/>
+        </p:nvCxnSpPr>
+        <p:spPr>
+          <a:xfrm>
+            <a:off x="3035416" y="0"/>
+            <a:ext cx="0" cy="6858000"/>
+          </a:xfrm>
+          <a:prstGeom prst="line">
+            <a:avLst/>
+          </a:prstGeom>
+          <a:ln w="9525">
+            <a:solidFill>
+              <a:schemeClr val="bg1"/>
+            </a:solidFill>
+          </a:ln>
+        </p:spPr>
+        <p:style>
+          <a:lnRef idx="1">
+            <a:schemeClr val="accent1"/>
+          </a:lnRef>
+          <a:fillRef idx="0">
+            <a:schemeClr val="accent1"/>
+          </a:fillRef>
+          <a:effectRef idx="0">
+            <a:schemeClr val="accent1"/>
+          </a:effectRef>
+          <a:fontRef idx="minor">
+            <a:schemeClr val="tx1"/>
+          </a:fontRef>
+        </p:style>
+      </p:cxnSp>
+      <p:cxnSp>
+        <p:nvCxnSpPr>
+          <p:cNvPr id="68" name="Straight Connector 67">
+            <a:extLst>
+              <a:ext uri="{FF2B5EF4-FFF2-40B4-BE49-F238E27FC236}">
+                <a16:creationId xmlns:a16="http://schemas.microsoft.com/office/drawing/2014/main" id="{C7FC0F9F-61B7-419A-B400-FD10A05F2363}"/>
+              </a:ext>
+            </a:extLst>
+          </p:cNvPr>
+          <p:cNvCxnSpPr/>
+          <p:nvPr/>
+        </p:nvCxnSpPr>
+        <p:spPr>
+          <a:xfrm>
+            <a:off x="3363985" y="0"/>
+            <a:ext cx="0" cy="6858000"/>
+          </a:xfrm>
+          <a:prstGeom prst="line">
+            <a:avLst/>
+          </a:prstGeom>
+          <a:ln w="9525">
+            <a:solidFill>
+              <a:schemeClr val="bg1"/>
+            </a:solidFill>
+          </a:ln>
+        </p:spPr>
+        <p:style>
+          <a:lnRef idx="1">
+            <a:schemeClr val="accent1"/>
+          </a:lnRef>
+          <a:fillRef idx="0">
+            <a:schemeClr val="accent1"/>
+          </a:fillRef>
+          <a:effectRef idx="0">
+            <a:schemeClr val="accent1"/>
+          </a:effectRef>
+          <a:fontRef idx="minor">
+            <a:schemeClr val="tx1"/>
+          </a:fontRef>
+        </p:style>
+      </p:cxnSp>
+      <p:cxnSp>
+        <p:nvCxnSpPr>
+          <p:cNvPr id="69" name="Straight Connector 68">
+            <a:extLst>
+              <a:ext uri="{FF2B5EF4-FFF2-40B4-BE49-F238E27FC236}">
+                <a16:creationId xmlns:a16="http://schemas.microsoft.com/office/drawing/2014/main" id="{67C7D33C-A846-4B5D-971F-B46DB3D0592E}"/>
+              </a:ext>
+            </a:extLst>
+          </p:cNvPr>
+          <p:cNvCxnSpPr/>
+          <p:nvPr/>
+        </p:nvCxnSpPr>
+        <p:spPr>
+          <a:xfrm>
+            <a:off x="3682766" y="0"/>
+            <a:ext cx="0" cy="6858000"/>
+          </a:xfrm>
+          <a:prstGeom prst="line">
+            <a:avLst/>
+          </a:prstGeom>
+          <a:ln w="9525">
+            <a:solidFill>
+              <a:schemeClr val="bg1"/>
+            </a:solidFill>
+          </a:ln>
+        </p:spPr>
+        <p:style>
+          <a:lnRef idx="1">
+            <a:schemeClr val="accent1"/>
+          </a:lnRef>
+          <a:fillRef idx="0">
+            <a:schemeClr val="accent1"/>
+          </a:fillRef>
+          <a:effectRef idx="0">
+            <a:schemeClr val="accent1"/>
+          </a:effectRef>
+          <a:fontRef idx="minor">
+            <a:schemeClr val="tx1"/>
+          </a:fontRef>
+        </p:style>
+      </p:cxnSp>
+      <p:cxnSp>
+        <p:nvCxnSpPr>
+          <p:cNvPr id="70" name="Straight Connector 69">
+            <a:extLst>
+              <a:ext uri="{FF2B5EF4-FFF2-40B4-BE49-F238E27FC236}">
+                <a16:creationId xmlns:a16="http://schemas.microsoft.com/office/drawing/2014/main" id="{C3ED152B-2595-4DFB-A09C-BC28D852B960}"/>
+              </a:ext>
+            </a:extLst>
+          </p:cNvPr>
+          <p:cNvCxnSpPr/>
+          <p:nvPr/>
+        </p:nvCxnSpPr>
+        <p:spPr>
+          <a:xfrm>
+            <a:off x="4011335" y="0"/>
+            <a:ext cx="0" cy="6858000"/>
+          </a:xfrm>
+          <a:prstGeom prst="line">
+            <a:avLst/>
+          </a:prstGeom>
+          <a:ln w="9525">
+            <a:solidFill>
+              <a:schemeClr val="bg1"/>
+            </a:solidFill>
+          </a:ln>
+        </p:spPr>
+        <p:style>
+          <a:lnRef idx="1">
+            <a:schemeClr val="accent1"/>
+          </a:lnRef>
+          <a:fillRef idx="0">
+            <a:schemeClr val="accent1"/>
+          </a:fillRef>
+          <a:effectRef idx="0">
+            <a:schemeClr val="accent1"/>
+          </a:effectRef>
+          <a:fontRef idx="minor">
+            <a:schemeClr val="tx1"/>
+          </a:fontRef>
+        </p:style>
+      </p:cxnSp>
+      <p:cxnSp>
+        <p:nvCxnSpPr>
+          <p:cNvPr id="71" name="Straight Connector 70">
+            <a:extLst>
+              <a:ext uri="{FF2B5EF4-FFF2-40B4-BE49-F238E27FC236}">
+                <a16:creationId xmlns:a16="http://schemas.microsoft.com/office/drawing/2014/main" id="{8D9F8881-6189-4D0D-AC69-ABAED22A42A4}"/>
+              </a:ext>
+            </a:extLst>
+          </p:cNvPr>
+          <p:cNvCxnSpPr/>
+          <p:nvPr/>
+        </p:nvCxnSpPr>
+        <p:spPr>
+          <a:xfrm>
+            <a:off x="420846" y="0"/>
+            <a:ext cx="0" cy="6858000"/>
+          </a:xfrm>
+          <a:prstGeom prst="line">
+            <a:avLst/>
+          </a:prstGeom>
+          <a:ln w="9525">
+            <a:solidFill>
+              <a:schemeClr val="bg1"/>
+            </a:solidFill>
+          </a:ln>
+        </p:spPr>
+        <p:style>
+          <a:lnRef idx="1">
+            <a:schemeClr val="accent1"/>
+          </a:lnRef>
+          <a:fillRef idx="0">
+            <a:schemeClr val="accent1"/>
+          </a:fillRef>
+          <a:effectRef idx="0">
+            <a:schemeClr val="accent1"/>
+          </a:effectRef>
+          <a:fontRef idx="minor">
+            <a:schemeClr val="tx1"/>
+          </a:fontRef>
+        </p:style>
+      </p:cxnSp>
+      <p:cxnSp>
+        <p:nvCxnSpPr>
+          <p:cNvPr id="72" name="Straight Connector 71">
+            <a:extLst>
+              <a:ext uri="{FF2B5EF4-FFF2-40B4-BE49-F238E27FC236}">
+                <a16:creationId xmlns:a16="http://schemas.microsoft.com/office/drawing/2014/main" id="{6BE9B19F-6976-4F01-B06E-15AD78AF3BC1}"/>
+              </a:ext>
+            </a:extLst>
+          </p:cNvPr>
+          <p:cNvCxnSpPr/>
+          <p:nvPr/>
+        </p:nvCxnSpPr>
+        <p:spPr>
+          <a:xfrm>
+            <a:off x="749415" y="0"/>
+            <a:ext cx="0" cy="6858000"/>
+          </a:xfrm>
+          <a:prstGeom prst="line">
+            <a:avLst/>
+          </a:prstGeom>
+          <a:ln w="9525">
+            <a:solidFill>
+              <a:schemeClr val="bg1"/>
+            </a:solidFill>
+          </a:ln>
+        </p:spPr>
+        <p:style>
+          <a:lnRef idx="1">
+            <a:schemeClr val="accent1"/>
+          </a:lnRef>
+          <a:fillRef idx="0">
+            <a:schemeClr val="accent1"/>
+          </a:fillRef>
+          <a:effectRef idx="0">
+            <a:schemeClr val="accent1"/>
+          </a:effectRef>
+          <a:fontRef idx="minor">
+            <a:schemeClr val="tx1"/>
+          </a:fontRef>
+        </p:style>
+      </p:cxnSp>
+      <p:cxnSp>
+        <p:nvCxnSpPr>
+          <p:cNvPr id="85" name="Straight Connector 84">
+            <a:extLst>
+              <a:ext uri="{FF2B5EF4-FFF2-40B4-BE49-F238E27FC236}">
+                <a16:creationId xmlns:a16="http://schemas.microsoft.com/office/drawing/2014/main" id="{7EB9DE5D-59A6-4DA3-878F-73A66F7A9553}"/>
+              </a:ext>
+            </a:extLst>
+          </p:cNvPr>
+          <p:cNvCxnSpPr>
+            <a:cxnSpLocks/>
+          </p:cNvCxnSpPr>
+          <p:nvPr/>
+        </p:nvCxnSpPr>
+        <p:spPr>
+          <a:xfrm flipH="1">
+            <a:off x="-65015" y="340421"/>
+            <a:ext cx="12257015" cy="0"/>
+          </a:xfrm>
+          <a:prstGeom prst="line">
+            <a:avLst/>
+          </a:prstGeom>
+          <a:ln w="9525">
+            <a:solidFill>
+              <a:schemeClr val="bg1"/>
+            </a:solidFill>
+          </a:ln>
+        </p:spPr>
+        <p:style>
+          <a:lnRef idx="1">
+            <a:schemeClr val="accent1"/>
+          </a:lnRef>
+          <a:fillRef idx="0">
+            <a:schemeClr val="accent1"/>
+          </a:fillRef>
+          <a:effectRef idx="0">
+            <a:schemeClr val="accent1"/>
+          </a:effectRef>
+          <a:fontRef idx="minor">
+            <a:schemeClr val="tx1"/>
+          </a:fontRef>
+        </p:style>
+      </p:cxnSp>
+      <p:cxnSp>
+        <p:nvCxnSpPr>
+          <p:cNvPr id="88" name="Straight Connector 87">
+            <a:extLst>
+              <a:ext uri="{FF2B5EF4-FFF2-40B4-BE49-F238E27FC236}">
+                <a16:creationId xmlns:a16="http://schemas.microsoft.com/office/drawing/2014/main" id="{F4A9BC97-A843-4FCB-AC45-2647BB87E9F9}"/>
+              </a:ext>
+            </a:extLst>
+          </p:cNvPr>
+          <p:cNvCxnSpPr>
+            <a:cxnSpLocks/>
+          </p:cNvCxnSpPr>
+          <p:nvPr/>
+        </p:nvCxnSpPr>
+        <p:spPr>
+          <a:xfrm flipH="1">
+            <a:off x="-65015" y="987772"/>
+            <a:ext cx="12257015" cy="0"/>
+          </a:xfrm>
+          <a:prstGeom prst="line">
+            <a:avLst/>
+          </a:prstGeom>
+          <a:ln w="9525">
+            <a:solidFill>
+              <a:schemeClr val="bg1"/>
+            </a:solidFill>
+          </a:ln>
+        </p:spPr>
+        <p:style>
+          <a:lnRef idx="1">
+            <a:schemeClr val="accent1"/>
+          </a:lnRef>
+          <a:fillRef idx="0">
+            <a:schemeClr val="accent1"/>
+          </a:fillRef>
+          <a:effectRef idx="0">
+            <a:schemeClr val="accent1"/>
+          </a:effectRef>
+          <a:fontRef idx="minor">
+            <a:schemeClr val="tx1"/>
+          </a:fontRef>
+        </p:style>
+      </p:cxnSp>
+      <p:cxnSp>
+        <p:nvCxnSpPr>
+          <p:cNvPr id="89" name="Straight Connector 88">
+            <a:extLst>
+              <a:ext uri="{FF2B5EF4-FFF2-40B4-BE49-F238E27FC236}">
+                <a16:creationId xmlns:a16="http://schemas.microsoft.com/office/drawing/2014/main" id="{F310E696-B93D-4785-9A36-70DE8A9A6D71}"/>
+              </a:ext>
+            </a:extLst>
+          </p:cNvPr>
+          <p:cNvCxnSpPr>
+            <a:cxnSpLocks/>
+          </p:cNvCxnSpPr>
+          <p:nvPr/>
+        </p:nvCxnSpPr>
+        <p:spPr>
+          <a:xfrm flipH="1">
+            <a:off x="-92629" y="1303026"/>
+            <a:ext cx="12257015" cy="0"/>
+          </a:xfrm>
+          <a:prstGeom prst="line">
+            <a:avLst/>
+          </a:prstGeom>
+          <a:ln w="9525">
+            <a:solidFill>
+              <a:schemeClr val="bg1"/>
+            </a:solidFill>
+          </a:ln>
+        </p:spPr>
+        <p:style>
+          <a:lnRef idx="1">
+            <a:schemeClr val="accent1"/>
+          </a:lnRef>
+          <a:fillRef idx="0">
+            <a:schemeClr val="accent1"/>
+          </a:fillRef>
+          <a:effectRef idx="0">
+            <a:schemeClr val="accent1"/>
+          </a:effectRef>
+          <a:fontRef idx="minor">
+            <a:schemeClr val="tx1"/>
+          </a:fontRef>
+        </p:style>
+      </p:cxnSp>
+      <p:cxnSp>
+        <p:nvCxnSpPr>
+          <p:cNvPr id="90" name="Straight Connector 89">
+            <a:extLst>
+              <a:ext uri="{FF2B5EF4-FFF2-40B4-BE49-F238E27FC236}">
+                <a16:creationId xmlns:a16="http://schemas.microsoft.com/office/drawing/2014/main" id="{1F84D905-CD66-4ED4-A4F0-7BD20E5AE25C}"/>
+              </a:ext>
+            </a:extLst>
+          </p:cNvPr>
+          <p:cNvCxnSpPr>
+            <a:cxnSpLocks/>
+          </p:cNvCxnSpPr>
+          <p:nvPr/>
+        </p:nvCxnSpPr>
+        <p:spPr>
+          <a:xfrm flipH="1">
+            <a:off x="-65015" y="1635123"/>
+            <a:ext cx="12257015" cy="0"/>
+          </a:xfrm>
+          <a:prstGeom prst="line">
+            <a:avLst/>
+          </a:prstGeom>
+          <a:ln w="9525">
+            <a:solidFill>
+              <a:schemeClr val="bg1"/>
+            </a:solidFill>
+          </a:ln>
+        </p:spPr>
+        <p:style>
+          <a:lnRef idx="1">
+            <a:schemeClr val="accent1"/>
+          </a:lnRef>
+          <a:fillRef idx="0">
+            <a:schemeClr val="accent1"/>
+          </a:fillRef>
+          <a:effectRef idx="0">
+            <a:schemeClr val="accent1"/>
+          </a:effectRef>
+          <a:fontRef idx="minor">
+            <a:schemeClr val="tx1"/>
+          </a:fontRef>
+        </p:style>
+      </p:cxnSp>
+      <p:cxnSp>
+        <p:nvCxnSpPr>
+          <p:cNvPr id="91" name="Straight Connector 90">
+            <a:extLst>
+              <a:ext uri="{FF2B5EF4-FFF2-40B4-BE49-F238E27FC236}">
+                <a16:creationId xmlns:a16="http://schemas.microsoft.com/office/drawing/2014/main" id="{8C309D7A-4A22-4C89-AA7A-55C25AD8150C}"/>
+              </a:ext>
+            </a:extLst>
+          </p:cNvPr>
+          <p:cNvCxnSpPr>
+            <a:cxnSpLocks/>
+          </p:cNvCxnSpPr>
+          <p:nvPr/>
+        </p:nvCxnSpPr>
+        <p:spPr>
+          <a:xfrm flipH="1">
+            <a:off x="-92629" y="1950377"/>
+            <a:ext cx="12257015" cy="0"/>
+          </a:xfrm>
+          <a:prstGeom prst="line">
+            <a:avLst/>
+          </a:prstGeom>
+          <a:ln w="9525">
+            <a:solidFill>
+              <a:schemeClr val="bg1"/>
+            </a:solidFill>
+          </a:ln>
+        </p:spPr>
+        <p:style>
+          <a:lnRef idx="1">
+            <a:schemeClr val="accent1"/>
+          </a:lnRef>
+          <a:fillRef idx="0">
+            <a:schemeClr val="accent1"/>
+          </a:fillRef>
+          <a:effectRef idx="0">
+            <a:schemeClr val="accent1"/>
+          </a:effectRef>
+          <a:fontRef idx="minor">
+            <a:schemeClr val="tx1"/>
+          </a:fontRef>
+        </p:style>
+      </p:cxnSp>
+      <p:cxnSp>
+        <p:nvCxnSpPr>
+          <p:cNvPr id="92" name="Straight Connector 91">
+            <a:extLst>
+              <a:ext uri="{FF2B5EF4-FFF2-40B4-BE49-F238E27FC236}">
+                <a16:creationId xmlns:a16="http://schemas.microsoft.com/office/drawing/2014/main" id="{0E2702BA-C589-4662-90B5-2CBE1159005F}"/>
+              </a:ext>
+            </a:extLst>
+          </p:cNvPr>
+          <p:cNvCxnSpPr>
+            <a:cxnSpLocks/>
+          </p:cNvCxnSpPr>
+          <p:nvPr/>
+        </p:nvCxnSpPr>
+        <p:spPr>
+          <a:xfrm flipH="1">
+            <a:off x="-65015" y="2282474"/>
+            <a:ext cx="12257015" cy="0"/>
+          </a:xfrm>
+          <a:prstGeom prst="line">
+            <a:avLst/>
+          </a:prstGeom>
+          <a:ln w="9525">
+            <a:solidFill>
+              <a:schemeClr val="bg1"/>
+            </a:solidFill>
+          </a:ln>
+        </p:spPr>
+        <p:style>
+          <a:lnRef idx="1">
+            <a:schemeClr val="accent1"/>
+          </a:lnRef>
+          <a:fillRef idx="0">
+            <a:schemeClr val="accent1"/>
+          </a:fillRef>
+          <a:effectRef idx="0">
+            <a:schemeClr val="accent1"/>
+          </a:effectRef>
+          <a:fontRef idx="minor">
+            <a:schemeClr val="tx1"/>
+          </a:fontRef>
+        </p:style>
+      </p:cxnSp>
+      <p:cxnSp>
+        <p:nvCxnSpPr>
+          <p:cNvPr id="93" name="Straight Connector 92">
+            <a:extLst>
+              <a:ext uri="{FF2B5EF4-FFF2-40B4-BE49-F238E27FC236}">
+                <a16:creationId xmlns:a16="http://schemas.microsoft.com/office/drawing/2014/main" id="{5414CBBC-7527-4A22-ADA9-434B698DFE25}"/>
+              </a:ext>
+            </a:extLst>
+          </p:cNvPr>
+          <p:cNvCxnSpPr>
+            <a:cxnSpLocks/>
+          </p:cNvCxnSpPr>
+          <p:nvPr/>
+        </p:nvCxnSpPr>
+        <p:spPr>
+          <a:xfrm flipH="1">
+            <a:off x="-92629" y="2597728"/>
+            <a:ext cx="12257015" cy="0"/>
+          </a:xfrm>
+          <a:prstGeom prst="line">
+            <a:avLst/>
+          </a:prstGeom>
+          <a:ln w="9525">
+            <a:solidFill>
+              <a:schemeClr val="bg1"/>
+            </a:solidFill>
+          </a:ln>
+        </p:spPr>
+        <p:style>
+          <a:lnRef idx="1">
+            <a:schemeClr val="accent1"/>
+          </a:lnRef>
+          <a:fillRef idx="0">
+            <a:schemeClr val="accent1"/>
+          </a:fillRef>
+          <a:effectRef idx="0">
+            <a:schemeClr val="accent1"/>
+          </a:effectRef>
+          <a:fontRef idx="minor">
+            <a:schemeClr val="tx1"/>
+          </a:fontRef>
+        </p:style>
+      </p:cxnSp>
+      <p:cxnSp>
+        <p:nvCxnSpPr>
+          <p:cNvPr id="94" name="Straight Connector 93">
+            <a:extLst>
+              <a:ext uri="{FF2B5EF4-FFF2-40B4-BE49-F238E27FC236}">
+                <a16:creationId xmlns:a16="http://schemas.microsoft.com/office/drawing/2014/main" id="{0A94FCE4-5FEB-4C8D-887D-F6412510F0C9}"/>
+              </a:ext>
+            </a:extLst>
+          </p:cNvPr>
+          <p:cNvCxnSpPr>
+            <a:cxnSpLocks/>
+          </p:cNvCxnSpPr>
+          <p:nvPr/>
+        </p:nvCxnSpPr>
+        <p:spPr>
+          <a:xfrm flipH="1">
+            <a:off x="-65015" y="2929825"/>
+            <a:ext cx="12257015" cy="0"/>
+          </a:xfrm>
+          <a:prstGeom prst="line">
+            <a:avLst/>
+          </a:prstGeom>
+          <a:ln w="9525">
+            <a:solidFill>
+              <a:schemeClr val="bg1"/>
+            </a:solidFill>
+          </a:ln>
+        </p:spPr>
+        <p:style>
+          <a:lnRef idx="1">
+            <a:schemeClr val="accent1"/>
+          </a:lnRef>
+          <a:fillRef idx="0">
+            <a:schemeClr val="accent1"/>
+          </a:fillRef>
+          <a:effectRef idx="0">
+            <a:schemeClr val="accent1"/>
+          </a:effectRef>
+          <a:fontRef idx="minor">
+            <a:schemeClr val="tx1"/>
+          </a:fontRef>
+        </p:style>
+      </p:cxnSp>
+      <p:cxnSp>
+        <p:nvCxnSpPr>
+          <p:cNvPr id="96" name="Straight Connector 95">
+            <a:extLst>
+              <a:ext uri="{FF2B5EF4-FFF2-40B4-BE49-F238E27FC236}">
+                <a16:creationId xmlns:a16="http://schemas.microsoft.com/office/drawing/2014/main" id="{51A1A903-BF38-435A-B208-6F59E715ED40}"/>
+              </a:ext>
+            </a:extLst>
+          </p:cNvPr>
+          <p:cNvCxnSpPr>
+            <a:cxnSpLocks/>
+          </p:cNvCxnSpPr>
+          <p:nvPr/>
+        </p:nvCxnSpPr>
+        <p:spPr>
+          <a:xfrm flipH="1">
+            <a:off x="-65015" y="3577176"/>
+            <a:ext cx="12257015" cy="0"/>
+          </a:xfrm>
+          <a:prstGeom prst="line">
+            <a:avLst/>
+          </a:prstGeom>
+          <a:ln w="9525">
+            <a:solidFill>
+              <a:schemeClr val="bg1"/>
+            </a:solidFill>
+          </a:ln>
+        </p:spPr>
+        <p:style>
+          <a:lnRef idx="1">
+            <a:schemeClr val="accent1"/>
+          </a:lnRef>
+          <a:fillRef idx="0">
+            <a:schemeClr val="accent1"/>
+          </a:fillRef>
+          <a:effectRef idx="0">
+            <a:schemeClr val="accent1"/>
+          </a:effectRef>
+          <a:fontRef idx="minor">
+            <a:schemeClr val="tx1"/>
+          </a:fontRef>
+        </p:style>
+      </p:cxnSp>
+      <p:cxnSp>
+        <p:nvCxnSpPr>
+          <p:cNvPr id="97" name="Straight Connector 96">
+            <a:extLst>
+              <a:ext uri="{FF2B5EF4-FFF2-40B4-BE49-F238E27FC236}">
+                <a16:creationId xmlns:a16="http://schemas.microsoft.com/office/drawing/2014/main" id="{1918E2A8-8262-4F3B-8FA2-E0CA2A8FF745}"/>
+              </a:ext>
+            </a:extLst>
+          </p:cNvPr>
+          <p:cNvCxnSpPr>
+            <a:cxnSpLocks/>
+          </p:cNvCxnSpPr>
+          <p:nvPr/>
+        </p:nvCxnSpPr>
+        <p:spPr>
+          <a:xfrm flipH="1">
+            <a:off x="-92629" y="3892430"/>
+            <a:ext cx="12257015" cy="0"/>
+          </a:xfrm>
+          <a:prstGeom prst="line">
+            <a:avLst/>
+          </a:prstGeom>
+          <a:ln w="9525">
+            <a:solidFill>
+              <a:schemeClr val="bg1"/>
+            </a:solidFill>
+          </a:ln>
+        </p:spPr>
+        <p:style>
+          <a:lnRef idx="1">
+            <a:schemeClr val="accent1"/>
+          </a:lnRef>
+          <a:fillRef idx="0">
+            <a:schemeClr val="accent1"/>
+          </a:fillRef>
+          <a:effectRef idx="0">
+            <a:schemeClr val="accent1"/>
+          </a:effectRef>
+          <a:fontRef idx="minor">
+            <a:schemeClr val="tx1"/>
+          </a:fontRef>
+        </p:style>
+      </p:cxnSp>
+      <p:cxnSp>
+        <p:nvCxnSpPr>
+          <p:cNvPr id="98" name="Straight Connector 97">
+            <a:extLst>
+              <a:ext uri="{FF2B5EF4-FFF2-40B4-BE49-F238E27FC236}">
+                <a16:creationId xmlns:a16="http://schemas.microsoft.com/office/drawing/2014/main" id="{F6B844EB-76D9-4571-A965-AFE4562291E2}"/>
+              </a:ext>
+            </a:extLst>
+          </p:cNvPr>
+          <p:cNvCxnSpPr>
+            <a:cxnSpLocks/>
+          </p:cNvCxnSpPr>
+          <p:nvPr/>
+        </p:nvCxnSpPr>
+        <p:spPr>
+          <a:xfrm flipH="1">
+            <a:off x="-65015" y="4224527"/>
+            <a:ext cx="12257015" cy="0"/>
+          </a:xfrm>
+          <a:prstGeom prst="line">
+            <a:avLst/>
+          </a:prstGeom>
+          <a:ln w="9525">
+            <a:solidFill>
+              <a:schemeClr val="bg1"/>
+            </a:solidFill>
+          </a:ln>
+        </p:spPr>
+        <p:style>
+          <a:lnRef idx="1">
+            <a:schemeClr val="accent1"/>
+          </a:lnRef>
+          <a:fillRef idx="0">
+            <a:schemeClr val="accent1"/>
+          </a:fillRef>
+          <a:effectRef idx="0">
+            <a:schemeClr val="accent1"/>
+          </a:effectRef>
+          <a:fontRef idx="minor">
+            <a:schemeClr val="tx1"/>
+          </a:fontRef>
+        </p:style>
+      </p:cxnSp>
+      <p:cxnSp>
+        <p:nvCxnSpPr>
+          <p:cNvPr id="99" name="Straight Connector 98">
+            <a:extLst>
+              <a:ext uri="{FF2B5EF4-FFF2-40B4-BE49-F238E27FC236}">
+                <a16:creationId xmlns:a16="http://schemas.microsoft.com/office/drawing/2014/main" id="{82162789-B302-4527-9464-D61D5FB52953}"/>
+              </a:ext>
+            </a:extLst>
+          </p:cNvPr>
+          <p:cNvCxnSpPr>
+            <a:cxnSpLocks/>
+          </p:cNvCxnSpPr>
+          <p:nvPr/>
+        </p:nvCxnSpPr>
+        <p:spPr>
+          <a:xfrm flipH="1">
+            <a:off x="-92629" y="4539781"/>
+            <a:ext cx="12257015" cy="0"/>
+          </a:xfrm>
+          <a:prstGeom prst="line">
+            <a:avLst/>
+          </a:prstGeom>
+          <a:ln w="9525">
+            <a:solidFill>
+              <a:schemeClr val="bg1"/>
+            </a:solidFill>
+          </a:ln>
+        </p:spPr>
+        <p:style>
+          <a:lnRef idx="1">
+            <a:schemeClr val="accent1"/>
+          </a:lnRef>
+          <a:fillRef idx="0">
+            <a:schemeClr val="accent1"/>
+          </a:fillRef>
+          <a:effectRef idx="0">
+            <a:schemeClr val="accent1"/>
+          </a:effectRef>
+          <a:fontRef idx="minor">
+            <a:schemeClr val="tx1"/>
+          </a:fontRef>
+        </p:style>
+      </p:cxnSp>
+      <p:cxnSp>
+        <p:nvCxnSpPr>
+          <p:cNvPr id="100" name="Straight Connector 99">
+            <a:extLst>
+              <a:ext uri="{FF2B5EF4-FFF2-40B4-BE49-F238E27FC236}">
+                <a16:creationId xmlns:a16="http://schemas.microsoft.com/office/drawing/2014/main" id="{CAD1AFFD-07A3-49B8-A53C-51CA36E5BB72}"/>
+              </a:ext>
+            </a:extLst>
+          </p:cNvPr>
+          <p:cNvCxnSpPr>
+            <a:cxnSpLocks/>
+          </p:cNvCxnSpPr>
+          <p:nvPr/>
+        </p:nvCxnSpPr>
+        <p:spPr>
+          <a:xfrm flipH="1">
+            <a:off x="-65015" y="4871878"/>
+            <a:ext cx="12257015" cy="0"/>
+          </a:xfrm>
+          <a:prstGeom prst="line">
+            <a:avLst/>
+          </a:prstGeom>
+          <a:ln w="9525">
+            <a:solidFill>
+              <a:schemeClr val="bg1"/>
+            </a:solidFill>
+          </a:ln>
+        </p:spPr>
+        <p:style>
+          <a:lnRef idx="1">
+            <a:schemeClr val="accent1"/>
+          </a:lnRef>
+          <a:fillRef idx="0">
+            <a:schemeClr val="accent1"/>
+          </a:fillRef>
+          <a:effectRef idx="0">
+            <a:schemeClr val="accent1"/>
+          </a:effectRef>
+          <a:fontRef idx="minor">
+            <a:schemeClr val="tx1"/>
+          </a:fontRef>
+        </p:style>
+      </p:cxnSp>
+      <p:cxnSp>
+        <p:nvCxnSpPr>
+          <p:cNvPr id="101" name="Straight Connector 100">
+            <a:extLst>
+              <a:ext uri="{FF2B5EF4-FFF2-40B4-BE49-F238E27FC236}">
+                <a16:creationId xmlns:a16="http://schemas.microsoft.com/office/drawing/2014/main" id="{F68998CF-2138-4411-9490-944ACC9778B1}"/>
+              </a:ext>
+            </a:extLst>
+          </p:cNvPr>
+          <p:cNvCxnSpPr>
+            <a:cxnSpLocks/>
+          </p:cNvCxnSpPr>
+          <p:nvPr/>
+        </p:nvCxnSpPr>
+        <p:spPr>
+          <a:xfrm flipH="1">
+            <a:off x="-92629" y="5187132"/>
+            <a:ext cx="12257015" cy="0"/>
+          </a:xfrm>
+          <a:prstGeom prst="line">
+            <a:avLst/>
+          </a:prstGeom>
+          <a:ln w="9525">
+            <a:solidFill>
+              <a:schemeClr val="bg1"/>
+            </a:solidFill>
+          </a:ln>
+        </p:spPr>
+        <p:style>
+          <a:lnRef idx="1">
+            <a:schemeClr val="accent1"/>
+          </a:lnRef>
+          <a:fillRef idx="0">
+            <a:schemeClr val="accent1"/>
+          </a:fillRef>
+          <a:effectRef idx="0">
+            <a:schemeClr val="accent1"/>
+          </a:effectRef>
+          <a:fontRef idx="minor">
+            <a:schemeClr val="tx1"/>
+          </a:fontRef>
+        </p:style>
+      </p:cxnSp>
+      <p:cxnSp>
+        <p:nvCxnSpPr>
+          <p:cNvPr id="102" name="Straight Connector 101">
+            <a:extLst>
+              <a:ext uri="{FF2B5EF4-FFF2-40B4-BE49-F238E27FC236}">
+                <a16:creationId xmlns:a16="http://schemas.microsoft.com/office/drawing/2014/main" id="{F8A23504-7DBF-4E2D-BF50-57590111C3CC}"/>
+              </a:ext>
+            </a:extLst>
+          </p:cNvPr>
+          <p:cNvCxnSpPr>
+            <a:cxnSpLocks/>
+          </p:cNvCxnSpPr>
+          <p:nvPr/>
+        </p:nvCxnSpPr>
+        <p:spPr>
+          <a:xfrm flipH="1">
+            <a:off x="-65015" y="5519229"/>
+            <a:ext cx="12257015" cy="0"/>
+          </a:xfrm>
+          <a:prstGeom prst="line">
+            <a:avLst/>
+          </a:prstGeom>
+          <a:ln w="9525">
+            <a:solidFill>
+              <a:schemeClr val="bg1"/>
+            </a:solidFill>
+          </a:ln>
+        </p:spPr>
+        <p:style>
+          <a:lnRef idx="1">
+            <a:schemeClr val="accent1"/>
+          </a:lnRef>
+          <a:fillRef idx="0">
+            <a:schemeClr val="accent1"/>
+          </a:fillRef>
+          <a:effectRef idx="0">
+            <a:schemeClr val="accent1"/>
+          </a:effectRef>
+          <a:fontRef idx="minor">
+            <a:schemeClr val="tx1"/>
+          </a:fontRef>
+        </p:style>
+      </p:cxnSp>
+      <p:cxnSp>
+        <p:nvCxnSpPr>
+          <p:cNvPr id="103" name="Straight Connector 102">
+            <a:extLst>
+              <a:ext uri="{FF2B5EF4-FFF2-40B4-BE49-F238E27FC236}">
+                <a16:creationId xmlns:a16="http://schemas.microsoft.com/office/drawing/2014/main" id="{AC57A664-263D-4171-AF81-B6997786E15E}"/>
+              </a:ext>
+            </a:extLst>
+          </p:cNvPr>
+          <p:cNvCxnSpPr>
+            <a:cxnSpLocks/>
+          </p:cNvCxnSpPr>
+          <p:nvPr/>
+        </p:nvCxnSpPr>
+        <p:spPr>
+          <a:xfrm flipH="1">
+            <a:off x="-92629" y="5834483"/>
+            <a:ext cx="12257015" cy="0"/>
+          </a:xfrm>
+          <a:prstGeom prst="line">
+            <a:avLst/>
+          </a:prstGeom>
+          <a:ln w="9525">
+            <a:solidFill>
+              <a:schemeClr val="bg1"/>
+            </a:solidFill>
+          </a:ln>
+        </p:spPr>
+        <p:style>
+          <a:lnRef idx="1">
+            <a:schemeClr val="accent1"/>
+          </a:lnRef>
+          <a:fillRef idx="0">
+            <a:schemeClr val="accent1"/>
+          </a:fillRef>
+          <a:effectRef idx="0">
+            <a:schemeClr val="accent1"/>
+          </a:effectRef>
+          <a:fontRef idx="minor">
+            <a:schemeClr val="tx1"/>
+          </a:fontRef>
+        </p:style>
+      </p:cxnSp>
+      <p:cxnSp>
+        <p:nvCxnSpPr>
+          <p:cNvPr id="104" name="Straight Connector 103">
+            <a:extLst>
+              <a:ext uri="{FF2B5EF4-FFF2-40B4-BE49-F238E27FC236}">
+                <a16:creationId xmlns:a16="http://schemas.microsoft.com/office/drawing/2014/main" id="{83A2D9FE-06CB-4693-BB8A-2A2F71AD0D02}"/>
+              </a:ext>
+            </a:extLst>
+          </p:cNvPr>
+          <p:cNvCxnSpPr>
+            <a:cxnSpLocks/>
+          </p:cNvCxnSpPr>
+          <p:nvPr/>
+        </p:nvCxnSpPr>
+        <p:spPr>
+          <a:xfrm flipH="1">
+            <a:off x="-65015" y="6166580"/>
+            <a:ext cx="12257015" cy="0"/>
+          </a:xfrm>
+          <a:prstGeom prst="line">
+            <a:avLst/>
+          </a:prstGeom>
+          <a:ln w="9525">
+            <a:solidFill>
+              <a:schemeClr val="bg1"/>
+            </a:solidFill>
+          </a:ln>
+        </p:spPr>
+        <p:style>
+          <a:lnRef idx="1">
+            <a:schemeClr val="accent1"/>
+          </a:lnRef>
+          <a:fillRef idx="0">
+            <a:schemeClr val="accent1"/>
+          </a:fillRef>
+          <a:effectRef idx="0">
+            <a:schemeClr val="accent1"/>
+          </a:effectRef>
+          <a:fontRef idx="minor">
+            <a:schemeClr val="tx1"/>
+          </a:fontRef>
+        </p:style>
+      </p:cxnSp>
+      <p:cxnSp>
+        <p:nvCxnSpPr>
+          <p:cNvPr id="105" name="Straight Connector 104">
+            <a:extLst>
+              <a:ext uri="{FF2B5EF4-FFF2-40B4-BE49-F238E27FC236}">
+                <a16:creationId xmlns:a16="http://schemas.microsoft.com/office/drawing/2014/main" id="{65DDADDA-279C-4CA3-8292-1AD6D2D04952}"/>
+              </a:ext>
+            </a:extLst>
+          </p:cNvPr>
+          <p:cNvCxnSpPr>
+            <a:cxnSpLocks/>
+          </p:cNvCxnSpPr>
+          <p:nvPr/>
+        </p:nvCxnSpPr>
+        <p:spPr>
+          <a:xfrm flipH="1">
+            <a:off x="-92629" y="6481834"/>
+            <a:ext cx="12257015" cy="0"/>
+          </a:xfrm>
+          <a:prstGeom prst="line">
+            <a:avLst/>
+          </a:prstGeom>
+          <a:ln w="9525">
+            <a:solidFill>
+              <a:schemeClr val="bg1"/>
+            </a:solidFill>
+          </a:ln>
+        </p:spPr>
+        <p:style>
+          <a:lnRef idx="1">
+            <a:schemeClr val="accent1"/>
+          </a:lnRef>
+          <a:fillRef idx="0">
+            <a:schemeClr val="accent1"/>
+          </a:fillRef>
+          <a:effectRef idx="0">
+            <a:schemeClr val="accent1"/>
+          </a:effectRef>
+          <a:fontRef idx="minor">
+            <a:schemeClr val="tx1"/>
+          </a:fontRef>
+        </p:style>
+      </p:cxnSp>
+      <p:cxnSp>
+        <p:nvCxnSpPr>
+          <p:cNvPr id="106" name="Straight Connector 105">
+            <a:extLst>
+              <a:ext uri="{FF2B5EF4-FFF2-40B4-BE49-F238E27FC236}">
+                <a16:creationId xmlns:a16="http://schemas.microsoft.com/office/drawing/2014/main" id="{1063770E-04D4-4618-BDC6-4E5F410050D0}"/>
+              </a:ext>
+            </a:extLst>
+          </p:cNvPr>
+          <p:cNvCxnSpPr>
+            <a:cxnSpLocks/>
+          </p:cNvCxnSpPr>
+          <p:nvPr/>
+        </p:nvCxnSpPr>
+        <p:spPr>
+          <a:xfrm flipH="1">
+            <a:off x="-65015" y="6813931"/>
+            <a:ext cx="12257015" cy="0"/>
+          </a:xfrm>
+          <a:prstGeom prst="line">
+            <a:avLst/>
+          </a:prstGeom>
+          <a:ln w="9525">
+            <a:solidFill>
+              <a:schemeClr val="bg1"/>
+            </a:solidFill>
+          </a:ln>
+        </p:spPr>
+        <p:style>
+          <a:lnRef idx="1">
+            <a:schemeClr val="accent1"/>
+          </a:lnRef>
+          <a:fillRef idx="0">
+            <a:schemeClr val="accent1"/>
+          </a:fillRef>
+          <a:effectRef idx="0">
+            <a:schemeClr val="accent1"/>
+          </a:effectRef>
+          <a:fontRef idx="minor">
+            <a:schemeClr val="tx1"/>
+          </a:fontRef>
+        </p:style>
+      </p:cxnSp>
+      <p:sp>
+        <p:nvSpPr>
+          <p:cNvPr id="4" name="Rectangle 3">
+            <a:extLst>
+              <a:ext uri="{FF2B5EF4-FFF2-40B4-BE49-F238E27FC236}">
+                <a16:creationId xmlns:a16="http://schemas.microsoft.com/office/drawing/2014/main" id="{D7CFB909-98F9-4FCD-B05A-78C64620DF4A}"/>
+              </a:ext>
+            </a:extLst>
+          </p:cNvPr>
+          <p:cNvSpPr/>
+          <p:nvPr/>
+        </p:nvSpPr>
+        <p:spPr>
+          <a:xfrm>
+            <a:off x="797502" y="340421"/>
+            <a:ext cx="7768127" cy="6264067"/>
+          </a:xfrm>
+          <a:prstGeom prst="rect">
+            <a:avLst/>
+          </a:prstGeom>
+          <a:solidFill>
+            <a:schemeClr val="bg1"/>
+          </a:solidFill>
+          <a:ln w="57150">
+            <a:solidFill>
+              <a:schemeClr val="tx1"/>
+            </a:solidFill>
+          </a:ln>
+        </p:spPr>
+        <p:style>
+          <a:lnRef idx="2">
+            <a:schemeClr val="accent1">
+              <a:shade val="50000"/>
+            </a:schemeClr>
+          </a:lnRef>
+          <a:fillRef idx="1">
+            <a:schemeClr val="accent1"/>
+          </a:fillRef>
+          <a:effectRef idx="0">
+            <a:schemeClr val="accent1"/>
+          </a:effectRef>
+          <a:fontRef idx="minor">
+            <a:schemeClr val="lt1"/>
+          </a:fontRef>
+        </p:style>
+        <p:txBody>
+          <a:bodyPr rtlCol="0" anchor="ctr"/>
+          <a:lstStyle/>
+          <a:p>
+            <a:pPr algn="ctr"/>
+            <a:endParaRPr lang="en-CA">
+              <a:ln>
+                <a:solidFill>
+                  <a:schemeClr val="bg1"/>
+                </a:solidFill>
+              </a:ln>
+            </a:endParaRPr>
+          </a:p>
+        </p:txBody>
+      </p:sp>
+      <p:cxnSp>
+        <p:nvCxnSpPr>
+          <p:cNvPr id="107" name="Straight Connector 106">
+            <a:extLst>
+              <a:ext uri="{FF2B5EF4-FFF2-40B4-BE49-F238E27FC236}">
+                <a16:creationId xmlns:a16="http://schemas.microsoft.com/office/drawing/2014/main" id="{9D2E2E2A-A582-417D-809D-BA1E8764A2C7}"/>
+              </a:ext>
+            </a:extLst>
+          </p:cNvPr>
+          <p:cNvCxnSpPr>
+            <a:cxnSpLocks/>
+          </p:cNvCxnSpPr>
+          <p:nvPr/>
+        </p:nvCxnSpPr>
+        <p:spPr>
+          <a:xfrm flipH="1">
+            <a:off x="-92629" y="7129185"/>
+            <a:ext cx="12257015" cy="0"/>
+          </a:xfrm>
+          <a:prstGeom prst="line">
+            <a:avLst/>
+          </a:prstGeom>
+          <a:ln w="9525">
+            <a:solidFill>
+              <a:schemeClr val="bg1"/>
+            </a:solidFill>
+          </a:ln>
+        </p:spPr>
+        <p:style>
+          <a:lnRef idx="1">
+            <a:schemeClr val="accent1"/>
+          </a:lnRef>
+          <a:fillRef idx="0">
+            <a:schemeClr val="accent1"/>
+          </a:fillRef>
+          <a:effectRef idx="0">
+            <a:schemeClr val="accent1"/>
+          </a:effectRef>
+          <a:fontRef idx="minor">
+            <a:schemeClr val="tx1"/>
+          </a:fontRef>
+        </p:style>
+      </p:cxnSp>
+      <p:sp>
+        <p:nvSpPr>
+          <p:cNvPr id="6" name="Rectangle 5">
+            <a:extLst>
+              <a:ext uri="{FF2B5EF4-FFF2-40B4-BE49-F238E27FC236}">
+                <a16:creationId xmlns:a16="http://schemas.microsoft.com/office/drawing/2014/main" id="{3E18B287-B1B5-449E-BFBE-40B0F298ADD3}"/>
+              </a:ext>
+            </a:extLst>
+          </p:cNvPr>
+          <p:cNvSpPr/>
+          <p:nvPr/>
+        </p:nvSpPr>
+        <p:spPr>
+          <a:xfrm>
+            <a:off x="797501" y="1066146"/>
+            <a:ext cx="7768127" cy="326428"/>
+          </a:xfrm>
+          <a:prstGeom prst="rect">
+            <a:avLst/>
+          </a:prstGeom>
+          <a:solidFill>
+            <a:schemeClr val="tx1"/>
+          </a:solidFill>
+          <a:ln>
+            <a:solidFill>
+              <a:schemeClr val="tx1"/>
+            </a:solidFill>
+          </a:ln>
+        </p:spPr>
+        <p:style>
+          <a:lnRef idx="2">
+            <a:schemeClr val="accent1">
+              <a:shade val="50000"/>
+            </a:schemeClr>
+          </a:lnRef>
+          <a:fillRef idx="1">
+            <a:schemeClr val="accent1"/>
+          </a:fillRef>
+          <a:effectRef idx="0">
+            <a:schemeClr val="accent1"/>
+          </a:effectRef>
+          <a:fontRef idx="minor">
+            <a:schemeClr val="lt1"/>
+          </a:fontRef>
+        </p:style>
+        <p:txBody>
+          <a:bodyPr rtlCol="0" anchor="ctr"/>
+          <a:lstStyle/>
+          <a:p>
+            <a:pPr algn="ctr"/>
+            <a:endParaRPr lang="en-CA"/>
+          </a:p>
+        </p:txBody>
+      </p:sp>
+      <p:sp>
+        <p:nvSpPr>
           <p:cNvPr id="2" name="Title 1">
             <a:extLst>
               <a:ext uri="{FF2B5EF4-FFF2-40B4-BE49-F238E27FC236}">
@@ -3387,50 +5929,221 @@
             <p:ph type="ctrTitle"/>
           </p:nvPr>
         </p:nvSpPr>
-        <p:spPr/>
+        <p:spPr>
+          <a:xfrm>
+            <a:off x="1185996" y="1704113"/>
+            <a:ext cx="7594285" cy="1503001"/>
+          </a:xfrm>
+        </p:spPr>
+        <p:txBody>
+          <a:bodyPr>
+            <a:normAutofit fontScale="90000"/>
+          </a:bodyPr>
+          <a:lstStyle/>
+          <a:p>
+            <a:pPr algn="l"/>
+            <a:r>
+              <a:rPr lang="en-CA" b="1" dirty="0">
+                <a:latin typeface="TeXGyreHeros" panose="00000500000000000000" pitchFamily="50" charset="0"/>
+              </a:rPr>
+              <a:t>Finite Differences:</a:t>
+            </a:r>
+            <a:br>
+              <a:rPr lang="en-CA" b="1" dirty="0">
+                <a:latin typeface="TeXGyreHeros" panose="00000500000000000000" pitchFamily="50" charset="0"/>
+              </a:rPr>
+            </a:br>
+            <a:endParaRPr lang="en-CA" b="1" dirty="0">
+              <a:latin typeface="TeXGyreHeros" panose="00000500000000000000" pitchFamily="50" charset="0"/>
+            </a:endParaRPr>
+          </a:p>
+        </p:txBody>
+      </p:sp>
+      <p:cxnSp>
+        <p:nvCxnSpPr>
+          <p:cNvPr id="95" name="Straight Connector 94">
+            <a:extLst>
+              <a:ext uri="{FF2B5EF4-FFF2-40B4-BE49-F238E27FC236}">
+                <a16:creationId xmlns:a16="http://schemas.microsoft.com/office/drawing/2014/main" id="{60AD0BD9-9DAF-4ACD-9441-15FB4105D6F6}"/>
+              </a:ext>
+            </a:extLst>
+          </p:cNvPr>
+          <p:cNvCxnSpPr>
+            <a:cxnSpLocks/>
+          </p:cNvCxnSpPr>
+          <p:nvPr/>
+        </p:nvCxnSpPr>
+        <p:spPr>
+          <a:xfrm flipH="1">
+            <a:off x="-92629" y="3245079"/>
+            <a:ext cx="12257015" cy="0"/>
+          </a:xfrm>
+          <a:prstGeom prst="line">
+            <a:avLst/>
+          </a:prstGeom>
+          <a:ln w="9525">
+            <a:solidFill>
+              <a:schemeClr val="bg1"/>
+            </a:solidFill>
+          </a:ln>
+        </p:spPr>
+        <p:style>
+          <a:lnRef idx="1">
+            <a:schemeClr val="accent1"/>
+          </a:lnRef>
+          <a:fillRef idx="0">
+            <a:schemeClr val="accent1"/>
+          </a:fillRef>
+          <a:effectRef idx="0">
+            <a:schemeClr val="accent1"/>
+          </a:effectRef>
+          <a:fontRef idx="minor">
+            <a:schemeClr val="tx1"/>
+          </a:fontRef>
+        </p:style>
+      </p:cxnSp>
+      <p:sp>
+        <p:nvSpPr>
+          <p:cNvPr id="10" name="Rectangle 9">
+            <a:extLst>
+              <a:ext uri="{FF2B5EF4-FFF2-40B4-BE49-F238E27FC236}">
+                <a16:creationId xmlns:a16="http://schemas.microsoft.com/office/drawing/2014/main" id="{4E8468E0-338C-4004-A37F-FA22F35A4972}"/>
+              </a:ext>
+            </a:extLst>
+          </p:cNvPr>
+          <p:cNvSpPr/>
+          <p:nvPr/>
+        </p:nvSpPr>
+        <p:spPr>
+          <a:xfrm>
+            <a:off x="797500" y="3256223"/>
+            <a:ext cx="7768127" cy="90984"/>
+          </a:xfrm>
+          <a:prstGeom prst="rect">
+            <a:avLst/>
+          </a:prstGeom>
+          <a:solidFill>
+            <a:schemeClr val="tx1"/>
+          </a:solidFill>
+          <a:ln>
+            <a:solidFill>
+              <a:schemeClr val="tx1"/>
+            </a:solidFill>
+          </a:ln>
+        </p:spPr>
+        <p:style>
+          <a:lnRef idx="2">
+            <a:schemeClr val="accent1">
+              <a:shade val="50000"/>
+            </a:schemeClr>
+          </a:lnRef>
+          <a:fillRef idx="1">
+            <a:schemeClr val="accent1"/>
+          </a:fillRef>
+          <a:effectRef idx="0">
+            <a:schemeClr val="accent1"/>
+          </a:effectRef>
+          <a:fontRef idx="minor">
+            <a:schemeClr val="lt1"/>
+          </a:fontRef>
+        </p:style>
+        <p:txBody>
+          <a:bodyPr rtlCol="0" anchor="ctr"/>
+          <a:lstStyle/>
+          <a:p>
+            <a:pPr algn="ctr"/>
+            <a:endParaRPr lang="en-CA"/>
+          </a:p>
+        </p:txBody>
+      </p:sp>
+      <p:sp>
+        <p:nvSpPr>
+          <p:cNvPr id="3" name="Subtitle 2">
+            <a:extLst>
+              <a:ext uri="{FF2B5EF4-FFF2-40B4-BE49-F238E27FC236}">
+                <a16:creationId xmlns:a16="http://schemas.microsoft.com/office/drawing/2014/main" id="{82B4378B-18AA-466F-9D58-AF7EDC07E878}"/>
+              </a:ext>
+            </a:extLst>
+          </p:cNvPr>
+          <p:cNvSpPr>
+            <a:spLocks noGrp="1"/>
+          </p:cNvSpPr>
+          <p:nvPr>
+            <p:ph type="subTitle" idx="1"/>
+          </p:nvPr>
+        </p:nvSpPr>
+        <p:spPr>
+          <a:xfrm>
+            <a:off x="1211185" y="3990649"/>
+            <a:ext cx="4483066" cy="1655762"/>
+          </a:xfrm>
+        </p:spPr>
         <p:txBody>
           <a:bodyPr/>
           <a:lstStyle/>
           <a:p>
-            <a:r>
-              <a:rPr lang="en-CA" dirty="0"/>
-              <a:t>Finite Differences:</a:t>
-            </a:r>
-            <a:br>
-              <a:rPr lang="en-CA" dirty="0"/>
-            </a:br>
-            <a:r>
-              <a:rPr lang="en-CA" dirty="0"/>
+            <a:pPr algn="l"/>
+            <a:r>
+              <a:rPr lang="en-CA" dirty="0">
+                <a:latin typeface="TeXGyreHerosCn" panose="00000506000000000000" pitchFamily="50" charset="0"/>
+              </a:rPr>
+              <a:t>Alex Matheson and Austin Nhung</a:t>
+            </a:r>
+          </a:p>
+          <a:p>
+            <a:pPr algn="l"/>
+            <a:r>
+              <a:rPr lang="en-CA" dirty="0">
+                <a:latin typeface="TeXGyreHerosCn" panose="00000506000000000000" pitchFamily="50" charset="0"/>
+              </a:rPr>
+              <a:t>Presentation 3</a:t>
+            </a:r>
+          </a:p>
+          <a:p>
+            <a:pPr algn="l"/>
+            <a:r>
+              <a:rPr lang="en-CA" dirty="0">
+                <a:latin typeface="TeXGyreHerosCn" panose="00000506000000000000" pitchFamily="50" charset="0"/>
+              </a:rPr>
+              <a:t>April 3, 2018</a:t>
+            </a:r>
+          </a:p>
+        </p:txBody>
+      </p:sp>
+      <p:sp>
+        <p:nvSpPr>
+          <p:cNvPr id="5" name="Rectangle 4">
+            <a:extLst>
+              <a:ext uri="{FF2B5EF4-FFF2-40B4-BE49-F238E27FC236}">
+                <a16:creationId xmlns:a16="http://schemas.microsoft.com/office/drawing/2014/main" id="{1B111966-BF97-4D2F-B9E9-1263F0830EE6}"/>
+              </a:ext>
+            </a:extLst>
+          </p:cNvPr>
+          <p:cNvSpPr/>
+          <p:nvPr/>
+        </p:nvSpPr>
+        <p:spPr>
+          <a:xfrm>
+            <a:off x="1211185" y="2433552"/>
+            <a:ext cx="6028514" cy="707886"/>
+          </a:xfrm>
+          <a:prstGeom prst="rect">
+            <a:avLst/>
+          </a:prstGeom>
+        </p:spPr>
+        <p:txBody>
+          <a:bodyPr wrap="square">
+            <a:spAutoFit/>
+          </a:bodyPr>
+          <a:lstStyle/>
+          <a:p>
+            <a:r>
+              <a:rPr lang="en-CA" sz="4000" b="1" dirty="0">
+                <a:latin typeface="TeXGyreHeros" panose="00000500000000000000" pitchFamily="50" charset="0"/>
+              </a:rPr>
               <a:t>Staggered Grids</a:t>
             </a:r>
-          </a:p>
-        </p:txBody>
-      </p:sp>
-      <p:sp>
-        <p:nvSpPr>
-          <p:cNvPr id="3" name="Subtitle 2">
-            <a:extLst>
-              <a:ext uri="{FF2B5EF4-FFF2-40B4-BE49-F238E27FC236}">
-                <a16:creationId xmlns:a16="http://schemas.microsoft.com/office/drawing/2014/main" id="{82B4378B-18AA-466F-9D58-AF7EDC07E878}"/>
-              </a:ext>
-            </a:extLst>
-          </p:cNvPr>
-          <p:cNvSpPr>
-            <a:spLocks noGrp="1"/>
-          </p:cNvSpPr>
-          <p:nvPr>
-            <p:ph type="subTitle" idx="1"/>
-          </p:nvPr>
-        </p:nvSpPr>
-        <p:spPr/>
-        <p:txBody>
-          <a:bodyPr/>
-          <a:lstStyle/>
-          <a:p>
-            <a:r>
-              <a:rPr lang="en-CA" dirty="0"/>
-              <a:t>Alex Matheson and Austin Nhung</a:t>
-            </a:r>
+            <a:endParaRPr lang="en-CA" sz="4000" dirty="0"/>
           </a:p>
         </p:txBody>
       </p:sp>
@@ -3511,7 +6224,7 @@
         <p:spPr>
           <a:xfrm>
             <a:off x="838200" y="1825625"/>
-            <a:ext cx="6770615" cy="4351338"/>
+            <a:ext cx="6187633" cy="4351338"/>
           </a:xfrm>
         </p:spPr>
         <p:txBody>
@@ -3539,6 +6252,42 @@
           </a:p>
         </p:txBody>
       </p:sp>
+      <p:pic>
+        <p:nvPicPr>
+          <p:cNvPr id="5" name="Picture 4">
+            <a:extLst>
+              <a:ext uri="{FF2B5EF4-FFF2-40B4-BE49-F238E27FC236}">
+                <a16:creationId xmlns:a16="http://schemas.microsoft.com/office/drawing/2014/main" id="{60762197-AC4D-4972-B412-A15A79E71B7B}"/>
+              </a:ext>
+            </a:extLst>
+          </p:cNvPr>
+          <p:cNvPicPr>
+            <a:picLocks noChangeAspect="1"/>
+          </p:cNvPicPr>
+          <p:nvPr/>
+        </p:nvPicPr>
+        <p:blipFill>
+          <a:blip r:embed="rId2">
+            <a:extLst>
+              <a:ext uri="{28A0092B-C50C-407E-A947-70E740481C1C}">
+                <a14:useLocalDpi xmlns:a14="http://schemas.microsoft.com/office/drawing/2010/main" val="0"/>
+              </a:ext>
+            </a:extLst>
+          </a:blip>
+          <a:stretch>
+            <a:fillRect/>
+          </a:stretch>
+        </p:blipFill>
+        <p:spPr>
+          <a:xfrm>
+            <a:off x="6804651" y="1393645"/>
+            <a:ext cx="4549149" cy="4672593"/>
+          </a:xfrm>
+          <a:prstGeom prst="rect">
+            <a:avLst/>
+          </a:prstGeom>
+        </p:spPr>
+      </p:pic>
     </p:spTree>
     <p:extLst>
       <p:ext uri="{BB962C8B-B14F-4D97-AF65-F5344CB8AC3E}">
@@ -3624,10 +6373,15 @@
           <a:lstStyle/>
           <a:p>
             <a:r>
-              <a:rPr lang="en-CA" dirty="0" err="1"/>
-              <a:t>sdfsdf</a:t>
-            </a:r>
-            <a:endParaRPr lang="en-CA" dirty="0"/>
+              <a:rPr lang="en-CA" dirty="0"/>
+              <a:t>Using the staggered grid method, we can effectively sample two adjacent points of our flux quantity</a:t>
+            </a:r>
+          </a:p>
+          <a:p>
+            <a:r>
+              <a:rPr lang="en-CA" dirty="0"/>
+              <a:t>This effectively uses the finite difference from a higher resolution while keeping the lower memory, lower resolution result</a:t>
+            </a:r>
           </a:p>
         </p:txBody>
       </p:sp>
@@ -4621,6 +7375,14 @@
 <file path=ppt/slides/slide2.xml><?xml version="1.0" encoding="utf-8"?>
 <p:sld xmlns:a="http://schemas.openxmlformats.org/drawingml/2006/main" xmlns:r="http://schemas.openxmlformats.org/officeDocument/2006/relationships" xmlns:p="http://schemas.openxmlformats.org/presentationml/2006/main">
   <p:cSld>
+    <p:bg>
+      <p:bgPr>
+        <a:solidFill>
+          <a:srgbClr val="F8A6EC"/>
+        </a:solidFill>
+        <a:effectLst/>
+      </p:bgPr>
+    </p:bg>
     <p:spTree>
       <p:nvGrpSpPr>
         <p:cNvPr id="1" name=""/>
@@ -4637,6 +7399,60 @@
       </p:grpSpPr>
       <p:sp>
         <p:nvSpPr>
+          <p:cNvPr id="16" name="Rectangle 15">
+            <a:extLst>
+              <a:ext uri="{FF2B5EF4-FFF2-40B4-BE49-F238E27FC236}">
+                <a16:creationId xmlns:a16="http://schemas.microsoft.com/office/drawing/2014/main" id="{17A9A2DC-DB6E-468C-BAEC-BD7E83EDBA36}"/>
+              </a:ext>
+            </a:extLst>
+          </p:cNvPr>
+          <p:cNvSpPr/>
+          <p:nvPr/>
+        </p:nvSpPr>
+        <p:spPr>
+          <a:xfrm>
+            <a:off x="838200" y="0"/>
+            <a:ext cx="10515600" cy="6857999"/>
+          </a:xfrm>
+          <a:prstGeom prst="rect">
+            <a:avLst/>
+          </a:prstGeom>
+          <a:solidFill>
+            <a:schemeClr val="bg1"/>
+          </a:solidFill>
+          <a:ln w="19050">
+            <a:solidFill>
+              <a:schemeClr val="tx1"/>
+            </a:solidFill>
+          </a:ln>
+        </p:spPr>
+        <p:style>
+          <a:lnRef idx="2">
+            <a:schemeClr val="accent1">
+              <a:shade val="50000"/>
+            </a:schemeClr>
+          </a:lnRef>
+          <a:fillRef idx="1">
+            <a:schemeClr val="accent1"/>
+          </a:fillRef>
+          <a:effectRef idx="0">
+            <a:schemeClr val="accent1"/>
+          </a:effectRef>
+          <a:fontRef idx="minor">
+            <a:schemeClr val="lt1"/>
+          </a:fontRef>
+        </p:style>
+        <p:txBody>
+          <a:bodyPr rtlCol="0" anchor="ctr"/>
+          <a:lstStyle/>
+          <a:p>
+            <a:pPr algn="ctr"/>
+            <a:endParaRPr lang="en-CA"/>
+          </a:p>
+        </p:txBody>
+      </p:sp>
+      <p:sp>
+        <p:nvSpPr>
           <p:cNvPr id="2" name="Title 1">
             <a:extLst>
               <a:ext uri="{FF2B5EF4-FFF2-40B4-BE49-F238E27FC236}">
@@ -4651,13 +7467,20 @@
             <p:ph type="title"/>
           </p:nvPr>
         </p:nvSpPr>
-        <p:spPr/>
+        <p:spPr>
+          <a:xfrm>
+            <a:off x="838200" y="351812"/>
+            <a:ext cx="10515600" cy="1325563"/>
+          </a:xfrm>
+        </p:spPr>
         <p:txBody>
           <a:bodyPr/>
           <a:lstStyle/>
           <a:p>
             <a:r>
-              <a:rPr lang="en-CA" dirty="0"/>
+              <a:rPr lang="en-CA" b="1" dirty="0">
+                <a:latin typeface="TeXGyreHeros" panose="00000500000000000000" pitchFamily="50" charset="0"/>
+              </a:rPr>
               <a:t>Review: Finite Differences</a:t>
             </a:r>
           </a:p>
@@ -4685,42 +7508,56 @@
           <a:lstStyle/>
           <a:p>
             <a:r>
-              <a:rPr lang="en-CA" dirty="0"/>
+              <a:rPr lang="en-CA" dirty="0">
+                <a:latin typeface="TeXGyreHeros" panose="00000500000000000000" pitchFamily="50" charset="0"/>
+              </a:rPr>
               <a:t>Finite differences is a way to evaluate differential equations in a discrete manner.</a:t>
             </a:r>
           </a:p>
           <a:p>
             <a:r>
-              <a:rPr lang="en-CA" dirty="0"/>
+              <a:rPr lang="en-CA" dirty="0">
+                <a:latin typeface="TeXGyreHeros" panose="00000500000000000000" pitchFamily="50" charset="0"/>
+              </a:rPr>
               <a:t>There are a few different ways that finite differences may be performed:</a:t>
             </a:r>
           </a:p>
           <a:p>
             <a:pPr lvl="1"/>
             <a:r>
-              <a:rPr lang="en-CA" dirty="0"/>
+              <a:rPr lang="en-CA" dirty="0">
+                <a:latin typeface="TeXGyreHeros" panose="00000500000000000000" pitchFamily="50" charset="0"/>
+              </a:rPr>
               <a:t>Forward</a:t>
             </a:r>
           </a:p>
           <a:p>
             <a:pPr lvl="1"/>
-            <a:endParaRPr lang="en-CA" dirty="0"/>
+            <a:endParaRPr lang="en-CA" dirty="0">
+              <a:latin typeface="TeXGyreHeros" panose="00000500000000000000" pitchFamily="50" charset="0"/>
+            </a:endParaRPr>
           </a:p>
           <a:p>
             <a:pPr lvl="1"/>
             <a:r>
-              <a:rPr lang="en-CA" dirty="0"/>
+              <a:rPr lang="en-CA" dirty="0">
+                <a:latin typeface="TeXGyreHeros" panose="00000500000000000000" pitchFamily="50" charset="0"/>
+              </a:rPr>
               <a:t>Reverse</a:t>
             </a:r>
           </a:p>
           <a:p>
             <a:pPr lvl="1"/>
-            <a:endParaRPr lang="en-CA" dirty="0"/>
+            <a:endParaRPr lang="en-CA" dirty="0">
+              <a:latin typeface="TeXGyreHeros" panose="00000500000000000000" pitchFamily="50" charset="0"/>
+            </a:endParaRPr>
           </a:p>
           <a:p>
             <a:pPr lvl="1"/>
             <a:r>
-              <a:rPr lang="en-CA" dirty="0"/>
+              <a:rPr lang="en-CA" dirty="0">
+                <a:latin typeface="TeXGyreHeros" panose="00000500000000000000" pitchFamily="50" charset="0"/>
+              </a:rPr>
               <a:t>Centered</a:t>
             </a:r>
           </a:p>
@@ -4846,6 +7683,114 @@
           </a:prstGeom>
         </p:spPr>
       </p:pic>
+      <p:sp>
+        <p:nvSpPr>
+          <p:cNvPr id="21" name="Rectangle 20">
+            <a:extLst>
+              <a:ext uri="{FF2B5EF4-FFF2-40B4-BE49-F238E27FC236}">
+                <a16:creationId xmlns:a16="http://schemas.microsoft.com/office/drawing/2014/main" id="{06B46411-4813-40BF-865B-5FDE621FBCD0}"/>
+              </a:ext>
+            </a:extLst>
+          </p:cNvPr>
+          <p:cNvSpPr/>
+          <p:nvPr/>
+        </p:nvSpPr>
+        <p:spPr>
+          <a:xfrm>
+            <a:off x="838200" y="420956"/>
+            <a:ext cx="10515600" cy="158617"/>
+          </a:xfrm>
+          <a:prstGeom prst="rect">
+            <a:avLst/>
+          </a:prstGeom>
+          <a:solidFill>
+            <a:schemeClr val="tx1"/>
+          </a:solidFill>
+          <a:ln>
+            <a:solidFill>
+              <a:schemeClr val="tx1"/>
+            </a:solidFill>
+          </a:ln>
+        </p:spPr>
+        <p:style>
+          <a:lnRef idx="2">
+            <a:schemeClr val="accent1">
+              <a:shade val="50000"/>
+            </a:schemeClr>
+          </a:lnRef>
+          <a:fillRef idx="1">
+            <a:schemeClr val="accent1"/>
+          </a:fillRef>
+          <a:effectRef idx="0">
+            <a:schemeClr val="accent1"/>
+          </a:effectRef>
+          <a:fontRef idx="minor">
+            <a:schemeClr val="lt1"/>
+          </a:fontRef>
+        </p:style>
+        <p:txBody>
+          <a:bodyPr rtlCol="0" anchor="ctr"/>
+          <a:lstStyle/>
+          <a:p>
+            <a:pPr algn="ctr"/>
+            <a:endParaRPr lang="en-CA"/>
+          </a:p>
+        </p:txBody>
+      </p:sp>
+      <p:sp>
+        <p:nvSpPr>
+          <p:cNvPr id="22" name="Rectangle 21">
+            <a:extLst>
+              <a:ext uri="{FF2B5EF4-FFF2-40B4-BE49-F238E27FC236}">
+                <a16:creationId xmlns:a16="http://schemas.microsoft.com/office/drawing/2014/main" id="{2C2375E7-37C4-4D55-868C-AD973A6159F9}"/>
+              </a:ext>
+            </a:extLst>
+          </p:cNvPr>
+          <p:cNvSpPr/>
+          <p:nvPr/>
+        </p:nvSpPr>
+        <p:spPr>
+          <a:xfrm>
+            <a:off x="838200" y="1334387"/>
+            <a:ext cx="10515600" cy="45719"/>
+          </a:xfrm>
+          <a:prstGeom prst="rect">
+            <a:avLst/>
+          </a:prstGeom>
+          <a:solidFill>
+            <a:schemeClr val="tx1"/>
+          </a:solidFill>
+          <a:ln>
+            <a:solidFill>
+              <a:schemeClr val="tx1"/>
+            </a:solidFill>
+          </a:ln>
+        </p:spPr>
+        <p:style>
+          <a:lnRef idx="2">
+            <a:schemeClr val="accent1">
+              <a:shade val="50000"/>
+            </a:schemeClr>
+          </a:lnRef>
+          <a:fillRef idx="1">
+            <a:schemeClr val="accent1"/>
+          </a:fillRef>
+          <a:effectRef idx="0">
+            <a:schemeClr val="accent1"/>
+          </a:effectRef>
+          <a:fontRef idx="minor">
+            <a:schemeClr val="lt1"/>
+          </a:fontRef>
+        </p:style>
+        <p:txBody>
+          <a:bodyPr rtlCol="0" anchor="ctr"/>
+          <a:lstStyle/>
+          <a:p>
+            <a:pPr algn="ctr"/>
+            <a:endParaRPr lang="en-CA"/>
+          </a:p>
+        </p:txBody>
+      </p:sp>
     </p:spTree>
     <p:extLst>
       <p:ext uri="{BB962C8B-B14F-4D97-AF65-F5344CB8AC3E}">
@@ -5390,7 +8335,7 @@
         </p:blipFill>
         <p:spPr>
           <a:xfrm>
-            <a:off x="3611665" y="4283576"/>
+            <a:off x="3765283" y="4246302"/>
             <a:ext cx="4661434" cy="801608"/>
           </a:xfrm>
           <a:prstGeom prst="rect">
@@ -6233,7 +9178,7 @@
         <p:spPr>
           <a:xfrm>
             <a:off x="838200" y="1825625"/>
-            <a:ext cx="6091106" cy="4351338"/>
+            <a:ext cx="5257800" cy="4351338"/>
           </a:xfrm>
         </p:spPr>
         <p:txBody>
@@ -6248,11 +9193,83 @@
           <a:p>
             <a:r>
               <a:rPr lang="en-CA" dirty="0"/>
-              <a:t>It turns out our co-local coordinates respond poorly to high-frequency information and produce unstable results</a:t>
-            </a:r>
-          </a:p>
-        </p:txBody>
-      </p:sp>
+              <a:t>It turns out our co-local coordinates respond poorly to high-frequency information and produce inaccurate results when exposed to high-frequencies</a:t>
+            </a:r>
+          </a:p>
+        </p:txBody>
+      </p:sp>
+      <p:pic>
+        <p:nvPicPr>
+          <p:cNvPr id="9" name="Picture 8">
+            <a:extLst>
+              <a:ext uri="{FF2B5EF4-FFF2-40B4-BE49-F238E27FC236}">
+                <a16:creationId xmlns:a16="http://schemas.microsoft.com/office/drawing/2014/main" id="{62684405-1432-4F49-8D4B-8269286754FA}"/>
+              </a:ext>
+            </a:extLst>
+          </p:cNvPr>
+          <p:cNvPicPr>
+            <a:picLocks noChangeAspect="1"/>
+          </p:cNvPicPr>
+          <p:nvPr/>
+        </p:nvPicPr>
+        <p:blipFill>
+          <a:blip r:embed="rId2">
+            <a:extLst>
+              <a:ext uri="{28A0092B-C50C-407E-A947-70E740481C1C}">
+                <a14:useLocalDpi xmlns:a14="http://schemas.microsoft.com/office/drawing/2010/main" val="0"/>
+              </a:ext>
+            </a:extLst>
+          </a:blip>
+          <a:stretch>
+            <a:fillRect/>
+          </a:stretch>
+        </p:blipFill>
+        <p:spPr>
+          <a:xfrm>
+            <a:off x="6875363" y="365125"/>
+            <a:ext cx="4325079" cy="2883386"/>
+          </a:xfrm>
+          <a:prstGeom prst="rect">
+            <a:avLst/>
+          </a:prstGeom>
+        </p:spPr>
+      </p:pic>
+      <p:pic>
+        <p:nvPicPr>
+          <p:cNvPr id="11" name="Picture 10">
+            <a:extLst>
+              <a:ext uri="{FF2B5EF4-FFF2-40B4-BE49-F238E27FC236}">
+                <a16:creationId xmlns:a16="http://schemas.microsoft.com/office/drawing/2014/main" id="{A9ECE780-D611-46A1-9D52-54685E4DA03E}"/>
+              </a:ext>
+            </a:extLst>
+          </p:cNvPr>
+          <p:cNvPicPr>
+            <a:picLocks noChangeAspect="1"/>
+          </p:cNvPicPr>
+          <p:nvPr/>
+        </p:nvPicPr>
+        <p:blipFill>
+          <a:blip r:embed="rId3">
+            <a:extLst>
+              <a:ext uri="{28A0092B-C50C-407E-A947-70E740481C1C}">
+                <a14:useLocalDpi xmlns:a14="http://schemas.microsoft.com/office/drawing/2010/main" val="0"/>
+              </a:ext>
+            </a:extLst>
+          </a:blip>
+          <a:stretch>
+            <a:fillRect/>
+          </a:stretch>
+        </p:blipFill>
+        <p:spPr>
+          <a:xfrm>
+            <a:off x="6956384" y="3787274"/>
+            <a:ext cx="4163039" cy="2775359"/>
+          </a:xfrm>
+          <a:prstGeom prst="rect">
+            <a:avLst/>
+          </a:prstGeom>
+        </p:spPr>
+      </p:pic>
     </p:spTree>
     <p:extLst>
       <p:ext uri="{BB962C8B-B14F-4D97-AF65-F5344CB8AC3E}">
@@ -6341,13 +9358,8 @@
             <a:pPr lvl="1"/>
             <a:r>
               <a:rPr lang="en-CA" dirty="0"/>
-              <a:t>This is computationally </a:t>
-            </a:r>
-            <a:r>
-              <a:rPr lang="en-CA" dirty="0" err="1"/>
-              <a:t>ineffecient</a:t>
-            </a:r>
-            <a:endParaRPr lang="en-CA" dirty="0"/>
+              <a:t>This is computationally inefficient</a:t>
+            </a:r>
           </a:p>
           <a:p>
             <a:r>

--- a/Presentation3/Staggered Grids.pptx
+++ b/Presentation3/Staggered Grids.pptx
@@ -9,10 +9,10 @@
     <p:sldId id="257" r:id="rId3"/>
     <p:sldId id="258" r:id="rId4"/>
     <p:sldId id="259" r:id="rId5"/>
-    <p:sldId id="260" r:id="rId6"/>
-    <p:sldId id="261" r:id="rId7"/>
-    <p:sldId id="262" r:id="rId8"/>
-    <p:sldId id="263" r:id="rId9"/>
+    <p:sldId id="261" r:id="rId6"/>
+    <p:sldId id="262" r:id="rId7"/>
+    <p:sldId id="263" r:id="rId8"/>
+    <p:sldId id="282" r:id="rId9"/>
     <p:sldId id="264" r:id="rId10"/>
     <p:sldId id="265" r:id="rId11"/>
     <p:sldId id="266" r:id="rId12"/>
@@ -24,8 +24,13 @@
     <p:sldId id="272" r:id="rId18"/>
     <p:sldId id="273" r:id="rId19"/>
     <p:sldId id="274" r:id="rId20"/>
-    <p:sldId id="275" r:id="rId21"/>
-    <p:sldId id="276" r:id="rId22"/>
+    <p:sldId id="277" r:id="rId21"/>
+    <p:sldId id="281" r:id="rId22"/>
+    <p:sldId id="278" r:id="rId23"/>
+    <p:sldId id="279" r:id="rId24"/>
+    <p:sldId id="280" r:id="rId25"/>
+    <p:sldId id="283" r:id="rId26"/>
+    <p:sldId id="276" r:id="rId27"/>
   </p:sldIdLst>
   <p:sldSz cx="12192000" cy="6858000"/>
   <p:notesSz cx="6858000" cy="9144000"/>
@@ -285,7 +290,7 @@
           <a:p>
             <a:fld id="{F972D81F-9226-4579-A993-28406F3FA19C}" type="datetimeFigureOut">
               <a:rPr lang="en-CA" smtClean="0"/>
-              <a:t>2018-03-28</a:t>
+              <a:t>2018-04-01</a:t>
             </a:fld>
             <a:endParaRPr lang="en-CA"/>
           </a:p>
@@ -485,7 +490,7 @@
           <a:p>
             <a:fld id="{F972D81F-9226-4579-A993-28406F3FA19C}" type="datetimeFigureOut">
               <a:rPr lang="en-CA" smtClean="0"/>
-              <a:t>2018-03-28</a:t>
+              <a:t>2018-04-01</a:t>
             </a:fld>
             <a:endParaRPr lang="en-CA"/>
           </a:p>
@@ -695,7 +700,7 @@
           <a:p>
             <a:fld id="{F972D81F-9226-4579-A993-28406F3FA19C}" type="datetimeFigureOut">
               <a:rPr lang="en-CA" smtClean="0"/>
-              <a:t>2018-03-28</a:t>
+              <a:t>2018-04-01</a:t>
             </a:fld>
             <a:endParaRPr lang="en-CA"/>
           </a:p>
@@ -895,7 +900,7 @@
           <a:p>
             <a:fld id="{F972D81F-9226-4579-A993-28406F3FA19C}" type="datetimeFigureOut">
               <a:rPr lang="en-CA" smtClean="0"/>
-              <a:t>2018-03-28</a:t>
+              <a:t>2018-04-01</a:t>
             </a:fld>
             <a:endParaRPr lang="en-CA"/>
           </a:p>
@@ -1171,7 +1176,7 @@
           <a:p>
             <a:fld id="{F972D81F-9226-4579-A993-28406F3FA19C}" type="datetimeFigureOut">
               <a:rPr lang="en-CA" smtClean="0"/>
-              <a:t>2018-03-28</a:t>
+              <a:t>2018-04-01</a:t>
             </a:fld>
             <a:endParaRPr lang="en-CA"/>
           </a:p>
@@ -1439,7 +1444,7 @@
           <a:p>
             <a:fld id="{F972D81F-9226-4579-A993-28406F3FA19C}" type="datetimeFigureOut">
               <a:rPr lang="en-CA" smtClean="0"/>
-              <a:t>2018-03-28</a:t>
+              <a:t>2018-04-01</a:t>
             </a:fld>
             <a:endParaRPr lang="en-CA"/>
           </a:p>
@@ -1854,7 +1859,7 @@
           <a:p>
             <a:fld id="{F972D81F-9226-4579-A993-28406F3FA19C}" type="datetimeFigureOut">
               <a:rPr lang="en-CA" smtClean="0"/>
-              <a:t>2018-03-28</a:t>
+              <a:t>2018-04-01</a:t>
             </a:fld>
             <a:endParaRPr lang="en-CA"/>
           </a:p>
@@ -1996,7 +2001,7 @@
           <a:p>
             <a:fld id="{F972D81F-9226-4579-A993-28406F3FA19C}" type="datetimeFigureOut">
               <a:rPr lang="en-CA" smtClean="0"/>
-              <a:t>2018-03-28</a:t>
+              <a:t>2018-04-01</a:t>
             </a:fld>
             <a:endParaRPr lang="en-CA"/>
           </a:p>
@@ -2109,7 +2114,7 @@
           <a:p>
             <a:fld id="{F972D81F-9226-4579-A993-28406F3FA19C}" type="datetimeFigureOut">
               <a:rPr lang="en-CA" smtClean="0"/>
-              <a:t>2018-03-28</a:t>
+              <a:t>2018-04-01</a:t>
             </a:fld>
             <a:endParaRPr lang="en-CA"/>
           </a:p>
@@ -2422,7 +2427,7 @@
           <a:p>
             <a:fld id="{F972D81F-9226-4579-A993-28406F3FA19C}" type="datetimeFigureOut">
               <a:rPr lang="en-CA" smtClean="0"/>
-              <a:t>2018-03-28</a:t>
+              <a:t>2018-04-01</a:t>
             </a:fld>
             <a:endParaRPr lang="en-CA"/>
           </a:p>
@@ -2711,7 +2716,7 @@
           <a:p>
             <a:fld id="{F972D81F-9226-4579-A993-28406F3FA19C}" type="datetimeFigureOut">
               <a:rPr lang="en-CA" smtClean="0"/>
-              <a:t>2018-03-28</a:t>
+              <a:t>2018-04-01</a:t>
             </a:fld>
             <a:endParaRPr lang="en-CA"/>
           </a:p>
@@ -2954,7 +2959,7 @@
           <a:p>
             <a:fld id="{F972D81F-9226-4579-A993-28406F3FA19C}" type="datetimeFigureOut">
               <a:rPr lang="en-CA" smtClean="0"/>
-              <a:t>2018-03-28</a:t>
+              <a:t>2018-04-01</a:t>
             </a:fld>
             <a:endParaRPr lang="en-CA"/>
           </a:p>
@@ -6241,7 +6246,7 @@
             </a:r>
             <a:r>
               <a:rPr lang="en-CA" dirty="0"/>
-              <a:t> derivatives, use 2 grids: one for the scalar quantity, and another for the vector, shifted a half-step from the scalar grid.</a:t>
+              <a:t> derivatives, use multiple grids: one for the scalar quantity, and an additional one for each vector, shifted a half-step from the scalar grid.</a:t>
             </a:r>
           </a:p>
           <a:p>
@@ -6531,15 +6536,269 @@
             <p:ph idx="1"/>
           </p:nvPr>
         </p:nvSpPr>
-        <p:spPr/>
+        <p:spPr>
+          <a:xfrm>
+            <a:off x="838200" y="1825625"/>
+            <a:ext cx="6015606" cy="4351338"/>
+          </a:xfrm>
+        </p:spPr>
         <p:txBody>
           <a:bodyPr/>
           <a:lstStyle/>
           <a:p>
-            <a:endParaRPr lang="en-CA"/>
-          </a:p>
-        </p:txBody>
-      </p:sp>
+            <a:r>
+              <a:rPr lang="en-CA" dirty="0"/>
+              <a:t>We can re-attempt the checkerboard problem using staggered grids. </a:t>
+            </a:r>
+          </a:p>
+          <a:p>
+            <a:r>
+              <a:rPr lang="en-CA" dirty="0"/>
+              <a:t>We can define a separate grid for the j values, with j</a:t>
+            </a:r>
+            <a:r>
+              <a:rPr lang="en-CA" baseline="-25000" dirty="0"/>
+              <a:t>m+1/2,n</a:t>
+            </a:r>
+            <a:r>
+              <a:rPr lang="en-CA" baseline="30000" dirty="0"/>
+              <a:t>l</a:t>
+            </a:r>
+            <a:r>
+              <a:rPr lang="en-CA" dirty="0"/>
+              <a:t> in between </a:t>
+            </a:r>
+            <a:r>
+              <a:rPr lang="el-GR" dirty="0">
+                <a:latin typeface="Cambria Math" panose="02040503050406030204" pitchFamily="18" charset="0"/>
+                <a:ea typeface="Cambria Math" panose="02040503050406030204" pitchFamily="18" charset="0"/>
+              </a:rPr>
+              <a:t>ρ</a:t>
+            </a:r>
+            <a:r>
+              <a:rPr lang="en-CA" baseline="-25000" dirty="0" err="1">
+                <a:latin typeface="Cambria Math" panose="02040503050406030204" pitchFamily="18" charset="0"/>
+                <a:ea typeface="Cambria Math" panose="02040503050406030204" pitchFamily="18" charset="0"/>
+              </a:rPr>
+              <a:t>m,n</a:t>
+            </a:r>
+            <a:r>
+              <a:rPr lang="en-CA" baseline="30000" dirty="0" err="1">
+                <a:latin typeface="Cambria Math" panose="02040503050406030204" pitchFamily="18" charset="0"/>
+                <a:ea typeface="Cambria Math" panose="02040503050406030204" pitchFamily="18" charset="0"/>
+              </a:rPr>
+              <a:t>l</a:t>
+            </a:r>
+            <a:r>
+              <a:rPr lang="en-CA" dirty="0">
+                <a:latin typeface="Cambria Math" panose="02040503050406030204" pitchFamily="18" charset="0"/>
+                <a:ea typeface="Cambria Math" panose="02040503050406030204" pitchFamily="18" charset="0"/>
+              </a:rPr>
+              <a:t> and </a:t>
+            </a:r>
+            <a:r>
+              <a:rPr lang="el-GR" dirty="0">
+                <a:latin typeface="Cambria Math" panose="02040503050406030204" pitchFamily="18" charset="0"/>
+                <a:ea typeface="Cambria Math" panose="02040503050406030204" pitchFamily="18" charset="0"/>
+              </a:rPr>
+              <a:t>ρ</a:t>
+            </a:r>
+            <a:r>
+              <a:rPr lang="en-CA" baseline="-25000" dirty="0">
+                <a:latin typeface="Cambria Math" panose="02040503050406030204" pitchFamily="18" charset="0"/>
+                <a:ea typeface="Cambria Math" panose="02040503050406030204" pitchFamily="18" charset="0"/>
+              </a:rPr>
+              <a:t>m+1,n</a:t>
+            </a:r>
+            <a:r>
+              <a:rPr lang="en-CA" baseline="30000" dirty="0">
+                <a:latin typeface="Cambria Math" panose="02040503050406030204" pitchFamily="18" charset="0"/>
+                <a:ea typeface="Cambria Math" panose="02040503050406030204" pitchFamily="18" charset="0"/>
+              </a:rPr>
+              <a:t>l</a:t>
+            </a:r>
+            <a:r>
+              <a:rPr lang="en-CA" dirty="0">
+                <a:latin typeface="Cambria Math" panose="02040503050406030204" pitchFamily="18" charset="0"/>
+                <a:ea typeface="Cambria Math" panose="02040503050406030204" pitchFamily="18" charset="0"/>
+              </a:rPr>
+              <a:t> . Likewise, j</a:t>
+            </a:r>
+            <a:r>
+              <a:rPr lang="en-CA" baseline="-25000" dirty="0">
+                <a:latin typeface="Cambria Math" panose="02040503050406030204" pitchFamily="18" charset="0"/>
+                <a:ea typeface="Cambria Math" panose="02040503050406030204" pitchFamily="18" charset="0"/>
+              </a:rPr>
+              <a:t>m,n+1/2</a:t>
+            </a:r>
+            <a:r>
+              <a:rPr lang="en-CA" baseline="30000" dirty="0">
+                <a:latin typeface="Cambria Math" panose="02040503050406030204" pitchFamily="18" charset="0"/>
+                <a:ea typeface="Cambria Math" panose="02040503050406030204" pitchFamily="18" charset="0"/>
+              </a:rPr>
+              <a:t>l </a:t>
+            </a:r>
+            <a:r>
+              <a:rPr lang="en-CA" dirty="0">
+                <a:latin typeface="Cambria Math" panose="02040503050406030204" pitchFamily="18" charset="0"/>
+                <a:ea typeface="Cambria Math" panose="02040503050406030204" pitchFamily="18" charset="0"/>
+              </a:rPr>
+              <a:t>is between </a:t>
+            </a:r>
+            <a:r>
+              <a:rPr lang="el-GR" dirty="0">
+                <a:latin typeface="Cambria Math" panose="02040503050406030204" pitchFamily="18" charset="0"/>
+                <a:ea typeface="Cambria Math" panose="02040503050406030204" pitchFamily="18" charset="0"/>
+              </a:rPr>
+              <a:t>ρ</a:t>
+            </a:r>
+            <a:r>
+              <a:rPr lang="en-CA" baseline="-25000" dirty="0" err="1">
+                <a:latin typeface="Cambria Math" panose="02040503050406030204" pitchFamily="18" charset="0"/>
+                <a:ea typeface="Cambria Math" panose="02040503050406030204" pitchFamily="18" charset="0"/>
+              </a:rPr>
+              <a:t>m,n</a:t>
+            </a:r>
+            <a:r>
+              <a:rPr lang="en-CA" baseline="30000" dirty="0" err="1">
+                <a:latin typeface="Cambria Math" panose="02040503050406030204" pitchFamily="18" charset="0"/>
+                <a:ea typeface="Cambria Math" panose="02040503050406030204" pitchFamily="18" charset="0"/>
+              </a:rPr>
+              <a:t>l</a:t>
+            </a:r>
+            <a:r>
+              <a:rPr lang="en-CA" baseline="30000" dirty="0">
+                <a:latin typeface="Cambria Math" panose="02040503050406030204" pitchFamily="18" charset="0"/>
+                <a:ea typeface="Cambria Math" panose="02040503050406030204" pitchFamily="18" charset="0"/>
+              </a:rPr>
+              <a:t> </a:t>
+            </a:r>
+            <a:r>
+              <a:rPr lang="en-CA" dirty="0">
+                <a:latin typeface="Cambria Math" panose="02040503050406030204" pitchFamily="18" charset="0"/>
+                <a:ea typeface="Cambria Math" panose="02040503050406030204" pitchFamily="18" charset="0"/>
+              </a:rPr>
+              <a:t>and </a:t>
+            </a:r>
+            <a:r>
+              <a:rPr lang="el-GR" dirty="0">
+                <a:latin typeface="Cambria Math" panose="02040503050406030204" pitchFamily="18" charset="0"/>
+                <a:ea typeface="Cambria Math" panose="02040503050406030204" pitchFamily="18" charset="0"/>
+              </a:rPr>
+              <a:t>ρ</a:t>
+            </a:r>
+            <a:r>
+              <a:rPr lang="en-CA" baseline="-25000" dirty="0">
+                <a:latin typeface="Cambria Math" panose="02040503050406030204" pitchFamily="18" charset="0"/>
+                <a:ea typeface="Cambria Math" panose="02040503050406030204" pitchFamily="18" charset="0"/>
+              </a:rPr>
+              <a:t>m,n+1</a:t>
+            </a:r>
+            <a:r>
+              <a:rPr lang="en-CA" baseline="30000" dirty="0">
+                <a:latin typeface="Cambria Math" panose="02040503050406030204" pitchFamily="18" charset="0"/>
+                <a:ea typeface="Cambria Math" panose="02040503050406030204" pitchFamily="18" charset="0"/>
+              </a:rPr>
+              <a:t>l</a:t>
+            </a:r>
+            <a:r>
+              <a:rPr lang="en-CA" dirty="0">
+                <a:latin typeface="Cambria Math" panose="02040503050406030204" pitchFamily="18" charset="0"/>
+                <a:ea typeface="Cambria Math" panose="02040503050406030204" pitchFamily="18" charset="0"/>
+              </a:rPr>
+              <a:t>.</a:t>
+            </a:r>
+          </a:p>
+          <a:p>
+            <a:endParaRPr lang="en-CA" dirty="0">
+              <a:latin typeface="Cambria Math" panose="02040503050406030204" pitchFamily="18" charset="0"/>
+              <a:ea typeface="Cambria Math" panose="02040503050406030204" pitchFamily="18" charset="0"/>
+            </a:endParaRPr>
+          </a:p>
+          <a:p>
+            <a:r>
+              <a:rPr lang="en-CA" dirty="0">
+                <a:latin typeface="Cambria Math" panose="02040503050406030204" pitchFamily="18" charset="0"/>
+                <a:ea typeface="Cambria Math" panose="02040503050406030204" pitchFamily="18" charset="0"/>
+              </a:rPr>
+              <a:t>The result matches our analytical derivation</a:t>
+            </a:r>
+            <a:endParaRPr lang="en-CA" dirty="0"/>
+          </a:p>
+        </p:txBody>
+      </p:sp>
+      <p:pic>
+        <p:nvPicPr>
+          <p:cNvPr id="5" name="Picture 4">
+            <a:extLst>
+              <a:ext uri="{FF2B5EF4-FFF2-40B4-BE49-F238E27FC236}">
+                <a16:creationId xmlns:a16="http://schemas.microsoft.com/office/drawing/2014/main" id="{78D0F2D8-CD1E-444F-912A-8DE5A9FAA09A}"/>
+              </a:ext>
+            </a:extLst>
+          </p:cNvPr>
+          <p:cNvPicPr>
+            <a:picLocks noChangeAspect="1"/>
+          </p:cNvPicPr>
+          <p:nvPr/>
+        </p:nvPicPr>
+        <p:blipFill>
+          <a:blip r:embed="rId2">
+            <a:extLst>
+              <a:ext uri="{28A0092B-C50C-407E-A947-70E740481C1C}">
+                <a14:useLocalDpi xmlns:a14="http://schemas.microsoft.com/office/drawing/2010/main" val="0"/>
+              </a:ext>
+            </a:extLst>
+          </a:blip>
+          <a:stretch>
+            <a:fillRect/>
+          </a:stretch>
+        </p:blipFill>
+        <p:spPr>
+          <a:xfrm>
+            <a:off x="7417597" y="3486150"/>
+            <a:ext cx="4507707" cy="3005138"/>
+          </a:xfrm>
+          <a:prstGeom prst="rect">
+            <a:avLst/>
+          </a:prstGeom>
+        </p:spPr>
+      </p:pic>
+      <p:pic>
+        <p:nvPicPr>
+          <p:cNvPr id="7" name="Picture 6">
+            <a:extLst>
+              <a:ext uri="{FF2B5EF4-FFF2-40B4-BE49-F238E27FC236}">
+                <a16:creationId xmlns:a16="http://schemas.microsoft.com/office/drawing/2014/main" id="{A5226C72-2977-4DF7-AB36-6D92F156078C}"/>
+              </a:ext>
+            </a:extLst>
+          </p:cNvPr>
+          <p:cNvPicPr>
+            <a:picLocks noChangeAspect="1"/>
+          </p:cNvPicPr>
+          <p:nvPr/>
+        </p:nvPicPr>
+        <p:blipFill>
+          <a:blip r:embed="rId3">
+            <a:extLst>
+              <a:ext uri="{28A0092B-C50C-407E-A947-70E740481C1C}">
+                <a14:useLocalDpi xmlns:a14="http://schemas.microsoft.com/office/drawing/2010/main" val="0"/>
+              </a:ext>
+            </a:extLst>
+          </a:blip>
+          <a:stretch>
+            <a:fillRect/>
+          </a:stretch>
+        </p:blipFill>
+        <p:spPr>
+          <a:xfrm>
+            <a:off x="7414616" y="319483"/>
+            <a:ext cx="4510687" cy="3007124"/>
+          </a:xfrm>
+          <a:prstGeom prst="rect">
+            <a:avLst/>
+          </a:prstGeom>
+        </p:spPr>
+      </p:pic>
     </p:spTree>
     <p:extLst>
       <p:ext uri="{BB962C8B-B14F-4D97-AF65-F5344CB8AC3E}">
@@ -6630,10 +6889,21 @@
           <a:lstStyle/>
           <a:p>
             <a:r>
-              <a:rPr lang="en-CA" dirty="0" err="1"/>
-              <a:t>sdfsdf</a:t>
-            </a:r>
-            <a:endParaRPr lang="en-CA" dirty="0"/>
+              <a:rPr lang="en-CA" dirty="0"/>
+              <a:t>One benefit of staggered grids is intuitiveness.</a:t>
+            </a:r>
+          </a:p>
+          <a:p>
+            <a:r>
+              <a:rPr lang="en-CA" dirty="0"/>
+              <a:t>Each cell acts as a cubic volume, with the quantity at the centre, and a flux at each of the relevant cell walls. </a:t>
+            </a:r>
+          </a:p>
+          <a:p>
+            <a:r>
+              <a:rPr lang="en-CA" dirty="0"/>
+              <a:t>Some schemes with complicated sets of variables also place staggered values on cell edges, corners, etc.</a:t>
+            </a:r>
           </a:p>
         </p:txBody>
       </p:sp>
@@ -7411,8 +7681,8 @@
         </p:nvSpPr>
         <p:spPr>
           <a:xfrm>
-            <a:off x="838200" y="0"/>
-            <a:ext cx="10515600" cy="6857999"/>
+            <a:off x="523875" y="0"/>
+            <a:ext cx="11201400" cy="6857999"/>
           </a:xfrm>
           <a:prstGeom prst="rect">
             <a:avLst/>
@@ -7826,7 +8096,7 @@
           <p:cNvPr id="2" name="Title 1">
             <a:extLst>
               <a:ext uri="{FF2B5EF4-FFF2-40B4-BE49-F238E27FC236}">
-                <a16:creationId xmlns:a16="http://schemas.microsoft.com/office/drawing/2014/main" id="{35811E65-FF2D-4BD7-A06E-5B9FDBE78763}"/>
+                <a16:creationId xmlns:a16="http://schemas.microsoft.com/office/drawing/2014/main" id="{9437FEAD-B621-498F-B935-13A1888BE65B}"/>
               </a:ext>
             </a:extLst>
           </p:cNvPr>
@@ -7844,7 +8114,7 @@
           <a:p>
             <a:r>
               <a:rPr lang="en-CA" dirty="0"/>
-              <a:t>Modern Developments</a:t>
+              <a:t>Hydrodynamics</a:t>
             </a:r>
           </a:p>
         </p:txBody>
@@ -7854,7 +8124,7 @@
           <p:cNvPr id="3" name="Content Placeholder 2">
             <a:extLst>
               <a:ext uri="{FF2B5EF4-FFF2-40B4-BE49-F238E27FC236}">
-                <a16:creationId xmlns:a16="http://schemas.microsoft.com/office/drawing/2014/main" id="{30820912-F4AA-4CD6-A612-3EB708D8267D}"/>
+                <a16:creationId xmlns:a16="http://schemas.microsoft.com/office/drawing/2014/main" id="{18AA3101-9386-4D8E-ABA8-9B41382BAFF4}"/>
               </a:ext>
             </a:extLst>
           </p:cNvPr>
@@ -7870,14 +8140,29 @@
           <a:bodyPr/>
           <a:lstStyle/>
           <a:p>
-            <a:endParaRPr lang="en-CA"/>
+            <a:r>
+              <a:rPr lang="en-CA" dirty="0"/>
+              <a:t>Hydrodynamics are also subject to conservation equations – of mass and momentum specifically</a:t>
+            </a:r>
+          </a:p>
+          <a:p>
+            <a:r>
+              <a:rPr lang="en-CA" dirty="0"/>
+              <a:t>Hydrodynamics problems may be subject to high frequency components in shocks and sudden discontinuities – staggered grids are therefore preferred</a:t>
+            </a:r>
+          </a:p>
+          <a:p>
+            <a:r>
+              <a:rPr lang="en-CA" dirty="0"/>
+              <a:t>The code provided in class uses a set of three grid systems: one for scalars, and two for vectors (one for each space dimension).</a:t>
+            </a:r>
           </a:p>
         </p:txBody>
       </p:sp>
     </p:spTree>
     <p:extLst>
       <p:ext uri="{BB962C8B-B14F-4D97-AF65-F5344CB8AC3E}">
-        <p14:creationId xmlns:p14="http://schemas.microsoft.com/office/powerpoint/2010/main" val="1296596181"/>
+        <p14:creationId xmlns:p14="http://schemas.microsoft.com/office/powerpoint/2010/main" val="3729969836"/>
       </p:ext>
     </p:extLst>
   </p:cSld>
@@ -7888,6 +8173,1518 @@
 </file>
 
 <file path=ppt/slides/slide21.xml><?xml version="1.0" encoding="utf-8"?>
+<p:sld xmlns:a="http://schemas.openxmlformats.org/drawingml/2006/main" xmlns:r="http://schemas.openxmlformats.org/officeDocument/2006/relationships" xmlns:p="http://schemas.openxmlformats.org/presentationml/2006/main">
+  <p:cSld>
+    <p:spTree>
+      <p:nvGrpSpPr>
+        <p:cNvPr id="1" name=""/>
+        <p:cNvGrpSpPr/>
+        <p:nvPr/>
+      </p:nvGrpSpPr>
+      <p:grpSpPr>
+        <a:xfrm>
+          <a:off x="0" y="0"/>
+          <a:ext cx="0" cy="0"/>
+          <a:chOff x="0" y="0"/>
+          <a:chExt cx="0" cy="0"/>
+        </a:xfrm>
+      </p:grpSpPr>
+      <p:sp>
+        <p:nvSpPr>
+          <p:cNvPr id="2" name="Title 1">
+            <a:extLst>
+              <a:ext uri="{FF2B5EF4-FFF2-40B4-BE49-F238E27FC236}">
+                <a16:creationId xmlns:a16="http://schemas.microsoft.com/office/drawing/2014/main" id="{969F53B1-15E2-4CD2-B717-E624BDB0717D}"/>
+              </a:ext>
+            </a:extLst>
+          </p:cNvPr>
+          <p:cNvSpPr>
+            <a:spLocks noGrp="1"/>
+          </p:cNvSpPr>
+          <p:nvPr>
+            <p:ph type="title"/>
+          </p:nvPr>
+        </p:nvSpPr>
+        <p:spPr/>
+        <p:txBody>
+          <a:bodyPr/>
+          <a:lstStyle/>
+          <a:p>
+            <a:r>
+              <a:rPr lang="en-CA" dirty="0"/>
+              <a:t>Hydrodynamics grid</a:t>
+            </a:r>
+          </a:p>
+        </p:txBody>
+      </p:sp>
+      <p:pic>
+        <p:nvPicPr>
+          <p:cNvPr id="5" name="Picture 4">
+            <a:extLst>
+              <a:ext uri="{FF2B5EF4-FFF2-40B4-BE49-F238E27FC236}">
+                <a16:creationId xmlns:a16="http://schemas.microsoft.com/office/drawing/2014/main" id="{28129647-DD57-41A4-BE36-2365B758DFF5}"/>
+              </a:ext>
+            </a:extLst>
+          </p:cNvPr>
+          <p:cNvPicPr>
+            <a:picLocks noChangeAspect="1"/>
+          </p:cNvPicPr>
+          <p:nvPr/>
+        </p:nvPicPr>
+        <p:blipFill>
+          <a:blip r:embed="rId2">
+            <a:extLst>
+              <a:ext uri="{28A0092B-C50C-407E-A947-70E740481C1C}">
+                <a14:useLocalDpi xmlns:a14="http://schemas.microsoft.com/office/drawing/2010/main" val="0"/>
+              </a:ext>
+            </a:extLst>
+          </a:blip>
+          <a:stretch>
+            <a:fillRect/>
+          </a:stretch>
+        </p:blipFill>
+        <p:spPr>
+          <a:xfrm>
+            <a:off x="4025820" y="1690688"/>
+            <a:ext cx="4549149" cy="4672593"/>
+          </a:xfrm>
+          <a:prstGeom prst="rect">
+            <a:avLst/>
+          </a:prstGeom>
+        </p:spPr>
+      </p:pic>
+      <p:sp>
+        <p:nvSpPr>
+          <p:cNvPr id="6" name="TextBox 5">
+            <a:extLst>
+              <a:ext uri="{FF2B5EF4-FFF2-40B4-BE49-F238E27FC236}">
+                <a16:creationId xmlns:a16="http://schemas.microsoft.com/office/drawing/2014/main" id="{4F3424FE-E2C5-4B98-B7FD-71F5E8E228AD}"/>
+              </a:ext>
+            </a:extLst>
+          </p:cNvPr>
+          <p:cNvSpPr txBox="1"/>
+          <p:nvPr/>
+        </p:nvSpPr>
+        <p:spPr>
+          <a:xfrm>
+            <a:off x="9281720" y="2085975"/>
+            <a:ext cx="2370589" cy="646331"/>
+          </a:xfrm>
+          <a:prstGeom prst="rect">
+            <a:avLst/>
+          </a:prstGeom>
+          <a:noFill/>
+        </p:spPr>
+        <p:txBody>
+          <a:bodyPr wrap="square" rtlCol="0">
+            <a:spAutoFit/>
+          </a:bodyPr>
+          <a:lstStyle/>
+          <a:p>
+            <a:r>
+              <a:rPr lang="en-CA" dirty="0">
+                <a:solidFill>
+                  <a:srgbClr val="FF0000"/>
+                </a:solidFill>
+              </a:rPr>
+              <a:t>Scalars – density(d) and pressure(p)</a:t>
+            </a:r>
+          </a:p>
+        </p:txBody>
+      </p:sp>
+      <p:sp>
+        <p:nvSpPr>
+          <p:cNvPr id="7" name="TextBox 6">
+            <a:extLst>
+              <a:ext uri="{FF2B5EF4-FFF2-40B4-BE49-F238E27FC236}">
+                <a16:creationId xmlns:a16="http://schemas.microsoft.com/office/drawing/2014/main" id="{1D116875-C0E4-4F63-A369-D770B07C8D06}"/>
+              </a:ext>
+            </a:extLst>
+          </p:cNvPr>
+          <p:cNvSpPr txBox="1"/>
+          <p:nvPr/>
+        </p:nvSpPr>
+        <p:spPr>
+          <a:xfrm>
+            <a:off x="9370503" y="2978092"/>
+            <a:ext cx="1476045" cy="369332"/>
+          </a:xfrm>
+          <a:prstGeom prst="rect">
+            <a:avLst/>
+          </a:prstGeom>
+          <a:noFill/>
+        </p:spPr>
+        <p:txBody>
+          <a:bodyPr wrap="none" rtlCol="0">
+            <a:spAutoFit/>
+          </a:bodyPr>
+          <a:lstStyle/>
+          <a:p>
+            <a:r>
+              <a:rPr lang="en-CA" dirty="0">
+                <a:solidFill>
+                  <a:schemeClr val="accent1">
+                    <a:lumMod val="75000"/>
+                  </a:schemeClr>
+                </a:solidFill>
+              </a:rPr>
+              <a:t>X-velocity (v</a:t>
+            </a:r>
+            <a:r>
+              <a:rPr lang="en-CA" baseline="-25000" dirty="0">
+                <a:solidFill>
+                  <a:schemeClr val="accent1">
+                    <a:lumMod val="75000"/>
+                  </a:schemeClr>
+                </a:solidFill>
+              </a:rPr>
+              <a:t>1</a:t>
+            </a:r>
+            <a:r>
+              <a:rPr lang="en-CA" dirty="0">
+                <a:solidFill>
+                  <a:schemeClr val="accent1">
+                    <a:lumMod val="75000"/>
+                  </a:schemeClr>
+                </a:solidFill>
+              </a:rPr>
+              <a:t>)</a:t>
+            </a:r>
+          </a:p>
+        </p:txBody>
+      </p:sp>
+      <p:sp>
+        <p:nvSpPr>
+          <p:cNvPr id="8" name="TextBox 7">
+            <a:extLst>
+              <a:ext uri="{FF2B5EF4-FFF2-40B4-BE49-F238E27FC236}">
+                <a16:creationId xmlns:a16="http://schemas.microsoft.com/office/drawing/2014/main" id="{305980F4-F86C-4651-9C74-EE49CB901DBA}"/>
+              </a:ext>
+            </a:extLst>
+          </p:cNvPr>
+          <p:cNvSpPr txBox="1"/>
+          <p:nvPr/>
+        </p:nvSpPr>
+        <p:spPr>
+          <a:xfrm>
+            <a:off x="9370503" y="3625265"/>
+            <a:ext cx="1468031" cy="369332"/>
+          </a:xfrm>
+          <a:prstGeom prst="rect">
+            <a:avLst/>
+          </a:prstGeom>
+          <a:noFill/>
+        </p:spPr>
+        <p:txBody>
+          <a:bodyPr wrap="none" rtlCol="0">
+            <a:spAutoFit/>
+          </a:bodyPr>
+          <a:lstStyle/>
+          <a:p>
+            <a:r>
+              <a:rPr lang="en-CA" dirty="0">
+                <a:solidFill>
+                  <a:schemeClr val="accent6">
+                    <a:lumMod val="75000"/>
+                  </a:schemeClr>
+                </a:solidFill>
+              </a:rPr>
+              <a:t>Y-velocity (v</a:t>
+            </a:r>
+            <a:r>
+              <a:rPr lang="en-CA" baseline="-25000" dirty="0">
+                <a:solidFill>
+                  <a:schemeClr val="accent6">
+                    <a:lumMod val="75000"/>
+                  </a:schemeClr>
+                </a:solidFill>
+              </a:rPr>
+              <a:t>2</a:t>
+            </a:r>
+            <a:r>
+              <a:rPr lang="en-CA" dirty="0">
+                <a:solidFill>
+                  <a:schemeClr val="accent6">
+                    <a:lumMod val="75000"/>
+                  </a:schemeClr>
+                </a:solidFill>
+              </a:rPr>
+              <a:t>)</a:t>
+            </a:r>
+          </a:p>
+        </p:txBody>
+      </p:sp>
+      <p:sp>
+        <p:nvSpPr>
+          <p:cNvPr id="9" name="Oval 8">
+            <a:extLst>
+              <a:ext uri="{FF2B5EF4-FFF2-40B4-BE49-F238E27FC236}">
+                <a16:creationId xmlns:a16="http://schemas.microsoft.com/office/drawing/2014/main" id="{56685BFF-4294-4E60-8CF7-B01AD93868AE}"/>
+              </a:ext>
+            </a:extLst>
+          </p:cNvPr>
+          <p:cNvSpPr/>
+          <p:nvPr/>
+        </p:nvSpPr>
+        <p:spPr>
+          <a:xfrm>
+            <a:off x="9164274" y="2214694"/>
+            <a:ext cx="117446" cy="117445"/>
+          </a:xfrm>
+          <a:prstGeom prst="ellipse">
+            <a:avLst/>
+          </a:prstGeom>
+          <a:solidFill>
+            <a:srgbClr val="FF0000"/>
+          </a:solidFill>
+          <a:ln>
+            <a:noFill/>
+          </a:ln>
+        </p:spPr>
+        <p:style>
+          <a:lnRef idx="2">
+            <a:schemeClr val="accent1">
+              <a:shade val="50000"/>
+            </a:schemeClr>
+          </a:lnRef>
+          <a:fillRef idx="1">
+            <a:schemeClr val="accent1"/>
+          </a:fillRef>
+          <a:effectRef idx="0">
+            <a:schemeClr val="accent1"/>
+          </a:effectRef>
+          <a:fontRef idx="minor">
+            <a:schemeClr val="lt1"/>
+          </a:fontRef>
+        </p:style>
+        <p:txBody>
+          <a:bodyPr rtlCol="0" anchor="ctr"/>
+          <a:lstStyle/>
+          <a:p>
+            <a:pPr algn="ctr"/>
+            <a:endParaRPr lang="en-CA"/>
+          </a:p>
+        </p:txBody>
+      </p:sp>
+      <p:sp>
+        <p:nvSpPr>
+          <p:cNvPr id="10" name="Rectangle 9">
+            <a:extLst>
+              <a:ext uri="{FF2B5EF4-FFF2-40B4-BE49-F238E27FC236}">
+                <a16:creationId xmlns:a16="http://schemas.microsoft.com/office/drawing/2014/main" id="{1BDD061C-6D05-4747-8ED0-3B387C7B2AF6}"/>
+              </a:ext>
+            </a:extLst>
+          </p:cNvPr>
+          <p:cNvSpPr/>
+          <p:nvPr/>
+        </p:nvSpPr>
+        <p:spPr>
+          <a:xfrm>
+            <a:off x="9222997" y="3090701"/>
+            <a:ext cx="58723" cy="176168"/>
+          </a:xfrm>
+          <a:prstGeom prst="rect">
+            <a:avLst/>
+          </a:prstGeom>
+          <a:solidFill>
+            <a:schemeClr val="accent1">
+              <a:lumMod val="75000"/>
+            </a:schemeClr>
+          </a:solidFill>
+          <a:ln>
+            <a:noFill/>
+          </a:ln>
+        </p:spPr>
+        <p:style>
+          <a:lnRef idx="2">
+            <a:schemeClr val="accent1">
+              <a:shade val="50000"/>
+            </a:schemeClr>
+          </a:lnRef>
+          <a:fillRef idx="1">
+            <a:schemeClr val="accent1"/>
+          </a:fillRef>
+          <a:effectRef idx="0">
+            <a:schemeClr val="accent1"/>
+          </a:effectRef>
+          <a:fontRef idx="minor">
+            <a:schemeClr val="lt1"/>
+          </a:fontRef>
+        </p:style>
+        <p:txBody>
+          <a:bodyPr rtlCol="0" anchor="ctr"/>
+          <a:lstStyle/>
+          <a:p>
+            <a:pPr algn="ctr"/>
+            <a:endParaRPr lang="en-CA"/>
+          </a:p>
+        </p:txBody>
+      </p:sp>
+      <p:sp>
+        <p:nvSpPr>
+          <p:cNvPr id="11" name="Rectangle 10">
+            <a:extLst>
+              <a:ext uri="{FF2B5EF4-FFF2-40B4-BE49-F238E27FC236}">
+                <a16:creationId xmlns:a16="http://schemas.microsoft.com/office/drawing/2014/main" id="{04E2E68F-AFF5-4A02-B27C-666CB41886E9}"/>
+              </a:ext>
+            </a:extLst>
+          </p:cNvPr>
+          <p:cNvSpPr/>
+          <p:nvPr/>
+        </p:nvSpPr>
+        <p:spPr>
+          <a:xfrm rot="5400000">
+            <a:off x="9193635" y="3721847"/>
+            <a:ext cx="58723" cy="176168"/>
+          </a:xfrm>
+          <a:prstGeom prst="rect">
+            <a:avLst/>
+          </a:prstGeom>
+          <a:solidFill>
+            <a:schemeClr val="accent6">
+              <a:lumMod val="75000"/>
+            </a:schemeClr>
+          </a:solidFill>
+          <a:ln>
+            <a:noFill/>
+          </a:ln>
+        </p:spPr>
+        <p:style>
+          <a:lnRef idx="2">
+            <a:schemeClr val="accent1">
+              <a:shade val="50000"/>
+            </a:schemeClr>
+          </a:lnRef>
+          <a:fillRef idx="1">
+            <a:schemeClr val="accent1"/>
+          </a:fillRef>
+          <a:effectRef idx="0">
+            <a:schemeClr val="accent1"/>
+          </a:effectRef>
+          <a:fontRef idx="minor">
+            <a:schemeClr val="lt1"/>
+          </a:fontRef>
+        </p:style>
+        <p:txBody>
+          <a:bodyPr rtlCol="0" anchor="ctr"/>
+          <a:lstStyle/>
+          <a:p>
+            <a:pPr algn="ctr"/>
+            <a:endParaRPr lang="en-CA"/>
+          </a:p>
+        </p:txBody>
+      </p:sp>
+      <p:sp>
+        <p:nvSpPr>
+          <p:cNvPr id="19" name="TextBox 18">
+            <a:extLst>
+              <a:ext uri="{FF2B5EF4-FFF2-40B4-BE49-F238E27FC236}">
+                <a16:creationId xmlns:a16="http://schemas.microsoft.com/office/drawing/2014/main" id="{88522757-E1BD-4BD3-978B-6672F24B9F11}"/>
+              </a:ext>
+            </a:extLst>
+          </p:cNvPr>
+          <p:cNvSpPr txBox="1"/>
+          <p:nvPr/>
+        </p:nvSpPr>
+        <p:spPr>
+          <a:xfrm>
+            <a:off x="981512" y="1690688"/>
+            <a:ext cx="2919369" cy="369332"/>
+          </a:xfrm>
+          <a:prstGeom prst="rect">
+            <a:avLst/>
+          </a:prstGeom>
+          <a:noFill/>
+        </p:spPr>
+        <p:txBody>
+          <a:bodyPr wrap="square" rtlCol="0">
+            <a:spAutoFit/>
+          </a:bodyPr>
+          <a:lstStyle/>
+          <a:p>
+            <a:pPr marL="285750" indent="-285750">
+              <a:buFont typeface="Arial" panose="020B0604020202020204" pitchFamily="34" charset="0"/>
+              <a:buChar char="•"/>
+            </a:pPr>
+            <a:r>
+              <a:rPr lang="en-CA" dirty="0"/>
+              <a:t>Indices…</a:t>
+            </a:r>
+          </a:p>
+        </p:txBody>
+      </p:sp>
+    </p:spTree>
+    <p:extLst>
+      <p:ext uri="{BB962C8B-B14F-4D97-AF65-F5344CB8AC3E}">
+        <p14:creationId xmlns:p14="http://schemas.microsoft.com/office/powerpoint/2010/main" val="1631953745"/>
+      </p:ext>
+    </p:extLst>
+  </p:cSld>
+  <p:clrMapOvr>
+    <a:masterClrMapping/>
+  </p:clrMapOvr>
+</p:sld>
+</file>
+
+<file path=ppt/slides/slide22.xml><?xml version="1.0" encoding="utf-8"?>
+<p:sld xmlns:a="http://schemas.openxmlformats.org/drawingml/2006/main" xmlns:r="http://schemas.openxmlformats.org/officeDocument/2006/relationships" xmlns:p="http://schemas.openxmlformats.org/presentationml/2006/main">
+  <p:cSld>
+    <p:spTree>
+      <p:nvGrpSpPr>
+        <p:cNvPr id="1" name=""/>
+        <p:cNvGrpSpPr/>
+        <p:nvPr/>
+      </p:nvGrpSpPr>
+      <p:grpSpPr>
+        <a:xfrm>
+          <a:off x="0" y="0"/>
+          <a:ext cx="0" cy="0"/>
+          <a:chOff x="0" y="0"/>
+          <a:chExt cx="0" cy="0"/>
+        </a:xfrm>
+      </p:grpSpPr>
+      <p:sp>
+        <p:nvSpPr>
+          <p:cNvPr id="2" name="Title 1">
+            <a:extLst>
+              <a:ext uri="{FF2B5EF4-FFF2-40B4-BE49-F238E27FC236}">
+                <a16:creationId xmlns:a16="http://schemas.microsoft.com/office/drawing/2014/main" id="{CC6D1FDE-1777-4ED4-A7CF-DD8D94416F9F}"/>
+              </a:ext>
+            </a:extLst>
+          </p:cNvPr>
+          <p:cNvSpPr>
+            <a:spLocks noGrp="1"/>
+          </p:cNvSpPr>
+          <p:nvPr>
+            <p:ph type="title"/>
+          </p:nvPr>
+        </p:nvSpPr>
+        <p:spPr/>
+        <p:txBody>
+          <a:bodyPr/>
+          <a:lstStyle/>
+          <a:p>
+            <a:r>
+              <a:rPr lang="en-CA" dirty="0" err="1"/>
+              <a:t>Navier</a:t>
+            </a:r>
+            <a:r>
+              <a:rPr lang="en-CA" dirty="0"/>
+              <a:t>-Stokes equations</a:t>
+            </a:r>
+          </a:p>
+        </p:txBody>
+      </p:sp>
+      <p:sp>
+        <p:nvSpPr>
+          <p:cNvPr id="3" name="Content Placeholder 2">
+            <a:extLst>
+              <a:ext uri="{FF2B5EF4-FFF2-40B4-BE49-F238E27FC236}">
+                <a16:creationId xmlns:a16="http://schemas.microsoft.com/office/drawing/2014/main" id="{83E51793-9751-492D-847B-F3A84C50BE25}"/>
+              </a:ext>
+            </a:extLst>
+          </p:cNvPr>
+          <p:cNvSpPr>
+            <a:spLocks noGrp="1"/>
+          </p:cNvSpPr>
+          <p:nvPr>
+            <p:ph idx="1"/>
+          </p:nvPr>
+        </p:nvSpPr>
+        <p:spPr/>
+        <p:txBody>
+          <a:bodyPr/>
+          <a:lstStyle/>
+          <a:p>
+            <a:r>
+              <a:rPr lang="en-CA" dirty="0"/>
+              <a:t>Conservation of mass (Continuity):</a:t>
+            </a:r>
+          </a:p>
+          <a:p>
+            <a:endParaRPr lang="en-CA" dirty="0"/>
+          </a:p>
+          <a:p>
+            <a:endParaRPr lang="en-CA" dirty="0"/>
+          </a:p>
+          <a:p>
+            <a:r>
+              <a:rPr lang="en-CA" dirty="0"/>
+              <a:t>Conservation of momentum (Euler’s Equation):</a:t>
+            </a:r>
+          </a:p>
+        </p:txBody>
+      </p:sp>
+      <p:pic>
+        <p:nvPicPr>
+          <p:cNvPr id="5" name="Picture 4">
+            <a:extLst>
+              <a:ext uri="{FF2B5EF4-FFF2-40B4-BE49-F238E27FC236}">
+                <a16:creationId xmlns:a16="http://schemas.microsoft.com/office/drawing/2014/main" id="{EF78BE4D-9C06-47C9-95D5-5B39D4195F76}"/>
+              </a:ext>
+            </a:extLst>
+          </p:cNvPr>
+          <p:cNvPicPr>
+            <a:picLocks noChangeAspect="1"/>
+          </p:cNvPicPr>
+          <p:nvPr>
+            <p:custDataLst>
+              <p:tags r:id="rId1"/>
+            </p:custDataLst>
+          </p:nvPr>
+        </p:nvPicPr>
+        <p:blipFill>
+          <a:blip r:embed="rId4">
+            <a:extLst>
+              <a:ext uri="{28A0092B-C50C-407E-A947-70E740481C1C}">
+                <a14:useLocalDpi xmlns:a14="http://schemas.microsoft.com/office/drawing/2010/main" val="0"/>
+              </a:ext>
+            </a:extLst>
+          </a:blip>
+          <a:stretch>
+            <a:fillRect/>
+          </a:stretch>
+        </p:blipFill>
+        <p:spPr>
+          <a:xfrm>
+            <a:off x="2506748" y="2523376"/>
+            <a:ext cx="2546890" cy="568958"/>
+          </a:xfrm>
+          <a:prstGeom prst="rect">
+            <a:avLst/>
+          </a:prstGeom>
+        </p:spPr>
+      </p:pic>
+      <p:pic>
+        <p:nvPicPr>
+          <p:cNvPr id="7" name="Picture 6">
+            <a:extLst>
+              <a:ext uri="{FF2B5EF4-FFF2-40B4-BE49-F238E27FC236}">
+                <a16:creationId xmlns:a16="http://schemas.microsoft.com/office/drawing/2014/main" id="{076C4123-E1B2-4974-8CEE-CAE42EE094AF}"/>
+              </a:ext>
+            </a:extLst>
+          </p:cNvPr>
+          <p:cNvPicPr>
+            <a:picLocks noChangeAspect="1"/>
+          </p:cNvPicPr>
+          <p:nvPr>
+            <p:custDataLst>
+              <p:tags r:id="rId2"/>
+            </p:custDataLst>
+          </p:nvPr>
+        </p:nvPicPr>
+        <p:blipFill>
+          <a:blip r:embed="rId5">
+            <a:extLst>
+              <a:ext uri="{28A0092B-C50C-407E-A947-70E740481C1C}">
+                <a14:useLocalDpi xmlns:a14="http://schemas.microsoft.com/office/drawing/2010/main" val="0"/>
+              </a:ext>
+            </a:extLst>
+          </a:blip>
+          <a:stretch>
+            <a:fillRect/>
+          </a:stretch>
+        </p:blipFill>
+        <p:spPr>
+          <a:xfrm>
+            <a:off x="2506748" y="4123457"/>
+            <a:ext cx="2546890" cy="649545"/>
+          </a:xfrm>
+          <a:prstGeom prst="rect">
+            <a:avLst/>
+          </a:prstGeom>
+        </p:spPr>
+      </p:pic>
+    </p:spTree>
+    <p:extLst>
+      <p:ext uri="{BB962C8B-B14F-4D97-AF65-F5344CB8AC3E}">
+        <p14:creationId xmlns:p14="http://schemas.microsoft.com/office/powerpoint/2010/main" val="3225984595"/>
+      </p:ext>
+    </p:extLst>
+  </p:cSld>
+  <p:clrMapOvr>
+    <a:masterClrMapping/>
+  </p:clrMapOvr>
+</p:sld>
+</file>
+
+<file path=ppt/slides/slide23.xml><?xml version="1.0" encoding="utf-8"?>
+<p:sld xmlns:a="http://schemas.openxmlformats.org/drawingml/2006/main" xmlns:r="http://schemas.openxmlformats.org/officeDocument/2006/relationships" xmlns:p="http://schemas.openxmlformats.org/presentationml/2006/main">
+  <p:cSld>
+    <p:spTree>
+      <p:nvGrpSpPr>
+        <p:cNvPr id="1" name=""/>
+        <p:cNvGrpSpPr/>
+        <p:nvPr/>
+      </p:nvGrpSpPr>
+      <p:grpSpPr>
+        <a:xfrm>
+          <a:off x="0" y="0"/>
+          <a:ext cx="0" cy="0"/>
+          <a:chOff x="0" y="0"/>
+          <a:chExt cx="0" cy="0"/>
+        </a:xfrm>
+      </p:grpSpPr>
+      <p:sp>
+        <p:nvSpPr>
+          <p:cNvPr id="2" name="Title 1">
+            <a:extLst>
+              <a:ext uri="{FF2B5EF4-FFF2-40B4-BE49-F238E27FC236}">
+                <a16:creationId xmlns:a16="http://schemas.microsoft.com/office/drawing/2014/main" id="{CC6D1FDE-1777-4ED4-A7CF-DD8D94416F9F}"/>
+              </a:ext>
+            </a:extLst>
+          </p:cNvPr>
+          <p:cNvSpPr>
+            <a:spLocks noGrp="1"/>
+          </p:cNvSpPr>
+          <p:nvPr>
+            <p:ph type="title"/>
+          </p:nvPr>
+        </p:nvSpPr>
+        <p:spPr/>
+        <p:txBody>
+          <a:bodyPr/>
+          <a:lstStyle/>
+          <a:p>
+            <a:r>
+              <a:rPr lang="en-CA" dirty="0" err="1"/>
+              <a:t>Navier</a:t>
+            </a:r>
+            <a:r>
+              <a:rPr lang="en-CA" dirty="0"/>
+              <a:t>-Stokes equations - FD</a:t>
+            </a:r>
+          </a:p>
+        </p:txBody>
+      </p:sp>
+      <p:sp>
+        <p:nvSpPr>
+          <p:cNvPr id="3" name="Content Placeholder 2">
+            <a:extLst>
+              <a:ext uri="{FF2B5EF4-FFF2-40B4-BE49-F238E27FC236}">
+                <a16:creationId xmlns:a16="http://schemas.microsoft.com/office/drawing/2014/main" id="{83E51793-9751-492D-847B-F3A84C50BE25}"/>
+              </a:ext>
+            </a:extLst>
+          </p:cNvPr>
+          <p:cNvSpPr>
+            <a:spLocks noGrp="1"/>
+          </p:cNvSpPr>
+          <p:nvPr>
+            <p:ph idx="1"/>
+          </p:nvPr>
+        </p:nvSpPr>
+        <p:spPr/>
+        <p:txBody>
+          <a:bodyPr/>
+          <a:lstStyle/>
+          <a:p>
+            <a:r>
+              <a:rPr lang="en-CA" dirty="0"/>
+              <a:t>Conservation of mass (Continuity):</a:t>
+            </a:r>
+          </a:p>
+          <a:p>
+            <a:endParaRPr lang="en-CA" dirty="0"/>
+          </a:p>
+          <a:p>
+            <a:endParaRPr lang="en-CA" dirty="0"/>
+          </a:p>
+          <a:p>
+            <a:r>
+              <a:rPr lang="en-CA" dirty="0"/>
+              <a:t>Conservation of momentum (Euler’s Equation):</a:t>
+            </a:r>
+          </a:p>
+        </p:txBody>
+      </p:sp>
+      <p:pic>
+        <p:nvPicPr>
+          <p:cNvPr id="13" name="Picture 12">
+            <a:extLst>
+              <a:ext uri="{FF2B5EF4-FFF2-40B4-BE49-F238E27FC236}">
+                <a16:creationId xmlns:a16="http://schemas.microsoft.com/office/drawing/2014/main" id="{1C9BDCDC-1492-48AC-A84A-9A2379B0FFD2}"/>
+              </a:ext>
+            </a:extLst>
+          </p:cNvPr>
+          <p:cNvPicPr>
+            <a:picLocks noChangeAspect="1"/>
+          </p:cNvPicPr>
+          <p:nvPr>
+            <p:custDataLst>
+              <p:tags r:id="rId1"/>
+            </p:custDataLst>
+          </p:nvPr>
+        </p:nvPicPr>
+        <p:blipFill>
+          <a:blip r:embed="rId5">
+            <a:extLst>
+              <a:ext uri="{28A0092B-C50C-407E-A947-70E740481C1C}">
+                <a14:useLocalDpi xmlns:a14="http://schemas.microsoft.com/office/drawing/2010/main" val="0"/>
+              </a:ext>
+            </a:extLst>
+          </a:blip>
+          <a:stretch>
+            <a:fillRect/>
+          </a:stretch>
+        </p:blipFill>
+        <p:spPr>
+          <a:xfrm>
+            <a:off x="3056762" y="2595113"/>
+            <a:ext cx="6656001" cy="758857"/>
+          </a:xfrm>
+          <a:prstGeom prst="rect">
+            <a:avLst/>
+          </a:prstGeom>
+        </p:spPr>
+      </p:pic>
+      <p:pic>
+        <p:nvPicPr>
+          <p:cNvPr id="15" name="Picture 14">
+            <a:extLst>
+              <a:ext uri="{FF2B5EF4-FFF2-40B4-BE49-F238E27FC236}">
+                <a16:creationId xmlns:a16="http://schemas.microsoft.com/office/drawing/2014/main" id="{32993C4E-54DC-4537-A926-644E9DF66E5A}"/>
+              </a:ext>
+            </a:extLst>
+          </p:cNvPr>
+          <p:cNvPicPr>
+            <a:picLocks noChangeAspect="1"/>
+          </p:cNvPicPr>
+          <p:nvPr>
+            <p:custDataLst>
+              <p:tags r:id="rId2"/>
+            </p:custDataLst>
+          </p:nvPr>
+        </p:nvPicPr>
+        <p:blipFill>
+          <a:blip r:embed="rId6">
+            <a:extLst>
+              <a:ext uri="{28A0092B-C50C-407E-A947-70E740481C1C}">
+                <a14:useLocalDpi xmlns:a14="http://schemas.microsoft.com/office/drawing/2010/main" val="0"/>
+              </a:ext>
+            </a:extLst>
+          </a:blip>
+          <a:stretch>
+            <a:fillRect/>
+          </a:stretch>
+        </p:blipFill>
+        <p:spPr>
+          <a:xfrm>
+            <a:off x="3816381" y="4199059"/>
+            <a:ext cx="4559238" cy="644571"/>
+          </a:xfrm>
+          <a:prstGeom prst="rect">
+            <a:avLst/>
+          </a:prstGeom>
+        </p:spPr>
+      </p:pic>
+      <p:pic>
+        <p:nvPicPr>
+          <p:cNvPr id="18" name="Picture 17">
+            <a:extLst>
+              <a:ext uri="{FF2B5EF4-FFF2-40B4-BE49-F238E27FC236}">
+                <a16:creationId xmlns:a16="http://schemas.microsoft.com/office/drawing/2014/main" id="{0E834288-200F-421F-BD58-AD7090C89D97}"/>
+              </a:ext>
+            </a:extLst>
+          </p:cNvPr>
+          <p:cNvPicPr>
+            <a:picLocks noChangeAspect="1"/>
+          </p:cNvPicPr>
+          <p:nvPr>
+            <p:custDataLst>
+              <p:tags r:id="rId3"/>
+            </p:custDataLst>
+          </p:nvPr>
+        </p:nvPicPr>
+        <p:blipFill>
+          <a:blip r:embed="rId7">
+            <a:extLst>
+              <a:ext uri="{28A0092B-C50C-407E-A947-70E740481C1C}">
+                <a14:useLocalDpi xmlns:a14="http://schemas.microsoft.com/office/drawing/2010/main" val="0"/>
+              </a:ext>
+            </a:extLst>
+          </a:blip>
+          <a:stretch>
+            <a:fillRect/>
+          </a:stretch>
+        </p:blipFill>
+        <p:spPr>
+          <a:xfrm>
+            <a:off x="3816381" y="5224029"/>
+            <a:ext cx="4559239" cy="644571"/>
+          </a:xfrm>
+          <a:prstGeom prst="rect">
+            <a:avLst/>
+          </a:prstGeom>
+        </p:spPr>
+      </p:pic>
+      <p:sp>
+        <p:nvSpPr>
+          <p:cNvPr id="19" name="Oval 18">
+            <a:extLst>
+              <a:ext uri="{FF2B5EF4-FFF2-40B4-BE49-F238E27FC236}">
+                <a16:creationId xmlns:a16="http://schemas.microsoft.com/office/drawing/2014/main" id="{1CD020A1-F54A-4A08-8DE3-BC9A2BA1EB52}"/>
+              </a:ext>
+            </a:extLst>
+          </p:cNvPr>
+          <p:cNvSpPr/>
+          <p:nvPr/>
+        </p:nvSpPr>
+        <p:spPr>
+          <a:xfrm>
+            <a:off x="6207853" y="4555656"/>
+            <a:ext cx="855677" cy="318782"/>
+          </a:xfrm>
+          <a:prstGeom prst="ellipse">
+            <a:avLst/>
+          </a:prstGeom>
+          <a:noFill/>
+          <a:ln>
+            <a:solidFill>
+              <a:srgbClr val="C00000"/>
+            </a:solidFill>
+          </a:ln>
+        </p:spPr>
+        <p:style>
+          <a:lnRef idx="2">
+            <a:schemeClr val="accent1">
+              <a:shade val="50000"/>
+            </a:schemeClr>
+          </a:lnRef>
+          <a:fillRef idx="1">
+            <a:schemeClr val="accent1"/>
+          </a:fillRef>
+          <a:effectRef idx="0">
+            <a:schemeClr val="accent1"/>
+          </a:effectRef>
+          <a:fontRef idx="minor">
+            <a:schemeClr val="lt1"/>
+          </a:fontRef>
+        </p:style>
+        <p:txBody>
+          <a:bodyPr rtlCol="0" anchor="ctr"/>
+          <a:lstStyle/>
+          <a:p>
+            <a:pPr algn="ctr"/>
+            <a:endParaRPr lang="en-CA"/>
+          </a:p>
+        </p:txBody>
+      </p:sp>
+      <p:sp>
+        <p:nvSpPr>
+          <p:cNvPr id="21" name="Oval 20">
+            <a:extLst>
+              <a:ext uri="{FF2B5EF4-FFF2-40B4-BE49-F238E27FC236}">
+                <a16:creationId xmlns:a16="http://schemas.microsoft.com/office/drawing/2014/main" id="{861C4E48-16E6-4857-9DE0-2CEDBEC29933}"/>
+              </a:ext>
+            </a:extLst>
+          </p:cNvPr>
+          <p:cNvSpPr/>
+          <p:nvPr/>
+        </p:nvSpPr>
+        <p:spPr>
+          <a:xfrm>
+            <a:off x="6207853" y="5605678"/>
+            <a:ext cx="855677" cy="318782"/>
+          </a:xfrm>
+          <a:prstGeom prst="ellipse">
+            <a:avLst/>
+          </a:prstGeom>
+          <a:noFill/>
+          <a:ln>
+            <a:solidFill>
+              <a:srgbClr val="C00000"/>
+            </a:solidFill>
+          </a:ln>
+        </p:spPr>
+        <p:style>
+          <a:lnRef idx="2">
+            <a:schemeClr val="accent1">
+              <a:shade val="50000"/>
+            </a:schemeClr>
+          </a:lnRef>
+          <a:fillRef idx="1">
+            <a:schemeClr val="accent1"/>
+          </a:fillRef>
+          <a:effectRef idx="0">
+            <a:schemeClr val="accent1"/>
+          </a:effectRef>
+          <a:fontRef idx="minor">
+            <a:schemeClr val="lt1"/>
+          </a:fontRef>
+        </p:style>
+        <p:txBody>
+          <a:bodyPr rtlCol="0" anchor="ctr"/>
+          <a:lstStyle/>
+          <a:p>
+            <a:pPr algn="ctr"/>
+            <a:endParaRPr lang="en-CA"/>
+          </a:p>
+        </p:txBody>
+      </p:sp>
+      <p:sp>
+        <p:nvSpPr>
+          <p:cNvPr id="22" name="TextBox 21">
+            <a:extLst>
+              <a:ext uri="{FF2B5EF4-FFF2-40B4-BE49-F238E27FC236}">
+                <a16:creationId xmlns:a16="http://schemas.microsoft.com/office/drawing/2014/main" id="{7C26722E-B2C8-4722-BA2A-C3C90DDFC4D6}"/>
+              </a:ext>
+            </a:extLst>
+          </p:cNvPr>
+          <p:cNvSpPr txBox="1"/>
+          <p:nvPr/>
+        </p:nvSpPr>
+        <p:spPr>
+          <a:xfrm>
+            <a:off x="8712471" y="4874439"/>
+            <a:ext cx="1169760" cy="523220"/>
+          </a:xfrm>
+          <a:prstGeom prst="rect">
+            <a:avLst/>
+          </a:prstGeom>
+          <a:noFill/>
+        </p:spPr>
+        <p:txBody>
+          <a:bodyPr wrap="square" rtlCol="0">
+            <a:spAutoFit/>
+          </a:bodyPr>
+          <a:lstStyle/>
+          <a:p>
+            <a:r>
+              <a:rPr lang="en-CA" sz="2800" dirty="0">
+                <a:solidFill>
+                  <a:srgbClr val="C00000"/>
+                </a:solidFill>
+              </a:rPr>
+              <a:t>Uh-oh</a:t>
+            </a:r>
+          </a:p>
+        </p:txBody>
+      </p:sp>
+    </p:spTree>
+    <p:extLst>
+      <p:ext uri="{BB962C8B-B14F-4D97-AF65-F5344CB8AC3E}">
+        <p14:creationId xmlns:p14="http://schemas.microsoft.com/office/powerpoint/2010/main" val="2870228972"/>
+      </p:ext>
+    </p:extLst>
+  </p:cSld>
+  <p:clrMapOvr>
+    <a:masterClrMapping/>
+  </p:clrMapOvr>
+</p:sld>
+</file>
+
+<file path=ppt/slides/slide24.xml><?xml version="1.0" encoding="utf-8"?>
+<p:sld xmlns:a="http://schemas.openxmlformats.org/drawingml/2006/main" xmlns:r="http://schemas.openxmlformats.org/officeDocument/2006/relationships" xmlns:p="http://schemas.openxmlformats.org/presentationml/2006/main">
+  <p:cSld>
+    <p:spTree>
+      <p:nvGrpSpPr>
+        <p:cNvPr id="1" name=""/>
+        <p:cNvGrpSpPr/>
+        <p:nvPr/>
+      </p:nvGrpSpPr>
+      <p:grpSpPr>
+        <a:xfrm>
+          <a:off x="0" y="0"/>
+          <a:ext cx="0" cy="0"/>
+          <a:chOff x="0" y="0"/>
+          <a:chExt cx="0" cy="0"/>
+        </a:xfrm>
+      </p:grpSpPr>
+      <p:sp>
+        <p:nvSpPr>
+          <p:cNvPr id="2" name="Title 1">
+            <a:extLst>
+              <a:ext uri="{FF2B5EF4-FFF2-40B4-BE49-F238E27FC236}">
+                <a16:creationId xmlns:a16="http://schemas.microsoft.com/office/drawing/2014/main" id="{8A5CF6BD-402F-4840-A7EF-314FAAADC386}"/>
+              </a:ext>
+            </a:extLst>
+          </p:cNvPr>
+          <p:cNvSpPr>
+            <a:spLocks noGrp="1"/>
+          </p:cNvSpPr>
+          <p:nvPr>
+            <p:ph type="title"/>
+          </p:nvPr>
+        </p:nvSpPr>
+        <p:spPr/>
+        <p:txBody>
+          <a:bodyPr/>
+          <a:lstStyle/>
+          <a:p>
+            <a:r>
+              <a:rPr lang="en-CA" dirty="0"/>
+              <a:t>Mixed-Grid Problem</a:t>
+            </a:r>
+          </a:p>
+        </p:txBody>
+      </p:sp>
+      <p:sp>
+        <p:nvSpPr>
+          <p:cNvPr id="3" name="Content Placeholder 2">
+            <a:extLst>
+              <a:ext uri="{FF2B5EF4-FFF2-40B4-BE49-F238E27FC236}">
+                <a16:creationId xmlns:a16="http://schemas.microsoft.com/office/drawing/2014/main" id="{971504E5-C6F8-4757-8C4A-F42A830DE90E}"/>
+              </a:ext>
+            </a:extLst>
+          </p:cNvPr>
+          <p:cNvSpPr>
+            <a:spLocks noGrp="1"/>
+          </p:cNvSpPr>
+          <p:nvPr>
+            <p:ph idx="1"/>
+          </p:nvPr>
+        </p:nvSpPr>
+        <p:spPr/>
+        <p:txBody>
+          <a:bodyPr/>
+          <a:lstStyle/>
+          <a:p>
+            <a:r>
+              <a:rPr lang="en-CA" dirty="0"/>
+              <a:t>So far in our general conservation equations and E&amp;M equations, our different variables have always been related through a derivative</a:t>
+            </a:r>
+          </a:p>
+          <a:p>
+            <a:r>
+              <a:rPr lang="en-CA" dirty="0"/>
+              <a:t>Where our FD equation for d</a:t>
+            </a:r>
+            <a:r>
+              <a:rPr lang="en-CA" b="1" dirty="0"/>
+              <a:t>v </a:t>
+            </a:r>
+            <a:r>
+              <a:rPr lang="en-CA" dirty="0"/>
+              <a:t>depends on </a:t>
+            </a:r>
+            <a:r>
+              <a:rPr lang="el-GR" dirty="0">
+                <a:latin typeface="Cambria Math" panose="02040503050406030204" pitchFamily="18" charset="0"/>
+                <a:ea typeface="Cambria Math" panose="02040503050406030204" pitchFamily="18" charset="0"/>
+              </a:rPr>
+              <a:t>ρ</a:t>
+            </a:r>
+            <a:r>
+              <a:rPr lang="en-CA" dirty="0">
+                <a:latin typeface="Cambria Math" panose="02040503050406030204" pitchFamily="18" charset="0"/>
+                <a:ea typeface="Cambria Math" panose="02040503050406030204" pitchFamily="18" charset="0"/>
+              </a:rPr>
+              <a:t> and not d</a:t>
+            </a:r>
+            <a:r>
+              <a:rPr lang="el-GR" dirty="0">
+                <a:latin typeface="Cambria Math" panose="02040503050406030204" pitchFamily="18" charset="0"/>
+                <a:ea typeface="Cambria Math" panose="02040503050406030204" pitchFamily="18" charset="0"/>
+              </a:rPr>
+              <a:t>ρ</a:t>
+            </a:r>
+            <a:r>
+              <a:rPr lang="en-CA" dirty="0">
+                <a:latin typeface="Cambria Math" panose="02040503050406030204" pitchFamily="18" charset="0"/>
+                <a:ea typeface="Cambria Math" panose="02040503050406030204" pitchFamily="18" charset="0"/>
+              </a:rPr>
+              <a:t>, we need a value of </a:t>
+            </a:r>
+            <a:r>
+              <a:rPr lang="el-GR" dirty="0">
+                <a:latin typeface="Cambria Math" panose="02040503050406030204" pitchFamily="18" charset="0"/>
+                <a:ea typeface="Cambria Math" panose="02040503050406030204" pitchFamily="18" charset="0"/>
+              </a:rPr>
+              <a:t>ρ</a:t>
+            </a:r>
+            <a:r>
+              <a:rPr lang="en-CA" dirty="0">
+                <a:latin typeface="Cambria Math" panose="02040503050406030204" pitchFamily="18" charset="0"/>
+                <a:ea typeface="Cambria Math" panose="02040503050406030204" pitchFamily="18" charset="0"/>
+              </a:rPr>
+              <a:t> at a location off its grid.</a:t>
+            </a:r>
+          </a:p>
+          <a:p>
+            <a:r>
+              <a:rPr lang="en-CA" dirty="0">
+                <a:latin typeface="Cambria Math" panose="02040503050406030204" pitchFamily="18" charset="0"/>
+                <a:ea typeface="Cambria Math" panose="02040503050406030204" pitchFamily="18" charset="0"/>
+              </a:rPr>
+              <a:t>We could subdivide the </a:t>
+            </a:r>
+            <a:r>
+              <a:rPr lang="el-GR" dirty="0">
+                <a:latin typeface="Cambria Math" panose="02040503050406030204" pitchFamily="18" charset="0"/>
+                <a:ea typeface="Cambria Math" panose="02040503050406030204" pitchFamily="18" charset="0"/>
+              </a:rPr>
+              <a:t>ρ</a:t>
+            </a:r>
+            <a:r>
+              <a:rPr lang="en-CA" dirty="0">
+                <a:latin typeface="Cambria Math" panose="02040503050406030204" pitchFamily="18" charset="0"/>
+                <a:ea typeface="Cambria Math" panose="02040503050406030204" pitchFamily="18" charset="0"/>
+              </a:rPr>
+              <a:t> grid, but at that point we re-introduce our original frequency problem. We can’t stagger more, as that would require ad-infinitum staggering.</a:t>
+            </a:r>
+          </a:p>
+          <a:p>
+            <a:r>
+              <a:rPr lang="en-CA" dirty="0">
+                <a:latin typeface="Cambria Math" panose="02040503050406030204" pitchFamily="18" charset="0"/>
+                <a:ea typeface="Cambria Math" panose="02040503050406030204" pitchFamily="18" charset="0"/>
+              </a:rPr>
+              <a:t>We can use interpolation in some situations: this won’t work when there are shocks or discontinuities in the data</a:t>
+            </a:r>
+            <a:endParaRPr lang="en-CA" dirty="0"/>
+          </a:p>
+        </p:txBody>
+      </p:sp>
+    </p:spTree>
+    <p:extLst>
+      <p:ext uri="{BB962C8B-B14F-4D97-AF65-F5344CB8AC3E}">
+        <p14:creationId xmlns:p14="http://schemas.microsoft.com/office/powerpoint/2010/main" val="3873477153"/>
+      </p:ext>
+    </p:extLst>
+  </p:cSld>
+  <p:clrMapOvr>
+    <a:masterClrMapping/>
+  </p:clrMapOvr>
+</p:sld>
+</file>
+
+<file path=ppt/slides/slide25.xml><?xml version="1.0" encoding="utf-8"?>
+<p:sld xmlns:a="http://schemas.openxmlformats.org/drawingml/2006/main" xmlns:r="http://schemas.openxmlformats.org/officeDocument/2006/relationships" xmlns:p="http://schemas.openxmlformats.org/presentationml/2006/main">
+  <p:cSld>
+    <p:spTree>
+      <p:nvGrpSpPr>
+        <p:cNvPr id="1" name=""/>
+        <p:cNvGrpSpPr/>
+        <p:nvPr/>
+      </p:nvGrpSpPr>
+      <p:grpSpPr>
+        <a:xfrm>
+          <a:off x="0" y="0"/>
+          <a:ext cx="0" cy="0"/>
+          <a:chOff x="0" y="0"/>
+          <a:chExt cx="0" cy="0"/>
+        </a:xfrm>
+      </p:grpSpPr>
+      <p:sp>
+        <p:nvSpPr>
+          <p:cNvPr id="2" name="Title 1">
+            <a:extLst>
+              <a:ext uri="{FF2B5EF4-FFF2-40B4-BE49-F238E27FC236}">
+                <a16:creationId xmlns:a16="http://schemas.microsoft.com/office/drawing/2014/main" id="{6476D845-AF3A-44FD-A5B8-E636CBCE41CA}"/>
+              </a:ext>
+            </a:extLst>
+          </p:cNvPr>
+          <p:cNvSpPr>
+            <a:spLocks noGrp="1"/>
+          </p:cNvSpPr>
+          <p:nvPr>
+            <p:ph type="title"/>
+          </p:nvPr>
+        </p:nvSpPr>
+        <p:spPr/>
+        <p:txBody>
+          <a:bodyPr/>
+          <a:lstStyle/>
+          <a:p>
+            <a:r>
+              <a:rPr lang="en-CA" dirty="0"/>
+              <a:t>Staggered vs. Co-Local</a:t>
+            </a:r>
+          </a:p>
+        </p:txBody>
+      </p:sp>
+      <p:sp>
+        <p:nvSpPr>
+          <p:cNvPr id="3" name="Content Placeholder 2">
+            <a:extLst>
+              <a:ext uri="{FF2B5EF4-FFF2-40B4-BE49-F238E27FC236}">
+                <a16:creationId xmlns:a16="http://schemas.microsoft.com/office/drawing/2014/main" id="{CC9D9E05-FB50-4B96-B0D8-0094EAEE47E8}"/>
+              </a:ext>
+            </a:extLst>
+          </p:cNvPr>
+          <p:cNvSpPr>
+            <a:spLocks noGrp="1"/>
+          </p:cNvSpPr>
+          <p:nvPr>
+            <p:ph idx="1"/>
+          </p:nvPr>
+        </p:nvSpPr>
+        <p:spPr/>
+        <p:txBody>
+          <a:bodyPr/>
+          <a:lstStyle/>
+          <a:p>
+            <a:r>
+              <a:rPr lang="en-CA" dirty="0"/>
+              <a:t>While staggered grids are a common hydrodynamic method, some programs choose to use co-local. Below is a comparison of each.</a:t>
+            </a:r>
+          </a:p>
+        </p:txBody>
+      </p:sp>
+      <p:graphicFrame>
+        <p:nvGraphicFramePr>
+          <p:cNvPr id="4" name="Table 3">
+            <a:extLst>
+              <a:ext uri="{FF2B5EF4-FFF2-40B4-BE49-F238E27FC236}">
+                <a16:creationId xmlns:a16="http://schemas.microsoft.com/office/drawing/2014/main" id="{F9CDC8E9-7AC4-4F1D-A9C9-F9B8E0F7DFCF}"/>
+              </a:ext>
+            </a:extLst>
+          </p:cNvPr>
+          <p:cNvGraphicFramePr>
+            <a:graphicFrameLocks noGrp="1"/>
+          </p:cNvGraphicFramePr>
+          <p:nvPr>
+            <p:extLst>
+              <p:ext uri="{D42A27DB-BD31-4B8C-83A1-F6EECF244321}">
+                <p14:modId xmlns:p14="http://schemas.microsoft.com/office/powerpoint/2010/main" val="3256104748"/>
+              </p:ext>
+            </p:extLst>
+          </p:nvPr>
+        </p:nvGraphicFramePr>
+        <p:xfrm>
+          <a:off x="1037204" y="3152475"/>
+          <a:ext cx="10316596" cy="3078813"/>
+        </p:xfrm>
+        <a:graphic>
+          <a:graphicData uri="http://schemas.openxmlformats.org/drawingml/2006/table">
+            <a:tbl>
+              <a:tblPr firstRow="1" bandRow="1">
+                <a:tableStyleId>{5C22544A-7EE6-4342-B048-85BDC9FD1C3A}</a:tableStyleId>
+              </a:tblPr>
+              <a:tblGrid>
+                <a:gridCol w="5158298">
+                  <a:extLst>
+                    <a:ext uri="{9D8B030D-6E8A-4147-A177-3AD203B41FA5}">
+                      <a16:colId xmlns:a16="http://schemas.microsoft.com/office/drawing/2014/main" val="3641918428"/>
+                    </a:ext>
+                  </a:extLst>
+                </a:gridCol>
+                <a:gridCol w="5158298">
+                  <a:extLst>
+                    <a:ext uri="{9D8B030D-6E8A-4147-A177-3AD203B41FA5}">
+                      <a16:colId xmlns:a16="http://schemas.microsoft.com/office/drawing/2014/main" val="2673256208"/>
+                    </a:ext>
+                  </a:extLst>
+                </a:gridCol>
+              </a:tblGrid>
+              <a:tr h="386191">
+                <a:tc>
+                  <a:txBody>
+                    <a:bodyPr/>
+                    <a:lstStyle/>
+                    <a:p>
+                      <a:r>
+                        <a:rPr lang="en-CA" dirty="0"/>
+                        <a:t>Co-Local Grids</a:t>
+                      </a:r>
+                    </a:p>
+                  </a:txBody>
+                  <a:tcPr/>
+                </a:tc>
+                <a:tc>
+                  <a:txBody>
+                    <a:bodyPr/>
+                    <a:lstStyle/>
+                    <a:p>
+                      <a:r>
+                        <a:rPr lang="en-CA" dirty="0"/>
+                        <a:t>Staggered Grids</a:t>
+                      </a:r>
+                    </a:p>
+                  </a:txBody>
+                  <a:tcPr/>
+                </a:tc>
+                <a:extLst>
+                  <a:ext uri="{0D108BD9-81ED-4DB2-BD59-A6C34878D82A}">
+                    <a16:rowId xmlns:a16="http://schemas.microsoft.com/office/drawing/2014/main" val="2407181338"/>
+                  </a:ext>
+                </a:extLst>
+              </a:tr>
+              <a:tr h="386191">
+                <a:tc>
+                  <a:txBody>
+                    <a:bodyPr/>
+                    <a:lstStyle/>
+                    <a:p>
+                      <a:r>
+                        <a:rPr lang="en-CA" dirty="0"/>
+                        <a:t>Intuitive Indices</a:t>
+                      </a:r>
+                    </a:p>
+                  </a:txBody>
+                  <a:tcPr/>
+                </a:tc>
+                <a:tc>
+                  <a:txBody>
+                    <a:bodyPr/>
+                    <a:lstStyle/>
+                    <a:p>
+                      <a:r>
+                        <a:rPr lang="en-CA" dirty="0"/>
+                        <a:t>Careful tracking of indices required: 3D spaces are particularly easy to </a:t>
+                      </a:r>
+                      <a:r>
+                        <a:rPr lang="en-CA" dirty="0" err="1"/>
+                        <a:t>mis</a:t>
+                      </a:r>
+                      <a:r>
+                        <a:rPr lang="en-CA" dirty="0"/>
+                        <a:t>-label</a:t>
+                      </a:r>
+                    </a:p>
+                  </a:txBody>
+                  <a:tcPr/>
+                </a:tc>
+                <a:extLst>
+                  <a:ext uri="{0D108BD9-81ED-4DB2-BD59-A6C34878D82A}">
+                    <a16:rowId xmlns:a16="http://schemas.microsoft.com/office/drawing/2014/main" val="1980536653"/>
+                  </a:ext>
+                </a:extLst>
+              </a:tr>
+              <a:tr h="401643">
+                <a:tc>
+                  <a:txBody>
+                    <a:bodyPr/>
+                    <a:lstStyle/>
+                    <a:p>
+                      <a:r>
+                        <a:rPr lang="en-CA" dirty="0"/>
+                        <a:t>Evaluating Flux at the middle of a cell is unideal: we would prefer to evaluate it on a surface</a:t>
+                      </a:r>
+                    </a:p>
+                  </a:txBody>
+                  <a:tcPr/>
+                </a:tc>
+                <a:tc>
+                  <a:txBody>
+                    <a:bodyPr/>
+                    <a:lstStyle/>
+                    <a:p>
+                      <a:r>
+                        <a:rPr lang="en-CA" dirty="0"/>
+                        <a:t>Intuitive volumetric structure: flux occurs on cell walls</a:t>
+                      </a:r>
+                    </a:p>
+                  </a:txBody>
+                  <a:tcPr/>
+                </a:tc>
+                <a:extLst>
+                  <a:ext uri="{0D108BD9-81ED-4DB2-BD59-A6C34878D82A}">
+                    <a16:rowId xmlns:a16="http://schemas.microsoft.com/office/drawing/2014/main" val="2925455245"/>
+                  </a:ext>
+                </a:extLst>
+              </a:tr>
+              <a:tr h="386191">
+                <a:tc>
+                  <a:txBody>
+                    <a:bodyPr/>
+                    <a:lstStyle/>
+                    <a:p>
+                      <a:r>
+                        <a:rPr lang="en-CA" dirty="0"/>
+                        <a:t>Odd-even decoupling may occur </a:t>
+                      </a:r>
+                    </a:p>
+                  </a:txBody>
+                  <a:tcPr/>
+                </a:tc>
+                <a:tc>
+                  <a:txBody>
+                    <a:bodyPr/>
+                    <a:lstStyle/>
+                    <a:p>
+                      <a:r>
+                        <a:rPr lang="en-CA" dirty="0"/>
+                        <a:t>Solves odd-even decoupling</a:t>
+                      </a:r>
+                    </a:p>
+                  </a:txBody>
+                  <a:tcPr/>
+                </a:tc>
+                <a:extLst>
+                  <a:ext uri="{0D108BD9-81ED-4DB2-BD59-A6C34878D82A}">
+                    <a16:rowId xmlns:a16="http://schemas.microsoft.com/office/drawing/2014/main" val="1954043672"/>
+                  </a:ext>
+                </a:extLst>
+              </a:tr>
+              <a:tr h="386191">
+                <a:tc>
+                  <a:txBody>
+                    <a:bodyPr/>
+                    <a:lstStyle/>
+                    <a:p>
+                      <a:r>
+                        <a:rPr lang="en-CA" dirty="0"/>
+                        <a:t>Co-local grids make solving conservation of momentum easy</a:t>
+                      </a:r>
+                    </a:p>
+                  </a:txBody>
+                  <a:tcPr/>
+                </a:tc>
+                <a:tc>
+                  <a:txBody>
+                    <a:bodyPr/>
+                    <a:lstStyle/>
+                    <a:p>
+                      <a:r>
+                        <a:rPr lang="en-CA" dirty="0"/>
+                        <a:t>Staggered grids require some estimate of density at cell walls – may be very difficult</a:t>
+                      </a:r>
+                    </a:p>
+                  </a:txBody>
+                  <a:tcPr/>
+                </a:tc>
+                <a:extLst>
+                  <a:ext uri="{0D108BD9-81ED-4DB2-BD59-A6C34878D82A}">
+                    <a16:rowId xmlns:a16="http://schemas.microsoft.com/office/drawing/2014/main" val="1339832859"/>
+                  </a:ext>
+                </a:extLst>
+              </a:tr>
+              <a:tr h="386191">
+                <a:tc>
+                  <a:txBody>
+                    <a:bodyPr/>
+                    <a:lstStyle/>
+                    <a:p>
+                      <a:endParaRPr lang="en-CA"/>
+                    </a:p>
+                  </a:txBody>
+                  <a:tcPr/>
+                </a:tc>
+                <a:tc>
+                  <a:txBody>
+                    <a:bodyPr/>
+                    <a:lstStyle/>
+                    <a:p>
+                      <a:endParaRPr lang="en-CA" dirty="0"/>
+                    </a:p>
+                  </a:txBody>
+                  <a:tcPr/>
+                </a:tc>
+                <a:extLst>
+                  <a:ext uri="{0D108BD9-81ED-4DB2-BD59-A6C34878D82A}">
+                    <a16:rowId xmlns:a16="http://schemas.microsoft.com/office/drawing/2014/main" val="2279951136"/>
+                  </a:ext>
+                </a:extLst>
+              </a:tr>
+            </a:tbl>
+          </a:graphicData>
+        </a:graphic>
+      </p:graphicFrame>
+    </p:spTree>
+    <p:extLst>
+      <p:ext uri="{BB962C8B-B14F-4D97-AF65-F5344CB8AC3E}">
+        <p14:creationId xmlns:p14="http://schemas.microsoft.com/office/powerpoint/2010/main" val="1027202909"/>
+      </p:ext>
+    </p:extLst>
+  </p:cSld>
+  <p:clrMapOvr>
+    <a:masterClrMapping/>
+  </p:clrMapOvr>
+</p:sld>
+</file>
+
+<file path=ppt/slides/slide26.xml><?xml version="1.0" encoding="utf-8"?>
 <p:sld xmlns:a="http://schemas.openxmlformats.org/drawingml/2006/main" xmlns:r="http://schemas.openxmlformats.org/officeDocument/2006/relationships" xmlns:p="http://schemas.openxmlformats.org/presentationml/2006/main">
   <p:cSld>
     <p:spTree>
@@ -8124,10 +9921,10 @@
       </p:sp>
       <p:pic>
         <p:nvPicPr>
-          <p:cNvPr id="5" name="Picture 4">
-            <a:extLst>
-              <a:ext uri="{FF2B5EF4-FFF2-40B4-BE49-F238E27FC236}">
-                <a16:creationId xmlns:a16="http://schemas.microsoft.com/office/drawing/2014/main" id="{7F2825A7-8433-4846-98D0-3984A9BE957C}"/>
+          <p:cNvPr id="6" name="Picture 5">
+            <a:extLst>
+              <a:ext uri="{FF2B5EF4-FFF2-40B4-BE49-F238E27FC236}">
+                <a16:creationId xmlns:a16="http://schemas.microsoft.com/office/drawing/2014/main" id="{0C8ED710-A695-4834-8283-38A34A0B104A}"/>
               </a:ext>
             </a:extLst>
           </p:cNvPr>
@@ -8257,7 +10054,7 @@
                 <a:latin typeface="Cambria Math" panose="02040503050406030204" pitchFamily="18" charset="0"/>
                 <a:ea typeface="Cambria Math" panose="02040503050406030204" pitchFamily="18" charset="0"/>
               </a:rPr>
-              <a:t>=0.</a:t>
+              <a:t>=0 in 2 space dimensions.</a:t>
             </a:r>
             <a:endParaRPr lang="en-CA" dirty="0"/>
           </a:p>
@@ -8265,10 +10062,10 @@
       </p:sp>
       <p:pic>
         <p:nvPicPr>
-          <p:cNvPr id="11" name="Picture 10">
-            <a:extLst>
-              <a:ext uri="{FF2B5EF4-FFF2-40B4-BE49-F238E27FC236}">
-                <a16:creationId xmlns:a16="http://schemas.microsoft.com/office/drawing/2014/main" id="{43DDE968-F912-457B-B9F0-23A4DFA6D0AF}"/>
+          <p:cNvPr id="7" name="Picture 6">
+            <a:extLst>
+              <a:ext uri="{FF2B5EF4-FFF2-40B4-BE49-F238E27FC236}">
+                <a16:creationId xmlns:a16="http://schemas.microsoft.com/office/drawing/2014/main" id="{C2D8568C-4EFB-4339-9C45-AB4EFC3F98BE}"/>
               </a:ext>
             </a:extLst>
           </p:cNvPr>
@@ -8295,8 +10092,8 @@
         </p:blipFill>
         <p:spPr>
           <a:xfrm>
-            <a:off x="4798009" y="3305110"/>
-            <a:ext cx="1954371" cy="613747"/>
+            <a:off x="4746890" y="3328152"/>
+            <a:ext cx="2698220" cy="673142"/>
           </a:xfrm>
           <a:prstGeom prst="rect">
             <a:avLst/>
@@ -8305,10 +10102,10 @@
       </p:pic>
       <p:pic>
         <p:nvPicPr>
-          <p:cNvPr id="13" name="Picture 12">
-            <a:extLst>
-              <a:ext uri="{FF2B5EF4-FFF2-40B4-BE49-F238E27FC236}">
-                <a16:creationId xmlns:a16="http://schemas.microsoft.com/office/drawing/2014/main" id="{EC9DE1E9-9DDD-4907-9C2C-136CECCC60F0}"/>
+          <p:cNvPr id="9" name="Picture 8">
+            <a:extLst>
+              <a:ext uri="{FF2B5EF4-FFF2-40B4-BE49-F238E27FC236}">
+                <a16:creationId xmlns:a16="http://schemas.microsoft.com/office/drawing/2014/main" id="{C6F7DBF0-E14B-49F7-8ADD-C6BC9D64320F}"/>
               </a:ext>
             </a:extLst>
           </p:cNvPr>
@@ -8335,8 +10132,8 @@
         </p:blipFill>
         <p:spPr>
           <a:xfrm>
-            <a:off x="3765283" y="4246302"/>
-            <a:ext cx="4661434" cy="801608"/>
+            <a:off x="1705747" y="4494130"/>
+            <a:ext cx="9310772" cy="880257"/>
           </a:xfrm>
           <a:prstGeom prst="rect">
             <a:avLst/>
@@ -8378,7 +10175,7 @@
           <p:cNvPr id="2" name="Title 1">
             <a:extLst>
               <a:ext uri="{FF2B5EF4-FFF2-40B4-BE49-F238E27FC236}">
-                <a16:creationId xmlns:a16="http://schemas.microsoft.com/office/drawing/2014/main" id="{C532959C-361C-4F10-8FE9-790D28B30EB8}"/>
+                <a16:creationId xmlns:a16="http://schemas.microsoft.com/office/drawing/2014/main" id="{0C7081F2-9F46-472B-B165-24237B3F4CB2}"/>
               </a:ext>
             </a:extLst>
           </p:cNvPr>
@@ -8396,7 +10193,7 @@
           <a:p>
             <a:r>
               <a:rPr lang="en-CA" dirty="0"/>
-              <a:t>Associated Equations</a:t>
+              <a:t>The Checkerboard Problem</a:t>
             </a:r>
           </a:p>
         </p:txBody>
@@ -8406,7 +10203,7 @@
           <p:cNvPr id="3" name="Content Placeholder 2">
             <a:extLst>
               <a:ext uri="{FF2B5EF4-FFF2-40B4-BE49-F238E27FC236}">
-                <a16:creationId xmlns:a16="http://schemas.microsoft.com/office/drawing/2014/main" id="{4B4713A4-FB12-4269-B648-7B227FC6579C}"/>
+                <a16:creationId xmlns:a16="http://schemas.microsoft.com/office/drawing/2014/main" id="{8AC4EF82-1E23-4819-B9B9-46089D681879}"/>
               </a:ext>
             </a:extLst>
           </p:cNvPr>
@@ -8417,14 +10214,37 @@
             <p:ph idx="1"/>
           </p:nvPr>
         </p:nvSpPr>
-        <p:spPr/>
+        <p:spPr>
+          <a:xfrm>
+            <a:off x="838200" y="1825625"/>
+            <a:ext cx="6696075" cy="4351338"/>
+          </a:xfrm>
+        </p:spPr>
         <p:txBody>
           <a:bodyPr/>
           <a:lstStyle/>
           <a:p>
             <a:r>
               <a:rPr lang="en-CA" dirty="0"/>
-              <a:t>In simulations of electrical charge, fluid dynamics, etc. The variables are closely related.</a:t>
+              <a:t>Also known as odd-even decoupling</a:t>
+            </a:r>
+          </a:p>
+          <a:p>
+            <a:r>
+              <a:rPr lang="en-CA" dirty="0"/>
+              <a:t>Consider some theoretical system where the flux is constant in time:</a:t>
+            </a:r>
+          </a:p>
+          <a:p>
+            <a:pPr marL="0" indent="0">
+              <a:buNone/>
+            </a:pPr>
+            <a:endParaRPr lang="en-CA" dirty="0"/>
+          </a:p>
+          <a:p>
+            <a:r>
+              <a:rPr lang="en-CA" dirty="0"/>
+              <a:t>Next, assume that when discretized, it oscillates between different values:</a:t>
             </a:r>
           </a:p>
         </p:txBody>
@@ -8434,7 +10254,7 @@
           <p:cNvPr id="5" name="Picture 4">
             <a:extLst>
               <a:ext uri="{FF2B5EF4-FFF2-40B4-BE49-F238E27FC236}">
-                <a16:creationId xmlns:a16="http://schemas.microsoft.com/office/drawing/2014/main" id="{AEED1A8B-FF44-48C0-9A09-6496875853BB}"/>
+                <a16:creationId xmlns:a16="http://schemas.microsoft.com/office/drawing/2014/main" id="{C1254DA3-D900-441C-BB1A-14F2EDF6B6A8}"/>
               </a:ext>
             </a:extLst>
           </p:cNvPr>
@@ -8448,7 +10268,7 @@
           </p:nvPr>
         </p:nvPicPr>
         <p:blipFill>
-          <a:blip r:embed="rId7">
+          <a:blip r:embed="rId4">
             <a:extLst>
               <a:ext uri="{28A0092B-C50C-407E-A947-70E740481C1C}">
                 <a14:useLocalDpi xmlns:a14="http://schemas.microsoft.com/office/drawing/2010/main" val="0"/>
@@ -8461,8 +10281,8 @@
         </p:blipFill>
         <p:spPr>
           <a:xfrm>
-            <a:off x="3025192" y="3416480"/>
-            <a:ext cx="1893306" cy="604416"/>
+            <a:off x="2955517" y="3244269"/>
+            <a:ext cx="1597867" cy="352000"/>
           </a:xfrm>
           <a:prstGeom prst="rect">
             <a:avLst/>
@@ -8471,24 +10291,20 @@
       </p:pic>
       <p:pic>
         <p:nvPicPr>
-          <p:cNvPr id="11" name="Picture 10">
-            <a:extLst>
-              <a:ext uri="{FF2B5EF4-FFF2-40B4-BE49-F238E27FC236}">
-                <a16:creationId xmlns:a16="http://schemas.microsoft.com/office/drawing/2014/main" id="{87484EDA-81A6-4558-895F-B4F0EC6B9321}"/>
+          <p:cNvPr id="6" name="Content Placeholder 4">
+            <a:extLst>
+              <a:ext uri="{FF2B5EF4-FFF2-40B4-BE49-F238E27FC236}">
+                <a16:creationId xmlns:a16="http://schemas.microsoft.com/office/drawing/2014/main" id="{4575E96B-2A03-439D-9A65-A4750EEE574A}"/>
               </a:ext>
             </a:extLst>
           </p:cNvPr>
           <p:cNvPicPr>
             <a:picLocks noChangeAspect="1"/>
           </p:cNvPicPr>
-          <p:nvPr>
-            <p:custDataLst>
-              <p:tags r:id="rId2"/>
-            </p:custDataLst>
-          </p:nvPr>
+          <p:nvPr/>
         </p:nvPicPr>
         <p:blipFill>
-          <a:blip r:embed="rId8">
+          <a:blip r:embed="rId5">
             <a:extLst>
               <a:ext uri="{28A0092B-C50C-407E-A947-70E740481C1C}">
                 <a14:useLocalDpi xmlns:a14="http://schemas.microsoft.com/office/drawing/2010/main" val="0"/>
@@ -8501,8 +10317,8 @@
         </p:blipFill>
         <p:spPr>
           <a:xfrm>
-            <a:off x="1846472" y="5499132"/>
-            <a:ext cx="2625811" cy="480331"/>
+            <a:off x="7453876" y="1470307"/>
+            <a:ext cx="3899924" cy="3899924"/>
           </a:xfrm>
           <a:prstGeom prst="rect">
             <a:avLst/>
@@ -8511,10 +10327,10 @@
       </p:pic>
       <p:pic>
         <p:nvPicPr>
-          <p:cNvPr id="13" name="Picture 12">
-            <a:extLst>
-              <a:ext uri="{FF2B5EF4-FFF2-40B4-BE49-F238E27FC236}">
-                <a16:creationId xmlns:a16="http://schemas.microsoft.com/office/drawing/2014/main" id="{0ECA8EB4-025B-4721-8A3A-263F41B10055}"/>
+          <p:cNvPr id="7" name="Picture 6">
+            <a:extLst>
+              <a:ext uri="{FF2B5EF4-FFF2-40B4-BE49-F238E27FC236}">
+                <a16:creationId xmlns:a16="http://schemas.microsoft.com/office/drawing/2014/main" id="{4A0BA15E-EABC-475E-8BE0-5379A5C23DCB}"/>
               </a:ext>
             </a:extLst>
           </p:cNvPr>
@@ -8523,12 +10339,12 @@
           </p:cNvPicPr>
           <p:nvPr>
             <p:custDataLst>
-              <p:tags r:id="rId3"/>
+              <p:tags r:id="rId2"/>
             </p:custDataLst>
           </p:nvPr>
         </p:nvPicPr>
         <p:blipFill>
-          <a:blip r:embed="rId9">
+          <a:blip r:embed="rId6">
             <a:extLst>
               <a:ext uri="{28A0092B-C50C-407E-A947-70E740481C1C}">
                 <a14:useLocalDpi xmlns:a14="http://schemas.microsoft.com/office/drawing/2010/main" val="0"/>
@@ -8541,88 +10357,8 @@
         </p:blipFill>
         <p:spPr>
           <a:xfrm>
-            <a:off x="6645470" y="3416480"/>
-            <a:ext cx="2110376" cy="576672"/>
-          </a:xfrm>
-          <a:prstGeom prst="rect">
-            <a:avLst/>
-          </a:prstGeom>
-        </p:spPr>
-      </p:pic>
-      <p:pic>
-        <p:nvPicPr>
-          <p:cNvPr id="14" name="Picture 13">
-            <a:extLst>
-              <a:ext uri="{FF2B5EF4-FFF2-40B4-BE49-F238E27FC236}">
-                <a16:creationId xmlns:a16="http://schemas.microsoft.com/office/drawing/2014/main" id="{CA2D51EB-F562-4DCE-8393-AA2C80EDFE17}"/>
-              </a:ext>
-            </a:extLst>
-          </p:cNvPr>
-          <p:cNvPicPr>
-            <a:picLocks noChangeAspect="1"/>
-          </p:cNvPicPr>
-          <p:nvPr>
-            <p:custDataLst>
-              <p:tags r:id="rId4"/>
-            </p:custDataLst>
-          </p:nvPr>
-        </p:nvPicPr>
-        <p:blipFill>
-          <a:blip r:embed="rId9">
-            <a:extLst>
-              <a:ext uri="{28A0092B-C50C-407E-A947-70E740481C1C}">
-                <a14:useLocalDpi xmlns:a14="http://schemas.microsoft.com/office/drawing/2010/main" val="0"/>
-              </a:ext>
-            </a:extLst>
-          </a:blip>
-          <a:stretch>
-            <a:fillRect/>
-          </a:stretch>
-        </p:blipFill>
-        <p:spPr>
-          <a:xfrm>
-            <a:off x="6645470" y="5402791"/>
-            <a:ext cx="2110376" cy="576672"/>
-          </a:xfrm>
-          <a:prstGeom prst="rect">
-            <a:avLst/>
-          </a:prstGeom>
-        </p:spPr>
-      </p:pic>
-      <p:pic>
-        <p:nvPicPr>
-          <p:cNvPr id="15" name="Picture 14">
-            <a:extLst>
-              <a:ext uri="{FF2B5EF4-FFF2-40B4-BE49-F238E27FC236}">
-                <a16:creationId xmlns:a16="http://schemas.microsoft.com/office/drawing/2014/main" id="{35B9DA60-7A9D-4896-8BE1-99DC577D44A0}"/>
-              </a:ext>
-            </a:extLst>
-          </p:cNvPr>
-          <p:cNvPicPr>
-            <a:picLocks noChangeAspect="1"/>
-          </p:cNvPicPr>
-          <p:nvPr>
-            <p:custDataLst>
-              <p:tags r:id="rId5"/>
-            </p:custDataLst>
-          </p:nvPr>
-        </p:nvPicPr>
-        <p:blipFill>
-          <a:blip r:embed="rId7">
-            <a:extLst>
-              <a:ext uri="{28A0092B-C50C-407E-A947-70E740481C1C}">
-                <a14:useLocalDpi xmlns:a14="http://schemas.microsoft.com/office/drawing/2010/main" val="0"/>
-              </a:ext>
-            </a:extLst>
-          </a:blip>
-          <a:stretch>
-            <a:fillRect/>
-          </a:stretch>
-        </p:blipFill>
-        <p:spPr>
-          <a:xfrm>
-            <a:off x="2970631" y="4457806"/>
-            <a:ext cx="1893306" cy="604416"/>
+            <a:off x="911863" y="4798145"/>
+            <a:ext cx="6142724" cy="433536"/>
           </a:xfrm>
           <a:prstGeom prst="rect">
             <a:avLst/>
@@ -8632,7 +10368,7 @@
     </p:spTree>
     <p:extLst>
       <p:ext uri="{BB962C8B-B14F-4D97-AF65-F5344CB8AC3E}">
-        <p14:creationId xmlns:p14="http://schemas.microsoft.com/office/powerpoint/2010/main" val="1358871621"/>
+        <p14:creationId xmlns:p14="http://schemas.microsoft.com/office/powerpoint/2010/main" val="3527863605"/>
       </p:ext>
     </p:extLst>
   </p:cSld>
@@ -8664,7 +10400,7 @@
           <p:cNvPr id="2" name="Title 1">
             <a:extLst>
               <a:ext uri="{FF2B5EF4-FFF2-40B4-BE49-F238E27FC236}">
-                <a16:creationId xmlns:a16="http://schemas.microsoft.com/office/drawing/2014/main" id="{0C7081F2-9F46-472B-B165-24237B3F4CB2}"/>
+                <a16:creationId xmlns:a16="http://schemas.microsoft.com/office/drawing/2014/main" id="{9E48EAAF-DEAE-4C01-865B-EB9AAAA25949}"/>
               </a:ext>
             </a:extLst>
           </p:cNvPr>
@@ -8689,10 +10425,10 @@
       </p:sp>
       <p:sp>
         <p:nvSpPr>
-          <p:cNvPr id="3" name="Content Placeholder 2">
-            <a:extLst>
-              <a:ext uri="{FF2B5EF4-FFF2-40B4-BE49-F238E27FC236}">
-                <a16:creationId xmlns:a16="http://schemas.microsoft.com/office/drawing/2014/main" id="{8AC4EF82-1E23-4819-B9B9-46089D681879}"/>
+          <p:cNvPr id="6" name="Content Placeholder 5">
+            <a:extLst>
+              <a:ext uri="{FF2B5EF4-FFF2-40B4-BE49-F238E27FC236}">
+                <a16:creationId xmlns:a16="http://schemas.microsoft.com/office/drawing/2014/main" id="{949E00B1-4B2B-4A9F-AEFE-FCECE91C0E16}"/>
               </a:ext>
             </a:extLst>
           </p:cNvPr>
@@ -8706,7 +10442,7 @@
         <p:spPr>
           <a:xfrm>
             <a:off x="838200" y="1825625"/>
-            <a:ext cx="6696075" cy="4351338"/>
+            <a:ext cx="6091106" cy="4351338"/>
           </a:xfrm>
         </p:spPr>
         <p:txBody>
@@ -8715,69 +10451,23 @@
           <a:p>
             <a:r>
               <a:rPr lang="en-CA" dirty="0"/>
-              <a:t>Consider some theoretical system where the flux is constant in time:</a:t>
-            </a:r>
-          </a:p>
-          <a:p>
-            <a:endParaRPr lang="en-CA" dirty="0"/>
-          </a:p>
-          <a:p>
-            <a:endParaRPr lang="en-CA" dirty="0"/>
+              <a:t>This produces the most simplistic checkerboard pattern.</a:t>
+            </a:r>
           </a:p>
           <a:p>
             <a:r>
               <a:rPr lang="en-CA" dirty="0"/>
-              <a:t>Next, assume that when discretized, it oscillates between different values:</a:t>
+              <a:t>Analytically, we expect the density to behave as such:</a:t>
             </a:r>
           </a:p>
         </p:txBody>
       </p:sp>
       <p:pic>
         <p:nvPicPr>
-          <p:cNvPr id="5" name="Picture 4">
-            <a:extLst>
-              <a:ext uri="{FF2B5EF4-FFF2-40B4-BE49-F238E27FC236}">
-                <a16:creationId xmlns:a16="http://schemas.microsoft.com/office/drawing/2014/main" id="{C1254DA3-D900-441C-BB1A-14F2EDF6B6A8}"/>
-              </a:ext>
-            </a:extLst>
-          </p:cNvPr>
-          <p:cNvPicPr>
-            <a:picLocks noChangeAspect="1"/>
-          </p:cNvPicPr>
-          <p:nvPr>
-            <p:custDataLst>
-              <p:tags r:id="rId1"/>
-            </p:custDataLst>
-          </p:nvPr>
-        </p:nvPicPr>
-        <p:blipFill>
-          <a:blip r:embed="rId4">
-            <a:extLst>
-              <a:ext uri="{28A0092B-C50C-407E-A947-70E740481C1C}">
-                <a14:useLocalDpi xmlns:a14="http://schemas.microsoft.com/office/drawing/2010/main" val="0"/>
-              </a:ext>
-            </a:extLst>
-          </a:blip>
-          <a:stretch>
-            <a:fillRect/>
-          </a:stretch>
-        </p:blipFill>
-        <p:spPr>
-          <a:xfrm>
-            <a:off x="2980684" y="2933234"/>
-            <a:ext cx="1597867" cy="352000"/>
-          </a:xfrm>
-          <a:prstGeom prst="rect">
-            <a:avLst/>
-          </a:prstGeom>
-        </p:spPr>
-      </p:pic>
-      <p:pic>
-        <p:nvPicPr>
-          <p:cNvPr id="6" name="Content Placeholder 4">
-            <a:extLst>
-              <a:ext uri="{FF2B5EF4-FFF2-40B4-BE49-F238E27FC236}">
-                <a16:creationId xmlns:a16="http://schemas.microsoft.com/office/drawing/2014/main" id="{4575E96B-2A03-439D-9A65-A4750EEE574A}"/>
+          <p:cNvPr id="10" name="Picture 9">
+            <a:extLst>
+              <a:ext uri="{FF2B5EF4-FFF2-40B4-BE49-F238E27FC236}">
+                <a16:creationId xmlns:a16="http://schemas.microsoft.com/office/drawing/2014/main" id="{4A9A35E9-9715-4C99-A70E-49CDEC77D640}"/>
               </a:ext>
             </a:extLst>
           </p:cNvPr>
@@ -8787,7 +10477,7 @@
           <p:nvPr/>
         </p:nvPicPr>
         <p:blipFill>
-          <a:blip r:embed="rId5">
+          <a:blip r:embed="rId6">
             <a:extLst>
               <a:ext uri="{28A0092B-C50C-407E-A947-70E740481C1C}">
                 <a14:useLocalDpi xmlns:a14="http://schemas.microsoft.com/office/drawing/2010/main" val="0"/>
@@ -8800,8 +10490,8 @@
         </p:blipFill>
         <p:spPr>
           <a:xfrm>
-            <a:off x="7453876" y="1470307"/>
-            <a:ext cx="3899924" cy="3899924"/>
+            <a:off x="7431016" y="1896233"/>
+            <a:ext cx="3922784" cy="3922784"/>
           </a:xfrm>
           <a:prstGeom prst="rect">
             <a:avLst/>
@@ -8810,10 +10500,10 @@
       </p:pic>
       <p:pic>
         <p:nvPicPr>
-          <p:cNvPr id="10" name="Picture 9">
-            <a:extLst>
-              <a:ext uri="{FF2B5EF4-FFF2-40B4-BE49-F238E27FC236}">
-                <a16:creationId xmlns:a16="http://schemas.microsoft.com/office/drawing/2014/main" id="{F130CA9F-8FE8-47D7-8045-38435A881D23}"/>
+          <p:cNvPr id="4" name="Picture 3">
+            <a:extLst>
+              <a:ext uri="{FF2B5EF4-FFF2-40B4-BE49-F238E27FC236}">
+                <a16:creationId xmlns:a16="http://schemas.microsoft.com/office/drawing/2014/main" id="{C83DD776-DFFF-4186-8DB8-F3E8F433CF52}"/>
               </a:ext>
             </a:extLst>
           </p:cNvPr>
@@ -8822,12 +10512,12 @@
           </p:cNvPicPr>
           <p:nvPr>
             <p:custDataLst>
-              <p:tags r:id="rId2"/>
+              <p:tags r:id="rId1"/>
             </p:custDataLst>
           </p:nvPr>
         </p:nvPicPr>
         <p:blipFill>
-          <a:blip r:embed="rId6">
+          <a:blip r:embed="rId7">
             <a:extLst>
               <a:ext uri="{28A0092B-C50C-407E-A947-70E740481C1C}">
                 <a14:useLocalDpi xmlns:a14="http://schemas.microsoft.com/office/drawing/2010/main" val="0"/>
@@ -8840,8 +10530,128 @@
         </p:blipFill>
         <p:spPr>
           <a:xfrm>
-            <a:off x="912416" y="5130231"/>
-            <a:ext cx="5734402" cy="480000"/>
+            <a:off x="2598723" y="3739626"/>
+            <a:ext cx="1789670" cy="446480"/>
+          </a:xfrm>
+          <a:prstGeom prst="rect">
+            <a:avLst/>
+          </a:prstGeom>
+        </p:spPr>
+      </p:pic>
+      <p:pic>
+        <p:nvPicPr>
+          <p:cNvPr id="7" name="Picture 6">
+            <a:extLst>
+              <a:ext uri="{FF2B5EF4-FFF2-40B4-BE49-F238E27FC236}">
+                <a16:creationId xmlns:a16="http://schemas.microsoft.com/office/drawing/2014/main" id="{87E9BB76-E9F6-4D32-B585-1B672791EF1F}"/>
+              </a:ext>
+            </a:extLst>
+          </p:cNvPr>
+          <p:cNvPicPr>
+            <a:picLocks noChangeAspect="1"/>
+          </p:cNvPicPr>
+          <p:nvPr>
+            <p:custDataLst>
+              <p:tags r:id="rId2"/>
+            </p:custDataLst>
+          </p:nvPr>
+        </p:nvPicPr>
+        <p:blipFill>
+          <a:blip r:embed="rId8">
+            <a:extLst>
+              <a:ext uri="{28A0092B-C50C-407E-A947-70E740481C1C}">
+                <a14:useLocalDpi xmlns:a14="http://schemas.microsoft.com/office/drawing/2010/main" val="0"/>
+              </a:ext>
+            </a:extLst>
+          </a:blip>
+          <a:stretch>
+            <a:fillRect/>
+          </a:stretch>
+        </p:blipFill>
+        <p:spPr>
+          <a:xfrm>
+            <a:off x="1070668" y="4321043"/>
+            <a:ext cx="5858638" cy="446480"/>
+          </a:xfrm>
+          <a:prstGeom prst="rect">
+            <a:avLst/>
+          </a:prstGeom>
+        </p:spPr>
+      </p:pic>
+      <p:pic>
+        <p:nvPicPr>
+          <p:cNvPr id="15" name="Picture 14">
+            <a:extLst>
+              <a:ext uri="{FF2B5EF4-FFF2-40B4-BE49-F238E27FC236}">
+                <a16:creationId xmlns:a16="http://schemas.microsoft.com/office/drawing/2014/main" id="{A2010DB9-3CF1-4DA0-B834-E4863F77C422}"/>
+              </a:ext>
+            </a:extLst>
+          </p:cNvPr>
+          <p:cNvPicPr>
+            <a:picLocks noChangeAspect="1"/>
+          </p:cNvPicPr>
+          <p:nvPr>
+            <p:custDataLst>
+              <p:tags r:id="rId3"/>
+            </p:custDataLst>
+          </p:nvPr>
+        </p:nvPicPr>
+        <p:blipFill>
+          <a:blip r:embed="rId9">
+            <a:extLst>
+              <a:ext uri="{28A0092B-C50C-407E-A947-70E740481C1C}">
+                <a14:useLocalDpi xmlns:a14="http://schemas.microsoft.com/office/drawing/2010/main" val="0"/>
+              </a:ext>
+            </a:extLst>
+          </a:blip>
+          <a:stretch>
+            <a:fillRect/>
+          </a:stretch>
+        </p:blipFill>
+        <p:spPr>
+          <a:xfrm>
+            <a:off x="898641" y="5190132"/>
+            <a:ext cx="5926172" cy="414588"/>
+          </a:xfrm>
+          <a:prstGeom prst="rect">
+            <a:avLst/>
+          </a:prstGeom>
+        </p:spPr>
+      </p:pic>
+      <p:pic>
+        <p:nvPicPr>
+          <p:cNvPr id="21" name="Picture 20">
+            <a:extLst>
+              <a:ext uri="{FF2B5EF4-FFF2-40B4-BE49-F238E27FC236}">
+                <a16:creationId xmlns:a16="http://schemas.microsoft.com/office/drawing/2014/main" id="{9F3C04F9-8492-4AD5-A49D-213A646D709E}"/>
+              </a:ext>
+            </a:extLst>
+          </p:cNvPr>
+          <p:cNvPicPr>
+            <a:picLocks noChangeAspect="1"/>
+          </p:cNvPicPr>
+          <p:nvPr>
+            <p:custDataLst>
+              <p:tags r:id="rId4"/>
+            </p:custDataLst>
+          </p:nvPr>
+        </p:nvPicPr>
+        <p:blipFill>
+          <a:blip r:embed="rId10">
+            <a:extLst>
+              <a:ext uri="{28A0092B-C50C-407E-A947-70E740481C1C}">
+                <a14:useLocalDpi xmlns:a14="http://schemas.microsoft.com/office/drawing/2010/main" val="0"/>
+              </a:ext>
+            </a:extLst>
+          </a:blip>
+          <a:stretch>
+            <a:fillRect/>
+          </a:stretch>
+        </p:blipFill>
+        <p:spPr>
+          <a:xfrm>
+            <a:off x="2866914" y="5680733"/>
+            <a:ext cx="2678877" cy="420216"/>
           </a:xfrm>
           <a:prstGeom prst="rect">
             <a:avLst/>
@@ -8851,7 +10661,7 @@
     </p:spTree>
     <p:extLst>
       <p:ext uri="{BB962C8B-B14F-4D97-AF65-F5344CB8AC3E}">
-        <p14:creationId xmlns:p14="http://schemas.microsoft.com/office/powerpoint/2010/main" val="3527863605"/>
+        <p14:creationId xmlns:p14="http://schemas.microsoft.com/office/powerpoint/2010/main" val="2060203011"/>
       </p:ext>
     </p:extLst>
   </p:cSld>
@@ -8901,7 +10711,7 @@
           <a:p>
             <a:r>
               <a:rPr lang="en-CA" dirty="0"/>
-              <a:t>The Checkerboard Problem</a:t>
+              <a:t>Testing Checkerboard</a:t>
             </a:r>
           </a:p>
         </p:txBody>
@@ -8925,7 +10735,7 @@
         <p:spPr>
           <a:xfrm>
             <a:off x="838200" y="1825625"/>
-            <a:ext cx="6091106" cy="4351338"/>
+            <a:ext cx="5257800" cy="4351338"/>
           </a:xfrm>
         </p:spPr>
         <p:txBody>
@@ -8934,23 +10744,23 @@
           <a:p>
             <a:r>
               <a:rPr lang="en-CA" dirty="0"/>
-              <a:t>This produces the most simplistic checkerboard pattern.</a:t>
+              <a:t>When we run our finite difference algorithm, the result isn’t what we expect.</a:t>
             </a:r>
           </a:p>
           <a:p>
             <a:r>
               <a:rPr lang="en-CA" dirty="0"/>
-              <a:t>Analytically, we expect the density to behave as such:</a:t>
+              <a:t>It turns out our co-local coordinates respond poorly to high-frequency information and produce inaccurate results when exposed to high-frequencies</a:t>
             </a:r>
           </a:p>
         </p:txBody>
       </p:sp>
       <p:pic>
         <p:nvPicPr>
-          <p:cNvPr id="10" name="Picture 9">
-            <a:extLst>
-              <a:ext uri="{FF2B5EF4-FFF2-40B4-BE49-F238E27FC236}">
-                <a16:creationId xmlns:a16="http://schemas.microsoft.com/office/drawing/2014/main" id="{4A9A35E9-9715-4C99-A70E-49CDEC77D640}"/>
+          <p:cNvPr id="4" name="Picture 3">
+            <a:extLst>
+              <a:ext uri="{FF2B5EF4-FFF2-40B4-BE49-F238E27FC236}">
+                <a16:creationId xmlns:a16="http://schemas.microsoft.com/office/drawing/2014/main" id="{1AA10489-9C36-48E1-AC32-D31A72E81ADD}"/>
               </a:ext>
             </a:extLst>
           </p:cNvPr>
@@ -8960,7 +10770,7 @@
           <p:nvPr/>
         </p:nvPicPr>
         <p:blipFill>
-          <a:blip r:embed="rId5">
+          <a:blip r:embed="rId2">
             <a:extLst>
               <a:ext uri="{28A0092B-C50C-407E-A947-70E740481C1C}">
                 <a14:useLocalDpi xmlns:a14="http://schemas.microsoft.com/office/drawing/2010/main" val="0"/>
@@ -8973,8 +10783,8 @@
         </p:blipFill>
         <p:spPr>
           <a:xfrm>
-            <a:off x="7431016" y="1896233"/>
-            <a:ext cx="3922784" cy="3922784"/>
+            <a:off x="7138981" y="504821"/>
+            <a:ext cx="4214819" cy="2809879"/>
           </a:xfrm>
           <a:prstGeom prst="rect">
             <a:avLst/>
@@ -8983,24 +10793,20 @@
       </p:pic>
       <p:pic>
         <p:nvPicPr>
-          <p:cNvPr id="12" name="Picture 11">
-            <a:extLst>
-              <a:ext uri="{FF2B5EF4-FFF2-40B4-BE49-F238E27FC236}">
-                <a16:creationId xmlns:a16="http://schemas.microsoft.com/office/drawing/2014/main" id="{735344CE-72C3-47F8-A8A6-825401B81BCC}"/>
+          <p:cNvPr id="7" name="Picture 6">
+            <a:extLst>
+              <a:ext uri="{FF2B5EF4-FFF2-40B4-BE49-F238E27FC236}">
+                <a16:creationId xmlns:a16="http://schemas.microsoft.com/office/drawing/2014/main" id="{610F7051-7EF4-44CD-B8C0-76FB8FCA2168}"/>
               </a:ext>
             </a:extLst>
           </p:cNvPr>
           <p:cNvPicPr>
             <a:picLocks noChangeAspect="1"/>
           </p:cNvPicPr>
-          <p:nvPr>
-            <p:custDataLst>
-              <p:tags r:id="rId1"/>
-            </p:custDataLst>
-          </p:nvPr>
+          <p:nvPr/>
         </p:nvPicPr>
         <p:blipFill>
-          <a:blip r:embed="rId6">
+          <a:blip r:embed="rId3">
             <a:extLst>
               <a:ext uri="{28A0092B-C50C-407E-A947-70E740481C1C}">
                 <a14:useLocalDpi xmlns:a14="http://schemas.microsoft.com/office/drawing/2010/main" val="0"/>
@@ -9013,88 +10819,8 @@
         </p:blipFill>
         <p:spPr>
           <a:xfrm>
-            <a:off x="2598723" y="3739626"/>
-            <a:ext cx="2031670" cy="446480"/>
-          </a:xfrm>
-          <a:prstGeom prst="rect">
-            <a:avLst/>
-          </a:prstGeom>
-        </p:spPr>
-      </p:pic>
-      <p:pic>
-        <p:nvPicPr>
-          <p:cNvPr id="20" name="Picture 19">
-            <a:extLst>
-              <a:ext uri="{FF2B5EF4-FFF2-40B4-BE49-F238E27FC236}">
-                <a16:creationId xmlns:a16="http://schemas.microsoft.com/office/drawing/2014/main" id="{4886AB9B-BA7D-4020-AD6D-7FCF13DA70E7}"/>
-              </a:ext>
-            </a:extLst>
-          </p:cNvPr>
-          <p:cNvPicPr>
-            <a:picLocks noChangeAspect="1"/>
-          </p:cNvPicPr>
-          <p:nvPr>
-            <p:custDataLst>
-              <p:tags r:id="rId2"/>
-            </p:custDataLst>
-          </p:nvPr>
-        </p:nvPicPr>
-        <p:blipFill>
-          <a:blip r:embed="rId7">
-            <a:extLst>
-              <a:ext uri="{28A0092B-C50C-407E-A947-70E740481C1C}">
-                <a14:useLocalDpi xmlns:a14="http://schemas.microsoft.com/office/drawing/2010/main" val="0"/>
-              </a:ext>
-            </a:extLst>
-          </a:blip>
-          <a:stretch>
-            <a:fillRect/>
-          </a:stretch>
-        </p:blipFill>
-        <p:spPr>
-          <a:xfrm>
-            <a:off x="1410280" y="4321043"/>
-            <a:ext cx="4798717" cy="446480"/>
-          </a:xfrm>
-          <a:prstGeom prst="rect">
-            <a:avLst/>
-          </a:prstGeom>
-        </p:spPr>
-      </p:pic>
-      <p:pic>
-        <p:nvPicPr>
-          <p:cNvPr id="23" name="Picture 22">
-            <a:extLst>
-              <a:ext uri="{FF2B5EF4-FFF2-40B4-BE49-F238E27FC236}">
-                <a16:creationId xmlns:a16="http://schemas.microsoft.com/office/drawing/2014/main" id="{12FD05A8-519E-4FC5-B78F-EBF02D69111C}"/>
-              </a:ext>
-            </a:extLst>
-          </p:cNvPr>
-          <p:cNvPicPr>
-            <a:picLocks noChangeAspect="1"/>
-          </p:cNvPicPr>
-          <p:nvPr>
-            <p:custDataLst>
-              <p:tags r:id="rId3"/>
-            </p:custDataLst>
-          </p:nvPr>
-        </p:nvPicPr>
-        <p:blipFill>
-          <a:blip r:embed="rId8">
-            <a:extLst>
-              <a:ext uri="{28A0092B-C50C-407E-A947-70E740481C1C}">
-                <a14:useLocalDpi xmlns:a14="http://schemas.microsoft.com/office/drawing/2010/main" val="0"/>
-              </a:ext>
-            </a:extLst>
-          </a:blip>
-          <a:stretch>
-            <a:fillRect/>
-          </a:stretch>
-        </p:blipFill>
-        <p:spPr>
-          <a:xfrm>
-            <a:off x="596110" y="4902460"/>
-            <a:ext cx="6427055" cy="422092"/>
+            <a:off x="7138981" y="3454397"/>
+            <a:ext cx="4341616" cy="2894410"/>
           </a:xfrm>
           <a:prstGeom prst="rect">
             <a:avLst/>
@@ -9104,7 +10830,7 @@
     </p:spTree>
     <p:extLst>
       <p:ext uri="{BB962C8B-B14F-4D97-AF65-F5344CB8AC3E}">
-        <p14:creationId xmlns:p14="http://schemas.microsoft.com/office/powerpoint/2010/main" val="2060203011"/>
+        <p14:creationId xmlns:p14="http://schemas.microsoft.com/office/powerpoint/2010/main" val="3589408168"/>
       </p:ext>
     </p:extLst>
   </p:cSld>
@@ -9154,7 +10880,7 @@
           <a:p>
             <a:r>
               <a:rPr lang="en-CA" dirty="0"/>
-              <a:t>Testing Checkerboard</a:t>
+              <a:t>Checkerboard Consequences</a:t>
             </a:r>
           </a:p>
         </p:txBody>
@@ -9177,8 +10903,8 @@
         </p:nvSpPr>
         <p:spPr>
           <a:xfrm>
-            <a:off x="838200" y="1825625"/>
-            <a:ext cx="5257800" cy="4351338"/>
+            <a:off x="838200" y="1573955"/>
+            <a:ext cx="9748706" cy="4351338"/>
           </a:xfrm>
         </p:spPr>
         <p:txBody>
@@ -9187,93 +10913,36 @@
           <a:p>
             <a:r>
               <a:rPr lang="en-CA" dirty="0"/>
-              <a:t>When we run our finite difference algorithm, the result isn’t what we expect.</a:t>
-            </a:r>
+              <a:t>Our checkerboard problem can occur anywhere there is alternating data. The same effect would occur if we forced </a:t>
+            </a:r>
+            <a:r>
+              <a:rPr lang="el-GR" dirty="0">
+                <a:latin typeface="Cambria Math" panose="02040503050406030204" pitchFamily="18" charset="0"/>
+                <a:ea typeface="Cambria Math" panose="02040503050406030204" pitchFamily="18" charset="0"/>
+              </a:rPr>
+              <a:t>ρ</a:t>
+            </a:r>
+            <a:r>
+              <a:rPr lang="en-CA" dirty="0">
+                <a:latin typeface="Cambria Math" panose="02040503050406030204" pitchFamily="18" charset="0"/>
+                <a:ea typeface="Cambria Math" panose="02040503050406030204" pitchFamily="18" charset="0"/>
+              </a:rPr>
+              <a:t> to oscillate and looked at j instead. Still more problems can occur if the pressure oscillates.</a:t>
+            </a:r>
+            <a:endParaRPr lang="en-CA" dirty="0"/>
           </a:p>
           <a:p>
             <a:r>
               <a:rPr lang="en-CA" dirty="0"/>
-              <a:t>It turns out our co-local coordinates respond poorly to high-frequency information and produce inaccurate results when exposed to high-frequencies</a:t>
-            </a:r>
-          </a:p>
-        </p:txBody>
-      </p:sp>
-      <p:pic>
-        <p:nvPicPr>
-          <p:cNvPr id="9" name="Picture 8">
-            <a:extLst>
-              <a:ext uri="{FF2B5EF4-FFF2-40B4-BE49-F238E27FC236}">
-                <a16:creationId xmlns:a16="http://schemas.microsoft.com/office/drawing/2014/main" id="{62684405-1432-4F49-8D4B-8269286754FA}"/>
-              </a:ext>
-            </a:extLst>
-          </p:cNvPr>
-          <p:cNvPicPr>
-            <a:picLocks noChangeAspect="1"/>
-          </p:cNvPicPr>
-          <p:nvPr/>
-        </p:nvPicPr>
-        <p:blipFill>
-          <a:blip r:embed="rId2">
-            <a:extLst>
-              <a:ext uri="{28A0092B-C50C-407E-A947-70E740481C1C}">
-                <a14:useLocalDpi xmlns:a14="http://schemas.microsoft.com/office/drawing/2010/main" val="0"/>
-              </a:ext>
-            </a:extLst>
-          </a:blip>
-          <a:stretch>
-            <a:fillRect/>
-          </a:stretch>
-        </p:blipFill>
-        <p:spPr>
-          <a:xfrm>
-            <a:off x="6875363" y="365125"/>
-            <a:ext cx="4325079" cy="2883386"/>
-          </a:xfrm>
-          <a:prstGeom prst="rect">
-            <a:avLst/>
-          </a:prstGeom>
-        </p:spPr>
-      </p:pic>
-      <p:pic>
-        <p:nvPicPr>
-          <p:cNvPr id="11" name="Picture 10">
-            <a:extLst>
-              <a:ext uri="{FF2B5EF4-FFF2-40B4-BE49-F238E27FC236}">
-                <a16:creationId xmlns:a16="http://schemas.microsoft.com/office/drawing/2014/main" id="{A9ECE780-D611-46A1-9D52-54685E4DA03E}"/>
-              </a:ext>
-            </a:extLst>
-          </p:cNvPr>
-          <p:cNvPicPr>
-            <a:picLocks noChangeAspect="1"/>
-          </p:cNvPicPr>
-          <p:nvPr/>
-        </p:nvPicPr>
-        <p:blipFill>
-          <a:blip r:embed="rId3">
-            <a:extLst>
-              <a:ext uri="{28A0092B-C50C-407E-A947-70E740481C1C}">
-                <a14:useLocalDpi xmlns:a14="http://schemas.microsoft.com/office/drawing/2010/main" val="0"/>
-              </a:ext>
-            </a:extLst>
-          </a:blip>
-          <a:stretch>
-            <a:fillRect/>
-          </a:stretch>
-        </p:blipFill>
-        <p:spPr>
-          <a:xfrm>
-            <a:off x="6956384" y="3787274"/>
-            <a:ext cx="4163039" cy="2775359"/>
-          </a:xfrm>
-          <a:prstGeom prst="rect">
-            <a:avLst/>
-          </a:prstGeom>
-        </p:spPr>
-      </p:pic>
+              <a:t>In the hydrodynamics case where some wave should dissipate, it may get stuck in a high-frequency state and remain in the simulation</a:t>
+            </a:r>
+          </a:p>
+        </p:txBody>
+      </p:sp>
     </p:spTree>
     <p:extLst>
       <p:ext uri="{BB962C8B-B14F-4D97-AF65-F5344CB8AC3E}">
-        <p14:creationId xmlns:p14="http://schemas.microsoft.com/office/powerpoint/2010/main" val="3589408168"/>
+        <p14:creationId xmlns:p14="http://schemas.microsoft.com/office/powerpoint/2010/main" val="272287562"/>
       </p:ext>
     </p:extLst>
   </p:cSld>
@@ -9424,11 +11093,11 @@
 <file path=ppt/tags/tag10.xml><?xml version="1.0" encoding="utf-8"?>
 <p:tagLst xmlns:a="http://schemas.openxmlformats.org/drawingml/2006/main" xmlns:r="http://schemas.openxmlformats.org/officeDocument/2006/relationships" xmlns:p="http://schemas.openxmlformats.org/presentationml/2006/main">
   <p:tag name="OUTPUTDPI" val="1200"/>
-  <p:tag name="ORIGINALHEIGHT" val="140.9824"/>
-  <p:tag name="ORIGINALWIDTH" val="515.9355"/>
-  <p:tag name="LATEXADDIN" val="\documentclass{article}&#10;\usepackage{amsmath}&#10;\pagestyle{empty}&#10;\begin{document}&#10;&#10;$j_{k}^l = \rho_k^l v_k^l$&#10;&#10;&#10;\end{document}"/>
+  <p:tag name="ORIGINALHEIGHT" val="178.4777"/>
+  <p:tag name="ORIGINALWIDTH" val="2341.957"/>
+  <p:tag name="LATEXADDIN" val="\documentclass{article}&#10;\usepackage{amsmath}&#10;\pagestyle{empty}&#10;\begin{document}&#10;&#10;$ \frac{\partial \rho}{\partial t} = \frac{95i \pi}{2} \exp( \frac{\pi x_m}{\Delta x} + \frac{\pi y_n}{\Delta y} + \frac{\pi t}{2 \Delta t} ) \big( \frac{1}{\Delta x} + \frac{1}{\Delta y} \big) $&#10;&#10;&#10;\end{document}"/>
   <p:tag name="IGUANATEXSIZE" val="20"/>
-  <p:tag name="IGUANATEXCURSOR" val="107"/>
+  <p:tag name="IGUANATEXCURSOR" val="222"/>
   <p:tag name="TRANSPARENCY" val="True"/>
   <p:tag name="FILENAME" val=""/>
   <p:tag name="LATEXENGINEID" val="0"/>
@@ -9443,11 +11112,11 @@
 <file path=ppt/tags/tag11.xml><?xml version="1.0" encoding="utf-8"?>
 <p:tagLst xmlns:a="http://schemas.openxmlformats.org/drawingml/2006/main" xmlns:r="http://schemas.openxmlformats.org/officeDocument/2006/relationships" xmlns:p="http://schemas.openxmlformats.org/presentationml/2006/main">
   <p:tag name="OUTPUTDPI" val="1200"/>
-  <p:tag name="ORIGINALHEIGHT" val="113.2358"/>
-  <p:tag name="ORIGINALWIDTH" val="354.7057"/>
-  <p:tag name="LATEXADDIN" val="\documentclass{article}&#10;\usepackage{amsmath}&#10;\pagestyle{empty}&#10;\begin{document}&#10;&#10;$ \mathbf{j} = \rho \mathbf{v}$&#10;&#10;&#10;\end{document}"/>
-  <p:tag name="IGUANATEXSIZE" val="28"/>
-  <p:tag name="IGUANATEXCURSOR" val="112"/>
+  <p:tag name="ORIGINALHEIGHT" val="165.7293"/>
+  <p:tag name="ORIGINALWIDTH" val="2368.954"/>
+  <p:tag name="LATEXADDIN" val="\documentclass{article}&#10;\usepackage{amsmath}&#10;\pagestyle{empty}&#10;\begin{document}&#10;&#10;$&#10; \rho (x, y, t)_{m,n}^l = 190\Delta t \exp( \frac{\pi x_m}{\Delta x} + \frac{\pi y_n}{\Delta y} + \frac{\pi t}{2 \Delta t} ) $&#10;&#10;&#10;\end{document}"/>
+  <p:tag name="IGUANATEXSIZE" val="20"/>
+  <p:tag name="IGUANATEXCURSOR" val="82"/>
   <p:tag name="TRANSPARENCY" val="True"/>
   <p:tag name="FILENAME" val=""/>
   <p:tag name="LATEXENGINEID" val="0"/>
@@ -9462,11 +11131,11 @@
 <file path=ppt/tags/tag12.xml><?xml version="1.0" encoding="utf-8"?>
 <p:tagLst xmlns:a="http://schemas.openxmlformats.org/drawingml/2006/main" xmlns:r="http://schemas.openxmlformats.org/officeDocument/2006/relationships" xmlns:p="http://schemas.openxmlformats.org/presentationml/2006/main">
   <p:tag name="OUTPUTDPI" val="1200"/>
-  <p:tag name="ORIGINALHEIGHT" val="123.7346"/>
-  <p:tag name="ORIGINALWIDTH" val="561.6797"/>
-  <p:tag name="LATEXADDIN" val="\documentclass{article}&#10;\usepackage{amsmath}&#10;\pagestyle{empty}&#10;\begin{document}&#10;&#10;$j = j(x,y)$&#10;&#10;&#10;\end{document}"/>
-  <p:tag name="IGUANATEXSIZE" val="28"/>
-  <p:tag name="IGUANATEXCURSOR" val="93"/>
+  <p:tag name="ORIGINALHEIGHT" val="167.979"/>
+  <p:tag name="ORIGINALWIDTH" val="1070.866"/>
+  <p:tag name="LATEXADDIN" val="\documentclass{article}&#10;\usepackage{amsmath}&#10;\pagestyle{empty}&#10;\begin{document}&#10;&#10;$&#10;\times \big( \frac{1}{\Delta x} + \frac{1}{\Delta y} \big) + \rho_{m,n}^0 $&#10;&#10;&#10;\end{document}"/>
+  <p:tag name="IGUANATEXSIZE" val="20"/>
+  <p:tag name="IGUANATEXCURSOR" val="90"/>
   <p:tag name="TRANSPARENCY" val="True"/>
   <p:tag name="FILENAME" val=""/>
   <p:tag name="LATEXENGINEID" val="0"/>
@@ -9481,11 +11150,11 @@
 <file path=ppt/tags/tag13.xml><?xml version="1.0" encoding="utf-8"?>
 <p:tagLst xmlns:a="http://schemas.openxmlformats.org/drawingml/2006/main" xmlns:r="http://schemas.openxmlformats.org/officeDocument/2006/relationships" xmlns:p="http://schemas.openxmlformats.org/presentationml/2006/main">
   <p:tag name="OUTPUTDPI" val="1200"/>
-  <p:tag name="ORIGINALHEIGHT" val="168.7289"/>
-  <p:tag name="ORIGINALWIDTH" val="2015.748"/>
-  <p:tag name="LATEXADDIN" val="\documentclass{article}&#10;\usepackage{amsmath}&#10;\pagestyle{empty}&#10;\begin{document}&#10;&#10;$j(x,y)_{m,n} = \frac{95}{2} \cos(\frac{\pi x_m}{\Delta x} + \frac{\pi y_n}{\Delta y}) + \frac{105}{2} $&#10;&#10;&#10;\end{document}"/>
+  <p:tag name="ORIGINALHEIGHT" val="158.9802"/>
+  <p:tag name="ORIGINALWIDTH" val="711.661"/>
+  <p:tag name="LATEXADDIN" val="\documentclass{article}&#10;\usepackage{amsmath}&#10;\pagestyle{empty}&#10;\begin{document}&#10;&#10;$\frac{d\rho}{dt} = -\rho \nabla \cdot \mathbf{v}$&#10;&#10;&#10;\end{document}"/>
   <p:tag name="IGUANATEXSIZE" val="28"/>
-  <p:tag name="IGUANATEXCURSOR" val="166"/>
+  <p:tag name="IGUANATEXCURSOR" val="131"/>
   <p:tag name="TRANSPARENCY" val="True"/>
   <p:tag name="FILENAME" val=""/>
   <p:tag name="LATEXENGINEID" val="0"/>
@@ -9500,11 +11169,11 @@
 <file path=ppt/tags/tag14.xml><?xml version="1.0" encoding="utf-8"?>
 <p:tagLst xmlns:a="http://schemas.openxmlformats.org/drawingml/2006/main" xmlns:r="http://schemas.openxmlformats.org/officeDocument/2006/relationships" xmlns:p="http://schemas.openxmlformats.org/presentationml/2006/main">
   <p:tag name="OUTPUTDPI" val="1200"/>
-  <p:tag name="ORIGINALHEIGHT" val="178.4777"/>
-  <p:tag name="ORIGINALWIDTH" val="812.1485"/>
-  <p:tag name="LATEXADDIN" val="\documentclass{article}&#10;\usepackage{amsmath}&#10;\pagestyle{empty}&#10;\begin{document}&#10;&#10;$ \frac{\partial \rho}{\partial t} = -\frac{\partial j}{\partial x} -\frac{\partial j}{\partial y} $&#10;&#10;&#10;\end{document}"/>
+  <p:tag name="ORIGINALHEIGHT" val="170.9787"/>
+  <p:tag name="ORIGINALWIDTH" val="670.4162"/>
+  <p:tag name="LATEXADDIN" val="\documentclass{article}&#10;\usepackage{amsmath}&#10;\pagestyle{empty}&#10;\begin{document}&#10;&#10;$\frac{d\mathbf{v}}{dt} = -\frac{1}{\rho}\nabla P$&#10;&#10;&#10;\end{document}"/>
   <p:tag name="IGUANATEXSIZE" val="20"/>
-  <p:tag name="IGUANATEXCURSOR" val="181"/>
+  <p:tag name="IGUANATEXCURSOR" val="131"/>
   <p:tag name="TRANSPARENCY" val="True"/>
   <p:tag name="FILENAME" val=""/>
   <p:tag name="LATEXENGINEID" val="0"/>
@@ -9519,11 +11188,11 @@
 <file path=ppt/tags/tag15.xml><?xml version="1.0" encoding="utf-8"?>
 <p:tagLst xmlns:a="http://schemas.openxmlformats.org/drawingml/2006/main" xmlns:r="http://schemas.openxmlformats.org/officeDocument/2006/relationships" xmlns:p="http://schemas.openxmlformats.org/presentationml/2006/main">
   <p:tag name="OUTPUTDPI" val="1200"/>
-  <p:tag name="ORIGINALHEIGHT" val="178.4777"/>
-  <p:tag name="ORIGINALWIDTH" val="1918.26"/>
-  <p:tag name="LATEXADDIN" val="\documentclass{article}&#10;\usepackage{amsmath}&#10;\pagestyle{empty}&#10;\begin{document}&#10;&#10;$ \frac{\partial \rho}{\partial t} = \frac{95 \pi}{2} \sin(\frac{\pi x_m}{\Delta x} + \frac{\pi y_n}{\Delta y} ) \big( \frac{1}{\Delta x} + \frac{1}{\Delta y} \big) $&#10;&#10;&#10;\end{document}"/>
+  <p:tag name="ORIGINALHEIGHT" val="373.4533"/>
+  <p:tag name="ORIGINALWIDTH" val="3275.591"/>
+  <p:tag name="LATEXADDIN" val="\documentclass{article}&#10;\usepackage{amsmath}&#10;\pagestyle{empty}&#10;\begin{document}&#10;&#10;$\frac{\rho_{m,n}^{l+1} - \rho_{m,n}^l}{\Delta t} = -\rho_{m,n}^l \Bigg( \frac{v_{1,m+\frac{1}{2},n}^l - v_{1,m-\frac{1}{2},n}}{\Delta x} + \frac{v_{2,m,n+\frac{1}{2}}^l - v_{2,m,n-\frac{1}{2}}^l}{\Delta y} \Bigg)$&#10;&#10;&#10;\end{document}"/>
   <p:tag name="IGUANATEXSIZE" val="20"/>
-  <p:tag name="IGUANATEXCURSOR" val="194"/>
+  <p:tag name="IGUANATEXCURSOR" val="258"/>
   <p:tag name="TRANSPARENCY" val="True"/>
   <p:tag name="FILENAME" val=""/>
   <p:tag name="LATEXENGINEID" val="0"/>
@@ -9538,11 +11207,30 @@
 <file path=ppt/tags/tag16.xml><?xml version="1.0" encoding="utf-8"?>
 <p:tagLst xmlns:a="http://schemas.openxmlformats.org/drawingml/2006/main" xmlns:r="http://schemas.openxmlformats.org/officeDocument/2006/relationships" xmlns:p="http://schemas.openxmlformats.org/presentationml/2006/main">
   <p:tag name="OUTPUTDPI" val="1200"/>
-  <p:tag name="ORIGINALHEIGHT" val="168.7289"/>
-  <p:tag name="ORIGINALWIDTH" val="2569.179"/>
-  <p:tag name="LATEXADDIN" val="\documentclass{article}&#10;\usepackage{amsmath}&#10;\pagestyle{empty}&#10;\begin{document}&#10;&#10;$ \rho (x, y, t) = \frac{95 \pi}{2} \sin(\frac{\pi x_m}{\Delta x} + \frac{\pi y_n}{\Delta y} ) \big( \frac{1}{\Delta x} + \frac{1}{\Delta y} \big) t + \rho_0$&#10;&#10;&#10;\end{document}"/>
+  <p:tag name="ORIGINALHEIGHT" val="317.2103"/>
+  <p:tag name="ORIGINALWIDTH" val="2243.719"/>
+  <p:tag name="LATEXADDIN" val="\documentclass{article}&#10;\usepackage{amsmath}&#10;\pagestyle{empty}&#10;\begin{document}&#10;&#10;$\frac{v_{1,m+\frac{1}{2},n}^{l+1} - v_{1,m+\frac{1}{2},n}^l}{\Delta t} = -\frac{1}{\rho_{m+\frac{1}{2},n}} \frac{P_{m+1,n}^l - P_{m,n}^l}{\Delta x}$&#10;&#10;&#10;\end{document}"/>
   <p:tag name="IGUANATEXSIZE" val="20"/>
-  <p:tag name="IGUANATEXCURSOR" val="238"/>
+  <p:tag name="IGUANATEXCURSOR" val="142"/>
+  <p:tag name="TRANSPARENCY" val="True"/>
+  <p:tag name="FILENAME" val=""/>
+  <p:tag name="LATEXENGINEID" val="0"/>
+  <p:tag name="TEMPFOLDER" val="C:\Users\Alex\Documents\University\PHYS 581\temp\"/>
+  <p:tag name="LATEXFORMHEIGHT" val="312"/>
+  <p:tag name="LATEXFORMWIDTH" val="384"/>
+  <p:tag name="LATEXFORMWRAP" val="True"/>
+  <p:tag name="BITMAPVECTOR" val="0"/>
+</p:tagLst>
+</file>
+
+<file path=ppt/tags/tag17.xml><?xml version="1.0" encoding="utf-8"?>
+<p:tagLst xmlns:a="http://schemas.openxmlformats.org/drawingml/2006/main" xmlns:r="http://schemas.openxmlformats.org/officeDocument/2006/relationships" xmlns:p="http://schemas.openxmlformats.org/presentationml/2006/main">
+  <p:tag name="OUTPUTDPI" val="1200"/>
+  <p:tag name="ORIGINALHEIGHT" val="317.2103"/>
+  <p:tag name="ORIGINALWIDTH" val="2243.719"/>
+  <p:tag name="LATEXADDIN" val="\documentclass{article}&#10;\usepackage{amsmath}&#10;\pagestyle{empty}&#10;\begin{document}&#10;&#10;$\frac{v_{2,m,n+\frac{1}{2}}^{l+1} - v_{2,m,n+\frac{1}{2}}^l}{\Delta t} = -\frac{1}{\rho_{m,n+\frac{1}{2}}} \frac{P_{m,n+1}^l - P_{m,n}^l}{\Delta y}$&#10;&#10;&#10;\end{document}"/>
+  <p:tag name="IGUANATEXSIZE" val="20"/>
+  <p:tag name="IGUANATEXCURSOR" val="228"/>
   <p:tag name="TRANSPARENCY" val="True"/>
   <p:tag name="FILENAME" val=""/>
   <p:tag name="LATEXENGINEID" val="0"/>
@@ -9597,9 +11285,9 @@
   <p:tag name="OUTPUTDPI" val="1200"/>
   <p:tag name="ORIGINALHEIGHT" val="162.7297"/>
   <p:tag name="ORIGINALWIDTH" val="752.156"/>
-  <p:tag name="LATEXADDIN" val="\documentclass{article}&#10;\usepackage{amsmath}&#10;\pagestyle{empty}&#10;\begin{document}&#10;&#10;$\frac{\partial \rho}{\partial t} + \mathbf{\nabla} \cdot \mathbf{j} = \sigma$&#10;&#10;&#10;\end{document}"/>
+  <p:tag name="LATEXADDIN" val="\documentclass{article}&#10;\usepackage{amsmath}&#10;\pagestyle{empty}&#10;\begin{document}&#10;&#10;$\frac{\partial \rho}{\partial t} - \mathbf{\nabla} \cdot \mathbf{j} = \sigma$&#10;&#10;&#10;\end{document}"/>
   <p:tag name="IGUANATEXSIZE" val="28"/>
-  <p:tag name="IGUANATEXCURSOR" val="159"/>
+  <p:tag name="IGUANATEXCURSOR" val="116"/>
   <p:tag name="TRANSPARENCY" val="True"/>
   <p:tag name="FILENAME" val=""/>
   <p:tag name="LATEXENGINEID" val="0"/>
@@ -9614,11 +11302,11 @@
 <file path=ppt/tags/tag5.xml><?xml version="1.0" encoding="utf-8"?>
 <p:tagLst xmlns:a="http://schemas.openxmlformats.org/drawingml/2006/main" xmlns:r="http://schemas.openxmlformats.org/officeDocument/2006/relationships" xmlns:p="http://schemas.openxmlformats.org/presentationml/2006/main">
   <p:tag name="OUTPUTDPI" val="1200"/>
-  <p:tag name="ORIGINALHEIGHT" val="162.7297"/>
-  <p:tag name="ORIGINALWIDTH" val="518.1852"/>
-  <p:tag name="LATEXADDIN" val="\documentclass{article}&#10;\usepackage{amsmath}&#10;\pagestyle{empty}&#10;\begin{document}&#10;&#10;$\frac{\partial \rho}{\partial t} = -\frac{\partial j}{\partial x}$&#10;&#10;&#10;\end{document}"/>
+  <p:tag name="ORIGINALHEIGHT" val="178.4777"/>
+  <p:tag name="ORIGINALWIDTH" val="715.4105"/>
+  <p:tag name="LATEXADDIN" val="\documentclass{article}&#10;\usepackage{amsmath}&#10;\pagestyle{empty}&#10;\begin{document}&#10;&#10;$\frac{\partial \rho}{\partial t} = \frac{\partial j}{\partial x} + \frac{\partial j}{\partial y}$&#10;&#10;&#10;\end{document}"/>
   <p:tag name="IGUANATEXSIZE" val="20"/>
-  <p:tag name="IGUANATEXCURSOR" val="134"/>
+  <p:tag name="IGUANATEXCURSOR" val="178"/>
   <p:tag name="TRANSPARENCY" val="True"/>
   <p:tag name="FILENAME" val=""/>
   <p:tag name="LATEXENGINEID" val="0"/>
@@ -9633,11 +11321,11 @@
 <file path=ppt/tags/tag6.xml><?xml version="1.0" encoding="utf-8"?>
 <p:tagLst xmlns:a="http://schemas.openxmlformats.org/drawingml/2006/main" xmlns:r="http://schemas.openxmlformats.org/officeDocument/2006/relationships" xmlns:p="http://schemas.openxmlformats.org/presentationml/2006/main">
   <p:tag name="OUTPUTDPI" val="1200"/>
-  <p:tag name="ORIGINALHEIGHT" val="198.7251"/>
-  <p:tag name="ORIGINALWIDTH" val="1155.605"/>
-  <p:tag name="LATEXADDIN" val="\documentclass{article}&#10;\usepackage{amsmath}&#10;\pagestyle{empty}&#10;\begin{document}&#10;&#10;$\frac{\rho_{k}^{l+1} - \rho_{k}^l}{\Delta t} = -\frac{j_{k+1}^l - j_{k-1}^l}{\Delta x}$&#10;&#10;&#10;\end{document}"/>
+  <p:tag name="ORIGINALHEIGHT" val="218.2228"/>
+  <p:tag name="ORIGINALWIDTH" val="2308.211"/>
+  <p:tag name="LATEXADDIN" val="\documentclass{article}&#10;\usepackage{amsmath}&#10;\pagestyle{empty}&#10;\begin{document}&#10;&#10;$\frac{\rho_{m,n}^{l+1} - \rho_{m,n}^l}{\Delta t} = \frac{j_{m+1,n}^l - j_{m-1,n}^l}{\Delta x} + \frac{j_{m,n+1}^l - j_{m,n-1}^l}{\Delta y}$&#10;&#10;&#10;\end{document}"/>
   <p:tag name="IGUANATEXSIZE" val="20"/>
-  <p:tag name="IGUANATEXCURSOR" val="115"/>
+  <p:tag name="IGUANATEXCURSOR" val="220"/>
   <p:tag name="TRANSPARENCY" val="True"/>
   <p:tag name="FILENAME" val=""/>
   <p:tag name="LATEXENGINEID" val="0"/>
@@ -9652,11 +11340,11 @@
 <file path=ppt/tags/tag7.xml><?xml version="1.0" encoding="utf-8"?>
 <p:tagLst xmlns:a="http://schemas.openxmlformats.org/drawingml/2006/main" xmlns:r="http://schemas.openxmlformats.org/officeDocument/2006/relationships" xmlns:p="http://schemas.openxmlformats.org/presentationml/2006/main">
   <p:tag name="OUTPUTDPI" val="1200"/>
-  <p:tag name="ORIGINALHEIGHT" val="113.2358"/>
-  <p:tag name="ORIGINALWIDTH" val="354.7057"/>
-  <p:tag name="LATEXADDIN" val="\documentclass{article}&#10;\usepackage{amsmath}&#10;\pagestyle{empty}&#10;\begin{document}&#10;&#10;$ \mathbf{j} = \rho \mathbf{v}$&#10;&#10;&#10;\end{document}"/>
+  <p:tag name="ORIGINALHEIGHT" val="123.7346"/>
+  <p:tag name="ORIGINALWIDTH" val="561.6797"/>
+  <p:tag name="LATEXADDIN" val="\documentclass{article}&#10;\usepackage{amsmath}&#10;\pagestyle{empty}&#10;\begin{document}&#10;&#10;$j = j(x,y)$&#10;&#10;&#10;\end{document}"/>
   <p:tag name="IGUANATEXSIZE" val="28"/>
-  <p:tag name="IGUANATEXCURSOR" val="112"/>
+  <p:tag name="IGUANATEXCURSOR" val="93"/>
   <p:tag name="TRANSPARENCY" val="True"/>
   <p:tag name="FILENAME" val=""/>
   <p:tag name="LATEXENGINEID" val="0"/>
@@ -9671,11 +11359,11 @@
 <file path=ppt/tags/tag8.xml><?xml version="1.0" encoding="utf-8"?>
 <p:tagLst xmlns:a="http://schemas.openxmlformats.org/drawingml/2006/main" xmlns:r="http://schemas.openxmlformats.org/officeDocument/2006/relationships" xmlns:p="http://schemas.openxmlformats.org/presentationml/2006/main">
   <p:tag name="OUTPUTDPI" val="1200"/>
-  <p:tag name="ORIGINALHEIGHT" val="89.98874"/>
-  <p:tag name="ORIGINALWIDTH" val="491.9385"/>
-  <p:tag name="LATEXADDIN" val="\documentclass{article}&#10;\usepackage{amsmath}&#10;\pagestyle{empty}&#10;\begin{document}&#10;&#10;$ \mathbf{\nabla} \cdot \mathbf{u} = 0$&#10;&#10;&#10;\end{document}"/>
+  <p:tag name="ORIGINALHEIGHT" val="168.7289"/>
+  <p:tag name="ORIGINALWIDTH" val="2390.701"/>
+  <p:tag name="LATEXADDIN" val="\documentclass{article}&#10;\usepackage{amsmath}&#10;\pagestyle{empty}&#10;\begin{document}&#10;&#10;$j(x,y)_{m,n} = \frac{95}{2} \exp( \frac{\pi x_m}{\Delta x} + \frac{\pi y_n}{\Delta y} + \frac{\pi t}{2\Delta t} ) + \frac{105}{2} $&#10;&#10;&#10;\end{document}"/>
   <p:tag name="IGUANATEXSIZE" val="28"/>
-  <p:tag name="IGUANATEXCURSOR" val="97"/>
+  <p:tag name="IGUANATEXCURSOR" val="195"/>
   <p:tag name="TRANSPARENCY" val="True"/>
   <p:tag name="FILENAME" val=""/>
   <p:tag name="LATEXENGINEID" val="0"/>
@@ -9690,11 +11378,11 @@
 <file path=ppt/tags/tag9.xml><?xml version="1.0" encoding="utf-8"?>
 <p:tagLst xmlns:a="http://schemas.openxmlformats.org/drawingml/2006/main" xmlns:r="http://schemas.openxmlformats.org/officeDocument/2006/relationships" xmlns:p="http://schemas.openxmlformats.org/presentationml/2006/main">
   <p:tag name="OUTPUTDPI" val="1200"/>
-  <p:tag name="ORIGINALHEIGHT" val="140.9824"/>
-  <p:tag name="ORIGINALWIDTH" val="515.9355"/>
-  <p:tag name="LATEXADDIN" val="\documentclass{article}&#10;\usepackage{amsmath}&#10;\pagestyle{empty}&#10;\begin{document}&#10;&#10;$j_{k}^l = \rho_k^l v_k^l$&#10;&#10;&#10;\end{document}"/>
+  <p:tag name="ORIGINALHEIGHT" val="178.4777"/>
+  <p:tag name="ORIGINALWIDTH" val="715.4105"/>
+  <p:tag name="LATEXADDIN" val="\documentclass{article}&#10;\usepackage{amsmath}&#10;\pagestyle{empty}&#10;\begin{document}&#10;&#10;$ \frac{\partial \rho}{\partial t} = \frac{\partial j}{\partial x} +\frac{\partial j}{\partial y} $&#10;&#10;&#10;\end{document}"/>
   <p:tag name="IGUANATEXSIZE" val="20"/>
-  <p:tag name="IGUANATEXCURSOR" val="107"/>
+  <p:tag name="IGUANATEXCURSOR" val="149"/>
   <p:tag name="TRANSPARENCY" val="True"/>
   <p:tag name="FILENAME" val=""/>
   <p:tag name="LATEXENGINEID" val="0"/>

--- a/Presentation3/Staggered Grids.pptx
+++ b/Presentation3/Staggered Grids.pptx
@@ -290,7 +290,7 @@
           <a:p>
             <a:fld id="{F972D81F-9226-4579-A993-28406F3FA19C}" type="datetimeFigureOut">
               <a:rPr lang="en-CA" smtClean="0"/>
-              <a:t>2018-04-01</a:t>
+              <a:t>2018-04-02</a:t>
             </a:fld>
             <a:endParaRPr lang="en-CA"/>
           </a:p>
@@ -490,7 +490,7 @@
           <a:p>
             <a:fld id="{F972D81F-9226-4579-A993-28406F3FA19C}" type="datetimeFigureOut">
               <a:rPr lang="en-CA" smtClean="0"/>
-              <a:t>2018-04-01</a:t>
+              <a:t>2018-04-02</a:t>
             </a:fld>
             <a:endParaRPr lang="en-CA"/>
           </a:p>
@@ -700,7 +700,7 @@
           <a:p>
             <a:fld id="{F972D81F-9226-4579-A993-28406F3FA19C}" type="datetimeFigureOut">
               <a:rPr lang="en-CA" smtClean="0"/>
-              <a:t>2018-04-01</a:t>
+              <a:t>2018-04-02</a:t>
             </a:fld>
             <a:endParaRPr lang="en-CA"/>
           </a:p>
@@ -900,7 +900,7 @@
           <a:p>
             <a:fld id="{F972D81F-9226-4579-A993-28406F3FA19C}" type="datetimeFigureOut">
               <a:rPr lang="en-CA" smtClean="0"/>
-              <a:t>2018-04-01</a:t>
+              <a:t>2018-04-02</a:t>
             </a:fld>
             <a:endParaRPr lang="en-CA"/>
           </a:p>
@@ -1176,7 +1176,7 @@
           <a:p>
             <a:fld id="{F972D81F-9226-4579-A993-28406F3FA19C}" type="datetimeFigureOut">
               <a:rPr lang="en-CA" smtClean="0"/>
-              <a:t>2018-04-01</a:t>
+              <a:t>2018-04-02</a:t>
             </a:fld>
             <a:endParaRPr lang="en-CA"/>
           </a:p>
@@ -1444,7 +1444,7 @@
           <a:p>
             <a:fld id="{F972D81F-9226-4579-A993-28406F3FA19C}" type="datetimeFigureOut">
               <a:rPr lang="en-CA" smtClean="0"/>
-              <a:t>2018-04-01</a:t>
+              <a:t>2018-04-02</a:t>
             </a:fld>
             <a:endParaRPr lang="en-CA"/>
           </a:p>
@@ -1859,7 +1859,7 @@
           <a:p>
             <a:fld id="{F972D81F-9226-4579-A993-28406F3FA19C}" type="datetimeFigureOut">
               <a:rPr lang="en-CA" smtClean="0"/>
-              <a:t>2018-04-01</a:t>
+              <a:t>2018-04-02</a:t>
             </a:fld>
             <a:endParaRPr lang="en-CA"/>
           </a:p>
@@ -2001,7 +2001,7 @@
           <a:p>
             <a:fld id="{F972D81F-9226-4579-A993-28406F3FA19C}" type="datetimeFigureOut">
               <a:rPr lang="en-CA" smtClean="0"/>
-              <a:t>2018-04-01</a:t>
+              <a:t>2018-04-02</a:t>
             </a:fld>
             <a:endParaRPr lang="en-CA"/>
           </a:p>
@@ -2114,7 +2114,7 @@
           <a:p>
             <a:fld id="{F972D81F-9226-4579-A993-28406F3FA19C}" type="datetimeFigureOut">
               <a:rPr lang="en-CA" smtClean="0"/>
-              <a:t>2018-04-01</a:t>
+              <a:t>2018-04-02</a:t>
             </a:fld>
             <a:endParaRPr lang="en-CA"/>
           </a:p>
@@ -2427,7 +2427,7 @@
           <a:p>
             <a:fld id="{F972D81F-9226-4579-A993-28406F3FA19C}" type="datetimeFigureOut">
               <a:rPr lang="en-CA" smtClean="0"/>
-              <a:t>2018-04-01</a:t>
+              <a:t>2018-04-02</a:t>
             </a:fld>
             <a:endParaRPr lang="en-CA"/>
           </a:p>
@@ -2716,7 +2716,7 @@
           <a:p>
             <a:fld id="{F972D81F-9226-4579-A993-28406F3FA19C}" type="datetimeFigureOut">
               <a:rPr lang="en-CA" smtClean="0"/>
-              <a:t>2018-04-01</a:t>
+              <a:t>2018-04-02</a:t>
             </a:fld>
             <a:endParaRPr lang="en-CA"/>
           </a:p>
@@ -2959,7 +2959,7 @@
           <a:p>
             <a:fld id="{F972D81F-9226-4579-A993-28406F3FA19C}" type="datetimeFigureOut">
               <a:rPr lang="en-CA" smtClean="0"/>
-              <a:t>2018-04-01</a:t>
+              <a:t>2018-04-02</a:t>
             </a:fld>
             <a:endParaRPr lang="en-CA"/>
           </a:p>
@@ -6799,6 +6799,45 @@
           </a:prstGeom>
         </p:spPr>
       </p:pic>
+      <p:pic>
+        <p:nvPicPr>
+          <p:cNvPr id="6" name="Graphic 5" descr="Bookmark">
+            <a:extLst>
+              <a:ext uri="{FF2B5EF4-FFF2-40B4-BE49-F238E27FC236}">
+                <a16:creationId xmlns:a16="http://schemas.microsoft.com/office/drawing/2014/main" id="{6780E98B-665C-46D8-9F1F-0345264B3742}"/>
+              </a:ext>
+            </a:extLst>
+          </p:cNvPr>
+          <p:cNvPicPr>
+            <a:picLocks noChangeAspect="1"/>
+          </p:cNvPicPr>
+          <p:nvPr/>
+        </p:nvPicPr>
+        <p:blipFill>
+          <a:blip r:embed="rId4">
+            <a:extLst>
+              <a:ext uri="{28A0092B-C50C-407E-A947-70E740481C1C}">
+                <a14:useLocalDpi xmlns:a14="http://schemas.microsoft.com/office/drawing/2010/main" val="0"/>
+              </a:ext>
+              <a:ext uri="{96DAC541-7B7A-43D3-8B79-37D633B846F1}">
+                <asvg:svgBlip xmlns:asvg="http://schemas.microsoft.com/office/drawing/2016/SVG/main" r:embed="rId5"/>
+              </a:ext>
+            </a:extLst>
+          </a:blip>
+          <a:stretch>
+            <a:fillRect/>
+          </a:stretch>
+        </p:blipFill>
+        <p:spPr>
+          <a:xfrm>
+            <a:off x="10933290" y="-94367"/>
+            <a:ext cx="513644" cy="513644"/>
+          </a:xfrm>
+          <a:prstGeom prst="rect">
+            <a:avLst/>
+          </a:prstGeom>
+        </p:spPr>
+      </p:pic>
     </p:spTree>
     <p:extLst>
       <p:ext uri="{BB962C8B-B14F-4D97-AF65-F5344CB8AC3E}">
@@ -8159,6 +8198,45 @@
           </a:p>
         </p:txBody>
       </p:sp>
+      <p:pic>
+        <p:nvPicPr>
+          <p:cNvPr id="4" name="Graphic 3" descr="Bookmark">
+            <a:extLst>
+              <a:ext uri="{FF2B5EF4-FFF2-40B4-BE49-F238E27FC236}">
+                <a16:creationId xmlns:a16="http://schemas.microsoft.com/office/drawing/2014/main" id="{EB9909D8-739B-4778-9743-FDC823501AEB}"/>
+              </a:ext>
+            </a:extLst>
+          </p:cNvPr>
+          <p:cNvPicPr>
+            <a:picLocks noChangeAspect="1"/>
+          </p:cNvPicPr>
+          <p:nvPr/>
+        </p:nvPicPr>
+        <p:blipFill>
+          <a:blip r:embed="rId2">
+            <a:extLst>
+              <a:ext uri="{28A0092B-C50C-407E-A947-70E740481C1C}">
+                <a14:useLocalDpi xmlns:a14="http://schemas.microsoft.com/office/drawing/2010/main" val="0"/>
+              </a:ext>
+              <a:ext uri="{96DAC541-7B7A-43D3-8B79-37D633B846F1}">
+                <asvg:svgBlip xmlns:asvg="http://schemas.microsoft.com/office/drawing/2016/SVG/main" r:embed="rId3"/>
+              </a:ext>
+            </a:extLst>
+          </a:blip>
+          <a:stretch>
+            <a:fillRect/>
+          </a:stretch>
+        </p:blipFill>
+        <p:spPr>
+          <a:xfrm>
+            <a:off x="10933290" y="-94367"/>
+            <a:ext cx="513644" cy="513644"/>
+          </a:xfrm>
+          <a:prstGeom prst="rect">
+            <a:avLst/>
+          </a:prstGeom>
+        </p:spPr>
+      </p:pic>
     </p:spTree>
     <p:extLst>
       <p:ext uri="{BB962C8B-B14F-4D97-AF65-F5344CB8AC3E}">
@@ -8217,42 +8295,6 @@
           </a:p>
         </p:txBody>
       </p:sp>
-      <p:pic>
-        <p:nvPicPr>
-          <p:cNvPr id="5" name="Picture 4">
-            <a:extLst>
-              <a:ext uri="{FF2B5EF4-FFF2-40B4-BE49-F238E27FC236}">
-                <a16:creationId xmlns:a16="http://schemas.microsoft.com/office/drawing/2014/main" id="{28129647-DD57-41A4-BE36-2365B758DFF5}"/>
-              </a:ext>
-            </a:extLst>
-          </p:cNvPr>
-          <p:cNvPicPr>
-            <a:picLocks noChangeAspect="1"/>
-          </p:cNvPicPr>
-          <p:nvPr/>
-        </p:nvPicPr>
-        <p:blipFill>
-          <a:blip r:embed="rId2">
-            <a:extLst>
-              <a:ext uri="{28A0092B-C50C-407E-A947-70E740481C1C}">
-                <a14:useLocalDpi xmlns:a14="http://schemas.microsoft.com/office/drawing/2010/main" val="0"/>
-              </a:ext>
-            </a:extLst>
-          </a:blip>
-          <a:stretch>
-            <a:fillRect/>
-          </a:stretch>
-        </p:blipFill>
-        <p:spPr>
-          <a:xfrm>
-            <a:off x="4025820" y="1690688"/>
-            <a:ext cx="4549149" cy="4672593"/>
-          </a:xfrm>
-          <a:prstGeom prst="rect">
-            <a:avLst/>
-          </a:prstGeom>
-        </p:spPr>
-      </p:pic>
       <p:sp>
         <p:nvSpPr>
           <p:cNvPr id="6" name="TextBox 5">
@@ -8267,7 +8309,7 @@
         </p:nvSpPr>
         <p:spPr>
           <a:xfrm>
-            <a:off x="9281720" y="2085975"/>
+            <a:off x="9278049" y="1482085"/>
             <a:ext cx="2370589" cy="646331"/>
           </a:xfrm>
           <a:prstGeom prst="rect">
@@ -8306,7 +8348,7 @@
         </p:nvSpPr>
         <p:spPr>
           <a:xfrm>
-            <a:off x="9370503" y="2978092"/>
+            <a:off x="9366832" y="2374202"/>
             <a:ext cx="1476045" cy="369332"/>
           </a:xfrm>
           <a:prstGeom prst="rect">
@@ -8367,7 +8409,7 @@
         </p:nvSpPr>
         <p:spPr>
           <a:xfrm>
-            <a:off x="9370503" y="3625265"/>
+            <a:off x="9366832" y="3021375"/>
             <a:ext cx="1468031" cy="369332"/>
           </a:xfrm>
           <a:prstGeom prst="rect">
@@ -8428,7 +8470,7 @@
         </p:nvSpPr>
         <p:spPr>
           <a:xfrm>
-            <a:off x="9164274" y="2214694"/>
+            <a:off x="9160603" y="1610804"/>
             <a:ext cx="117446" cy="117445"/>
           </a:xfrm>
           <a:prstGeom prst="ellipse">
@@ -8480,7 +8522,7 @@
         </p:nvSpPr>
         <p:spPr>
           <a:xfrm>
-            <a:off x="9222997" y="3090701"/>
+            <a:off x="9219326" y="2486811"/>
             <a:ext cx="58723" cy="176168"/>
           </a:xfrm>
           <a:prstGeom prst="rect">
@@ -8534,7 +8576,7 @@
         </p:nvSpPr>
         <p:spPr>
           <a:xfrm rot="5400000">
-            <a:off x="9193635" y="3721847"/>
+            <a:off x="9189964" y="3117957"/>
             <a:ext cx="58723" cy="176168"/>
           </a:xfrm>
           <a:prstGeom prst="rect">
@@ -8589,7 +8631,7 @@
         <p:spPr>
           <a:xfrm>
             <a:off x="981512" y="1690688"/>
-            <a:ext cx="2919369" cy="369332"/>
+            <a:ext cx="2919369" cy="3416320"/>
           </a:xfrm>
           <a:prstGeom prst="rect">
             <a:avLst/>
@@ -8608,11 +8650,160 @@
             </a:pPr>
             <a:r>
               <a:rPr lang="en-CA" dirty="0"/>
-              <a:t>Indices…</a:t>
-            </a:r>
-          </a:p>
-        </p:txBody>
-      </p:sp>
+              <a:t>Indices for vectors run from 0 to N</a:t>
+            </a:r>
+          </a:p>
+          <a:p>
+            <a:pPr marL="285750" indent="-285750">
+              <a:buFont typeface="Arial" panose="020B0604020202020204" pitchFamily="34" charset="0"/>
+              <a:buChar char="•"/>
+            </a:pPr>
+            <a:r>
+              <a:rPr lang="en-CA" dirty="0"/>
+              <a:t>Indices for scalars run from 0 to N-1</a:t>
+            </a:r>
+          </a:p>
+          <a:p>
+            <a:pPr marL="285750" indent="-285750">
+              <a:buFont typeface="Arial" panose="020B0604020202020204" pitchFamily="34" charset="0"/>
+              <a:buChar char="•"/>
+            </a:pPr>
+            <a:endParaRPr lang="en-CA" dirty="0"/>
+          </a:p>
+          <a:p>
+            <a:pPr marL="285750" indent="-285750">
+              <a:buFont typeface="Arial" panose="020B0604020202020204" pitchFamily="34" charset="0"/>
+              <a:buChar char="•"/>
+            </a:pPr>
+            <a:r>
+              <a:rPr lang="en-CA" dirty="0"/>
+              <a:t>Example:</a:t>
+            </a:r>
+          </a:p>
+          <a:p>
+            <a:r>
+              <a:rPr lang="en-CA" dirty="0"/>
+              <a:t>v1(</a:t>
+            </a:r>
+            <a:r>
+              <a:rPr lang="en-CA" dirty="0" err="1"/>
+              <a:t>i,j</a:t>
+            </a:r>
+            <a:r>
+              <a:rPr lang="en-CA" dirty="0"/>
+              <a:t>) is the x-velocity on the face between density values d(</a:t>
+            </a:r>
+            <a:r>
+              <a:rPr lang="en-CA" dirty="0" err="1"/>
+              <a:t>i,j</a:t>
+            </a:r>
+            <a:r>
+              <a:rPr lang="en-CA" dirty="0"/>
+              <a:t>) and d(i-1,j)</a:t>
+            </a:r>
+          </a:p>
+          <a:p>
+            <a:endParaRPr lang="en-CA" dirty="0"/>
+          </a:p>
+          <a:p>
+            <a:r>
+              <a:rPr lang="en-CA" dirty="0"/>
+              <a:t>d(</a:t>
+            </a:r>
+            <a:r>
+              <a:rPr lang="en-CA" dirty="0" err="1"/>
+              <a:t>i,j</a:t>
+            </a:r>
+            <a:r>
+              <a:rPr lang="en-CA" dirty="0"/>
+              <a:t>) is the density between velocities v2(i,j+1) and v2(</a:t>
+            </a:r>
+            <a:r>
+              <a:rPr lang="en-CA" dirty="0" err="1"/>
+              <a:t>i,j</a:t>
+            </a:r>
+            <a:r>
+              <a:rPr lang="en-CA" dirty="0"/>
+              <a:t>)</a:t>
+            </a:r>
+          </a:p>
+        </p:txBody>
+      </p:sp>
+      <p:pic>
+        <p:nvPicPr>
+          <p:cNvPr id="4" name="Picture 3">
+            <a:extLst>
+              <a:ext uri="{FF2B5EF4-FFF2-40B4-BE49-F238E27FC236}">
+                <a16:creationId xmlns:a16="http://schemas.microsoft.com/office/drawing/2014/main" id="{17A7E82C-8DCA-4D07-BE48-FB1CCD348116}"/>
+              </a:ext>
+            </a:extLst>
+          </p:cNvPr>
+          <p:cNvPicPr>
+            <a:picLocks noChangeAspect="1"/>
+          </p:cNvPicPr>
+          <p:nvPr/>
+        </p:nvPicPr>
+        <p:blipFill>
+          <a:blip r:embed="rId2">
+            <a:extLst>
+              <a:ext uri="{28A0092B-C50C-407E-A947-70E740481C1C}">
+                <a14:useLocalDpi xmlns:a14="http://schemas.microsoft.com/office/drawing/2010/main" val="0"/>
+              </a:ext>
+            </a:extLst>
+          </a:blip>
+          <a:stretch>
+            <a:fillRect/>
+          </a:stretch>
+        </p:blipFill>
+        <p:spPr>
+          <a:xfrm>
+            <a:off x="3725032" y="1482085"/>
+            <a:ext cx="5180086" cy="5189230"/>
+          </a:xfrm>
+          <a:prstGeom prst="rect">
+            <a:avLst/>
+          </a:prstGeom>
+        </p:spPr>
+      </p:pic>
+      <p:pic>
+        <p:nvPicPr>
+          <p:cNvPr id="12" name="Graphic 11" descr="Bookmark">
+            <a:extLst>
+              <a:ext uri="{FF2B5EF4-FFF2-40B4-BE49-F238E27FC236}">
+                <a16:creationId xmlns:a16="http://schemas.microsoft.com/office/drawing/2014/main" id="{9EECFAE6-7B02-440F-B490-981458BF97EF}"/>
+              </a:ext>
+            </a:extLst>
+          </p:cNvPr>
+          <p:cNvPicPr>
+            <a:picLocks noChangeAspect="1"/>
+          </p:cNvPicPr>
+          <p:nvPr/>
+        </p:nvPicPr>
+        <p:blipFill>
+          <a:blip r:embed="rId3">
+            <a:extLst>
+              <a:ext uri="{28A0092B-C50C-407E-A947-70E740481C1C}">
+                <a14:useLocalDpi xmlns:a14="http://schemas.microsoft.com/office/drawing/2010/main" val="0"/>
+              </a:ext>
+              <a:ext uri="{96DAC541-7B7A-43D3-8B79-37D633B846F1}">
+                <asvg:svgBlip xmlns:asvg="http://schemas.microsoft.com/office/drawing/2016/SVG/main" r:embed="rId4"/>
+              </a:ext>
+            </a:extLst>
+          </a:blip>
+          <a:stretch>
+            <a:fillRect/>
+          </a:stretch>
+        </p:blipFill>
+        <p:spPr>
+          <a:xfrm>
+            <a:off x="10933290" y="-94367"/>
+            <a:ext cx="513644" cy="513644"/>
+          </a:xfrm>
+          <a:prstGeom prst="rect">
+            <a:avLst/>
+          </a:prstGeom>
+        </p:spPr>
+      </p:pic>
     </p:spTree>
     <p:extLst>
       <p:ext uri="{BB962C8B-B14F-4D97-AF65-F5344CB8AC3E}">
@@ -8789,6 +8980,45 @@
           <a:xfrm>
             <a:off x="2506748" y="4123457"/>
             <a:ext cx="2546890" cy="649545"/>
+          </a:xfrm>
+          <a:prstGeom prst="rect">
+            <a:avLst/>
+          </a:prstGeom>
+        </p:spPr>
+      </p:pic>
+      <p:pic>
+        <p:nvPicPr>
+          <p:cNvPr id="6" name="Graphic 5" descr="Bookmark">
+            <a:extLst>
+              <a:ext uri="{FF2B5EF4-FFF2-40B4-BE49-F238E27FC236}">
+                <a16:creationId xmlns:a16="http://schemas.microsoft.com/office/drawing/2014/main" id="{88BED1D8-A231-4D43-9487-24DE0804689C}"/>
+              </a:ext>
+            </a:extLst>
+          </p:cNvPr>
+          <p:cNvPicPr>
+            <a:picLocks noChangeAspect="1"/>
+          </p:cNvPicPr>
+          <p:nvPr/>
+        </p:nvPicPr>
+        <p:blipFill>
+          <a:blip r:embed="rId6">
+            <a:extLst>
+              <a:ext uri="{28A0092B-C50C-407E-A947-70E740481C1C}">
+                <a14:useLocalDpi xmlns:a14="http://schemas.microsoft.com/office/drawing/2010/main" val="0"/>
+              </a:ext>
+              <a:ext uri="{96DAC541-7B7A-43D3-8B79-37D633B846F1}">
+                <asvg:svgBlip xmlns:asvg="http://schemas.microsoft.com/office/drawing/2016/SVG/main" r:embed="rId7"/>
+              </a:ext>
+            </a:extLst>
+          </a:blip>
+          <a:stretch>
+            <a:fillRect/>
+          </a:stretch>
+        </p:blipFill>
+        <p:spPr>
+          <a:xfrm>
+            <a:off x="10933290" y="-94367"/>
+            <a:ext cx="513644" cy="513644"/>
           </a:xfrm>
           <a:prstGeom prst="rect">
             <a:avLst/>
@@ -9160,6 +9390,45 @@
           </a:p>
         </p:txBody>
       </p:sp>
+      <p:pic>
+        <p:nvPicPr>
+          <p:cNvPr id="10" name="Graphic 9" descr="Bookmark">
+            <a:extLst>
+              <a:ext uri="{FF2B5EF4-FFF2-40B4-BE49-F238E27FC236}">
+                <a16:creationId xmlns:a16="http://schemas.microsoft.com/office/drawing/2014/main" id="{A2DD67A3-3BAC-45A6-9AA3-635599CF0872}"/>
+              </a:ext>
+            </a:extLst>
+          </p:cNvPr>
+          <p:cNvPicPr>
+            <a:picLocks noChangeAspect="1"/>
+          </p:cNvPicPr>
+          <p:nvPr/>
+        </p:nvPicPr>
+        <p:blipFill>
+          <a:blip r:embed="rId8">
+            <a:extLst>
+              <a:ext uri="{28A0092B-C50C-407E-A947-70E740481C1C}">
+                <a14:useLocalDpi xmlns:a14="http://schemas.microsoft.com/office/drawing/2010/main" val="0"/>
+              </a:ext>
+              <a:ext uri="{96DAC541-7B7A-43D3-8B79-37D633B846F1}">
+                <asvg:svgBlip xmlns:asvg="http://schemas.microsoft.com/office/drawing/2016/SVG/main" r:embed="rId9"/>
+              </a:ext>
+            </a:extLst>
+          </a:blip>
+          <a:stretch>
+            <a:fillRect/>
+          </a:stretch>
+        </p:blipFill>
+        <p:spPr>
+          <a:xfrm>
+            <a:off x="10933290" y="-94367"/>
+            <a:ext cx="513644" cy="513644"/>
+          </a:xfrm>
+          <a:prstGeom prst="rect">
+            <a:avLst/>
+          </a:prstGeom>
+        </p:spPr>
+      </p:pic>
     </p:spTree>
     <p:extLst>
       <p:ext uri="{BB962C8B-B14F-4D97-AF65-F5344CB8AC3E}">
@@ -9335,6 +9604,45 @@
           </a:p>
         </p:txBody>
       </p:sp>
+      <p:pic>
+        <p:nvPicPr>
+          <p:cNvPr id="4" name="Graphic 3" descr="Bookmark">
+            <a:extLst>
+              <a:ext uri="{FF2B5EF4-FFF2-40B4-BE49-F238E27FC236}">
+                <a16:creationId xmlns:a16="http://schemas.microsoft.com/office/drawing/2014/main" id="{E2142E5A-0D82-428D-B89B-175A4D828136}"/>
+              </a:ext>
+            </a:extLst>
+          </p:cNvPr>
+          <p:cNvPicPr>
+            <a:picLocks noChangeAspect="1"/>
+          </p:cNvPicPr>
+          <p:nvPr/>
+        </p:nvPicPr>
+        <p:blipFill>
+          <a:blip r:embed="rId2">
+            <a:extLst>
+              <a:ext uri="{28A0092B-C50C-407E-A947-70E740481C1C}">
+                <a14:useLocalDpi xmlns:a14="http://schemas.microsoft.com/office/drawing/2010/main" val="0"/>
+              </a:ext>
+              <a:ext uri="{96DAC541-7B7A-43D3-8B79-37D633B846F1}">
+                <asvg:svgBlip xmlns:asvg="http://schemas.microsoft.com/office/drawing/2016/SVG/main" r:embed="rId3"/>
+              </a:ext>
+            </a:extLst>
+          </a:blip>
+          <a:stretch>
+            <a:fillRect/>
+          </a:stretch>
+        </p:blipFill>
+        <p:spPr>
+          <a:xfrm>
+            <a:off x="10933290" y="-94367"/>
+            <a:ext cx="513644" cy="513644"/>
+          </a:xfrm>
+          <a:prstGeom prst="rect">
+            <a:avLst/>
+          </a:prstGeom>
+        </p:spPr>
+      </p:pic>
     </p:spTree>
     <p:extLst>
       <p:ext uri="{BB962C8B-B14F-4D97-AF65-F5344CB8AC3E}">
@@ -9671,6 +9979,45 @@
           </a:graphicData>
         </a:graphic>
       </p:graphicFrame>
+      <p:pic>
+        <p:nvPicPr>
+          <p:cNvPr id="5" name="Graphic 4" descr="Bookmark">
+            <a:extLst>
+              <a:ext uri="{FF2B5EF4-FFF2-40B4-BE49-F238E27FC236}">
+                <a16:creationId xmlns:a16="http://schemas.microsoft.com/office/drawing/2014/main" id="{ADCE6C3C-1538-4971-8B57-6CF8FE8ABEAD}"/>
+              </a:ext>
+            </a:extLst>
+          </p:cNvPr>
+          <p:cNvPicPr>
+            <a:picLocks noChangeAspect="1"/>
+          </p:cNvPicPr>
+          <p:nvPr/>
+        </p:nvPicPr>
+        <p:blipFill>
+          <a:blip r:embed="rId2">
+            <a:extLst>
+              <a:ext uri="{28A0092B-C50C-407E-A947-70E740481C1C}">
+                <a14:useLocalDpi xmlns:a14="http://schemas.microsoft.com/office/drawing/2010/main" val="0"/>
+              </a:ext>
+              <a:ext uri="{96DAC541-7B7A-43D3-8B79-37D633B846F1}">
+                <asvg:svgBlip xmlns:asvg="http://schemas.microsoft.com/office/drawing/2016/SVG/main" r:embed="rId3"/>
+              </a:ext>
+            </a:extLst>
+          </a:blip>
+          <a:stretch>
+            <a:fillRect/>
+          </a:stretch>
+        </p:blipFill>
+        <p:spPr>
+          <a:xfrm>
+            <a:off x="10933290" y="-94367"/>
+            <a:ext cx="513644" cy="513644"/>
+          </a:xfrm>
+          <a:prstGeom prst="rect">
+            <a:avLst/>
+          </a:prstGeom>
+        </p:spPr>
+      </p:pic>
     </p:spTree>
     <p:extLst>
       <p:ext uri="{BB962C8B-B14F-4D97-AF65-F5344CB8AC3E}">
@@ -10365,6 +10712,45 @@
           </a:prstGeom>
         </p:spPr>
       </p:pic>
+      <p:pic>
+        <p:nvPicPr>
+          <p:cNvPr id="8" name="Graphic 7" descr="Bookmark">
+            <a:extLst>
+              <a:ext uri="{FF2B5EF4-FFF2-40B4-BE49-F238E27FC236}">
+                <a16:creationId xmlns:a16="http://schemas.microsoft.com/office/drawing/2014/main" id="{BC89866A-EEEE-4448-95F5-393CE9CBE806}"/>
+              </a:ext>
+            </a:extLst>
+          </p:cNvPr>
+          <p:cNvPicPr>
+            <a:picLocks noChangeAspect="1"/>
+          </p:cNvPicPr>
+          <p:nvPr/>
+        </p:nvPicPr>
+        <p:blipFill>
+          <a:blip r:embed="rId7">
+            <a:extLst>
+              <a:ext uri="{28A0092B-C50C-407E-A947-70E740481C1C}">
+                <a14:useLocalDpi xmlns:a14="http://schemas.microsoft.com/office/drawing/2010/main" val="0"/>
+              </a:ext>
+              <a:ext uri="{96DAC541-7B7A-43D3-8B79-37D633B846F1}">
+                <asvg:svgBlip xmlns:asvg="http://schemas.microsoft.com/office/drawing/2016/SVG/main" r:embed="rId8"/>
+              </a:ext>
+            </a:extLst>
+          </a:blip>
+          <a:stretch>
+            <a:fillRect/>
+          </a:stretch>
+        </p:blipFill>
+        <p:spPr>
+          <a:xfrm>
+            <a:off x="10933290" y="-94367"/>
+            <a:ext cx="513644" cy="513644"/>
+          </a:xfrm>
+          <a:prstGeom prst="rect">
+            <a:avLst/>
+          </a:prstGeom>
+        </p:spPr>
+      </p:pic>
     </p:spTree>
     <p:extLst>
       <p:ext uri="{BB962C8B-B14F-4D97-AF65-F5344CB8AC3E}">
@@ -10652,6 +11038,45 @@
           <a:xfrm>
             <a:off x="2866914" y="5680733"/>
             <a:ext cx="2678877" cy="420216"/>
+          </a:xfrm>
+          <a:prstGeom prst="rect">
+            <a:avLst/>
+          </a:prstGeom>
+        </p:spPr>
+      </p:pic>
+      <p:pic>
+        <p:nvPicPr>
+          <p:cNvPr id="9" name="Graphic 8" descr="Bookmark">
+            <a:extLst>
+              <a:ext uri="{FF2B5EF4-FFF2-40B4-BE49-F238E27FC236}">
+                <a16:creationId xmlns:a16="http://schemas.microsoft.com/office/drawing/2014/main" id="{B806D391-7D01-4DC1-A3AD-E2211DF5ABB2}"/>
+              </a:ext>
+            </a:extLst>
+          </p:cNvPr>
+          <p:cNvPicPr>
+            <a:picLocks noChangeAspect="1"/>
+          </p:cNvPicPr>
+          <p:nvPr/>
+        </p:nvPicPr>
+        <p:blipFill>
+          <a:blip r:embed="rId11">
+            <a:extLst>
+              <a:ext uri="{28A0092B-C50C-407E-A947-70E740481C1C}">
+                <a14:useLocalDpi xmlns:a14="http://schemas.microsoft.com/office/drawing/2010/main" val="0"/>
+              </a:ext>
+              <a:ext uri="{96DAC541-7B7A-43D3-8B79-37D633B846F1}">
+                <asvg:svgBlip xmlns:asvg="http://schemas.microsoft.com/office/drawing/2016/SVG/main" r:embed="rId12"/>
+              </a:ext>
+            </a:extLst>
+          </a:blip>
+          <a:stretch>
+            <a:fillRect/>
+          </a:stretch>
+        </p:blipFill>
+        <p:spPr>
+          <a:xfrm>
+            <a:off x="10933290" y="-94367"/>
+            <a:ext cx="513644" cy="513644"/>
           </a:xfrm>
           <a:prstGeom prst="rect">
             <a:avLst/>
@@ -10827,6 +11252,45 @@
           </a:prstGeom>
         </p:spPr>
       </p:pic>
+      <p:pic>
+        <p:nvPicPr>
+          <p:cNvPr id="8" name="Graphic 7" descr="Bookmark">
+            <a:extLst>
+              <a:ext uri="{FF2B5EF4-FFF2-40B4-BE49-F238E27FC236}">
+                <a16:creationId xmlns:a16="http://schemas.microsoft.com/office/drawing/2014/main" id="{34E0C2FF-813D-41CE-9BEA-086D8619D549}"/>
+              </a:ext>
+            </a:extLst>
+          </p:cNvPr>
+          <p:cNvPicPr>
+            <a:picLocks noChangeAspect="1"/>
+          </p:cNvPicPr>
+          <p:nvPr/>
+        </p:nvPicPr>
+        <p:blipFill>
+          <a:blip r:embed="rId4">
+            <a:extLst>
+              <a:ext uri="{28A0092B-C50C-407E-A947-70E740481C1C}">
+                <a14:useLocalDpi xmlns:a14="http://schemas.microsoft.com/office/drawing/2010/main" val="0"/>
+              </a:ext>
+              <a:ext uri="{96DAC541-7B7A-43D3-8B79-37D633B846F1}">
+                <asvg:svgBlip xmlns:asvg="http://schemas.microsoft.com/office/drawing/2016/SVG/main" r:embed="rId5"/>
+              </a:ext>
+            </a:extLst>
+          </a:blip>
+          <a:stretch>
+            <a:fillRect/>
+          </a:stretch>
+        </p:blipFill>
+        <p:spPr>
+          <a:xfrm>
+            <a:off x="10933290" y="-94367"/>
+            <a:ext cx="513644" cy="513644"/>
+          </a:xfrm>
+          <a:prstGeom prst="rect">
+            <a:avLst/>
+          </a:prstGeom>
+        </p:spPr>
+      </p:pic>
     </p:spTree>
     <p:extLst>
       <p:ext uri="{BB962C8B-B14F-4D97-AF65-F5344CB8AC3E}">
@@ -10939,6 +11403,45 @@
           </a:p>
         </p:txBody>
       </p:sp>
+      <p:pic>
+        <p:nvPicPr>
+          <p:cNvPr id="4" name="Graphic 3" descr="Bookmark">
+            <a:extLst>
+              <a:ext uri="{FF2B5EF4-FFF2-40B4-BE49-F238E27FC236}">
+                <a16:creationId xmlns:a16="http://schemas.microsoft.com/office/drawing/2014/main" id="{431819FB-C456-4DA3-A2CD-D77608973717}"/>
+              </a:ext>
+            </a:extLst>
+          </p:cNvPr>
+          <p:cNvPicPr>
+            <a:picLocks noChangeAspect="1"/>
+          </p:cNvPicPr>
+          <p:nvPr/>
+        </p:nvPicPr>
+        <p:blipFill>
+          <a:blip r:embed="rId2">
+            <a:extLst>
+              <a:ext uri="{28A0092B-C50C-407E-A947-70E740481C1C}">
+                <a14:useLocalDpi xmlns:a14="http://schemas.microsoft.com/office/drawing/2010/main" val="0"/>
+              </a:ext>
+              <a:ext uri="{96DAC541-7B7A-43D3-8B79-37D633B846F1}">
+                <asvg:svgBlip xmlns:asvg="http://schemas.microsoft.com/office/drawing/2016/SVG/main" r:embed="rId3"/>
+              </a:ext>
+            </a:extLst>
+          </a:blip>
+          <a:stretch>
+            <a:fillRect/>
+          </a:stretch>
+        </p:blipFill>
+        <p:spPr>
+          <a:xfrm>
+            <a:off x="10933290" y="-94367"/>
+            <a:ext cx="513644" cy="513644"/>
+          </a:xfrm>
+          <a:prstGeom prst="rect">
+            <a:avLst/>
+          </a:prstGeom>
+        </p:spPr>
+      </p:pic>
     </p:spTree>
     <p:extLst>
       <p:ext uri="{BB962C8B-B14F-4D97-AF65-F5344CB8AC3E}">

--- a/Presentation3/Staggered Grids.pptx
+++ b/Presentation3/Staggered Grids.pptx
@@ -12,25 +12,26 @@
     <p:sldId id="261" r:id="rId6"/>
     <p:sldId id="262" r:id="rId7"/>
     <p:sldId id="263" r:id="rId8"/>
-    <p:sldId id="282" r:id="rId9"/>
-    <p:sldId id="264" r:id="rId10"/>
-    <p:sldId id="265" r:id="rId11"/>
-    <p:sldId id="266" r:id="rId12"/>
-    <p:sldId id="267" r:id="rId13"/>
-    <p:sldId id="271" r:id="rId14"/>
-    <p:sldId id="268" r:id="rId15"/>
-    <p:sldId id="269" r:id="rId16"/>
-    <p:sldId id="270" r:id="rId17"/>
-    <p:sldId id="272" r:id="rId18"/>
-    <p:sldId id="273" r:id="rId19"/>
-    <p:sldId id="274" r:id="rId20"/>
-    <p:sldId id="277" r:id="rId21"/>
-    <p:sldId id="281" r:id="rId22"/>
-    <p:sldId id="278" r:id="rId23"/>
-    <p:sldId id="279" r:id="rId24"/>
-    <p:sldId id="280" r:id="rId25"/>
-    <p:sldId id="283" r:id="rId26"/>
-    <p:sldId id="276" r:id="rId27"/>
+    <p:sldId id="284" r:id="rId9"/>
+    <p:sldId id="282" r:id="rId10"/>
+    <p:sldId id="264" r:id="rId11"/>
+    <p:sldId id="265" r:id="rId12"/>
+    <p:sldId id="266" r:id="rId13"/>
+    <p:sldId id="267" r:id="rId14"/>
+    <p:sldId id="271" r:id="rId15"/>
+    <p:sldId id="268" r:id="rId16"/>
+    <p:sldId id="269" r:id="rId17"/>
+    <p:sldId id="270" r:id="rId18"/>
+    <p:sldId id="272" r:id="rId19"/>
+    <p:sldId id="273" r:id="rId20"/>
+    <p:sldId id="274" r:id="rId21"/>
+    <p:sldId id="277" r:id="rId22"/>
+    <p:sldId id="281" r:id="rId23"/>
+    <p:sldId id="278" r:id="rId24"/>
+    <p:sldId id="279" r:id="rId25"/>
+    <p:sldId id="280" r:id="rId26"/>
+    <p:sldId id="283" r:id="rId27"/>
+    <p:sldId id="276" r:id="rId28"/>
   </p:sldIdLst>
   <p:sldSz cx="12192000" cy="6858000"/>
   <p:notesSz cx="6858000" cy="9144000"/>
@@ -6187,7 +6188,7 @@
           <p:cNvPr id="2" name="Title 1">
             <a:extLst>
               <a:ext uri="{FF2B5EF4-FFF2-40B4-BE49-F238E27FC236}">
-                <a16:creationId xmlns:a16="http://schemas.microsoft.com/office/drawing/2014/main" id="{21651126-85EB-4395-BA4F-829E38C88E3B}"/>
+                <a16:creationId xmlns:a16="http://schemas.microsoft.com/office/drawing/2014/main" id="{DCC2400E-47A5-42D0-89A6-71FF6FF67327}"/>
               </a:ext>
             </a:extLst>
           </p:cNvPr>
@@ -6205,7 +6206,7 @@
           <a:p>
             <a:r>
               <a:rPr lang="en-CA" dirty="0"/>
-              <a:t>Staggered Grids</a:t>
+              <a:t>Possible solutions</a:t>
             </a:r>
           </a:p>
         </p:txBody>
@@ -6215,7 +6216,7 @@
           <p:cNvPr id="3" name="Content Placeholder 2">
             <a:extLst>
               <a:ext uri="{FF2B5EF4-FFF2-40B4-BE49-F238E27FC236}">
-                <a16:creationId xmlns:a16="http://schemas.microsoft.com/office/drawing/2014/main" id="{C901A565-58CB-466D-93B0-00CA482A82F7}"/>
+                <a16:creationId xmlns:a16="http://schemas.microsoft.com/office/drawing/2014/main" id="{E96E7417-1E9B-409E-8A97-8FDB60C2AA44}"/>
               </a:ext>
             </a:extLst>
           </p:cNvPr>
@@ -6226,77 +6227,55 @@
             <p:ph idx="1"/>
           </p:nvPr>
         </p:nvSpPr>
-        <p:spPr>
-          <a:xfrm>
-            <a:off x="838200" y="1825625"/>
-            <a:ext cx="6187633" cy="4351338"/>
-          </a:xfrm>
-        </p:spPr>
+        <p:spPr/>
         <p:txBody>
           <a:bodyPr/>
           <a:lstStyle/>
           <a:p>
             <a:r>
               <a:rPr lang="en-CA" dirty="0"/>
-              <a:t>When we have differential equations that rely on 1</a:t>
-            </a:r>
-            <a:r>
-              <a:rPr lang="en-CA" baseline="30000" dirty="0"/>
-              <a:t>st</a:t>
-            </a:r>
+              <a:t>Increase the grid resolution</a:t>
+            </a:r>
+          </a:p>
+          <a:p>
+            <a:pPr lvl="1"/>
             <a:r>
               <a:rPr lang="en-CA" dirty="0"/>
-              <a:t> derivatives, use multiple grids: one for the scalar quantity, and an additional one for each vector, shifted a half-step from the scalar grid.</a:t>
+              <a:t>This is computationally inefficient</a:t>
             </a:r>
           </a:p>
           <a:p>
             <a:r>
               <a:rPr lang="en-CA" dirty="0"/>
-              <a:t>We can add further shifted grids for each additional first derivative</a:t>
-            </a:r>
-          </a:p>
-        </p:txBody>
-      </p:sp>
-      <p:pic>
-        <p:nvPicPr>
-          <p:cNvPr id="5" name="Picture 4">
-            <a:extLst>
-              <a:ext uri="{FF2B5EF4-FFF2-40B4-BE49-F238E27FC236}">
-                <a16:creationId xmlns:a16="http://schemas.microsoft.com/office/drawing/2014/main" id="{60762197-AC4D-4972-B412-A15A79E71B7B}"/>
-              </a:ext>
-            </a:extLst>
-          </p:cNvPr>
-          <p:cNvPicPr>
-            <a:picLocks noChangeAspect="1"/>
-          </p:cNvPicPr>
-          <p:nvPr/>
-        </p:nvPicPr>
-        <p:blipFill>
-          <a:blip r:embed="rId2">
-            <a:extLst>
-              <a:ext uri="{28A0092B-C50C-407E-A947-70E740481C1C}">
-                <a14:useLocalDpi xmlns:a14="http://schemas.microsoft.com/office/drawing/2010/main" val="0"/>
-              </a:ext>
-            </a:extLst>
-          </a:blip>
-          <a:stretch>
-            <a:fillRect/>
-          </a:stretch>
-        </p:blipFill>
-        <p:spPr>
-          <a:xfrm>
-            <a:off x="6804651" y="1393645"/>
-            <a:ext cx="4549149" cy="4672593"/>
-          </a:xfrm>
-          <a:prstGeom prst="rect">
-            <a:avLst/>
-          </a:prstGeom>
-        </p:spPr>
-      </p:pic>
+              <a:t>Use only forward or reverse finite differences, not the centered difference</a:t>
+            </a:r>
+          </a:p>
+          <a:p>
+            <a:pPr lvl="1"/>
+            <a:r>
+              <a:rPr lang="en-CA" dirty="0"/>
+              <a:t>This will increase error in our results and defeats the purpose</a:t>
+            </a:r>
+          </a:p>
+          <a:p>
+            <a:r>
+              <a:rPr lang="en-CA" dirty="0"/>
+              <a:t>Use staggered grids</a:t>
+            </a:r>
+          </a:p>
+          <a:p>
+            <a:pPr lvl="1"/>
+            <a:r>
+              <a:rPr lang="en-CA" dirty="0"/>
+              <a:t>The accepted solution</a:t>
+            </a:r>
+          </a:p>
+        </p:txBody>
+      </p:sp>
     </p:spTree>
     <p:extLst>
       <p:ext uri="{BB962C8B-B14F-4D97-AF65-F5344CB8AC3E}">
-        <p14:creationId xmlns:p14="http://schemas.microsoft.com/office/powerpoint/2010/main" val="1144519121"/>
+        <p14:creationId xmlns:p14="http://schemas.microsoft.com/office/powerpoint/2010/main" val="3027681198"/>
       </p:ext>
     </p:extLst>
   </p:cSld>
@@ -6328,7 +6307,7 @@
           <p:cNvPr id="2" name="Title 1">
             <a:extLst>
               <a:ext uri="{FF2B5EF4-FFF2-40B4-BE49-F238E27FC236}">
-                <a16:creationId xmlns:a16="http://schemas.microsoft.com/office/drawing/2014/main" id="{C0D13218-A6B5-47D6-821D-B251A9E6BB6C}"/>
+                <a16:creationId xmlns:a16="http://schemas.microsoft.com/office/drawing/2014/main" id="{21651126-85EB-4395-BA4F-829E38C88E3B}"/>
               </a:ext>
             </a:extLst>
           </p:cNvPr>
@@ -6346,7 +6325,7 @@
           <a:p>
             <a:r>
               <a:rPr lang="en-CA" dirty="0"/>
-              <a:t>Stencils</a:t>
+              <a:t>Staggered Grids</a:t>
             </a:r>
           </a:p>
         </p:txBody>
@@ -6356,7 +6335,7 @@
           <p:cNvPr id="3" name="Content Placeholder 2">
             <a:extLst>
               <a:ext uri="{FF2B5EF4-FFF2-40B4-BE49-F238E27FC236}">
-                <a16:creationId xmlns:a16="http://schemas.microsoft.com/office/drawing/2014/main" id="{3FFE2309-C59D-48DB-90F3-BC8CD691E28E}"/>
+                <a16:creationId xmlns:a16="http://schemas.microsoft.com/office/drawing/2014/main" id="{C901A565-58CB-466D-93B0-00CA482A82F7}"/>
               </a:ext>
             </a:extLst>
           </p:cNvPr>
@@ -6370,7 +6349,7 @@
         <p:spPr>
           <a:xfrm>
             <a:off x="838200" y="1825625"/>
-            <a:ext cx="4555921" cy="4351338"/>
+            <a:ext cx="6187633" cy="4351338"/>
           </a:xfrm>
         </p:spPr>
         <p:txBody>
@@ -6379,13 +6358,21 @@
           <a:p>
             <a:r>
               <a:rPr lang="en-CA" dirty="0"/>
-              <a:t>Using the staggered grid method, we can effectively sample two adjacent points of our flux quantity</a:t>
-            </a:r>
-          </a:p>
-          <a:p>
+              <a:t>When we have differential equations that rely on 1</a:t>
+            </a:r>
+            <a:r>
+              <a:rPr lang="en-CA" baseline="30000" dirty="0"/>
+              <a:t>st</a:t>
+            </a:r>
             <a:r>
               <a:rPr lang="en-CA" dirty="0"/>
-              <a:t>This effectively uses the finite difference from a higher resolution while keeping the lower memory, lower resolution result</a:t>
+              <a:t> derivatives, use multiple grids: one for the scalar quantity, and an additional one for each vector, shifted a half-step from the scalar grid.</a:t>
+            </a:r>
+          </a:p>
+          <a:p>
+            <a:r>
+              <a:rPr lang="en-CA" dirty="0"/>
+              <a:t>We can add further shifted grids for each additional first derivative</a:t>
             </a:r>
           </a:p>
         </p:txBody>
@@ -6395,7 +6382,7 @@
           <p:cNvPr id="5" name="Picture 4">
             <a:extLst>
               <a:ext uri="{FF2B5EF4-FFF2-40B4-BE49-F238E27FC236}">
-                <a16:creationId xmlns:a16="http://schemas.microsoft.com/office/drawing/2014/main" id="{6E499046-15A4-4862-A117-C6BC14FF125F}"/>
+                <a16:creationId xmlns:a16="http://schemas.microsoft.com/office/drawing/2014/main" id="{60762197-AC4D-4972-B412-A15A79E71B7B}"/>
               </a:ext>
             </a:extLst>
           </p:cNvPr>
@@ -6418,44 +6405,8 @@
         </p:blipFill>
         <p:spPr>
           <a:xfrm>
-            <a:off x="6278494" y="1690688"/>
-            <a:ext cx="4645161" cy="2139700"/>
-          </a:xfrm>
-          <a:prstGeom prst="rect">
-            <a:avLst/>
-          </a:prstGeom>
-        </p:spPr>
-      </p:pic>
-      <p:pic>
-        <p:nvPicPr>
-          <p:cNvPr id="7" name="Picture 6">
-            <a:extLst>
-              <a:ext uri="{FF2B5EF4-FFF2-40B4-BE49-F238E27FC236}">
-                <a16:creationId xmlns:a16="http://schemas.microsoft.com/office/drawing/2014/main" id="{80A4B536-7ED0-43FE-A659-CFCE2B911885}"/>
-              </a:ext>
-            </a:extLst>
-          </p:cNvPr>
-          <p:cNvPicPr>
-            <a:picLocks noChangeAspect="1"/>
-          </p:cNvPicPr>
-          <p:nvPr/>
-        </p:nvPicPr>
-        <p:blipFill>
-          <a:blip r:embed="rId3">
-            <a:extLst>
-              <a:ext uri="{28A0092B-C50C-407E-A947-70E740481C1C}">
-                <a14:useLocalDpi xmlns:a14="http://schemas.microsoft.com/office/drawing/2010/main" val="0"/>
-              </a:ext>
-            </a:extLst>
-          </a:blip>
-          <a:stretch>
-            <a:fillRect/>
-          </a:stretch>
-        </p:blipFill>
-        <p:spPr>
-          <a:xfrm>
-            <a:off x="6278493" y="4412167"/>
-            <a:ext cx="4645161" cy="1764796"/>
+            <a:off x="6804651" y="1393645"/>
+            <a:ext cx="4549149" cy="4672593"/>
           </a:xfrm>
           <a:prstGeom prst="rect">
             <a:avLst/>
@@ -6465,7 +6416,7 @@
     </p:spTree>
     <p:extLst>
       <p:ext uri="{BB962C8B-B14F-4D97-AF65-F5344CB8AC3E}">
-        <p14:creationId xmlns:p14="http://schemas.microsoft.com/office/powerpoint/2010/main" val="3782212356"/>
+        <p14:creationId xmlns:p14="http://schemas.microsoft.com/office/powerpoint/2010/main" val="1144519121"/>
       </p:ext>
     </p:extLst>
   </p:cSld>
@@ -6497,7 +6448,7 @@
           <p:cNvPr id="2" name="Title 1">
             <a:extLst>
               <a:ext uri="{FF2B5EF4-FFF2-40B4-BE49-F238E27FC236}">
-                <a16:creationId xmlns:a16="http://schemas.microsoft.com/office/drawing/2014/main" id="{F527186A-4F30-4730-B830-5FCEE9B0E96A}"/>
+                <a16:creationId xmlns:a16="http://schemas.microsoft.com/office/drawing/2014/main" id="{C0D13218-A6B5-47D6-821D-B251A9E6BB6C}"/>
               </a:ext>
             </a:extLst>
           </p:cNvPr>
@@ -6515,7 +6466,7 @@
           <a:p>
             <a:r>
               <a:rPr lang="en-CA" dirty="0"/>
-              <a:t>Checkerboard Revisited</a:t>
+              <a:t>Stencils</a:t>
             </a:r>
           </a:p>
         </p:txBody>
@@ -6525,7 +6476,7 @@
           <p:cNvPr id="3" name="Content Placeholder 2">
             <a:extLst>
               <a:ext uri="{FF2B5EF4-FFF2-40B4-BE49-F238E27FC236}">
-                <a16:creationId xmlns:a16="http://schemas.microsoft.com/office/drawing/2014/main" id="{7DDC023F-0BBA-4D7C-B37B-7A3EC4C1668D}"/>
+                <a16:creationId xmlns:a16="http://schemas.microsoft.com/office/drawing/2014/main" id="{3FFE2309-C59D-48DB-90F3-BC8CD691E28E}"/>
               </a:ext>
             </a:extLst>
           </p:cNvPr>
@@ -6539,7 +6490,7 @@
         <p:spPr>
           <a:xfrm>
             <a:off x="838200" y="1825625"/>
-            <a:ext cx="6015606" cy="4351338"/>
+            <a:ext cx="4555921" cy="4351338"/>
           </a:xfrm>
         </p:spPr>
         <p:txBody>
@@ -6548,182 +6499,14 @@
           <a:p>
             <a:r>
               <a:rPr lang="en-CA" dirty="0"/>
-              <a:t>We can re-attempt the checkerboard problem using staggered grids. </a:t>
+              <a:t>Using the staggered grid method, we can effectively sample two adjacent points of our flux quantity</a:t>
             </a:r>
           </a:p>
           <a:p>
             <a:r>
               <a:rPr lang="en-CA" dirty="0"/>
-              <a:t>We can define a separate grid for the j values, with j</a:t>
-            </a:r>
-            <a:r>
-              <a:rPr lang="en-CA" baseline="-25000" dirty="0"/>
-              <a:t>m+1/2,n</a:t>
-            </a:r>
-            <a:r>
-              <a:rPr lang="en-CA" baseline="30000" dirty="0"/>
-              <a:t>l</a:t>
-            </a:r>
-            <a:r>
-              <a:rPr lang="en-CA" dirty="0"/>
-              <a:t> in between </a:t>
-            </a:r>
-            <a:r>
-              <a:rPr lang="el-GR" dirty="0">
-                <a:latin typeface="Cambria Math" panose="02040503050406030204" pitchFamily="18" charset="0"/>
-                <a:ea typeface="Cambria Math" panose="02040503050406030204" pitchFamily="18" charset="0"/>
-              </a:rPr>
-              <a:t>ρ</a:t>
-            </a:r>
-            <a:r>
-              <a:rPr lang="en-CA" baseline="-25000" dirty="0" err="1">
-                <a:latin typeface="Cambria Math" panose="02040503050406030204" pitchFamily="18" charset="0"/>
-                <a:ea typeface="Cambria Math" panose="02040503050406030204" pitchFamily="18" charset="0"/>
-              </a:rPr>
-              <a:t>m,n</a:t>
-            </a:r>
-            <a:r>
-              <a:rPr lang="en-CA" baseline="30000" dirty="0" err="1">
-                <a:latin typeface="Cambria Math" panose="02040503050406030204" pitchFamily="18" charset="0"/>
-                <a:ea typeface="Cambria Math" panose="02040503050406030204" pitchFamily="18" charset="0"/>
-              </a:rPr>
-              <a:t>l</a:t>
-            </a:r>
-            <a:r>
-              <a:rPr lang="en-CA" dirty="0">
-                <a:latin typeface="Cambria Math" panose="02040503050406030204" pitchFamily="18" charset="0"/>
-                <a:ea typeface="Cambria Math" panose="02040503050406030204" pitchFamily="18" charset="0"/>
-              </a:rPr>
-              <a:t> and </a:t>
-            </a:r>
-            <a:r>
-              <a:rPr lang="el-GR" dirty="0">
-                <a:latin typeface="Cambria Math" panose="02040503050406030204" pitchFamily="18" charset="0"/>
-                <a:ea typeface="Cambria Math" panose="02040503050406030204" pitchFamily="18" charset="0"/>
-              </a:rPr>
-              <a:t>ρ</a:t>
-            </a:r>
-            <a:r>
-              <a:rPr lang="en-CA" baseline="-25000" dirty="0">
-                <a:latin typeface="Cambria Math" panose="02040503050406030204" pitchFamily="18" charset="0"/>
-                <a:ea typeface="Cambria Math" panose="02040503050406030204" pitchFamily="18" charset="0"/>
-              </a:rPr>
-              <a:t>m+1,n</a:t>
-            </a:r>
-            <a:r>
-              <a:rPr lang="en-CA" baseline="30000" dirty="0">
-                <a:latin typeface="Cambria Math" panose="02040503050406030204" pitchFamily="18" charset="0"/>
-                <a:ea typeface="Cambria Math" panose="02040503050406030204" pitchFamily="18" charset="0"/>
-              </a:rPr>
-              <a:t>l</a:t>
-            </a:r>
-            <a:r>
-              <a:rPr lang="en-CA" dirty="0">
-                <a:latin typeface="Cambria Math" panose="02040503050406030204" pitchFamily="18" charset="0"/>
-                <a:ea typeface="Cambria Math" panose="02040503050406030204" pitchFamily="18" charset="0"/>
-              </a:rPr>
-              <a:t> . Likewise, j</a:t>
-            </a:r>
-            <a:r>
-              <a:rPr lang="en-CA" baseline="-25000" dirty="0">
-                <a:latin typeface="Cambria Math" panose="02040503050406030204" pitchFamily="18" charset="0"/>
-                <a:ea typeface="Cambria Math" panose="02040503050406030204" pitchFamily="18" charset="0"/>
-              </a:rPr>
-              <a:t>m,n+1/2</a:t>
-            </a:r>
-            <a:r>
-              <a:rPr lang="en-CA" baseline="30000" dirty="0">
-                <a:latin typeface="Cambria Math" panose="02040503050406030204" pitchFamily="18" charset="0"/>
-                <a:ea typeface="Cambria Math" panose="02040503050406030204" pitchFamily="18" charset="0"/>
-              </a:rPr>
-              <a:t>l </a:t>
-            </a:r>
-            <a:r>
-              <a:rPr lang="en-CA" dirty="0">
-                <a:latin typeface="Cambria Math" panose="02040503050406030204" pitchFamily="18" charset="0"/>
-                <a:ea typeface="Cambria Math" panose="02040503050406030204" pitchFamily="18" charset="0"/>
-              </a:rPr>
-              <a:t>is between </a:t>
-            </a:r>
-            <a:r>
-              <a:rPr lang="el-GR" dirty="0">
-                <a:latin typeface="Cambria Math" panose="02040503050406030204" pitchFamily="18" charset="0"/>
-                <a:ea typeface="Cambria Math" panose="02040503050406030204" pitchFamily="18" charset="0"/>
-              </a:rPr>
-              <a:t>ρ</a:t>
-            </a:r>
-            <a:r>
-              <a:rPr lang="en-CA" baseline="-25000" dirty="0" err="1">
-                <a:latin typeface="Cambria Math" panose="02040503050406030204" pitchFamily="18" charset="0"/>
-                <a:ea typeface="Cambria Math" panose="02040503050406030204" pitchFamily="18" charset="0"/>
-              </a:rPr>
-              <a:t>m,n</a:t>
-            </a:r>
-            <a:r>
-              <a:rPr lang="en-CA" baseline="30000" dirty="0" err="1">
-                <a:latin typeface="Cambria Math" panose="02040503050406030204" pitchFamily="18" charset="0"/>
-                <a:ea typeface="Cambria Math" panose="02040503050406030204" pitchFamily="18" charset="0"/>
-              </a:rPr>
-              <a:t>l</a:t>
-            </a:r>
-            <a:r>
-              <a:rPr lang="en-CA" baseline="30000" dirty="0">
-                <a:latin typeface="Cambria Math" panose="02040503050406030204" pitchFamily="18" charset="0"/>
-                <a:ea typeface="Cambria Math" panose="02040503050406030204" pitchFamily="18" charset="0"/>
-              </a:rPr>
-              <a:t> </a:t>
-            </a:r>
-            <a:r>
-              <a:rPr lang="en-CA" dirty="0">
-                <a:latin typeface="Cambria Math" panose="02040503050406030204" pitchFamily="18" charset="0"/>
-                <a:ea typeface="Cambria Math" panose="02040503050406030204" pitchFamily="18" charset="0"/>
-              </a:rPr>
-              <a:t>and </a:t>
-            </a:r>
-            <a:r>
-              <a:rPr lang="el-GR" dirty="0">
-                <a:latin typeface="Cambria Math" panose="02040503050406030204" pitchFamily="18" charset="0"/>
-                <a:ea typeface="Cambria Math" panose="02040503050406030204" pitchFamily="18" charset="0"/>
-              </a:rPr>
-              <a:t>ρ</a:t>
-            </a:r>
-            <a:r>
-              <a:rPr lang="en-CA" baseline="-25000" dirty="0">
-                <a:latin typeface="Cambria Math" panose="02040503050406030204" pitchFamily="18" charset="0"/>
-                <a:ea typeface="Cambria Math" panose="02040503050406030204" pitchFamily="18" charset="0"/>
-              </a:rPr>
-              <a:t>m,n+1</a:t>
-            </a:r>
-            <a:r>
-              <a:rPr lang="en-CA" baseline="30000" dirty="0">
-                <a:latin typeface="Cambria Math" panose="02040503050406030204" pitchFamily="18" charset="0"/>
-                <a:ea typeface="Cambria Math" panose="02040503050406030204" pitchFamily="18" charset="0"/>
-              </a:rPr>
-              <a:t>l</a:t>
-            </a:r>
-            <a:r>
-              <a:rPr lang="en-CA" dirty="0">
-                <a:latin typeface="Cambria Math" panose="02040503050406030204" pitchFamily="18" charset="0"/>
-                <a:ea typeface="Cambria Math" panose="02040503050406030204" pitchFamily="18" charset="0"/>
-              </a:rPr>
-              <a:t>.</a:t>
-            </a:r>
-          </a:p>
-          <a:p>
-            <a:endParaRPr lang="en-CA" dirty="0">
-              <a:latin typeface="Cambria Math" panose="02040503050406030204" pitchFamily="18" charset="0"/>
-              <a:ea typeface="Cambria Math" panose="02040503050406030204" pitchFamily="18" charset="0"/>
-            </a:endParaRPr>
-          </a:p>
-          <a:p>
-            <a:r>
-              <a:rPr lang="en-CA" dirty="0">
-                <a:latin typeface="Cambria Math" panose="02040503050406030204" pitchFamily="18" charset="0"/>
-                <a:ea typeface="Cambria Math" panose="02040503050406030204" pitchFamily="18" charset="0"/>
-              </a:rPr>
-              <a:t>The result matches our analytical derivation</a:t>
-            </a:r>
-            <a:endParaRPr lang="en-CA" dirty="0"/>
+              <a:t>This effectively uses the finite difference from a higher resolution while keeping the lower memory, lower resolution result</a:t>
+            </a:r>
           </a:p>
         </p:txBody>
       </p:sp>
@@ -6732,7 +6515,7 @@
           <p:cNvPr id="5" name="Picture 4">
             <a:extLst>
               <a:ext uri="{FF2B5EF4-FFF2-40B4-BE49-F238E27FC236}">
-                <a16:creationId xmlns:a16="http://schemas.microsoft.com/office/drawing/2014/main" id="{78D0F2D8-CD1E-444F-912A-8DE5A9FAA09A}"/>
+                <a16:creationId xmlns:a16="http://schemas.microsoft.com/office/drawing/2014/main" id="{6E499046-15A4-4862-A117-C6BC14FF125F}"/>
               </a:ext>
             </a:extLst>
           </p:cNvPr>
@@ -6755,8 +6538,8 @@
         </p:blipFill>
         <p:spPr>
           <a:xfrm>
-            <a:off x="7417597" y="3486150"/>
-            <a:ext cx="4507707" cy="3005138"/>
+            <a:off x="6278494" y="1690688"/>
+            <a:ext cx="4645161" cy="2139700"/>
           </a:xfrm>
           <a:prstGeom prst="rect">
             <a:avLst/>
@@ -6768,7 +6551,7 @@
           <p:cNvPr id="7" name="Picture 6">
             <a:extLst>
               <a:ext uri="{FF2B5EF4-FFF2-40B4-BE49-F238E27FC236}">
-                <a16:creationId xmlns:a16="http://schemas.microsoft.com/office/drawing/2014/main" id="{A5226C72-2977-4DF7-AB36-6D92F156078C}"/>
+                <a16:creationId xmlns:a16="http://schemas.microsoft.com/office/drawing/2014/main" id="{80A4B536-7ED0-43FE-A659-CFCE2B911885}"/>
               </a:ext>
             </a:extLst>
           </p:cNvPr>
@@ -6791,47 +6574,8 @@
         </p:blipFill>
         <p:spPr>
           <a:xfrm>
-            <a:off x="7414616" y="319483"/>
-            <a:ext cx="4510687" cy="3007124"/>
-          </a:xfrm>
-          <a:prstGeom prst="rect">
-            <a:avLst/>
-          </a:prstGeom>
-        </p:spPr>
-      </p:pic>
-      <p:pic>
-        <p:nvPicPr>
-          <p:cNvPr id="6" name="Graphic 5" descr="Bookmark">
-            <a:extLst>
-              <a:ext uri="{FF2B5EF4-FFF2-40B4-BE49-F238E27FC236}">
-                <a16:creationId xmlns:a16="http://schemas.microsoft.com/office/drawing/2014/main" id="{6780E98B-665C-46D8-9F1F-0345264B3742}"/>
-              </a:ext>
-            </a:extLst>
-          </p:cNvPr>
-          <p:cNvPicPr>
-            <a:picLocks noChangeAspect="1"/>
-          </p:cNvPicPr>
-          <p:nvPr/>
-        </p:nvPicPr>
-        <p:blipFill>
-          <a:blip r:embed="rId4">
-            <a:extLst>
-              <a:ext uri="{28A0092B-C50C-407E-A947-70E740481C1C}">
-                <a14:useLocalDpi xmlns:a14="http://schemas.microsoft.com/office/drawing/2010/main" val="0"/>
-              </a:ext>
-              <a:ext uri="{96DAC541-7B7A-43D3-8B79-37D633B846F1}">
-                <asvg:svgBlip xmlns:asvg="http://schemas.microsoft.com/office/drawing/2016/SVG/main" r:embed="rId5"/>
-              </a:ext>
-            </a:extLst>
-          </a:blip>
-          <a:stretch>
-            <a:fillRect/>
-          </a:stretch>
-        </p:blipFill>
-        <p:spPr>
-          <a:xfrm>
-            <a:off x="10933290" y="-94367"/>
-            <a:ext cx="513644" cy="513644"/>
+            <a:off x="6278493" y="4412167"/>
+            <a:ext cx="4645161" cy="1764796"/>
           </a:xfrm>
           <a:prstGeom prst="rect">
             <a:avLst/>
@@ -6841,7 +6585,7 @@
     </p:spTree>
     <p:extLst>
       <p:ext uri="{BB962C8B-B14F-4D97-AF65-F5344CB8AC3E}">
-        <p14:creationId xmlns:p14="http://schemas.microsoft.com/office/powerpoint/2010/main" val="2982358170"/>
+        <p14:creationId xmlns:p14="http://schemas.microsoft.com/office/powerpoint/2010/main" val="3782212356"/>
       </p:ext>
     </p:extLst>
   </p:cSld>
@@ -6873,7 +6617,7 @@
           <p:cNvPr id="2" name="Title 1">
             <a:extLst>
               <a:ext uri="{FF2B5EF4-FFF2-40B4-BE49-F238E27FC236}">
-                <a16:creationId xmlns:a16="http://schemas.microsoft.com/office/drawing/2014/main" id="{5C516FB2-A141-49F2-BB2D-E25C0D6AB486}"/>
+                <a16:creationId xmlns:a16="http://schemas.microsoft.com/office/drawing/2014/main" id="{F527186A-4F30-4730-B830-5FCEE9B0E96A}"/>
               </a:ext>
             </a:extLst>
           </p:cNvPr>
@@ -6884,19 +6628,14 @@
             <p:ph type="title"/>
           </p:nvPr>
         </p:nvSpPr>
-        <p:spPr>
-          <a:xfrm>
-            <a:off x="838200" y="365125"/>
-            <a:ext cx="10515600" cy="1325563"/>
-          </a:xfrm>
-        </p:spPr>
+        <p:spPr/>
         <p:txBody>
           <a:bodyPr/>
           <a:lstStyle/>
           <a:p>
             <a:r>
               <a:rPr lang="en-CA" dirty="0"/>
-              <a:t>3D Grids</a:t>
+              <a:t>Checkerboard Revisited</a:t>
             </a:r>
           </a:p>
         </p:txBody>
@@ -6906,7 +6645,7 @@
           <p:cNvPr id="3" name="Content Placeholder 2">
             <a:extLst>
               <a:ext uri="{FF2B5EF4-FFF2-40B4-BE49-F238E27FC236}">
-                <a16:creationId xmlns:a16="http://schemas.microsoft.com/office/drawing/2014/main" id="{EB06B1C3-97B4-495E-B8FC-C20A2F7D1C10}"/>
+                <a16:creationId xmlns:a16="http://schemas.microsoft.com/office/drawing/2014/main" id="{7DDC023F-0BBA-4D7C-B37B-7A3EC4C1668D}"/>
               </a:ext>
             </a:extLst>
           </p:cNvPr>
@@ -6920,7 +6659,7 @@
         <p:spPr>
           <a:xfrm>
             <a:off x="838200" y="1825625"/>
-            <a:ext cx="5621323" cy="4351338"/>
+            <a:ext cx="6015606" cy="4351338"/>
           </a:xfrm>
         </p:spPr>
         <p:txBody>
@@ -6929,20 +6668,182 @@
           <a:p>
             <a:r>
               <a:rPr lang="en-CA" dirty="0"/>
-              <a:t>One benefit of staggered grids is intuitiveness.</a:t>
+              <a:t>We can re-attempt the checkerboard problem using staggered grids. </a:t>
             </a:r>
           </a:p>
           <a:p>
             <a:r>
               <a:rPr lang="en-CA" dirty="0"/>
-              <a:t>Each cell acts as a cubic volume, with the quantity at the centre, and a flux at each of the relevant cell walls. </a:t>
-            </a:r>
-          </a:p>
-          <a:p>
+              <a:t>We can define a separate grid for the j values, with j</a:t>
+            </a:r>
+            <a:r>
+              <a:rPr lang="en-CA" baseline="-25000" dirty="0"/>
+              <a:t>m+1/2,n</a:t>
+            </a:r>
+            <a:r>
+              <a:rPr lang="en-CA" baseline="30000" dirty="0"/>
+              <a:t>l</a:t>
+            </a:r>
             <a:r>
               <a:rPr lang="en-CA" dirty="0"/>
-              <a:t>Some schemes with complicated sets of variables also place staggered values on cell edges, corners, etc.</a:t>
-            </a:r>
+              <a:t> in between </a:t>
+            </a:r>
+            <a:r>
+              <a:rPr lang="el-GR" dirty="0">
+                <a:latin typeface="Cambria Math" panose="02040503050406030204" pitchFamily="18" charset="0"/>
+                <a:ea typeface="Cambria Math" panose="02040503050406030204" pitchFamily="18" charset="0"/>
+              </a:rPr>
+              <a:t>ρ</a:t>
+            </a:r>
+            <a:r>
+              <a:rPr lang="en-CA" baseline="-25000" dirty="0" err="1">
+                <a:latin typeface="Cambria Math" panose="02040503050406030204" pitchFamily="18" charset="0"/>
+                <a:ea typeface="Cambria Math" panose="02040503050406030204" pitchFamily="18" charset="0"/>
+              </a:rPr>
+              <a:t>m,n</a:t>
+            </a:r>
+            <a:r>
+              <a:rPr lang="en-CA" baseline="30000" dirty="0" err="1">
+                <a:latin typeface="Cambria Math" panose="02040503050406030204" pitchFamily="18" charset="0"/>
+                <a:ea typeface="Cambria Math" panose="02040503050406030204" pitchFamily="18" charset="0"/>
+              </a:rPr>
+              <a:t>l</a:t>
+            </a:r>
+            <a:r>
+              <a:rPr lang="en-CA" dirty="0">
+                <a:latin typeface="Cambria Math" panose="02040503050406030204" pitchFamily="18" charset="0"/>
+                <a:ea typeface="Cambria Math" panose="02040503050406030204" pitchFamily="18" charset="0"/>
+              </a:rPr>
+              <a:t> and </a:t>
+            </a:r>
+            <a:r>
+              <a:rPr lang="el-GR" dirty="0">
+                <a:latin typeface="Cambria Math" panose="02040503050406030204" pitchFamily="18" charset="0"/>
+                <a:ea typeface="Cambria Math" panose="02040503050406030204" pitchFamily="18" charset="0"/>
+              </a:rPr>
+              <a:t>ρ</a:t>
+            </a:r>
+            <a:r>
+              <a:rPr lang="en-CA" baseline="-25000" dirty="0">
+                <a:latin typeface="Cambria Math" panose="02040503050406030204" pitchFamily="18" charset="0"/>
+                <a:ea typeface="Cambria Math" panose="02040503050406030204" pitchFamily="18" charset="0"/>
+              </a:rPr>
+              <a:t>m+1,n</a:t>
+            </a:r>
+            <a:r>
+              <a:rPr lang="en-CA" baseline="30000" dirty="0">
+                <a:latin typeface="Cambria Math" panose="02040503050406030204" pitchFamily="18" charset="0"/>
+                <a:ea typeface="Cambria Math" panose="02040503050406030204" pitchFamily="18" charset="0"/>
+              </a:rPr>
+              <a:t>l</a:t>
+            </a:r>
+            <a:r>
+              <a:rPr lang="en-CA" dirty="0">
+                <a:latin typeface="Cambria Math" panose="02040503050406030204" pitchFamily="18" charset="0"/>
+                <a:ea typeface="Cambria Math" panose="02040503050406030204" pitchFamily="18" charset="0"/>
+              </a:rPr>
+              <a:t> . Likewise, j</a:t>
+            </a:r>
+            <a:r>
+              <a:rPr lang="en-CA" baseline="-25000" dirty="0">
+                <a:latin typeface="Cambria Math" panose="02040503050406030204" pitchFamily="18" charset="0"/>
+                <a:ea typeface="Cambria Math" panose="02040503050406030204" pitchFamily="18" charset="0"/>
+              </a:rPr>
+              <a:t>m,n+1/2</a:t>
+            </a:r>
+            <a:r>
+              <a:rPr lang="en-CA" baseline="30000" dirty="0">
+                <a:latin typeface="Cambria Math" panose="02040503050406030204" pitchFamily="18" charset="0"/>
+                <a:ea typeface="Cambria Math" panose="02040503050406030204" pitchFamily="18" charset="0"/>
+              </a:rPr>
+              <a:t>l </a:t>
+            </a:r>
+            <a:r>
+              <a:rPr lang="en-CA" dirty="0">
+                <a:latin typeface="Cambria Math" panose="02040503050406030204" pitchFamily="18" charset="0"/>
+                <a:ea typeface="Cambria Math" panose="02040503050406030204" pitchFamily="18" charset="0"/>
+              </a:rPr>
+              <a:t>is between </a:t>
+            </a:r>
+            <a:r>
+              <a:rPr lang="el-GR" dirty="0">
+                <a:latin typeface="Cambria Math" panose="02040503050406030204" pitchFamily="18" charset="0"/>
+                <a:ea typeface="Cambria Math" panose="02040503050406030204" pitchFamily="18" charset="0"/>
+              </a:rPr>
+              <a:t>ρ</a:t>
+            </a:r>
+            <a:r>
+              <a:rPr lang="en-CA" baseline="-25000" dirty="0" err="1">
+                <a:latin typeface="Cambria Math" panose="02040503050406030204" pitchFamily="18" charset="0"/>
+                <a:ea typeface="Cambria Math" panose="02040503050406030204" pitchFamily="18" charset="0"/>
+              </a:rPr>
+              <a:t>m,n</a:t>
+            </a:r>
+            <a:r>
+              <a:rPr lang="en-CA" baseline="30000" dirty="0" err="1">
+                <a:latin typeface="Cambria Math" panose="02040503050406030204" pitchFamily="18" charset="0"/>
+                <a:ea typeface="Cambria Math" panose="02040503050406030204" pitchFamily="18" charset="0"/>
+              </a:rPr>
+              <a:t>l</a:t>
+            </a:r>
+            <a:r>
+              <a:rPr lang="en-CA" baseline="30000" dirty="0">
+                <a:latin typeface="Cambria Math" panose="02040503050406030204" pitchFamily="18" charset="0"/>
+                <a:ea typeface="Cambria Math" panose="02040503050406030204" pitchFamily="18" charset="0"/>
+              </a:rPr>
+              <a:t> </a:t>
+            </a:r>
+            <a:r>
+              <a:rPr lang="en-CA" dirty="0">
+                <a:latin typeface="Cambria Math" panose="02040503050406030204" pitchFamily="18" charset="0"/>
+                <a:ea typeface="Cambria Math" panose="02040503050406030204" pitchFamily="18" charset="0"/>
+              </a:rPr>
+              <a:t>and </a:t>
+            </a:r>
+            <a:r>
+              <a:rPr lang="el-GR" dirty="0">
+                <a:latin typeface="Cambria Math" panose="02040503050406030204" pitchFamily="18" charset="0"/>
+                <a:ea typeface="Cambria Math" panose="02040503050406030204" pitchFamily="18" charset="0"/>
+              </a:rPr>
+              <a:t>ρ</a:t>
+            </a:r>
+            <a:r>
+              <a:rPr lang="en-CA" baseline="-25000" dirty="0">
+                <a:latin typeface="Cambria Math" panose="02040503050406030204" pitchFamily="18" charset="0"/>
+                <a:ea typeface="Cambria Math" panose="02040503050406030204" pitchFamily="18" charset="0"/>
+              </a:rPr>
+              <a:t>m,n+1</a:t>
+            </a:r>
+            <a:r>
+              <a:rPr lang="en-CA" baseline="30000" dirty="0">
+                <a:latin typeface="Cambria Math" panose="02040503050406030204" pitchFamily="18" charset="0"/>
+                <a:ea typeface="Cambria Math" panose="02040503050406030204" pitchFamily="18" charset="0"/>
+              </a:rPr>
+              <a:t>l</a:t>
+            </a:r>
+            <a:r>
+              <a:rPr lang="en-CA" dirty="0">
+                <a:latin typeface="Cambria Math" panose="02040503050406030204" pitchFamily="18" charset="0"/>
+                <a:ea typeface="Cambria Math" panose="02040503050406030204" pitchFamily="18" charset="0"/>
+              </a:rPr>
+              <a:t>.</a:t>
+            </a:r>
+          </a:p>
+          <a:p>
+            <a:endParaRPr lang="en-CA" dirty="0">
+              <a:latin typeface="Cambria Math" panose="02040503050406030204" pitchFamily="18" charset="0"/>
+              <a:ea typeface="Cambria Math" panose="02040503050406030204" pitchFamily="18" charset="0"/>
+            </a:endParaRPr>
+          </a:p>
+          <a:p>
+            <a:r>
+              <a:rPr lang="en-CA" dirty="0">
+                <a:latin typeface="Cambria Math" panose="02040503050406030204" pitchFamily="18" charset="0"/>
+                <a:ea typeface="Cambria Math" panose="02040503050406030204" pitchFamily="18" charset="0"/>
+              </a:rPr>
+              <a:t>The result matches our analytical derivation</a:t>
+            </a:r>
+            <a:endParaRPr lang="en-CA" dirty="0"/>
           </a:p>
         </p:txBody>
       </p:sp>
@@ -6951,7 +6852,7 @@
           <p:cNvPr id="5" name="Picture 4">
             <a:extLst>
               <a:ext uri="{FF2B5EF4-FFF2-40B4-BE49-F238E27FC236}">
-                <a16:creationId xmlns:a16="http://schemas.microsoft.com/office/drawing/2014/main" id="{A5ECD072-A7B1-43B9-98A7-1902BAB29CED}"/>
+                <a16:creationId xmlns:a16="http://schemas.microsoft.com/office/drawing/2014/main" id="{78D0F2D8-CD1E-444F-912A-8DE5A9FAA09A}"/>
               </a:ext>
             </a:extLst>
           </p:cNvPr>
@@ -6974,192 +6875,93 @@
         </p:blipFill>
         <p:spPr>
           <a:xfrm>
-            <a:off x="7235185" y="1410457"/>
-            <a:ext cx="4118615" cy="4022750"/>
+            <a:off x="7417597" y="3486150"/>
+            <a:ext cx="4507707" cy="3005138"/>
           </a:xfrm>
           <a:prstGeom prst="rect">
             <a:avLst/>
           </a:prstGeom>
         </p:spPr>
       </p:pic>
-      <p:sp>
-        <p:nvSpPr>
-          <p:cNvPr id="6" name="TextBox 5">
-            <a:extLst>
-              <a:ext uri="{FF2B5EF4-FFF2-40B4-BE49-F238E27FC236}">
-                <a16:creationId xmlns:a16="http://schemas.microsoft.com/office/drawing/2014/main" id="{D30932E0-9085-4C9B-80B2-0ED4303A7449}"/>
-              </a:ext>
-            </a:extLst>
-          </p:cNvPr>
-          <p:cNvSpPr txBox="1"/>
+      <p:pic>
+        <p:nvPicPr>
+          <p:cNvPr id="7" name="Picture 6">
+            <a:extLst>
+              <a:ext uri="{FF2B5EF4-FFF2-40B4-BE49-F238E27FC236}">
+                <a16:creationId xmlns:a16="http://schemas.microsoft.com/office/drawing/2014/main" id="{A5226C72-2977-4DF7-AB36-6D92F156078C}"/>
+              </a:ext>
+            </a:extLst>
+          </p:cNvPr>
+          <p:cNvPicPr>
+            <a:picLocks noChangeAspect="1"/>
+          </p:cNvPicPr>
           <p:nvPr/>
-        </p:nvSpPr>
-        <p:spPr>
-          <a:xfrm>
-            <a:off x="9620687" y="1027906"/>
-            <a:ext cx="420935" cy="584775"/>
+        </p:nvPicPr>
+        <p:blipFill>
+          <a:blip r:embed="rId3">
+            <a:extLst>
+              <a:ext uri="{28A0092B-C50C-407E-A947-70E740481C1C}">
+                <a14:useLocalDpi xmlns:a14="http://schemas.microsoft.com/office/drawing/2010/main" val="0"/>
+              </a:ext>
+            </a:extLst>
+          </a:blip>
+          <a:stretch>
+            <a:fillRect/>
+          </a:stretch>
+        </p:blipFill>
+        <p:spPr>
+          <a:xfrm>
+            <a:off x="7414616" y="319483"/>
+            <a:ext cx="4510687" cy="3007124"/>
           </a:xfrm>
           <a:prstGeom prst="rect">
             <a:avLst/>
           </a:prstGeom>
-          <a:noFill/>
-        </p:spPr>
-        <p:txBody>
-          <a:bodyPr wrap="square" rtlCol="0">
-            <a:spAutoFit/>
-          </a:bodyPr>
-          <a:lstStyle/>
-          <a:p>
-            <a:r>
-              <a:rPr lang="en-CA" sz="3200" dirty="0" err="1">
-                <a:solidFill>
-                  <a:schemeClr val="accent5">
-                    <a:lumMod val="50000"/>
-                  </a:schemeClr>
-                </a:solidFill>
-              </a:rPr>
-              <a:t>j</a:t>
-            </a:r>
-            <a:r>
-              <a:rPr lang="en-CA" sz="3200" baseline="-25000" dirty="0" err="1">
-                <a:solidFill>
-                  <a:schemeClr val="accent5">
-                    <a:lumMod val="50000"/>
-                  </a:schemeClr>
-                </a:solidFill>
-              </a:rPr>
-              <a:t>y</a:t>
-            </a:r>
-            <a:endParaRPr lang="en-CA" sz="3200" dirty="0">
-              <a:solidFill>
-                <a:schemeClr val="accent5">
-                  <a:lumMod val="50000"/>
-                </a:schemeClr>
-              </a:solidFill>
-            </a:endParaRPr>
-          </a:p>
-        </p:txBody>
-      </p:sp>
-      <p:sp>
-        <p:nvSpPr>
-          <p:cNvPr id="7" name="TextBox 6">
-            <a:extLst>
-              <a:ext uri="{FF2B5EF4-FFF2-40B4-BE49-F238E27FC236}">
-                <a16:creationId xmlns:a16="http://schemas.microsoft.com/office/drawing/2014/main" id="{210C5397-E061-4D63-B0BD-CD5051784B40}"/>
-              </a:ext>
-            </a:extLst>
-          </p:cNvPr>
-          <p:cNvSpPr txBox="1"/>
+        </p:spPr>
+      </p:pic>
+      <p:pic>
+        <p:nvPicPr>
+          <p:cNvPr id="6" name="Graphic 5" descr="Bookmark">
+            <a:extLst>
+              <a:ext uri="{FF2B5EF4-FFF2-40B4-BE49-F238E27FC236}">
+                <a16:creationId xmlns:a16="http://schemas.microsoft.com/office/drawing/2014/main" id="{6780E98B-665C-46D8-9F1F-0345264B3742}"/>
+              </a:ext>
+            </a:extLst>
+          </p:cNvPr>
+          <p:cNvPicPr>
+            <a:picLocks noChangeAspect="1"/>
+          </p:cNvPicPr>
           <p:nvPr/>
-        </p:nvSpPr>
-        <p:spPr>
-          <a:xfrm>
-            <a:off x="11466264" y="3129444"/>
-            <a:ext cx="420935" cy="584775"/>
+        </p:nvPicPr>
+        <p:blipFill>
+          <a:blip r:embed="rId4">
+            <a:extLst>
+              <a:ext uri="{28A0092B-C50C-407E-A947-70E740481C1C}">
+                <a14:useLocalDpi xmlns:a14="http://schemas.microsoft.com/office/drawing/2010/main" val="0"/>
+              </a:ext>
+              <a:ext uri="{96DAC541-7B7A-43D3-8B79-37D633B846F1}">
+                <asvg:svgBlip xmlns:asvg="http://schemas.microsoft.com/office/drawing/2016/SVG/main" r:embed="rId5"/>
+              </a:ext>
+            </a:extLst>
+          </a:blip>
+          <a:stretch>
+            <a:fillRect/>
+          </a:stretch>
+        </p:blipFill>
+        <p:spPr>
+          <a:xfrm>
+            <a:off x="10933290" y="-94367"/>
+            <a:ext cx="513644" cy="513644"/>
           </a:xfrm>
           <a:prstGeom prst="rect">
             <a:avLst/>
           </a:prstGeom>
-          <a:noFill/>
-        </p:spPr>
-        <p:txBody>
-          <a:bodyPr wrap="square" rtlCol="0">
-            <a:spAutoFit/>
-          </a:bodyPr>
-          <a:lstStyle/>
-          <a:p>
-            <a:r>
-              <a:rPr lang="en-CA" sz="3200" dirty="0" err="1">
-                <a:solidFill>
-                  <a:schemeClr val="accent5">
-                    <a:lumMod val="50000"/>
-                  </a:schemeClr>
-                </a:solidFill>
-              </a:rPr>
-              <a:t>j</a:t>
-            </a:r>
-            <a:r>
-              <a:rPr lang="en-CA" sz="3200" baseline="-25000" dirty="0" err="1">
-                <a:solidFill>
-                  <a:schemeClr val="accent5">
-                    <a:lumMod val="50000"/>
-                  </a:schemeClr>
-                </a:solidFill>
-              </a:rPr>
-              <a:t>x</a:t>
-            </a:r>
-            <a:endParaRPr lang="en-CA" sz="3200" dirty="0">
-              <a:solidFill>
-                <a:schemeClr val="accent5">
-                  <a:lumMod val="50000"/>
-                </a:schemeClr>
-              </a:solidFill>
-            </a:endParaRPr>
-          </a:p>
-        </p:txBody>
-      </p:sp>
-      <p:sp>
-        <p:nvSpPr>
-          <p:cNvPr id="8" name="TextBox 7">
-            <a:extLst>
-              <a:ext uri="{FF2B5EF4-FFF2-40B4-BE49-F238E27FC236}">
-                <a16:creationId xmlns:a16="http://schemas.microsoft.com/office/drawing/2014/main" id="{70D4AF32-BFDD-4418-818B-30183B7BB01F}"/>
-              </a:ext>
-            </a:extLst>
-          </p:cNvPr>
-          <p:cNvSpPr txBox="1"/>
-          <p:nvPr/>
-        </p:nvSpPr>
-        <p:spPr>
-          <a:xfrm>
-            <a:off x="8159356" y="3714219"/>
-            <a:ext cx="420935" cy="584775"/>
-          </a:xfrm>
-          <a:prstGeom prst="rect">
-            <a:avLst/>
-          </a:prstGeom>
-          <a:noFill/>
-        </p:spPr>
-        <p:txBody>
-          <a:bodyPr wrap="square" rtlCol="0">
-            <a:spAutoFit/>
-          </a:bodyPr>
-          <a:lstStyle/>
-          <a:p>
-            <a:r>
-              <a:rPr lang="en-CA" sz="3200" dirty="0" err="1">
-                <a:solidFill>
-                  <a:schemeClr val="accent5">
-                    <a:lumMod val="50000"/>
-                  </a:schemeClr>
-                </a:solidFill>
-              </a:rPr>
-              <a:t>j</a:t>
-            </a:r>
-            <a:r>
-              <a:rPr lang="en-CA" sz="3200" baseline="-25000" dirty="0" err="1">
-                <a:solidFill>
-                  <a:schemeClr val="accent5">
-                    <a:lumMod val="50000"/>
-                  </a:schemeClr>
-                </a:solidFill>
-              </a:rPr>
-              <a:t>z</a:t>
-            </a:r>
-            <a:endParaRPr lang="en-CA" sz="3200" dirty="0">
-              <a:solidFill>
-                <a:schemeClr val="accent5">
-                  <a:lumMod val="50000"/>
-                </a:schemeClr>
-              </a:solidFill>
-            </a:endParaRPr>
-          </a:p>
-        </p:txBody>
-      </p:sp>
+        </p:spPr>
+      </p:pic>
     </p:spTree>
     <p:extLst>
       <p:ext uri="{BB962C8B-B14F-4D97-AF65-F5344CB8AC3E}">
-        <p14:creationId xmlns:p14="http://schemas.microsoft.com/office/powerpoint/2010/main" val="1550781958"/>
+        <p14:creationId xmlns:p14="http://schemas.microsoft.com/office/powerpoint/2010/main" val="2982358170"/>
       </p:ext>
     </p:extLst>
   </p:cSld>
@@ -7191,7 +6993,7 @@
           <p:cNvPr id="2" name="Title 1">
             <a:extLst>
               <a:ext uri="{FF2B5EF4-FFF2-40B4-BE49-F238E27FC236}">
-                <a16:creationId xmlns:a16="http://schemas.microsoft.com/office/drawing/2014/main" id="{44CF34DF-D7D1-4911-A48F-6C692391A43D}"/>
+                <a16:creationId xmlns:a16="http://schemas.microsoft.com/office/drawing/2014/main" id="{5C516FB2-A141-49F2-BB2D-E25C0D6AB486}"/>
               </a:ext>
             </a:extLst>
           </p:cNvPr>
@@ -7202,14 +7004,19 @@
             <p:ph type="title"/>
           </p:nvPr>
         </p:nvSpPr>
-        <p:spPr/>
+        <p:spPr>
+          <a:xfrm>
+            <a:off x="838200" y="365125"/>
+            <a:ext cx="10515600" cy="1325563"/>
+          </a:xfrm>
+        </p:spPr>
         <p:txBody>
           <a:bodyPr/>
           <a:lstStyle/>
           <a:p>
             <a:r>
               <a:rPr lang="en-CA" dirty="0"/>
-              <a:t>Example: E&amp;M Waves</a:t>
+              <a:t>3D Grids</a:t>
             </a:r>
           </a:p>
         </p:txBody>
@@ -7219,7 +7026,7 @@
           <p:cNvPr id="3" name="Content Placeholder 2">
             <a:extLst>
               <a:ext uri="{FF2B5EF4-FFF2-40B4-BE49-F238E27FC236}">
-                <a16:creationId xmlns:a16="http://schemas.microsoft.com/office/drawing/2014/main" id="{6F11D837-DFA3-4277-B3B1-F73A46D7891B}"/>
+                <a16:creationId xmlns:a16="http://schemas.microsoft.com/office/drawing/2014/main" id="{EB06B1C3-97B4-495E-B8FC-C20A2F7D1C10}"/>
               </a:ext>
             </a:extLst>
           </p:cNvPr>
@@ -7230,19 +7037,249 @@
             <p:ph idx="1"/>
           </p:nvPr>
         </p:nvSpPr>
-        <p:spPr/>
+        <p:spPr>
+          <a:xfrm>
+            <a:off x="838200" y="1825625"/>
+            <a:ext cx="5621323" cy="4351338"/>
+          </a:xfrm>
+        </p:spPr>
         <p:txBody>
           <a:bodyPr/>
           <a:lstStyle/>
           <a:p>
-            <a:endParaRPr lang="en-CA"/>
+            <a:r>
+              <a:rPr lang="en-CA" dirty="0"/>
+              <a:t>One benefit of staggered grids is intuitiveness.</a:t>
+            </a:r>
+          </a:p>
+          <a:p>
+            <a:r>
+              <a:rPr lang="en-CA" dirty="0"/>
+              <a:t>Each cell acts as a cubic volume, with the quantity at the centre, and a flux at each of the relevant cell walls. </a:t>
+            </a:r>
+          </a:p>
+          <a:p>
+            <a:r>
+              <a:rPr lang="en-CA" dirty="0"/>
+              <a:t>Some schemes with complicated sets of variables also place staggered values on cell edges, corners, etc.</a:t>
+            </a:r>
+          </a:p>
+        </p:txBody>
+      </p:sp>
+      <p:pic>
+        <p:nvPicPr>
+          <p:cNvPr id="5" name="Picture 4">
+            <a:extLst>
+              <a:ext uri="{FF2B5EF4-FFF2-40B4-BE49-F238E27FC236}">
+                <a16:creationId xmlns:a16="http://schemas.microsoft.com/office/drawing/2014/main" id="{A5ECD072-A7B1-43B9-98A7-1902BAB29CED}"/>
+              </a:ext>
+            </a:extLst>
+          </p:cNvPr>
+          <p:cNvPicPr>
+            <a:picLocks noChangeAspect="1"/>
+          </p:cNvPicPr>
+          <p:nvPr/>
+        </p:nvPicPr>
+        <p:blipFill>
+          <a:blip r:embed="rId2">
+            <a:extLst>
+              <a:ext uri="{28A0092B-C50C-407E-A947-70E740481C1C}">
+                <a14:useLocalDpi xmlns:a14="http://schemas.microsoft.com/office/drawing/2010/main" val="0"/>
+              </a:ext>
+            </a:extLst>
+          </a:blip>
+          <a:stretch>
+            <a:fillRect/>
+          </a:stretch>
+        </p:blipFill>
+        <p:spPr>
+          <a:xfrm>
+            <a:off x="7235185" y="1410457"/>
+            <a:ext cx="4118615" cy="4022750"/>
+          </a:xfrm>
+          <a:prstGeom prst="rect">
+            <a:avLst/>
+          </a:prstGeom>
+        </p:spPr>
+      </p:pic>
+      <p:sp>
+        <p:nvSpPr>
+          <p:cNvPr id="6" name="TextBox 5">
+            <a:extLst>
+              <a:ext uri="{FF2B5EF4-FFF2-40B4-BE49-F238E27FC236}">
+                <a16:creationId xmlns:a16="http://schemas.microsoft.com/office/drawing/2014/main" id="{D30932E0-9085-4C9B-80B2-0ED4303A7449}"/>
+              </a:ext>
+            </a:extLst>
+          </p:cNvPr>
+          <p:cNvSpPr txBox="1"/>
+          <p:nvPr/>
+        </p:nvSpPr>
+        <p:spPr>
+          <a:xfrm>
+            <a:off x="9620687" y="1027906"/>
+            <a:ext cx="420935" cy="584775"/>
+          </a:xfrm>
+          <a:prstGeom prst="rect">
+            <a:avLst/>
+          </a:prstGeom>
+          <a:noFill/>
+        </p:spPr>
+        <p:txBody>
+          <a:bodyPr wrap="square" rtlCol="0">
+            <a:spAutoFit/>
+          </a:bodyPr>
+          <a:lstStyle/>
+          <a:p>
+            <a:r>
+              <a:rPr lang="en-CA" sz="3200" dirty="0" err="1">
+                <a:solidFill>
+                  <a:schemeClr val="accent5">
+                    <a:lumMod val="50000"/>
+                  </a:schemeClr>
+                </a:solidFill>
+              </a:rPr>
+              <a:t>j</a:t>
+            </a:r>
+            <a:r>
+              <a:rPr lang="en-CA" sz="3200" baseline="-25000" dirty="0" err="1">
+                <a:solidFill>
+                  <a:schemeClr val="accent5">
+                    <a:lumMod val="50000"/>
+                  </a:schemeClr>
+                </a:solidFill>
+              </a:rPr>
+              <a:t>y</a:t>
+            </a:r>
+            <a:endParaRPr lang="en-CA" sz="3200" dirty="0">
+              <a:solidFill>
+                <a:schemeClr val="accent5">
+                  <a:lumMod val="50000"/>
+                </a:schemeClr>
+              </a:solidFill>
+            </a:endParaRPr>
+          </a:p>
+        </p:txBody>
+      </p:sp>
+      <p:sp>
+        <p:nvSpPr>
+          <p:cNvPr id="7" name="TextBox 6">
+            <a:extLst>
+              <a:ext uri="{FF2B5EF4-FFF2-40B4-BE49-F238E27FC236}">
+                <a16:creationId xmlns:a16="http://schemas.microsoft.com/office/drawing/2014/main" id="{210C5397-E061-4D63-B0BD-CD5051784B40}"/>
+              </a:ext>
+            </a:extLst>
+          </p:cNvPr>
+          <p:cNvSpPr txBox="1"/>
+          <p:nvPr/>
+        </p:nvSpPr>
+        <p:spPr>
+          <a:xfrm>
+            <a:off x="11466264" y="3129444"/>
+            <a:ext cx="420935" cy="584775"/>
+          </a:xfrm>
+          <a:prstGeom prst="rect">
+            <a:avLst/>
+          </a:prstGeom>
+          <a:noFill/>
+        </p:spPr>
+        <p:txBody>
+          <a:bodyPr wrap="square" rtlCol="0">
+            <a:spAutoFit/>
+          </a:bodyPr>
+          <a:lstStyle/>
+          <a:p>
+            <a:r>
+              <a:rPr lang="en-CA" sz="3200" dirty="0" err="1">
+                <a:solidFill>
+                  <a:schemeClr val="accent5">
+                    <a:lumMod val="50000"/>
+                  </a:schemeClr>
+                </a:solidFill>
+              </a:rPr>
+              <a:t>j</a:t>
+            </a:r>
+            <a:r>
+              <a:rPr lang="en-CA" sz="3200" baseline="-25000" dirty="0" err="1">
+                <a:solidFill>
+                  <a:schemeClr val="accent5">
+                    <a:lumMod val="50000"/>
+                  </a:schemeClr>
+                </a:solidFill>
+              </a:rPr>
+              <a:t>x</a:t>
+            </a:r>
+            <a:endParaRPr lang="en-CA" sz="3200" dirty="0">
+              <a:solidFill>
+                <a:schemeClr val="accent5">
+                  <a:lumMod val="50000"/>
+                </a:schemeClr>
+              </a:solidFill>
+            </a:endParaRPr>
+          </a:p>
+        </p:txBody>
+      </p:sp>
+      <p:sp>
+        <p:nvSpPr>
+          <p:cNvPr id="8" name="TextBox 7">
+            <a:extLst>
+              <a:ext uri="{FF2B5EF4-FFF2-40B4-BE49-F238E27FC236}">
+                <a16:creationId xmlns:a16="http://schemas.microsoft.com/office/drawing/2014/main" id="{70D4AF32-BFDD-4418-818B-30183B7BB01F}"/>
+              </a:ext>
+            </a:extLst>
+          </p:cNvPr>
+          <p:cNvSpPr txBox="1"/>
+          <p:nvPr/>
+        </p:nvSpPr>
+        <p:spPr>
+          <a:xfrm>
+            <a:off x="8159356" y="3714219"/>
+            <a:ext cx="420935" cy="584775"/>
+          </a:xfrm>
+          <a:prstGeom prst="rect">
+            <a:avLst/>
+          </a:prstGeom>
+          <a:noFill/>
+        </p:spPr>
+        <p:txBody>
+          <a:bodyPr wrap="square" rtlCol="0">
+            <a:spAutoFit/>
+          </a:bodyPr>
+          <a:lstStyle/>
+          <a:p>
+            <a:r>
+              <a:rPr lang="en-CA" sz="3200" dirty="0" err="1">
+                <a:solidFill>
+                  <a:schemeClr val="accent5">
+                    <a:lumMod val="50000"/>
+                  </a:schemeClr>
+                </a:solidFill>
+              </a:rPr>
+              <a:t>j</a:t>
+            </a:r>
+            <a:r>
+              <a:rPr lang="en-CA" sz="3200" baseline="-25000" dirty="0" err="1">
+                <a:solidFill>
+                  <a:schemeClr val="accent5">
+                    <a:lumMod val="50000"/>
+                  </a:schemeClr>
+                </a:solidFill>
+              </a:rPr>
+              <a:t>z</a:t>
+            </a:r>
+            <a:endParaRPr lang="en-CA" sz="3200" dirty="0">
+              <a:solidFill>
+                <a:schemeClr val="accent5">
+                  <a:lumMod val="50000"/>
+                </a:schemeClr>
+              </a:solidFill>
+            </a:endParaRPr>
           </a:p>
         </p:txBody>
       </p:sp>
     </p:spTree>
     <p:extLst>
       <p:ext uri="{BB962C8B-B14F-4D97-AF65-F5344CB8AC3E}">
-        <p14:creationId xmlns:p14="http://schemas.microsoft.com/office/powerpoint/2010/main" val="2574400404"/>
+        <p14:creationId xmlns:p14="http://schemas.microsoft.com/office/powerpoint/2010/main" val="1550781958"/>
       </p:ext>
     </p:extLst>
   </p:cSld>
@@ -7274,7 +7311,7 @@
           <p:cNvPr id="2" name="Title 1">
             <a:extLst>
               <a:ext uri="{FF2B5EF4-FFF2-40B4-BE49-F238E27FC236}">
-                <a16:creationId xmlns:a16="http://schemas.microsoft.com/office/drawing/2014/main" id="{371B4FAD-BC1A-4903-A0E8-E602FE09E3DF}"/>
+                <a16:creationId xmlns:a16="http://schemas.microsoft.com/office/drawing/2014/main" id="{44CF34DF-D7D1-4911-A48F-6C692391A43D}"/>
               </a:ext>
             </a:extLst>
           </p:cNvPr>
@@ -7292,7 +7329,7 @@
           <a:p>
             <a:r>
               <a:rPr lang="en-CA" dirty="0"/>
-              <a:t>Maxwell’s Equations</a:t>
+              <a:t>Example: E&amp;M Waves</a:t>
             </a:r>
           </a:p>
         </p:txBody>
@@ -7302,7 +7339,7 @@
           <p:cNvPr id="3" name="Content Placeholder 2">
             <a:extLst>
               <a:ext uri="{FF2B5EF4-FFF2-40B4-BE49-F238E27FC236}">
-                <a16:creationId xmlns:a16="http://schemas.microsoft.com/office/drawing/2014/main" id="{CFC5A269-B5E9-4D5F-802D-71DD938DD785}"/>
+                <a16:creationId xmlns:a16="http://schemas.microsoft.com/office/drawing/2014/main" id="{6F11D837-DFA3-4277-B3B1-F73A46D7891B}"/>
               </a:ext>
             </a:extLst>
           </p:cNvPr>
@@ -7325,7 +7362,7 @@
     </p:spTree>
     <p:extLst>
       <p:ext uri="{BB962C8B-B14F-4D97-AF65-F5344CB8AC3E}">
-        <p14:creationId xmlns:p14="http://schemas.microsoft.com/office/powerpoint/2010/main" val="259177451"/>
+        <p14:creationId xmlns:p14="http://schemas.microsoft.com/office/powerpoint/2010/main" val="2574400404"/>
       </p:ext>
     </p:extLst>
   </p:cSld>
@@ -7357,7 +7394,7 @@
           <p:cNvPr id="2" name="Title 1">
             <a:extLst>
               <a:ext uri="{FF2B5EF4-FFF2-40B4-BE49-F238E27FC236}">
-                <a16:creationId xmlns:a16="http://schemas.microsoft.com/office/drawing/2014/main" id="{C8CC6C58-8F76-451E-92B6-33E049CE78FD}"/>
+                <a16:creationId xmlns:a16="http://schemas.microsoft.com/office/drawing/2014/main" id="{371B4FAD-BC1A-4903-A0E8-E602FE09E3DF}"/>
               </a:ext>
             </a:extLst>
           </p:cNvPr>
@@ -7375,14 +7412,7 @@
           <a:p>
             <a:r>
               <a:rPr lang="en-CA" dirty="0"/>
-              <a:t>Maxwell-Faraday</a:t>
-            </a:r>
-            <a:br>
-              <a:rPr lang="en-CA" dirty="0"/>
-            </a:br>
-            <a:r>
-              <a:rPr lang="en-CA" dirty="0"/>
-              <a:t>System of Equations</a:t>
+              <a:t>Maxwell’s Equations</a:t>
             </a:r>
           </a:p>
         </p:txBody>
@@ -7392,7 +7422,7 @@
           <p:cNvPr id="3" name="Content Placeholder 2">
             <a:extLst>
               <a:ext uri="{FF2B5EF4-FFF2-40B4-BE49-F238E27FC236}">
-                <a16:creationId xmlns:a16="http://schemas.microsoft.com/office/drawing/2014/main" id="{D53CB266-E56B-49D1-8758-F2D520CFFD6E}"/>
+                <a16:creationId xmlns:a16="http://schemas.microsoft.com/office/drawing/2014/main" id="{CFC5A269-B5E9-4D5F-802D-71DD938DD785}"/>
               </a:ext>
             </a:extLst>
           </p:cNvPr>
@@ -7415,7 +7445,7 @@
     </p:spTree>
     <p:extLst>
       <p:ext uri="{BB962C8B-B14F-4D97-AF65-F5344CB8AC3E}">
-        <p14:creationId xmlns:p14="http://schemas.microsoft.com/office/powerpoint/2010/main" val="3148063328"/>
+        <p14:creationId xmlns:p14="http://schemas.microsoft.com/office/powerpoint/2010/main" val="259177451"/>
       </p:ext>
     </p:extLst>
   </p:cSld>
@@ -7447,7 +7477,7 @@
           <p:cNvPr id="2" name="Title 1">
             <a:extLst>
               <a:ext uri="{FF2B5EF4-FFF2-40B4-BE49-F238E27FC236}">
-                <a16:creationId xmlns:a16="http://schemas.microsoft.com/office/drawing/2014/main" id="{B3D30977-B9F8-4A88-B289-FE51CD6A6F3B}"/>
+                <a16:creationId xmlns:a16="http://schemas.microsoft.com/office/drawing/2014/main" id="{C8CC6C58-8F76-451E-92B6-33E049CE78FD}"/>
               </a:ext>
             </a:extLst>
           </p:cNvPr>
@@ -7472,7 +7502,7 @@
             </a:br>
             <a:r>
               <a:rPr lang="en-CA" dirty="0"/>
-              <a:t>FD Equations</a:t>
+              <a:t>System of Equations</a:t>
             </a:r>
           </a:p>
         </p:txBody>
@@ -7482,7 +7512,7 @@
           <p:cNvPr id="3" name="Content Placeholder 2">
             <a:extLst>
               <a:ext uri="{FF2B5EF4-FFF2-40B4-BE49-F238E27FC236}">
-                <a16:creationId xmlns:a16="http://schemas.microsoft.com/office/drawing/2014/main" id="{99BEC287-B8E9-43EF-9BC5-14A41302CE4D}"/>
+                <a16:creationId xmlns:a16="http://schemas.microsoft.com/office/drawing/2014/main" id="{D53CB266-E56B-49D1-8758-F2D520CFFD6E}"/>
               </a:ext>
             </a:extLst>
           </p:cNvPr>
@@ -7505,7 +7535,7 @@
     </p:spTree>
     <p:extLst>
       <p:ext uri="{BB962C8B-B14F-4D97-AF65-F5344CB8AC3E}">
-        <p14:creationId xmlns:p14="http://schemas.microsoft.com/office/powerpoint/2010/main" val="3610659655"/>
+        <p14:creationId xmlns:p14="http://schemas.microsoft.com/office/powerpoint/2010/main" val="3148063328"/>
       </p:ext>
     </p:extLst>
   </p:cSld>
@@ -7537,7 +7567,7 @@
           <p:cNvPr id="2" name="Title 1">
             <a:extLst>
               <a:ext uri="{FF2B5EF4-FFF2-40B4-BE49-F238E27FC236}">
-                <a16:creationId xmlns:a16="http://schemas.microsoft.com/office/drawing/2014/main" id="{F516C5F0-1F11-49CF-9A2A-1B61EFE4FB27}"/>
+                <a16:creationId xmlns:a16="http://schemas.microsoft.com/office/drawing/2014/main" id="{B3D30977-B9F8-4A88-B289-FE51CD6A6F3B}"/>
               </a:ext>
             </a:extLst>
           </p:cNvPr>
@@ -7555,7 +7585,14 @@
           <a:p>
             <a:r>
               <a:rPr lang="en-CA" dirty="0"/>
-              <a:t>Setting Up Grids</a:t>
+              <a:t>Maxwell-Faraday</a:t>
+            </a:r>
+            <a:br>
+              <a:rPr lang="en-CA" dirty="0"/>
+            </a:br>
+            <a:r>
+              <a:rPr lang="en-CA" dirty="0"/>
+              <a:t>FD Equations</a:t>
             </a:r>
           </a:p>
         </p:txBody>
@@ -7565,7 +7602,7 @@
           <p:cNvPr id="3" name="Content Placeholder 2">
             <a:extLst>
               <a:ext uri="{FF2B5EF4-FFF2-40B4-BE49-F238E27FC236}">
-                <a16:creationId xmlns:a16="http://schemas.microsoft.com/office/drawing/2014/main" id="{2464E1B0-B7AD-4629-A252-7605FED01304}"/>
+                <a16:creationId xmlns:a16="http://schemas.microsoft.com/office/drawing/2014/main" id="{99BEC287-B8E9-43EF-9BC5-14A41302CE4D}"/>
               </a:ext>
             </a:extLst>
           </p:cNvPr>
@@ -7588,7 +7625,7 @@
     </p:spTree>
     <p:extLst>
       <p:ext uri="{BB962C8B-B14F-4D97-AF65-F5344CB8AC3E}">
-        <p14:creationId xmlns:p14="http://schemas.microsoft.com/office/powerpoint/2010/main" val="2704870459"/>
+        <p14:creationId xmlns:p14="http://schemas.microsoft.com/office/powerpoint/2010/main" val="3610659655"/>
       </p:ext>
     </p:extLst>
   </p:cSld>
@@ -7620,7 +7657,7 @@
           <p:cNvPr id="2" name="Title 1">
             <a:extLst>
               <a:ext uri="{FF2B5EF4-FFF2-40B4-BE49-F238E27FC236}">
-                <a16:creationId xmlns:a16="http://schemas.microsoft.com/office/drawing/2014/main" id="{B33F3322-66DE-4822-AB4C-780A0148D90B}"/>
+                <a16:creationId xmlns:a16="http://schemas.microsoft.com/office/drawing/2014/main" id="{F516C5F0-1F11-49CF-9A2A-1B61EFE4FB27}"/>
               </a:ext>
             </a:extLst>
           </p:cNvPr>
@@ -7638,7 +7675,7 @@
           <a:p>
             <a:r>
               <a:rPr lang="en-CA" dirty="0"/>
-              <a:t>Results</a:t>
+              <a:t>Setting Up Grids</a:t>
             </a:r>
           </a:p>
         </p:txBody>
@@ -7648,7 +7685,7 @@
           <p:cNvPr id="3" name="Content Placeholder 2">
             <a:extLst>
               <a:ext uri="{FF2B5EF4-FFF2-40B4-BE49-F238E27FC236}">
-                <a16:creationId xmlns:a16="http://schemas.microsoft.com/office/drawing/2014/main" id="{F2FCAD4F-9E19-4A46-813E-94CE14910585}"/>
+                <a16:creationId xmlns:a16="http://schemas.microsoft.com/office/drawing/2014/main" id="{2464E1B0-B7AD-4629-A252-7605FED01304}"/>
               </a:ext>
             </a:extLst>
           </p:cNvPr>
@@ -7671,7 +7708,7 @@
     </p:spTree>
     <p:extLst>
       <p:ext uri="{BB962C8B-B14F-4D97-AF65-F5344CB8AC3E}">
-        <p14:creationId xmlns:p14="http://schemas.microsoft.com/office/powerpoint/2010/main" val="2214248976"/>
+        <p14:creationId xmlns:p14="http://schemas.microsoft.com/office/powerpoint/2010/main" val="2704870459"/>
       </p:ext>
     </p:extLst>
   </p:cSld>
@@ -8135,7 +8172,7 @@
           <p:cNvPr id="2" name="Title 1">
             <a:extLst>
               <a:ext uri="{FF2B5EF4-FFF2-40B4-BE49-F238E27FC236}">
-                <a16:creationId xmlns:a16="http://schemas.microsoft.com/office/drawing/2014/main" id="{9437FEAD-B621-498F-B935-13A1888BE65B}"/>
+                <a16:creationId xmlns:a16="http://schemas.microsoft.com/office/drawing/2014/main" id="{B33F3322-66DE-4822-AB4C-780A0148D90B}"/>
               </a:ext>
             </a:extLst>
           </p:cNvPr>
@@ -8153,7 +8190,7 @@
           <a:p>
             <a:r>
               <a:rPr lang="en-CA" dirty="0"/>
-              <a:t>Hydrodynamics</a:t>
+              <a:t>Results</a:t>
             </a:r>
           </a:p>
         </p:txBody>
@@ -8163,7 +8200,7 @@
           <p:cNvPr id="3" name="Content Placeholder 2">
             <a:extLst>
               <a:ext uri="{FF2B5EF4-FFF2-40B4-BE49-F238E27FC236}">
-                <a16:creationId xmlns:a16="http://schemas.microsoft.com/office/drawing/2014/main" id="{18AA3101-9386-4D8E-ABA8-9B41382BAFF4}"/>
+                <a16:creationId xmlns:a16="http://schemas.microsoft.com/office/drawing/2014/main" id="{F2FCAD4F-9E19-4A46-813E-94CE14910585}"/>
               </a:ext>
             </a:extLst>
           </p:cNvPr>
@@ -8179,68 +8216,14 @@
           <a:bodyPr/>
           <a:lstStyle/>
           <a:p>
-            <a:r>
-              <a:rPr lang="en-CA" dirty="0"/>
-              <a:t>Hydrodynamics are also subject to conservation equations – of mass and momentum specifically</a:t>
-            </a:r>
-          </a:p>
-          <a:p>
-            <a:r>
-              <a:rPr lang="en-CA" dirty="0"/>
-              <a:t>Hydrodynamics problems may be subject to high frequency components in shocks and sudden discontinuities – staggered grids are therefore preferred</a:t>
-            </a:r>
-          </a:p>
-          <a:p>
-            <a:r>
-              <a:rPr lang="en-CA" dirty="0"/>
-              <a:t>The code provided in class uses a set of three grid systems: one for scalars, and two for vectors (one for each space dimension).</a:t>
-            </a:r>
-          </a:p>
-        </p:txBody>
-      </p:sp>
-      <p:pic>
-        <p:nvPicPr>
-          <p:cNvPr id="4" name="Graphic 3" descr="Bookmark">
-            <a:extLst>
-              <a:ext uri="{FF2B5EF4-FFF2-40B4-BE49-F238E27FC236}">
-                <a16:creationId xmlns:a16="http://schemas.microsoft.com/office/drawing/2014/main" id="{EB9909D8-739B-4778-9743-FDC823501AEB}"/>
-              </a:ext>
-            </a:extLst>
-          </p:cNvPr>
-          <p:cNvPicPr>
-            <a:picLocks noChangeAspect="1"/>
-          </p:cNvPicPr>
-          <p:nvPr/>
-        </p:nvPicPr>
-        <p:blipFill>
-          <a:blip r:embed="rId2">
-            <a:extLst>
-              <a:ext uri="{28A0092B-C50C-407E-A947-70E740481C1C}">
-                <a14:useLocalDpi xmlns:a14="http://schemas.microsoft.com/office/drawing/2010/main" val="0"/>
-              </a:ext>
-              <a:ext uri="{96DAC541-7B7A-43D3-8B79-37D633B846F1}">
-                <asvg:svgBlip xmlns:asvg="http://schemas.microsoft.com/office/drawing/2016/SVG/main" r:embed="rId3"/>
-              </a:ext>
-            </a:extLst>
-          </a:blip>
-          <a:stretch>
-            <a:fillRect/>
-          </a:stretch>
-        </p:blipFill>
-        <p:spPr>
-          <a:xfrm>
-            <a:off x="10933290" y="-94367"/>
-            <a:ext cx="513644" cy="513644"/>
-          </a:xfrm>
-          <a:prstGeom prst="rect">
-            <a:avLst/>
-          </a:prstGeom>
-        </p:spPr>
-      </p:pic>
+            <a:endParaRPr lang="en-CA"/>
+          </a:p>
+        </p:txBody>
+      </p:sp>
     </p:spTree>
     <p:extLst>
       <p:ext uri="{BB962C8B-B14F-4D97-AF65-F5344CB8AC3E}">
-        <p14:creationId xmlns:p14="http://schemas.microsoft.com/office/powerpoint/2010/main" val="3729969836"/>
+        <p14:creationId xmlns:p14="http://schemas.microsoft.com/office/powerpoint/2010/main" val="2214248976"/>
       </p:ext>
     </p:extLst>
   </p:cSld>
@@ -8272,7 +8255,7 @@
           <p:cNvPr id="2" name="Title 1">
             <a:extLst>
               <a:ext uri="{FF2B5EF4-FFF2-40B4-BE49-F238E27FC236}">
-                <a16:creationId xmlns:a16="http://schemas.microsoft.com/office/drawing/2014/main" id="{969F53B1-15E2-4CD2-B717-E624BDB0717D}"/>
+                <a16:creationId xmlns:a16="http://schemas.microsoft.com/office/drawing/2014/main" id="{9437FEAD-B621-498F-B935-13A1888BE65B}"/>
               </a:ext>
             </a:extLst>
           </p:cNvPr>
@@ -8290,451 +8273,57 @@
           <a:p>
             <a:r>
               <a:rPr lang="en-CA" dirty="0"/>
-              <a:t>Hydrodynamics grid</a:t>
-            </a:r>
-          </a:p>
-        </p:txBody>
-      </p:sp>
-      <p:sp>
-        <p:nvSpPr>
-          <p:cNvPr id="6" name="TextBox 5">
-            <a:extLst>
-              <a:ext uri="{FF2B5EF4-FFF2-40B4-BE49-F238E27FC236}">
-                <a16:creationId xmlns:a16="http://schemas.microsoft.com/office/drawing/2014/main" id="{4F3424FE-E2C5-4B98-B7FD-71F5E8E228AD}"/>
-              </a:ext>
-            </a:extLst>
-          </p:cNvPr>
-          <p:cNvSpPr txBox="1"/>
-          <p:nvPr/>
-        </p:nvSpPr>
-        <p:spPr>
-          <a:xfrm>
-            <a:off x="9278049" y="1482085"/>
-            <a:ext cx="2370589" cy="646331"/>
-          </a:xfrm>
-          <a:prstGeom prst="rect">
-            <a:avLst/>
-          </a:prstGeom>
-          <a:noFill/>
-        </p:spPr>
-        <p:txBody>
-          <a:bodyPr wrap="square" rtlCol="0">
-            <a:spAutoFit/>
-          </a:bodyPr>
+              <a:t>Hydrodynamics</a:t>
+            </a:r>
+          </a:p>
+        </p:txBody>
+      </p:sp>
+      <p:sp>
+        <p:nvSpPr>
+          <p:cNvPr id="3" name="Content Placeholder 2">
+            <a:extLst>
+              <a:ext uri="{FF2B5EF4-FFF2-40B4-BE49-F238E27FC236}">
+                <a16:creationId xmlns:a16="http://schemas.microsoft.com/office/drawing/2014/main" id="{18AA3101-9386-4D8E-ABA8-9B41382BAFF4}"/>
+              </a:ext>
+            </a:extLst>
+          </p:cNvPr>
+          <p:cNvSpPr>
+            <a:spLocks noGrp="1"/>
+          </p:cNvSpPr>
+          <p:nvPr>
+            <p:ph idx="1"/>
+          </p:nvPr>
+        </p:nvSpPr>
+        <p:spPr/>
+        <p:txBody>
+          <a:bodyPr/>
           <a:lstStyle/>
           <a:p>
             <a:r>
-              <a:rPr lang="en-CA" dirty="0">
-                <a:solidFill>
-                  <a:srgbClr val="FF0000"/>
-                </a:solidFill>
-              </a:rPr>
-              <a:t>Scalars – density(d) and pressure(p)</a:t>
-            </a:r>
-          </a:p>
-        </p:txBody>
-      </p:sp>
-      <p:sp>
-        <p:nvSpPr>
-          <p:cNvPr id="7" name="TextBox 6">
-            <a:extLst>
-              <a:ext uri="{FF2B5EF4-FFF2-40B4-BE49-F238E27FC236}">
-                <a16:creationId xmlns:a16="http://schemas.microsoft.com/office/drawing/2014/main" id="{1D116875-C0E4-4F63-A369-D770B07C8D06}"/>
-              </a:ext>
-            </a:extLst>
-          </p:cNvPr>
-          <p:cNvSpPr txBox="1"/>
-          <p:nvPr/>
-        </p:nvSpPr>
-        <p:spPr>
-          <a:xfrm>
-            <a:off x="9366832" y="2374202"/>
-            <a:ext cx="1476045" cy="369332"/>
-          </a:xfrm>
-          <a:prstGeom prst="rect">
-            <a:avLst/>
-          </a:prstGeom>
-          <a:noFill/>
-        </p:spPr>
-        <p:txBody>
-          <a:bodyPr wrap="none" rtlCol="0">
-            <a:spAutoFit/>
-          </a:bodyPr>
-          <a:lstStyle/>
-          <a:p>
-            <a:r>
-              <a:rPr lang="en-CA" dirty="0">
-                <a:solidFill>
-                  <a:schemeClr val="accent1">
-                    <a:lumMod val="75000"/>
-                  </a:schemeClr>
-                </a:solidFill>
-              </a:rPr>
-              <a:t>X-velocity (v</a:t>
-            </a:r>
-            <a:r>
-              <a:rPr lang="en-CA" baseline="-25000" dirty="0">
-                <a:solidFill>
-                  <a:schemeClr val="accent1">
-                    <a:lumMod val="75000"/>
-                  </a:schemeClr>
-                </a:solidFill>
-              </a:rPr>
-              <a:t>1</a:t>
-            </a:r>
-            <a:r>
-              <a:rPr lang="en-CA" dirty="0">
-                <a:solidFill>
-                  <a:schemeClr val="accent1">
-                    <a:lumMod val="75000"/>
-                  </a:schemeClr>
-                </a:solidFill>
-              </a:rPr>
-              <a:t>)</a:t>
-            </a:r>
-          </a:p>
-        </p:txBody>
-      </p:sp>
-      <p:sp>
-        <p:nvSpPr>
-          <p:cNvPr id="8" name="TextBox 7">
-            <a:extLst>
-              <a:ext uri="{FF2B5EF4-FFF2-40B4-BE49-F238E27FC236}">
-                <a16:creationId xmlns:a16="http://schemas.microsoft.com/office/drawing/2014/main" id="{305980F4-F86C-4651-9C74-EE49CB901DBA}"/>
-              </a:ext>
-            </a:extLst>
-          </p:cNvPr>
-          <p:cNvSpPr txBox="1"/>
-          <p:nvPr/>
-        </p:nvSpPr>
-        <p:spPr>
-          <a:xfrm>
-            <a:off x="9366832" y="3021375"/>
-            <a:ext cx="1468031" cy="369332"/>
-          </a:xfrm>
-          <a:prstGeom prst="rect">
-            <a:avLst/>
-          </a:prstGeom>
-          <a:noFill/>
-        </p:spPr>
-        <p:txBody>
-          <a:bodyPr wrap="none" rtlCol="0">
-            <a:spAutoFit/>
-          </a:bodyPr>
-          <a:lstStyle/>
-          <a:p>
-            <a:r>
-              <a:rPr lang="en-CA" dirty="0">
-                <a:solidFill>
-                  <a:schemeClr val="accent6">
-                    <a:lumMod val="75000"/>
-                  </a:schemeClr>
-                </a:solidFill>
-              </a:rPr>
-              <a:t>Y-velocity (v</a:t>
-            </a:r>
-            <a:r>
-              <a:rPr lang="en-CA" baseline="-25000" dirty="0">
-                <a:solidFill>
-                  <a:schemeClr val="accent6">
-                    <a:lumMod val="75000"/>
-                  </a:schemeClr>
-                </a:solidFill>
-              </a:rPr>
-              <a:t>2</a:t>
-            </a:r>
-            <a:r>
-              <a:rPr lang="en-CA" dirty="0">
-                <a:solidFill>
-                  <a:schemeClr val="accent6">
-                    <a:lumMod val="75000"/>
-                  </a:schemeClr>
-                </a:solidFill>
-              </a:rPr>
-              <a:t>)</a:t>
-            </a:r>
-          </a:p>
-        </p:txBody>
-      </p:sp>
-      <p:sp>
-        <p:nvSpPr>
-          <p:cNvPr id="9" name="Oval 8">
-            <a:extLst>
-              <a:ext uri="{FF2B5EF4-FFF2-40B4-BE49-F238E27FC236}">
-                <a16:creationId xmlns:a16="http://schemas.microsoft.com/office/drawing/2014/main" id="{56685BFF-4294-4E60-8CF7-B01AD93868AE}"/>
-              </a:ext>
-            </a:extLst>
-          </p:cNvPr>
-          <p:cNvSpPr/>
-          <p:nvPr/>
-        </p:nvSpPr>
-        <p:spPr>
-          <a:xfrm>
-            <a:off x="9160603" y="1610804"/>
-            <a:ext cx="117446" cy="117445"/>
-          </a:xfrm>
-          <a:prstGeom prst="ellipse">
-            <a:avLst/>
-          </a:prstGeom>
-          <a:solidFill>
-            <a:srgbClr val="FF0000"/>
-          </a:solidFill>
-          <a:ln>
-            <a:noFill/>
-          </a:ln>
-        </p:spPr>
-        <p:style>
-          <a:lnRef idx="2">
-            <a:schemeClr val="accent1">
-              <a:shade val="50000"/>
-            </a:schemeClr>
-          </a:lnRef>
-          <a:fillRef idx="1">
-            <a:schemeClr val="accent1"/>
-          </a:fillRef>
-          <a:effectRef idx="0">
-            <a:schemeClr val="accent1"/>
-          </a:effectRef>
-          <a:fontRef idx="minor">
-            <a:schemeClr val="lt1"/>
-          </a:fontRef>
-        </p:style>
-        <p:txBody>
-          <a:bodyPr rtlCol="0" anchor="ctr"/>
-          <a:lstStyle/>
-          <a:p>
-            <a:pPr algn="ctr"/>
-            <a:endParaRPr lang="en-CA"/>
-          </a:p>
-        </p:txBody>
-      </p:sp>
-      <p:sp>
-        <p:nvSpPr>
-          <p:cNvPr id="10" name="Rectangle 9">
-            <a:extLst>
-              <a:ext uri="{FF2B5EF4-FFF2-40B4-BE49-F238E27FC236}">
-                <a16:creationId xmlns:a16="http://schemas.microsoft.com/office/drawing/2014/main" id="{1BDD061C-6D05-4747-8ED0-3B387C7B2AF6}"/>
-              </a:ext>
-            </a:extLst>
-          </p:cNvPr>
-          <p:cNvSpPr/>
-          <p:nvPr/>
-        </p:nvSpPr>
-        <p:spPr>
-          <a:xfrm>
-            <a:off x="9219326" y="2486811"/>
-            <a:ext cx="58723" cy="176168"/>
-          </a:xfrm>
-          <a:prstGeom prst="rect">
-            <a:avLst/>
-          </a:prstGeom>
-          <a:solidFill>
-            <a:schemeClr val="accent1">
-              <a:lumMod val="75000"/>
-            </a:schemeClr>
-          </a:solidFill>
-          <a:ln>
-            <a:noFill/>
-          </a:ln>
-        </p:spPr>
-        <p:style>
-          <a:lnRef idx="2">
-            <a:schemeClr val="accent1">
-              <a:shade val="50000"/>
-            </a:schemeClr>
-          </a:lnRef>
-          <a:fillRef idx="1">
-            <a:schemeClr val="accent1"/>
-          </a:fillRef>
-          <a:effectRef idx="0">
-            <a:schemeClr val="accent1"/>
-          </a:effectRef>
-          <a:fontRef idx="minor">
-            <a:schemeClr val="lt1"/>
-          </a:fontRef>
-        </p:style>
-        <p:txBody>
-          <a:bodyPr rtlCol="0" anchor="ctr"/>
-          <a:lstStyle/>
-          <a:p>
-            <a:pPr algn="ctr"/>
-            <a:endParaRPr lang="en-CA"/>
-          </a:p>
-        </p:txBody>
-      </p:sp>
-      <p:sp>
-        <p:nvSpPr>
-          <p:cNvPr id="11" name="Rectangle 10">
-            <a:extLst>
-              <a:ext uri="{FF2B5EF4-FFF2-40B4-BE49-F238E27FC236}">
-                <a16:creationId xmlns:a16="http://schemas.microsoft.com/office/drawing/2014/main" id="{04E2E68F-AFF5-4A02-B27C-666CB41886E9}"/>
-              </a:ext>
-            </a:extLst>
-          </p:cNvPr>
-          <p:cNvSpPr/>
-          <p:nvPr/>
-        </p:nvSpPr>
-        <p:spPr>
-          <a:xfrm rot="5400000">
-            <a:off x="9189964" y="3117957"/>
-            <a:ext cx="58723" cy="176168"/>
-          </a:xfrm>
-          <a:prstGeom prst="rect">
-            <a:avLst/>
-          </a:prstGeom>
-          <a:solidFill>
-            <a:schemeClr val="accent6">
-              <a:lumMod val="75000"/>
-            </a:schemeClr>
-          </a:solidFill>
-          <a:ln>
-            <a:noFill/>
-          </a:ln>
-        </p:spPr>
-        <p:style>
-          <a:lnRef idx="2">
-            <a:schemeClr val="accent1">
-              <a:shade val="50000"/>
-            </a:schemeClr>
-          </a:lnRef>
-          <a:fillRef idx="1">
-            <a:schemeClr val="accent1"/>
-          </a:fillRef>
-          <a:effectRef idx="0">
-            <a:schemeClr val="accent1"/>
-          </a:effectRef>
-          <a:fontRef idx="minor">
-            <a:schemeClr val="lt1"/>
-          </a:fontRef>
-        </p:style>
-        <p:txBody>
-          <a:bodyPr rtlCol="0" anchor="ctr"/>
-          <a:lstStyle/>
-          <a:p>
-            <a:pPr algn="ctr"/>
-            <a:endParaRPr lang="en-CA"/>
-          </a:p>
-        </p:txBody>
-      </p:sp>
-      <p:sp>
-        <p:nvSpPr>
-          <p:cNvPr id="19" name="TextBox 18">
-            <a:extLst>
-              <a:ext uri="{FF2B5EF4-FFF2-40B4-BE49-F238E27FC236}">
-                <a16:creationId xmlns:a16="http://schemas.microsoft.com/office/drawing/2014/main" id="{88522757-E1BD-4BD3-978B-6672F24B9F11}"/>
-              </a:ext>
-            </a:extLst>
-          </p:cNvPr>
-          <p:cNvSpPr txBox="1"/>
-          <p:nvPr/>
-        </p:nvSpPr>
-        <p:spPr>
-          <a:xfrm>
-            <a:off x="981512" y="1690688"/>
-            <a:ext cx="2919369" cy="3416320"/>
-          </a:xfrm>
-          <a:prstGeom prst="rect">
-            <a:avLst/>
-          </a:prstGeom>
-          <a:noFill/>
-        </p:spPr>
-        <p:txBody>
-          <a:bodyPr wrap="square" rtlCol="0">
-            <a:spAutoFit/>
-          </a:bodyPr>
-          <a:lstStyle/>
-          <a:p>
-            <a:pPr marL="285750" indent="-285750">
-              <a:buFont typeface="Arial" panose="020B0604020202020204" pitchFamily="34" charset="0"/>
-              <a:buChar char="•"/>
-            </a:pPr>
-            <a:r>
               <a:rPr lang="en-CA" dirty="0"/>
-              <a:t>Indices for vectors run from 0 to N</a:t>
-            </a:r>
-          </a:p>
-          <a:p>
-            <a:pPr marL="285750" indent="-285750">
-              <a:buFont typeface="Arial" panose="020B0604020202020204" pitchFamily="34" charset="0"/>
-              <a:buChar char="•"/>
-            </a:pPr>
+              <a:t>Hydrodynamics are also subject to conservation equations – of mass and momentum specifically</a:t>
+            </a:r>
+          </a:p>
+          <a:p>
             <a:r>
               <a:rPr lang="en-CA" dirty="0"/>
-              <a:t>Indices for scalars run from 0 to N-1</a:t>
-            </a:r>
-          </a:p>
-          <a:p>
-            <a:pPr marL="285750" indent="-285750">
-              <a:buFont typeface="Arial" panose="020B0604020202020204" pitchFamily="34" charset="0"/>
-              <a:buChar char="•"/>
-            </a:pPr>
-            <a:endParaRPr lang="en-CA" dirty="0"/>
-          </a:p>
-          <a:p>
-            <a:pPr marL="285750" indent="-285750">
-              <a:buFont typeface="Arial" panose="020B0604020202020204" pitchFamily="34" charset="0"/>
-              <a:buChar char="•"/>
-            </a:pPr>
+              <a:t>Hydrodynamics problems may be subject to high frequency components in shocks and sudden discontinuities – staggered grids are therefore preferred</a:t>
+            </a:r>
+          </a:p>
+          <a:p>
             <a:r>
               <a:rPr lang="en-CA" dirty="0"/>
-              <a:t>Example:</a:t>
-            </a:r>
-          </a:p>
-          <a:p>
-            <a:r>
-              <a:rPr lang="en-CA" dirty="0"/>
-              <a:t>v1(</a:t>
-            </a:r>
-            <a:r>
-              <a:rPr lang="en-CA" dirty="0" err="1"/>
-              <a:t>i,j</a:t>
-            </a:r>
-            <a:r>
-              <a:rPr lang="en-CA" dirty="0"/>
-              <a:t>) is the x-velocity on the face between density values d(</a:t>
-            </a:r>
-            <a:r>
-              <a:rPr lang="en-CA" dirty="0" err="1"/>
-              <a:t>i,j</a:t>
-            </a:r>
-            <a:r>
-              <a:rPr lang="en-CA" dirty="0"/>
-              <a:t>) and d(i-1,j)</a:t>
-            </a:r>
-          </a:p>
-          <a:p>
-            <a:endParaRPr lang="en-CA" dirty="0"/>
-          </a:p>
-          <a:p>
-            <a:r>
-              <a:rPr lang="en-CA" dirty="0"/>
-              <a:t>d(</a:t>
-            </a:r>
-            <a:r>
-              <a:rPr lang="en-CA" dirty="0" err="1"/>
-              <a:t>i,j</a:t>
-            </a:r>
-            <a:r>
-              <a:rPr lang="en-CA" dirty="0"/>
-              <a:t>) is the density between velocities v2(i,j+1) and v2(</a:t>
-            </a:r>
-            <a:r>
-              <a:rPr lang="en-CA" dirty="0" err="1"/>
-              <a:t>i,j</a:t>
-            </a:r>
-            <a:r>
-              <a:rPr lang="en-CA" dirty="0"/>
-              <a:t>)</a:t>
+              <a:t>The code provided in class uses a set of three grid systems: one for scalars, and two for vectors (one for each space dimension).</a:t>
             </a:r>
           </a:p>
         </p:txBody>
       </p:sp>
       <p:pic>
         <p:nvPicPr>
-          <p:cNvPr id="4" name="Picture 3">
-            <a:extLst>
-              <a:ext uri="{FF2B5EF4-FFF2-40B4-BE49-F238E27FC236}">
-                <a16:creationId xmlns:a16="http://schemas.microsoft.com/office/drawing/2014/main" id="{17A7E82C-8DCA-4D07-BE48-FB1CCD348116}"/>
+          <p:cNvPr id="4" name="Graphic 3" descr="Bookmark">
+            <a:extLst>
+              <a:ext uri="{FF2B5EF4-FFF2-40B4-BE49-F238E27FC236}">
+                <a16:creationId xmlns:a16="http://schemas.microsoft.com/office/drawing/2014/main" id="{EB9909D8-739B-4778-9743-FDC823501AEB}"/>
               </a:ext>
             </a:extLst>
           </p:cNvPr>
@@ -8749,6 +8338,9 @@
               <a:ext uri="{28A0092B-C50C-407E-A947-70E740481C1C}">
                 <a14:useLocalDpi xmlns:a14="http://schemas.microsoft.com/office/drawing/2010/main" val="0"/>
               </a:ext>
+              <a:ext uri="{96DAC541-7B7A-43D3-8B79-37D633B846F1}">
+                <asvg:svgBlip xmlns:asvg="http://schemas.microsoft.com/office/drawing/2016/SVG/main" r:embed="rId3"/>
+              </a:ext>
             </a:extLst>
           </a:blip>
           <a:stretch>
@@ -8757,45 +8349,6 @@
         </p:blipFill>
         <p:spPr>
           <a:xfrm>
-            <a:off x="3725032" y="1482085"/>
-            <a:ext cx="5180086" cy="5189230"/>
-          </a:xfrm>
-          <a:prstGeom prst="rect">
-            <a:avLst/>
-          </a:prstGeom>
-        </p:spPr>
-      </p:pic>
-      <p:pic>
-        <p:nvPicPr>
-          <p:cNvPr id="12" name="Graphic 11" descr="Bookmark">
-            <a:extLst>
-              <a:ext uri="{FF2B5EF4-FFF2-40B4-BE49-F238E27FC236}">
-                <a16:creationId xmlns:a16="http://schemas.microsoft.com/office/drawing/2014/main" id="{9EECFAE6-7B02-440F-B490-981458BF97EF}"/>
-              </a:ext>
-            </a:extLst>
-          </p:cNvPr>
-          <p:cNvPicPr>
-            <a:picLocks noChangeAspect="1"/>
-          </p:cNvPicPr>
-          <p:nvPr/>
-        </p:nvPicPr>
-        <p:blipFill>
-          <a:blip r:embed="rId3">
-            <a:extLst>
-              <a:ext uri="{28A0092B-C50C-407E-A947-70E740481C1C}">
-                <a14:useLocalDpi xmlns:a14="http://schemas.microsoft.com/office/drawing/2010/main" val="0"/>
-              </a:ext>
-              <a:ext uri="{96DAC541-7B7A-43D3-8B79-37D633B846F1}">
-                <asvg:svgBlip xmlns:asvg="http://schemas.microsoft.com/office/drawing/2016/SVG/main" r:embed="rId4"/>
-              </a:ext>
-            </a:extLst>
-          </a:blip>
-          <a:stretch>
-            <a:fillRect/>
-          </a:stretch>
-        </p:blipFill>
-        <p:spPr>
-          <a:xfrm>
             <a:off x="10933290" y="-94367"/>
             <a:ext cx="513644" cy="513644"/>
           </a:xfrm>
@@ -8807,7 +8360,7 @@
     </p:spTree>
     <p:extLst>
       <p:ext uri="{BB962C8B-B14F-4D97-AF65-F5344CB8AC3E}">
-        <p14:creationId xmlns:p14="http://schemas.microsoft.com/office/powerpoint/2010/main" val="1631953745"/>
+        <p14:creationId xmlns:p14="http://schemas.microsoft.com/office/powerpoint/2010/main" val="3729969836"/>
       </p:ext>
     </p:extLst>
   </p:cSld>
@@ -8839,7 +8392,7 @@
           <p:cNvPr id="2" name="Title 1">
             <a:extLst>
               <a:ext uri="{FF2B5EF4-FFF2-40B4-BE49-F238E27FC236}">
-                <a16:creationId xmlns:a16="http://schemas.microsoft.com/office/drawing/2014/main" id="{CC6D1FDE-1777-4ED4-A7CF-DD8D94416F9F}"/>
+                <a16:creationId xmlns:a16="http://schemas.microsoft.com/office/drawing/2014/main" id="{969F53B1-15E2-4CD2-B717-E624BDB0717D}"/>
               </a:ext>
             </a:extLst>
           </p:cNvPr>
@@ -8856,142 +8409,452 @@
           <a:lstStyle/>
           <a:p>
             <a:r>
+              <a:rPr lang="en-CA" dirty="0"/>
+              <a:t>Hydrodynamics grid</a:t>
+            </a:r>
+          </a:p>
+        </p:txBody>
+      </p:sp>
+      <p:sp>
+        <p:nvSpPr>
+          <p:cNvPr id="6" name="TextBox 5">
+            <a:extLst>
+              <a:ext uri="{FF2B5EF4-FFF2-40B4-BE49-F238E27FC236}">
+                <a16:creationId xmlns:a16="http://schemas.microsoft.com/office/drawing/2014/main" id="{4F3424FE-E2C5-4B98-B7FD-71F5E8E228AD}"/>
+              </a:ext>
+            </a:extLst>
+          </p:cNvPr>
+          <p:cNvSpPr txBox="1"/>
+          <p:nvPr/>
+        </p:nvSpPr>
+        <p:spPr>
+          <a:xfrm>
+            <a:off x="9278049" y="1482085"/>
+            <a:ext cx="2370589" cy="646331"/>
+          </a:xfrm>
+          <a:prstGeom prst="rect">
+            <a:avLst/>
+          </a:prstGeom>
+          <a:noFill/>
+        </p:spPr>
+        <p:txBody>
+          <a:bodyPr wrap="square" rtlCol="0">
+            <a:spAutoFit/>
+          </a:bodyPr>
+          <a:lstStyle/>
+          <a:p>
+            <a:r>
+              <a:rPr lang="en-CA" dirty="0">
+                <a:solidFill>
+                  <a:srgbClr val="FF0000"/>
+                </a:solidFill>
+              </a:rPr>
+              <a:t>Scalars – density(d) and pressure(p)</a:t>
+            </a:r>
+          </a:p>
+        </p:txBody>
+      </p:sp>
+      <p:sp>
+        <p:nvSpPr>
+          <p:cNvPr id="7" name="TextBox 6">
+            <a:extLst>
+              <a:ext uri="{FF2B5EF4-FFF2-40B4-BE49-F238E27FC236}">
+                <a16:creationId xmlns:a16="http://schemas.microsoft.com/office/drawing/2014/main" id="{1D116875-C0E4-4F63-A369-D770B07C8D06}"/>
+              </a:ext>
+            </a:extLst>
+          </p:cNvPr>
+          <p:cNvSpPr txBox="1"/>
+          <p:nvPr/>
+        </p:nvSpPr>
+        <p:spPr>
+          <a:xfrm>
+            <a:off x="9366832" y="2374202"/>
+            <a:ext cx="1476045" cy="369332"/>
+          </a:xfrm>
+          <a:prstGeom prst="rect">
+            <a:avLst/>
+          </a:prstGeom>
+          <a:noFill/>
+        </p:spPr>
+        <p:txBody>
+          <a:bodyPr wrap="none" rtlCol="0">
+            <a:spAutoFit/>
+          </a:bodyPr>
+          <a:lstStyle/>
+          <a:p>
+            <a:r>
+              <a:rPr lang="en-CA" dirty="0">
+                <a:solidFill>
+                  <a:schemeClr val="accent1">
+                    <a:lumMod val="75000"/>
+                  </a:schemeClr>
+                </a:solidFill>
+              </a:rPr>
+              <a:t>X-velocity (v</a:t>
+            </a:r>
+            <a:r>
+              <a:rPr lang="en-CA" baseline="-25000" dirty="0">
+                <a:solidFill>
+                  <a:schemeClr val="accent1">
+                    <a:lumMod val="75000"/>
+                  </a:schemeClr>
+                </a:solidFill>
+              </a:rPr>
+              <a:t>1</a:t>
+            </a:r>
+            <a:r>
+              <a:rPr lang="en-CA" dirty="0">
+                <a:solidFill>
+                  <a:schemeClr val="accent1">
+                    <a:lumMod val="75000"/>
+                  </a:schemeClr>
+                </a:solidFill>
+              </a:rPr>
+              <a:t>)</a:t>
+            </a:r>
+          </a:p>
+        </p:txBody>
+      </p:sp>
+      <p:sp>
+        <p:nvSpPr>
+          <p:cNvPr id="8" name="TextBox 7">
+            <a:extLst>
+              <a:ext uri="{FF2B5EF4-FFF2-40B4-BE49-F238E27FC236}">
+                <a16:creationId xmlns:a16="http://schemas.microsoft.com/office/drawing/2014/main" id="{305980F4-F86C-4651-9C74-EE49CB901DBA}"/>
+              </a:ext>
+            </a:extLst>
+          </p:cNvPr>
+          <p:cNvSpPr txBox="1"/>
+          <p:nvPr/>
+        </p:nvSpPr>
+        <p:spPr>
+          <a:xfrm>
+            <a:off x="9366832" y="3021375"/>
+            <a:ext cx="1468031" cy="369332"/>
+          </a:xfrm>
+          <a:prstGeom prst="rect">
+            <a:avLst/>
+          </a:prstGeom>
+          <a:noFill/>
+        </p:spPr>
+        <p:txBody>
+          <a:bodyPr wrap="none" rtlCol="0">
+            <a:spAutoFit/>
+          </a:bodyPr>
+          <a:lstStyle/>
+          <a:p>
+            <a:r>
+              <a:rPr lang="en-CA" dirty="0">
+                <a:solidFill>
+                  <a:schemeClr val="accent6">
+                    <a:lumMod val="75000"/>
+                  </a:schemeClr>
+                </a:solidFill>
+              </a:rPr>
+              <a:t>Y-velocity (v</a:t>
+            </a:r>
+            <a:r>
+              <a:rPr lang="en-CA" baseline="-25000" dirty="0">
+                <a:solidFill>
+                  <a:schemeClr val="accent6">
+                    <a:lumMod val="75000"/>
+                  </a:schemeClr>
+                </a:solidFill>
+              </a:rPr>
+              <a:t>2</a:t>
+            </a:r>
+            <a:r>
+              <a:rPr lang="en-CA" dirty="0">
+                <a:solidFill>
+                  <a:schemeClr val="accent6">
+                    <a:lumMod val="75000"/>
+                  </a:schemeClr>
+                </a:solidFill>
+              </a:rPr>
+              <a:t>)</a:t>
+            </a:r>
+          </a:p>
+        </p:txBody>
+      </p:sp>
+      <p:sp>
+        <p:nvSpPr>
+          <p:cNvPr id="9" name="Oval 8">
+            <a:extLst>
+              <a:ext uri="{FF2B5EF4-FFF2-40B4-BE49-F238E27FC236}">
+                <a16:creationId xmlns:a16="http://schemas.microsoft.com/office/drawing/2014/main" id="{56685BFF-4294-4E60-8CF7-B01AD93868AE}"/>
+              </a:ext>
+            </a:extLst>
+          </p:cNvPr>
+          <p:cNvSpPr/>
+          <p:nvPr/>
+        </p:nvSpPr>
+        <p:spPr>
+          <a:xfrm>
+            <a:off x="9160603" y="1610804"/>
+            <a:ext cx="117446" cy="117445"/>
+          </a:xfrm>
+          <a:prstGeom prst="ellipse">
+            <a:avLst/>
+          </a:prstGeom>
+          <a:solidFill>
+            <a:srgbClr val="FF0000"/>
+          </a:solidFill>
+          <a:ln>
+            <a:noFill/>
+          </a:ln>
+        </p:spPr>
+        <p:style>
+          <a:lnRef idx="2">
+            <a:schemeClr val="accent1">
+              <a:shade val="50000"/>
+            </a:schemeClr>
+          </a:lnRef>
+          <a:fillRef idx="1">
+            <a:schemeClr val="accent1"/>
+          </a:fillRef>
+          <a:effectRef idx="0">
+            <a:schemeClr val="accent1"/>
+          </a:effectRef>
+          <a:fontRef idx="minor">
+            <a:schemeClr val="lt1"/>
+          </a:fontRef>
+        </p:style>
+        <p:txBody>
+          <a:bodyPr rtlCol="0" anchor="ctr"/>
+          <a:lstStyle/>
+          <a:p>
+            <a:pPr algn="ctr"/>
+            <a:endParaRPr lang="en-CA"/>
+          </a:p>
+        </p:txBody>
+      </p:sp>
+      <p:sp>
+        <p:nvSpPr>
+          <p:cNvPr id="10" name="Rectangle 9">
+            <a:extLst>
+              <a:ext uri="{FF2B5EF4-FFF2-40B4-BE49-F238E27FC236}">
+                <a16:creationId xmlns:a16="http://schemas.microsoft.com/office/drawing/2014/main" id="{1BDD061C-6D05-4747-8ED0-3B387C7B2AF6}"/>
+              </a:ext>
+            </a:extLst>
+          </p:cNvPr>
+          <p:cNvSpPr/>
+          <p:nvPr/>
+        </p:nvSpPr>
+        <p:spPr>
+          <a:xfrm>
+            <a:off x="9219326" y="2486811"/>
+            <a:ext cx="58723" cy="176168"/>
+          </a:xfrm>
+          <a:prstGeom prst="rect">
+            <a:avLst/>
+          </a:prstGeom>
+          <a:solidFill>
+            <a:schemeClr val="accent1">
+              <a:lumMod val="75000"/>
+            </a:schemeClr>
+          </a:solidFill>
+          <a:ln>
+            <a:noFill/>
+          </a:ln>
+        </p:spPr>
+        <p:style>
+          <a:lnRef idx="2">
+            <a:schemeClr val="accent1">
+              <a:shade val="50000"/>
+            </a:schemeClr>
+          </a:lnRef>
+          <a:fillRef idx="1">
+            <a:schemeClr val="accent1"/>
+          </a:fillRef>
+          <a:effectRef idx="0">
+            <a:schemeClr val="accent1"/>
+          </a:effectRef>
+          <a:fontRef idx="minor">
+            <a:schemeClr val="lt1"/>
+          </a:fontRef>
+        </p:style>
+        <p:txBody>
+          <a:bodyPr rtlCol="0" anchor="ctr"/>
+          <a:lstStyle/>
+          <a:p>
+            <a:pPr algn="ctr"/>
+            <a:endParaRPr lang="en-CA"/>
+          </a:p>
+        </p:txBody>
+      </p:sp>
+      <p:sp>
+        <p:nvSpPr>
+          <p:cNvPr id="11" name="Rectangle 10">
+            <a:extLst>
+              <a:ext uri="{FF2B5EF4-FFF2-40B4-BE49-F238E27FC236}">
+                <a16:creationId xmlns:a16="http://schemas.microsoft.com/office/drawing/2014/main" id="{04E2E68F-AFF5-4A02-B27C-666CB41886E9}"/>
+              </a:ext>
+            </a:extLst>
+          </p:cNvPr>
+          <p:cNvSpPr/>
+          <p:nvPr/>
+        </p:nvSpPr>
+        <p:spPr>
+          <a:xfrm rot="5400000">
+            <a:off x="9189964" y="3117957"/>
+            <a:ext cx="58723" cy="176168"/>
+          </a:xfrm>
+          <a:prstGeom prst="rect">
+            <a:avLst/>
+          </a:prstGeom>
+          <a:solidFill>
+            <a:schemeClr val="accent6">
+              <a:lumMod val="75000"/>
+            </a:schemeClr>
+          </a:solidFill>
+          <a:ln>
+            <a:noFill/>
+          </a:ln>
+        </p:spPr>
+        <p:style>
+          <a:lnRef idx="2">
+            <a:schemeClr val="accent1">
+              <a:shade val="50000"/>
+            </a:schemeClr>
+          </a:lnRef>
+          <a:fillRef idx="1">
+            <a:schemeClr val="accent1"/>
+          </a:fillRef>
+          <a:effectRef idx="0">
+            <a:schemeClr val="accent1"/>
+          </a:effectRef>
+          <a:fontRef idx="minor">
+            <a:schemeClr val="lt1"/>
+          </a:fontRef>
+        </p:style>
+        <p:txBody>
+          <a:bodyPr rtlCol="0" anchor="ctr"/>
+          <a:lstStyle/>
+          <a:p>
+            <a:pPr algn="ctr"/>
+            <a:endParaRPr lang="en-CA"/>
+          </a:p>
+        </p:txBody>
+      </p:sp>
+      <p:sp>
+        <p:nvSpPr>
+          <p:cNvPr id="19" name="TextBox 18">
+            <a:extLst>
+              <a:ext uri="{FF2B5EF4-FFF2-40B4-BE49-F238E27FC236}">
+                <a16:creationId xmlns:a16="http://schemas.microsoft.com/office/drawing/2014/main" id="{88522757-E1BD-4BD3-978B-6672F24B9F11}"/>
+              </a:ext>
+            </a:extLst>
+          </p:cNvPr>
+          <p:cNvSpPr txBox="1"/>
+          <p:nvPr/>
+        </p:nvSpPr>
+        <p:spPr>
+          <a:xfrm>
+            <a:off x="981512" y="1690688"/>
+            <a:ext cx="2919369" cy="3416320"/>
+          </a:xfrm>
+          <a:prstGeom prst="rect">
+            <a:avLst/>
+          </a:prstGeom>
+          <a:noFill/>
+        </p:spPr>
+        <p:txBody>
+          <a:bodyPr wrap="square" rtlCol="0">
+            <a:spAutoFit/>
+          </a:bodyPr>
+          <a:lstStyle/>
+          <a:p>
+            <a:pPr marL="285750" indent="-285750">
+              <a:buFont typeface="Arial" panose="020B0604020202020204" pitchFamily="34" charset="0"/>
+              <a:buChar char="•"/>
+            </a:pPr>
+            <a:r>
+              <a:rPr lang="en-CA" dirty="0"/>
+              <a:t>Indices for vectors run from 0 to N</a:t>
+            </a:r>
+          </a:p>
+          <a:p>
+            <a:pPr marL="285750" indent="-285750">
+              <a:buFont typeface="Arial" panose="020B0604020202020204" pitchFamily="34" charset="0"/>
+              <a:buChar char="•"/>
+            </a:pPr>
+            <a:r>
+              <a:rPr lang="en-CA" dirty="0"/>
+              <a:t>Indices for scalars run from 0 to N-1</a:t>
+            </a:r>
+          </a:p>
+          <a:p>
+            <a:pPr marL="285750" indent="-285750">
+              <a:buFont typeface="Arial" panose="020B0604020202020204" pitchFamily="34" charset="0"/>
+              <a:buChar char="•"/>
+            </a:pPr>
+            <a:endParaRPr lang="en-CA" dirty="0"/>
+          </a:p>
+          <a:p>
+            <a:pPr marL="285750" indent="-285750">
+              <a:buFont typeface="Arial" panose="020B0604020202020204" pitchFamily="34" charset="0"/>
+              <a:buChar char="•"/>
+            </a:pPr>
+            <a:r>
+              <a:rPr lang="en-CA" dirty="0"/>
+              <a:t>Example:</a:t>
+            </a:r>
+          </a:p>
+          <a:p>
+            <a:r>
+              <a:rPr lang="en-CA" dirty="0"/>
+              <a:t>v1(</a:t>
+            </a:r>
+            <a:r>
               <a:rPr lang="en-CA" dirty="0" err="1"/>
-              <a:t>Navier</a:t>
+              <a:t>i,j</a:t>
             </a:r>
             <a:r>
               <a:rPr lang="en-CA" dirty="0"/>
-              <a:t>-Stokes equations</a:t>
-            </a:r>
-          </a:p>
-        </p:txBody>
-      </p:sp>
-      <p:sp>
-        <p:nvSpPr>
-          <p:cNvPr id="3" name="Content Placeholder 2">
-            <a:extLst>
-              <a:ext uri="{FF2B5EF4-FFF2-40B4-BE49-F238E27FC236}">
-                <a16:creationId xmlns:a16="http://schemas.microsoft.com/office/drawing/2014/main" id="{83E51793-9751-492D-847B-F3A84C50BE25}"/>
-              </a:ext>
-            </a:extLst>
-          </p:cNvPr>
-          <p:cNvSpPr>
-            <a:spLocks noGrp="1"/>
-          </p:cNvSpPr>
-          <p:nvPr>
-            <p:ph idx="1"/>
-          </p:nvPr>
-        </p:nvSpPr>
-        <p:spPr/>
-        <p:txBody>
-          <a:bodyPr/>
-          <a:lstStyle/>
-          <a:p>
+              <a:t>) is the x-velocity on the face between density values d(</a:t>
+            </a:r>
+            <a:r>
+              <a:rPr lang="en-CA" dirty="0" err="1"/>
+              <a:t>i,j</a:t>
+            </a:r>
             <a:r>
               <a:rPr lang="en-CA" dirty="0"/>
-              <a:t>Conservation of mass (Continuity):</a:t>
+              <a:t>) and d(i-1,j)</a:t>
             </a:r>
           </a:p>
           <a:p>
             <a:endParaRPr lang="en-CA" dirty="0"/>
           </a:p>
           <a:p>
-            <a:endParaRPr lang="en-CA" dirty="0"/>
-          </a:p>
-          <a:p>
             <a:r>
               <a:rPr lang="en-CA" dirty="0"/>
-              <a:t>Conservation of momentum (Euler’s Equation):</a:t>
+              <a:t>d(</a:t>
+            </a:r>
+            <a:r>
+              <a:rPr lang="en-CA" dirty="0" err="1"/>
+              <a:t>i,j</a:t>
+            </a:r>
+            <a:r>
+              <a:rPr lang="en-CA" dirty="0"/>
+              <a:t>) is the density between velocities v2(i,j+1) and v2(</a:t>
+            </a:r>
+            <a:r>
+              <a:rPr lang="en-CA" dirty="0" err="1"/>
+              <a:t>i,j</a:t>
+            </a:r>
+            <a:r>
+              <a:rPr lang="en-CA" dirty="0"/>
+              <a:t>)</a:t>
             </a:r>
           </a:p>
         </p:txBody>
       </p:sp>
       <p:pic>
         <p:nvPicPr>
-          <p:cNvPr id="5" name="Picture 4">
-            <a:extLst>
-              <a:ext uri="{FF2B5EF4-FFF2-40B4-BE49-F238E27FC236}">
-                <a16:creationId xmlns:a16="http://schemas.microsoft.com/office/drawing/2014/main" id="{EF78BE4D-9C06-47C9-95D5-5B39D4195F76}"/>
-              </a:ext>
-            </a:extLst>
-          </p:cNvPr>
-          <p:cNvPicPr>
-            <a:picLocks noChangeAspect="1"/>
-          </p:cNvPicPr>
-          <p:nvPr>
-            <p:custDataLst>
-              <p:tags r:id="rId1"/>
-            </p:custDataLst>
-          </p:nvPr>
-        </p:nvPicPr>
-        <p:blipFill>
-          <a:blip r:embed="rId4">
-            <a:extLst>
-              <a:ext uri="{28A0092B-C50C-407E-A947-70E740481C1C}">
-                <a14:useLocalDpi xmlns:a14="http://schemas.microsoft.com/office/drawing/2010/main" val="0"/>
-              </a:ext>
-            </a:extLst>
-          </a:blip>
-          <a:stretch>
-            <a:fillRect/>
-          </a:stretch>
-        </p:blipFill>
-        <p:spPr>
-          <a:xfrm>
-            <a:off x="2506748" y="2523376"/>
-            <a:ext cx="2546890" cy="568958"/>
-          </a:xfrm>
-          <a:prstGeom prst="rect">
-            <a:avLst/>
-          </a:prstGeom>
-        </p:spPr>
-      </p:pic>
-      <p:pic>
-        <p:nvPicPr>
-          <p:cNvPr id="7" name="Picture 6">
-            <a:extLst>
-              <a:ext uri="{FF2B5EF4-FFF2-40B4-BE49-F238E27FC236}">
-                <a16:creationId xmlns:a16="http://schemas.microsoft.com/office/drawing/2014/main" id="{076C4123-E1B2-4974-8CEE-CAE42EE094AF}"/>
-              </a:ext>
-            </a:extLst>
-          </p:cNvPr>
-          <p:cNvPicPr>
-            <a:picLocks noChangeAspect="1"/>
-          </p:cNvPicPr>
-          <p:nvPr>
-            <p:custDataLst>
-              <p:tags r:id="rId2"/>
-            </p:custDataLst>
-          </p:nvPr>
-        </p:nvPicPr>
-        <p:blipFill>
-          <a:blip r:embed="rId5">
-            <a:extLst>
-              <a:ext uri="{28A0092B-C50C-407E-A947-70E740481C1C}">
-                <a14:useLocalDpi xmlns:a14="http://schemas.microsoft.com/office/drawing/2010/main" val="0"/>
-              </a:ext>
-            </a:extLst>
-          </a:blip>
-          <a:stretch>
-            <a:fillRect/>
-          </a:stretch>
-        </p:blipFill>
-        <p:spPr>
-          <a:xfrm>
-            <a:off x="2506748" y="4123457"/>
-            <a:ext cx="2546890" cy="649545"/>
-          </a:xfrm>
-          <a:prstGeom prst="rect">
-            <a:avLst/>
-          </a:prstGeom>
-        </p:spPr>
-      </p:pic>
-      <p:pic>
-        <p:nvPicPr>
-          <p:cNvPr id="6" name="Graphic 5" descr="Bookmark">
-            <a:extLst>
-              <a:ext uri="{FF2B5EF4-FFF2-40B4-BE49-F238E27FC236}">
-                <a16:creationId xmlns:a16="http://schemas.microsoft.com/office/drawing/2014/main" id="{88BED1D8-A231-4D43-9487-24DE0804689C}"/>
+          <p:cNvPr id="4" name="Picture 3">
+            <a:extLst>
+              <a:ext uri="{FF2B5EF4-FFF2-40B4-BE49-F238E27FC236}">
+                <a16:creationId xmlns:a16="http://schemas.microsoft.com/office/drawing/2014/main" id="{17A7E82C-8DCA-4D07-BE48-FB1CCD348116}"/>
               </a:ext>
             </a:extLst>
           </p:cNvPr>
@@ -9001,13 +8864,10 @@
           <p:nvPr/>
         </p:nvPicPr>
         <p:blipFill>
-          <a:blip r:embed="rId6">
+          <a:blip r:embed="rId2">
             <a:extLst>
               <a:ext uri="{28A0092B-C50C-407E-A947-70E740481C1C}">
                 <a14:useLocalDpi xmlns:a14="http://schemas.microsoft.com/office/drawing/2010/main" val="0"/>
-              </a:ext>
-              <a:ext uri="{96DAC541-7B7A-43D3-8B79-37D633B846F1}">
-                <asvg:svgBlip xmlns:asvg="http://schemas.microsoft.com/office/drawing/2016/SVG/main" r:embed="rId7"/>
               </a:ext>
             </a:extLst>
           </a:blip>
@@ -9017,6 +8877,45 @@
         </p:blipFill>
         <p:spPr>
           <a:xfrm>
+            <a:off x="3725032" y="1482085"/>
+            <a:ext cx="5180086" cy="5189230"/>
+          </a:xfrm>
+          <a:prstGeom prst="rect">
+            <a:avLst/>
+          </a:prstGeom>
+        </p:spPr>
+      </p:pic>
+      <p:pic>
+        <p:nvPicPr>
+          <p:cNvPr id="12" name="Graphic 11" descr="Bookmark">
+            <a:extLst>
+              <a:ext uri="{FF2B5EF4-FFF2-40B4-BE49-F238E27FC236}">
+                <a16:creationId xmlns:a16="http://schemas.microsoft.com/office/drawing/2014/main" id="{9EECFAE6-7B02-440F-B490-981458BF97EF}"/>
+              </a:ext>
+            </a:extLst>
+          </p:cNvPr>
+          <p:cNvPicPr>
+            <a:picLocks noChangeAspect="1"/>
+          </p:cNvPicPr>
+          <p:nvPr/>
+        </p:nvPicPr>
+        <p:blipFill>
+          <a:blip r:embed="rId3">
+            <a:extLst>
+              <a:ext uri="{28A0092B-C50C-407E-A947-70E740481C1C}">
+                <a14:useLocalDpi xmlns:a14="http://schemas.microsoft.com/office/drawing/2010/main" val="0"/>
+              </a:ext>
+              <a:ext uri="{96DAC541-7B7A-43D3-8B79-37D633B846F1}">
+                <asvg:svgBlip xmlns:asvg="http://schemas.microsoft.com/office/drawing/2016/SVG/main" r:embed="rId4"/>
+              </a:ext>
+            </a:extLst>
+          </a:blip>
+          <a:stretch>
+            <a:fillRect/>
+          </a:stretch>
+        </p:blipFill>
+        <p:spPr>
+          <a:xfrm>
             <a:off x="10933290" y="-94367"/>
             <a:ext cx="513644" cy="513644"/>
           </a:xfrm>
@@ -9028,7 +8927,7 @@
     </p:spTree>
     <p:extLst>
       <p:ext uri="{BB962C8B-B14F-4D97-AF65-F5344CB8AC3E}">
-        <p14:creationId xmlns:p14="http://schemas.microsoft.com/office/powerpoint/2010/main" val="3225984595"/>
+        <p14:creationId xmlns:p14="http://schemas.microsoft.com/office/powerpoint/2010/main" val="1631953745"/>
       </p:ext>
     </p:extLst>
   </p:cSld>
@@ -9082,7 +8981,7 @@
             </a:r>
             <a:r>
               <a:rPr lang="en-CA" dirty="0"/>
-              <a:t>-Stokes equations - FD</a:t>
+              <a:t>-Stokes equations</a:t>
             </a:r>
           </a:p>
         </p:txBody>
@@ -9129,10 +9028,10 @@
       </p:sp>
       <p:pic>
         <p:nvPicPr>
-          <p:cNvPr id="13" name="Picture 12">
-            <a:extLst>
-              <a:ext uri="{FF2B5EF4-FFF2-40B4-BE49-F238E27FC236}">
-                <a16:creationId xmlns:a16="http://schemas.microsoft.com/office/drawing/2014/main" id="{1C9BDCDC-1492-48AC-A84A-9A2379B0FFD2}"/>
+          <p:cNvPr id="5" name="Picture 4">
+            <a:extLst>
+              <a:ext uri="{FF2B5EF4-FFF2-40B4-BE49-F238E27FC236}">
+                <a16:creationId xmlns:a16="http://schemas.microsoft.com/office/drawing/2014/main" id="{EF78BE4D-9C06-47C9-95D5-5B39D4195F76}"/>
               </a:ext>
             </a:extLst>
           </p:cNvPr>
@@ -9146,7 +9045,7 @@
           </p:nvPr>
         </p:nvPicPr>
         <p:blipFill>
-          <a:blip r:embed="rId5">
+          <a:blip r:embed="rId4">
             <a:extLst>
               <a:ext uri="{28A0092B-C50C-407E-A947-70E740481C1C}">
                 <a14:useLocalDpi xmlns:a14="http://schemas.microsoft.com/office/drawing/2010/main" val="0"/>
@@ -9159,8 +9058,8 @@
         </p:blipFill>
         <p:spPr>
           <a:xfrm>
-            <a:off x="3056762" y="2595113"/>
-            <a:ext cx="6656001" cy="758857"/>
+            <a:off x="2506748" y="2523376"/>
+            <a:ext cx="2546890" cy="568958"/>
           </a:xfrm>
           <a:prstGeom prst="rect">
             <a:avLst/>
@@ -9169,10 +9068,10 @@
       </p:pic>
       <p:pic>
         <p:nvPicPr>
-          <p:cNvPr id="15" name="Picture 14">
-            <a:extLst>
-              <a:ext uri="{FF2B5EF4-FFF2-40B4-BE49-F238E27FC236}">
-                <a16:creationId xmlns:a16="http://schemas.microsoft.com/office/drawing/2014/main" id="{32993C4E-54DC-4537-A926-644E9DF66E5A}"/>
+          <p:cNvPr id="7" name="Picture 6">
+            <a:extLst>
+              <a:ext uri="{FF2B5EF4-FFF2-40B4-BE49-F238E27FC236}">
+                <a16:creationId xmlns:a16="http://schemas.microsoft.com/office/drawing/2014/main" id="{076C4123-E1B2-4974-8CEE-CAE42EE094AF}"/>
               </a:ext>
             </a:extLst>
           </p:cNvPr>
@@ -9186,7 +9085,7 @@
           </p:nvPr>
         </p:nvPicPr>
         <p:blipFill>
-          <a:blip r:embed="rId6">
+          <a:blip r:embed="rId5">
             <a:extLst>
               <a:ext uri="{28A0092B-C50C-407E-A947-70E740481C1C}">
                 <a14:useLocalDpi xmlns:a14="http://schemas.microsoft.com/office/drawing/2010/main" val="0"/>
@@ -9199,8 +9098,8 @@
         </p:blipFill>
         <p:spPr>
           <a:xfrm>
-            <a:off x="3816381" y="4199059"/>
-            <a:ext cx="4559238" cy="644571"/>
+            <a:off x="2506748" y="4123457"/>
+            <a:ext cx="2546890" cy="649545"/>
           </a:xfrm>
           <a:prstGeom prst="rect">
             <a:avLst/>
@@ -9209,193 +9108,10 @@
       </p:pic>
       <p:pic>
         <p:nvPicPr>
-          <p:cNvPr id="18" name="Picture 17">
-            <a:extLst>
-              <a:ext uri="{FF2B5EF4-FFF2-40B4-BE49-F238E27FC236}">
-                <a16:creationId xmlns:a16="http://schemas.microsoft.com/office/drawing/2014/main" id="{0E834288-200F-421F-BD58-AD7090C89D97}"/>
-              </a:ext>
-            </a:extLst>
-          </p:cNvPr>
-          <p:cNvPicPr>
-            <a:picLocks noChangeAspect="1"/>
-          </p:cNvPicPr>
-          <p:nvPr>
-            <p:custDataLst>
-              <p:tags r:id="rId3"/>
-            </p:custDataLst>
-          </p:nvPr>
-        </p:nvPicPr>
-        <p:blipFill>
-          <a:blip r:embed="rId7">
-            <a:extLst>
-              <a:ext uri="{28A0092B-C50C-407E-A947-70E740481C1C}">
-                <a14:useLocalDpi xmlns:a14="http://schemas.microsoft.com/office/drawing/2010/main" val="0"/>
-              </a:ext>
-            </a:extLst>
-          </a:blip>
-          <a:stretch>
-            <a:fillRect/>
-          </a:stretch>
-        </p:blipFill>
-        <p:spPr>
-          <a:xfrm>
-            <a:off x="3816381" y="5224029"/>
-            <a:ext cx="4559239" cy="644571"/>
-          </a:xfrm>
-          <a:prstGeom prst="rect">
-            <a:avLst/>
-          </a:prstGeom>
-        </p:spPr>
-      </p:pic>
-      <p:sp>
-        <p:nvSpPr>
-          <p:cNvPr id="19" name="Oval 18">
-            <a:extLst>
-              <a:ext uri="{FF2B5EF4-FFF2-40B4-BE49-F238E27FC236}">
-                <a16:creationId xmlns:a16="http://schemas.microsoft.com/office/drawing/2014/main" id="{1CD020A1-F54A-4A08-8DE3-BC9A2BA1EB52}"/>
-              </a:ext>
-            </a:extLst>
-          </p:cNvPr>
-          <p:cNvSpPr/>
-          <p:nvPr/>
-        </p:nvSpPr>
-        <p:spPr>
-          <a:xfrm>
-            <a:off x="6207853" y="4555656"/>
-            <a:ext cx="855677" cy="318782"/>
-          </a:xfrm>
-          <a:prstGeom prst="ellipse">
-            <a:avLst/>
-          </a:prstGeom>
-          <a:noFill/>
-          <a:ln>
-            <a:solidFill>
-              <a:srgbClr val="C00000"/>
-            </a:solidFill>
-          </a:ln>
-        </p:spPr>
-        <p:style>
-          <a:lnRef idx="2">
-            <a:schemeClr val="accent1">
-              <a:shade val="50000"/>
-            </a:schemeClr>
-          </a:lnRef>
-          <a:fillRef idx="1">
-            <a:schemeClr val="accent1"/>
-          </a:fillRef>
-          <a:effectRef idx="0">
-            <a:schemeClr val="accent1"/>
-          </a:effectRef>
-          <a:fontRef idx="minor">
-            <a:schemeClr val="lt1"/>
-          </a:fontRef>
-        </p:style>
-        <p:txBody>
-          <a:bodyPr rtlCol="0" anchor="ctr"/>
-          <a:lstStyle/>
-          <a:p>
-            <a:pPr algn="ctr"/>
-            <a:endParaRPr lang="en-CA"/>
-          </a:p>
-        </p:txBody>
-      </p:sp>
-      <p:sp>
-        <p:nvSpPr>
-          <p:cNvPr id="21" name="Oval 20">
-            <a:extLst>
-              <a:ext uri="{FF2B5EF4-FFF2-40B4-BE49-F238E27FC236}">
-                <a16:creationId xmlns:a16="http://schemas.microsoft.com/office/drawing/2014/main" id="{861C4E48-16E6-4857-9DE0-2CEDBEC29933}"/>
-              </a:ext>
-            </a:extLst>
-          </p:cNvPr>
-          <p:cNvSpPr/>
-          <p:nvPr/>
-        </p:nvSpPr>
-        <p:spPr>
-          <a:xfrm>
-            <a:off x="6207853" y="5605678"/>
-            <a:ext cx="855677" cy="318782"/>
-          </a:xfrm>
-          <a:prstGeom prst="ellipse">
-            <a:avLst/>
-          </a:prstGeom>
-          <a:noFill/>
-          <a:ln>
-            <a:solidFill>
-              <a:srgbClr val="C00000"/>
-            </a:solidFill>
-          </a:ln>
-        </p:spPr>
-        <p:style>
-          <a:lnRef idx="2">
-            <a:schemeClr val="accent1">
-              <a:shade val="50000"/>
-            </a:schemeClr>
-          </a:lnRef>
-          <a:fillRef idx="1">
-            <a:schemeClr val="accent1"/>
-          </a:fillRef>
-          <a:effectRef idx="0">
-            <a:schemeClr val="accent1"/>
-          </a:effectRef>
-          <a:fontRef idx="minor">
-            <a:schemeClr val="lt1"/>
-          </a:fontRef>
-        </p:style>
-        <p:txBody>
-          <a:bodyPr rtlCol="0" anchor="ctr"/>
-          <a:lstStyle/>
-          <a:p>
-            <a:pPr algn="ctr"/>
-            <a:endParaRPr lang="en-CA"/>
-          </a:p>
-        </p:txBody>
-      </p:sp>
-      <p:sp>
-        <p:nvSpPr>
-          <p:cNvPr id="22" name="TextBox 21">
-            <a:extLst>
-              <a:ext uri="{FF2B5EF4-FFF2-40B4-BE49-F238E27FC236}">
-                <a16:creationId xmlns:a16="http://schemas.microsoft.com/office/drawing/2014/main" id="{7C26722E-B2C8-4722-BA2A-C3C90DDFC4D6}"/>
-              </a:ext>
-            </a:extLst>
-          </p:cNvPr>
-          <p:cNvSpPr txBox="1"/>
-          <p:nvPr/>
-        </p:nvSpPr>
-        <p:spPr>
-          <a:xfrm>
-            <a:off x="8712471" y="4874439"/>
-            <a:ext cx="1169760" cy="523220"/>
-          </a:xfrm>
-          <a:prstGeom prst="rect">
-            <a:avLst/>
-          </a:prstGeom>
-          <a:noFill/>
-        </p:spPr>
-        <p:txBody>
-          <a:bodyPr wrap="square" rtlCol="0">
-            <a:spAutoFit/>
-          </a:bodyPr>
-          <a:lstStyle/>
-          <a:p>
-            <a:r>
-              <a:rPr lang="en-CA" sz="2800" dirty="0">
-                <a:solidFill>
-                  <a:srgbClr val="C00000"/>
-                </a:solidFill>
-              </a:rPr>
-              <a:t>Uh-oh</a:t>
-            </a:r>
-          </a:p>
-        </p:txBody>
-      </p:sp>
-      <p:pic>
-        <p:nvPicPr>
-          <p:cNvPr id="10" name="Graphic 9" descr="Bookmark">
-            <a:extLst>
-              <a:ext uri="{FF2B5EF4-FFF2-40B4-BE49-F238E27FC236}">
-                <a16:creationId xmlns:a16="http://schemas.microsoft.com/office/drawing/2014/main" id="{A2DD67A3-3BAC-45A6-9AA3-635599CF0872}"/>
+          <p:cNvPr id="6" name="Graphic 5" descr="Bookmark">
+            <a:extLst>
+              <a:ext uri="{FF2B5EF4-FFF2-40B4-BE49-F238E27FC236}">
+                <a16:creationId xmlns:a16="http://schemas.microsoft.com/office/drawing/2014/main" id="{88BED1D8-A231-4D43-9487-24DE0804689C}"/>
               </a:ext>
             </a:extLst>
           </p:cNvPr>
@@ -9405,13 +9121,13 @@
           <p:nvPr/>
         </p:nvPicPr>
         <p:blipFill>
-          <a:blip r:embed="rId8">
+          <a:blip r:embed="rId6">
             <a:extLst>
               <a:ext uri="{28A0092B-C50C-407E-A947-70E740481C1C}">
                 <a14:useLocalDpi xmlns:a14="http://schemas.microsoft.com/office/drawing/2010/main" val="0"/>
               </a:ext>
               <a:ext uri="{96DAC541-7B7A-43D3-8B79-37D633B846F1}">
-                <asvg:svgBlip xmlns:asvg="http://schemas.microsoft.com/office/drawing/2016/SVG/main" r:embed="rId9"/>
+                <asvg:svgBlip xmlns:asvg="http://schemas.microsoft.com/office/drawing/2016/SVG/main" r:embed="rId7"/>
               </a:ext>
             </a:extLst>
           </a:blip>
@@ -9432,7 +9148,7 @@
     </p:spTree>
     <p:extLst>
       <p:ext uri="{BB962C8B-B14F-4D97-AF65-F5344CB8AC3E}">
-        <p14:creationId xmlns:p14="http://schemas.microsoft.com/office/powerpoint/2010/main" val="2870228972"/>
+        <p14:creationId xmlns:p14="http://schemas.microsoft.com/office/powerpoint/2010/main" val="3225984595"/>
       </p:ext>
     </p:extLst>
   </p:cSld>
@@ -9464,6 +9180,410 @@
           <p:cNvPr id="2" name="Title 1">
             <a:extLst>
               <a:ext uri="{FF2B5EF4-FFF2-40B4-BE49-F238E27FC236}">
+                <a16:creationId xmlns:a16="http://schemas.microsoft.com/office/drawing/2014/main" id="{CC6D1FDE-1777-4ED4-A7CF-DD8D94416F9F}"/>
+              </a:ext>
+            </a:extLst>
+          </p:cNvPr>
+          <p:cNvSpPr>
+            <a:spLocks noGrp="1"/>
+          </p:cNvSpPr>
+          <p:nvPr>
+            <p:ph type="title"/>
+          </p:nvPr>
+        </p:nvSpPr>
+        <p:spPr/>
+        <p:txBody>
+          <a:bodyPr/>
+          <a:lstStyle/>
+          <a:p>
+            <a:r>
+              <a:rPr lang="en-CA" dirty="0" err="1"/>
+              <a:t>Navier</a:t>
+            </a:r>
+            <a:r>
+              <a:rPr lang="en-CA" dirty="0"/>
+              <a:t>-Stokes equations - FD</a:t>
+            </a:r>
+          </a:p>
+        </p:txBody>
+      </p:sp>
+      <p:sp>
+        <p:nvSpPr>
+          <p:cNvPr id="3" name="Content Placeholder 2">
+            <a:extLst>
+              <a:ext uri="{FF2B5EF4-FFF2-40B4-BE49-F238E27FC236}">
+                <a16:creationId xmlns:a16="http://schemas.microsoft.com/office/drawing/2014/main" id="{83E51793-9751-492D-847B-F3A84C50BE25}"/>
+              </a:ext>
+            </a:extLst>
+          </p:cNvPr>
+          <p:cNvSpPr>
+            <a:spLocks noGrp="1"/>
+          </p:cNvSpPr>
+          <p:nvPr>
+            <p:ph idx="1"/>
+          </p:nvPr>
+        </p:nvSpPr>
+        <p:spPr/>
+        <p:txBody>
+          <a:bodyPr/>
+          <a:lstStyle/>
+          <a:p>
+            <a:r>
+              <a:rPr lang="en-CA" dirty="0"/>
+              <a:t>Conservation of mass (Continuity):</a:t>
+            </a:r>
+          </a:p>
+          <a:p>
+            <a:endParaRPr lang="en-CA" dirty="0"/>
+          </a:p>
+          <a:p>
+            <a:endParaRPr lang="en-CA" dirty="0"/>
+          </a:p>
+          <a:p>
+            <a:r>
+              <a:rPr lang="en-CA" dirty="0"/>
+              <a:t>Conservation of momentum (Euler’s Equation):</a:t>
+            </a:r>
+          </a:p>
+        </p:txBody>
+      </p:sp>
+      <p:pic>
+        <p:nvPicPr>
+          <p:cNvPr id="13" name="Picture 12">
+            <a:extLst>
+              <a:ext uri="{FF2B5EF4-FFF2-40B4-BE49-F238E27FC236}">
+                <a16:creationId xmlns:a16="http://schemas.microsoft.com/office/drawing/2014/main" id="{1C9BDCDC-1492-48AC-A84A-9A2379B0FFD2}"/>
+              </a:ext>
+            </a:extLst>
+          </p:cNvPr>
+          <p:cNvPicPr>
+            <a:picLocks noChangeAspect="1"/>
+          </p:cNvPicPr>
+          <p:nvPr>
+            <p:custDataLst>
+              <p:tags r:id="rId1"/>
+            </p:custDataLst>
+          </p:nvPr>
+        </p:nvPicPr>
+        <p:blipFill>
+          <a:blip r:embed="rId5">
+            <a:extLst>
+              <a:ext uri="{28A0092B-C50C-407E-A947-70E740481C1C}">
+                <a14:useLocalDpi xmlns:a14="http://schemas.microsoft.com/office/drawing/2010/main" val="0"/>
+              </a:ext>
+            </a:extLst>
+          </a:blip>
+          <a:stretch>
+            <a:fillRect/>
+          </a:stretch>
+        </p:blipFill>
+        <p:spPr>
+          <a:xfrm>
+            <a:off x="3056762" y="2595113"/>
+            <a:ext cx="6656001" cy="758857"/>
+          </a:xfrm>
+          <a:prstGeom prst="rect">
+            <a:avLst/>
+          </a:prstGeom>
+        </p:spPr>
+      </p:pic>
+      <p:pic>
+        <p:nvPicPr>
+          <p:cNvPr id="15" name="Picture 14">
+            <a:extLst>
+              <a:ext uri="{FF2B5EF4-FFF2-40B4-BE49-F238E27FC236}">
+                <a16:creationId xmlns:a16="http://schemas.microsoft.com/office/drawing/2014/main" id="{32993C4E-54DC-4537-A926-644E9DF66E5A}"/>
+              </a:ext>
+            </a:extLst>
+          </p:cNvPr>
+          <p:cNvPicPr>
+            <a:picLocks noChangeAspect="1"/>
+          </p:cNvPicPr>
+          <p:nvPr>
+            <p:custDataLst>
+              <p:tags r:id="rId2"/>
+            </p:custDataLst>
+          </p:nvPr>
+        </p:nvPicPr>
+        <p:blipFill>
+          <a:blip r:embed="rId6">
+            <a:extLst>
+              <a:ext uri="{28A0092B-C50C-407E-A947-70E740481C1C}">
+                <a14:useLocalDpi xmlns:a14="http://schemas.microsoft.com/office/drawing/2010/main" val="0"/>
+              </a:ext>
+            </a:extLst>
+          </a:blip>
+          <a:stretch>
+            <a:fillRect/>
+          </a:stretch>
+        </p:blipFill>
+        <p:spPr>
+          <a:xfrm>
+            <a:off x="3816381" y="4199059"/>
+            <a:ext cx="4559238" cy="644571"/>
+          </a:xfrm>
+          <a:prstGeom prst="rect">
+            <a:avLst/>
+          </a:prstGeom>
+        </p:spPr>
+      </p:pic>
+      <p:pic>
+        <p:nvPicPr>
+          <p:cNvPr id="18" name="Picture 17">
+            <a:extLst>
+              <a:ext uri="{FF2B5EF4-FFF2-40B4-BE49-F238E27FC236}">
+                <a16:creationId xmlns:a16="http://schemas.microsoft.com/office/drawing/2014/main" id="{0E834288-200F-421F-BD58-AD7090C89D97}"/>
+              </a:ext>
+            </a:extLst>
+          </p:cNvPr>
+          <p:cNvPicPr>
+            <a:picLocks noChangeAspect="1"/>
+          </p:cNvPicPr>
+          <p:nvPr>
+            <p:custDataLst>
+              <p:tags r:id="rId3"/>
+            </p:custDataLst>
+          </p:nvPr>
+        </p:nvPicPr>
+        <p:blipFill>
+          <a:blip r:embed="rId7">
+            <a:extLst>
+              <a:ext uri="{28A0092B-C50C-407E-A947-70E740481C1C}">
+                <a14:useLocalDpi xmlns:a14="http://schemas.microsoft.com/office/drawing/2010/main" val="0"/>
+              </a:ext>
+            </a:extLst>
+          </a:blip>
+          <a:stretch>
+            <a:fillRect/>
+          </a:stretch>
+        </p:blipFill>
+        <p:spPr>
+          <a:xfrm>
+            <a:off x="3816381" y="5224029"/>
+            <a:ext cx="4559239" cy="644571"/>
+          </a:xfrm>
+          <a:prstGeom prst="rect">
+            <a:avLst/>
+          </a:prstGeom>
+        </p:spPr>
+      </p:pic>
+      <p:sp>
+        <p:nvSpPr>
+          <p:cNvPr id="19" name="Oval 18">
+            <a:extLst>
+              <a:ext uri="{FF2B5EF4-FFF2-40B4-BE49-F238E27FC236}">
+                <a16:creationId xmlns:a16="http://schemas.microsoft.com/office/drawing/2014/main" id="{1CD020A1-F54A-4A08-8DE3-BC9A2BA1EB52}"/>
+              </a:ext>
+            </a:extLst>
+          </p:cNvPr>
+          <p:cNvSpPr/>
+          <p:nvPr/>
+        </p:nvSpPr>
+        <p:spPr>
+          <a:xfrm>
+            <a:off x="6207853" y="4555656"/>
+            <a:ext cx="855677" cy="318782"/>
+          </a:xfrm>
+          <a:prstGeom prst="ellipse">
+            <a:avLst/>
+          </a:prstGeom>
+          <a:noFill/>
+          <a:ln>
+            <a:solidFill>
+              <a:srgbClr val="C00000"/>
+            </a:solidFill>
+          </a:ln>
+        </p:spPr>
+        <p:style>
+          <a:lnRef idx="2">
+            <a:schemeClr val="accent1">
+              <a:shade val="50000"/>
+            </a:schemeClr>
+          </a:lnRef>
+          <a:fillRef idx="1">
+            <a:schemeClr val="accent1"/>
+          </a:fillRef>
+          <a:effectRef idx="0">
+            <a:schemeClr val="accent1"/>
+          </a:effectRef>
+          <a:fontRef idx="minor">
+            <a:schemeClr val="lt1"/>
+          </a:fontRef>
+        </p:style>
+        <p:txBody>
+          <a:bodyPr rtlCol="0" anchor="ctr"/>
+          <a:lstStyle/>
+          <a:p>
+            <a:pPr algn="ctr"/>
+            <a:endParaRPr lang="en-CA"/>
+          </a:p>
+        </p:txBody>
+      </p:sp>
+      <p:sp>
+        <p:nvSpPr>
+          <p:cNvPr id="21" name="Oval 20">
+            <a:extLst>
+              <a:ext uri="{FF2B5EF4-FFF2-40B4-BE49-F238E27FC236}">
+                <a16:creationId xmlns:a16="http://schemas.microsoft.com/office/drawing/2014/main" id="{861C4E48-16E6-4857-9DE0-2CEDBEC29933}"/>
+              </a:ext>
+            </a:extLst>
+          </p:cNvPr>
+          <p:cNvSpPr/>
+          <p:nvPr/>
+        </p:nvSpPr>
+        <p:spPr>
+          <a:xfrm>
+            <a:off x="6207853" y="5605678"/>
+            <a:ext cx="855677" cy="318782"/>
+          </a:xfrm>
+          <a:prstGeom prst="ellipse">
+            <a:avLst/>
+          </a:prstGeom>
+          <a:noFill/>
+          <a:ln>
+            <a:solidFill>
+              <a:srgbClr val="C00000"/>
+            </a:solidFill>
+          </a:ln>
+        </p:spPr>
+        <p:style>
+          <a:lnRef idx="2">
+            <a:schemeClr val="accent1">
+              <a:shade val="50000"/>
+            </a:schemeClr>
+          </a:lnRef>
+          <a:fillRef idx="1">
+            <a:schemeClr val="accent1"/>
+          </a:fillRef>
+          <a:effectRef idx="0">
+            <a:schemeClr val="accent1"/>
+          </a:effectRef>
+          <a:fontRef idx="minor">
+            <a:schemeClr val="lt1"/>
+          </a:fontRef>
+        </p:style>
+        <p:txBody>
+          <a:bodyPr rtlCol="0" anchor="ctr"/>
+          <a:lstStyle/>
+          <a:p>
+            <a:pPr algn="ctr"/>
+            <a:endParaRPr lang="en-CA"/>
+          </a:p>
+        </p:txBody>
+      </p:sp>
+      <p:sp>
+        <p:nvSpPr>
+          <p:cNvPr id="22" name="TextBox 21">
+            <a:extLst>
+              <a:ext uri="{FF2B5EF4-FFF2-40B4-BE49-F238E27FC236}">
+                <a16:creationId xmlns:a16="http://schemas.microsoft.com/office/drawing/2014/main" id="{7C26722E-B2C8-4722-BA2A-C3C90DDFC4D6}"/>
+              </a:ext>
+            </a:extLst>
+          </p:cNvPr>
+          <p:cNvSpPr txBox="1"/>
+          <p:nvPr/>
+        </p:nvSpPr>
+        <p:spPr>
+          <a:xfrm>
+            <a:off x="8712471" y="4874439"/>
+            <a:ext cx="1169760" cy="523220"/>
+          </a:xfrm>
+          <a:prstGeom prst="rect">
+            <a:avLst/>
+          </a:prstGeom>
+          <a:noFill/>
+        </p:spPr>
+        <p:txBody>
+          <a:bodyPr wrap="square" rtlCol="0">
+            <a:spAutoFit/>
+          </a:bodyPr>
+          <a:lstStyle/>
+          <a:p>
+            <a:r>
+              <a:rPr lang="en-CA" sz="2800" dirty="0">
+                <a:solidFill>
+                  <a:srgbClr val="C00000"/>
+                </a:solidFill>
+              </a:rPr>
+              <a:t>Uh-oh</a:t>
+            </a:r>
+          </a:p>
+        </p:txBody>
+      </p:sp>
+      <p:pic>
+        <p:nvPicPr>
+          <p:cNvPr id="10" name="Graphic 9" descr="Bookmark">
+            <a:extLst>
+              <a:ext uri="{FF2B5EF4-FFF2-40B4-BE49-F238E27FC236}">
+                <a16:creationId xmlns:a16="http://schemas.microsoft.com/office/drawing/2014/main" id="{A2DD67A3-3BAC-45A6-9AA3-635599CF0872}"/>
+              </a:ext>
+            </a:extLst>
+          </p:cNvPr>
+          <p:cNvPicPr>
+            <a:picLocks noChangeAspect="1"/>
+          </p:cNvPicPr>
+          <p:nvPr/>
+        </p:nvPicPr>
+        <p:blipFill>
+          <a:blip r:embed="rId8">
+            <a:extLst>
+              <a:ext uri="{28A0092B-C50C-407E-A947-70E740481C1C}">
+                <a14:useLocalDpi xmlns:a14="http://schemas.microsoft.com/office/drawing/2010/main" val="0"/>
+              </a:ext>
+              <a:ext uri="{96DAC541-7B7A-43D3-8B79-37D633B846F1}">
+                <asvg:svgBlip xmlns:asvg="http://schemas.microsoft.com/office/drawing/2016/SVG/main" r:embed="rId9"/>
+              </a:ext>
+            </a:extLst>
+          </a:blip>
+          <a:stretch>
+            <a:fillRect/>
+          </a:stretch>
+        </p:blipFill>
+        <p:spPr>
+          <a:xfrm>
+            <a:off x="10933290" y="-94367"/>
+            <a:ext cx="513644" cy="513644"/>
+          </a:xfrm>
+          <a:prstGeom prst="rect">
+            <a:avLst/>
+          </a:prstGeom>
+        </p:spPr>
+      </p:pic>
+    </p:spTree>
+    <p:extLst>
+      <p:ext uri="{BB962C8B-B14F-4D97-AF65-F5344CB8AC3E}">
+        <p14:creationId xmlns:p14="http://schemas.microsoft.com/office/powerpoint/2010/main" val="2870228972"/>
+      </p:ext>
+    </p:extLst>
+  </p:cSld>
+  <p:clrMapOvr>
+    <a:masterClrMapping/>
+  </p:clrMapOvr>
+</p:sld>
+</file>
+
+<file path=ppt/slides/slide25.xml><?xml version="1.0" encoding="utf-8"?>
+<p:sld xmlns:a="http://schemas.openxmlformats.org/drawingml/2006/main" xmlns:r="http://schemas.openxmlformats.org/officeDocument/2006/relationships" xmlns:p="http://schemas.openxmlformats.org/presentationml/2006/main">
+  <p:cSld>
+    <p:spTree>
+      <p:nvGrpSpPr>
+        <p:cNvPr id="1" name=""/>
+        <p:cNvGrpSpPr/>
+        <p:nvPr/>
+      </p:nvGrpSpPr>
+      <p:grpSpPr>
+        <a:xfrm>
+          <a:off x="0" y="0"/>
+          <a:ext cx="0" cy="0"/>
+          <a:chOff x="0" y="0"/>
+          <a:chExt cx="0" cy="0"/>
+        </a:xfrm>
+      </p:grpSpPr>
+      <p:sp>
+        <p:nvSpPr>
+          <p:cNvPr id="2" name="Title 1">
+            <a:extLst>
+              <a:ext uri="{FF2B5EF4-FFF2-40B4-BE49-F238E27FC236}">
                 <a16:creationId xmlns:a16="http://schemas.microsoft.com/office/drawing/2014/main" id="{8A5CF6BD-402F-4840-A7EF-314FAAADC386}"/>
               </a:ext>
             </a:extLst>
@@ -9656,7 +9776,7 @@
 </p:sld>
 </file>
 
-<file path=ppt/slides/slide25.xml><?xml version="1.0" encoding="utf-8"?>
+<file path=ppt/slides/slide26.xml><?xml version="1.0" encoding="utf-8"?>
 <p:sld xmlns:a="http://schemas.openxmlformats.org/drawingml/2006/main" xmlns:r="http://schemas.openxmlformats.org/officeDocument/2006/relationships" xmlns:p="http://schemas.openxmlformats.org/presentationml/2006/main">
   <p:cSld>
     <p:spTree>
@@ -10031,7 +10151,7 @@
 </p:sld>
 </file>
 
-<file path=ppt/slides/slide26.xml><?xml version="1.0" encoding="utf-8"?>
+<file path=ppt/slides/slide27.xml><?xml version="1.0" encoding="utf-8"?>
 <p:sld xmlns:a="http://schemas.openxmlformats.org/drawingml/2006/main" xmlns:r="http://schemas.openxmlformats.org/officeDocument/2006/relationships" xmlns:p="http://schemas.openxmlformats.org/presentationml/2006/main">
   <p:cSld>
     <p:spTree>
@@ -10579,7 +10699,7 @@
           <a:p>
             <a:r>
               <a:rPr lang="en-CA" dirty="0"/>
-              <a:t>Consider some theoretical system where the flux is constant in time:</a:t>
+              <a:t>Consider some theoretical system where the flux has a known form:</a:t>
             </a:r>
           </a:p>
           <a:p>
@@ -10598,10 +10718,10 @@
       </p:sp>
       <p:pic>
         <p:nvPicPr>
-          <p:cNvPr id="5" name="Picture 4">
-            <a:extLst>
-              <a:ext uri="{FF2B5EF4-FFF2-40B4-BE49-F238E27FC236}">
-                <a16:creationId xmlns:a16="http://schemas.microsoft.com/office/drawing/2014/main" id="{C1254DA3-D900-441C-BB1A-14F2EDF6B6A8}"/>
+          <p:cNvPr id="9" name="Picture 8">
+            <a:extLst>
+              <a:ext uri="{FF2B5EF4-FFF2-40B4-BE49-F238E27FC236}">
+                <a16:creationId xmlns:a16="http://schemas.microsoft.com/office/drawing/2014/main" id="{354B326E-C0FA-4597-989C-2AA21A4ECF27}"/>
               </a:ext>
             </a:extLst>
           </p:cNvPr>
@@ -10629,7 +10749,7 @@
         <p:spPr>
           <a:xfrm>
             <a:off x="2955517" y="3244269"/>
-            <a:ext cx="1597867" cy="352000"/>
+            <a:ext cx="1883734" cy="352000"/>
           </a:xfrm>
           <a:prstGeom prst="rect">
             <a:avLst/>
@@ -10674,10 +10794,10 @@
       </p:pic>
       <p:pic>
         <p:nvPicPr>
-          <p:cNvPr id="7" name="Picture 6">
-            <a:extLst>
-              <a:ext uri="{FF2B5EF4-FFF2-40B4-BE49-F238E27FC236}">
-                <a16:creationId xmlns:a16="http://schemas.microsoft.com/office/drawing/2014/main" id="{4A0BA15E-EABC-475E-8BE0-5379A5C23DCB}"/>
+          <p:cNvPr id="13" name="Picture 12">
+            <a:extLst>
+              <a:ext uri="{FF2B5EF4-FFF2-40B4-BE49-F238E27FC236}">
+                <a16:creationId xmlns:a16="http://schemas.microsoft.com/office/drawing/2014/main" id="{CEDA7F77-B11B-4CAA-847C-5116F4E916EF}"/>
               </a:ext>
             </a:extLst>
           </p:cNvPr>
@@ -10704,8 +10824,8 @@
         </p:blipFill>
         <p:spPr>
           <a:xfrm>
-            <a:off x="911863" y="4798145"/>
-            <a:ext cx="6142724" cy="433536"/>
+            <a:off x="1206570" y="4769242"/>
+            <a:ext cx="5381627" cy="491341"/>
           </a:xfrm>
           <a:prstGeom prst="rect">
             <a:avLst/>
@@ -10966,10 +11086,10 @@
       </p:pic>
       <p:pic>
         <p:nvPicPr>
-          <p:cNvPr id="15" name="Picture 14">
-            <a:extLst>
-              <a:ext uri="{FF2B5EF4-FFF2-40B4-BE49-F238E27FC236}">
-                <a16:creationId xmlns:a16="http://schemas.microsoft.com/office/drawing/2014/main" id="{A2010DB9-3CF1-4DA0-B834-E4863F77C422}"/>
+          <p:cNvPr id="5" name="Picture 4">
+            <a:extLst>
+              <a:ext uri="{FF2B5EF4-FFF2-40B4-BE49-F238E27FC236}">
+                <a16:creationId xmlns:a16="http://schemas.microsoft.com/office/drawing/2014/main" id="{95968B23-03F6-4AE1-A717-248652BA69E1}"/>
               </a:ext>
             </a:extLst>
           </p:cNvPr>
@@ -10996,8 +11116,8 @@
         </p:blipFill>
         <p:spPr>
           <a:xfrm>
-            <a:off x="898641" y="5190132"/>
-            <a:ext cx="5926172" cy="414588"/>
+            <a:off x="1730079" y="5198677"/>
+            <a:ext cx="4952546" cy="414588"/>
           </a:xfrm>
           <a:prstGeom prst="rect">
             <a:avLst/>
@@ -11036,7 +11156,7 @@
         </p:blipFill>
         <p:spPr>
           <a:xfrm>
-            <a:off x="2866914" y="5680733"/>
+            <a:off x="2757857" y="5679891"/>
             <a:ext cx="2678877" cy="420216"/>
           </a:xfrm>
           <a:prstGeom prst="rect">
@@ -11326,7 +11446,7 @@
           <p:cNvPr id="2" name="Title 1">
             <a:extLst>
               <a:ext uri="{FF2B5EF4-FFF2-40B4-BE49-F238E27FC236}">
-                <a16:creationId xmlns:a16="http://schemas.microsoft.com/office/drawing/2014/main" id="{9E48EAAF-DEAE-4C01-865B-EB9AAAA25949}"/>
+                <a16:creationId xmlns:a16="http://schemas.microsoft.com/office/drawing/2014/main" id="{220E622D-828C-4F5C-9BFA-184086D28934}"/>
               </a:ext>
             </a:extLst>
           </p:cNvPr>
@@ -11344,17 +11464,17 @@
           <a:p>
             <a:r>
               <a:rPr lang="en-CA" dirty="0"/>
-              <a:t>Checkerboard Consequences</a:t>
-            </a:r>
-          </a:p>
-        </p:txBody>
-      </p:sp>
-      <p:sp>
-        <p:nvSpPr>
-          <p:cNvPr id="6" name="Content Placeholder 5">
-            <a:extLst>
-              <a:ext uri="{FF2B5EF4-FFF2-40B4-BE49-F238E27FC236}">
-                <a16:creationId xmlns:a16="http://schemas.microsoft.com/office/drawing/2014/main" id="{949E00B1-4B2B-4A9F-AEFE-FCECE91C0E16}"/>
+              <a:t>What’s Going On</a:t>
+            </a:r>
+          </a:p>
+        </p:txBody>
+      </p:sp>
+      <p:sp>
+        <p:nvSpPr>
+          <p:cNvPr id="3" name="Content Placeholder 2">
+            <a:extLst>
+              <a:ext uri="{FF2B5EF4-FFF2-40B4-BE49-F238E27FC236}">
+                <a16:creationId xmlns:a16="http://schemas.microsoft.com/office/drawing/2014/main" id="{DBC3BA00-7F6B-4AFA-9650-E36316BF10EB}"/>
               </a:ext>
             </a:extLst>
           </p:cNvPr>
@@ -11367,8 +11487,8 @@
         </p:nvSpPr>
         <p:spPr>
           <a:xfrm>
-            <a:off x="838200" y="1573955"/>
-            <a:ext cx="9748706" cy="4351338"/>
+            <a:off x="838200" y="1825625"/>
+            <a:ext cx="6076950" cy="4351338"/>
           </a:xfrm>
         </p:spPr>
         <p:txBody>
@@ -11377,38 +11497,46 @@
           <a:p>
             <a:r>
               <a:rPr lang="en-CA" dirty="0"/>
-              <a:t>Our checkerboard problem can occur anywhere there is alternating data. The same effect would occur if we forced </a:t>
-            </a:r>
-            <a:r>
-              <a:rPr lang="el-GR" dirty="0">
+              <a:t>Our 2 dimensional FD equation:</a:t>
+            </a:r>
+          </a:p>
+          <a:p>
+            <a:endParaRPr lang="en-CA" dirty="0"/>
+          </a:p>
+          <a:p>
+            <a:endParaRPr lang="en-CA" dirty="0"/>
+          </a:p>
+          <a:p>
+            <a:r>
+              <a:rPr lang="en-CA" dirty="0"/>
+              <a:t>Our equation only looks at adjacent cells, not the current cell</a:t>
+            </a:r>
+          </a:p>
+          <a:p>
+            <a:r>
+              <a:rPr lang="en-CA" dirty="0"/>
+              <a:t>If we are solving </a:t>
+            </a:r>
+            <a:r>
+              <a:rPr lang="en-CA" dirty="0">
                 <a:latin typeface="Cambria Math" panose="02040503050406030204" pitchFamily="18" charset="0"/>
                 <a:ea typeface="Cambria Math" panose="02040503050406030204" pitchFamily="18" charset="0"/>
               </a:rPr>
               <a:t>ρ</a:t>
             </a:r>
             <a:r>
-              <a:rPr lang="en-CA" dirty="0">
-                <a:latin typeface="Cambria Math" panose="02040503050406030204" pitchFamily="18" charset="0"/>
-                <a:ea typeface="Cambria Math" panose="02040503050406030204" pitchFamily="18" charset="0"/>
-              </a:rPr>
-              <a:t> to oscillate and looked at j instead. Still more problems can occur if the pressure oscillates.</a:t>
-            </a:r>
-            <a:endParaRPr lang="en-CA" dirty="0"/>
-          </a:p>
-          <a:p>
-            <a:r>
               <a:rPr lang="en-CA" dirty="0"/>
-              <a:t>In the hydrodynamics case where some wave should dissipate, it may get stuck in a high-frequency state and remain in the simulation</a:t>
+              <a:t> for an ‘even’ cell, we are only looking at odd cells, and vice versa: we are odd-even decoupled</a:t>
             </a:r>
           </a:p>
         </p:txBody>
       </p:sp>
       <p:pic>
         <p:nvPicPr>
-          <p:cNvPr id="4" name="Graphic 3" descr="Bookmark">
-            <a:extLst>
-              <a:ext uri="{FF2B5EF4-FFF2-40B4-BE49-F238E27FC236}">
-                <a16:creationId xmlns:a16="http://schemas.microsoft.com/office/drawing/2014/main" id="{431819FB-C456-4DA3-A2CD-D77608973717}"/>
+          <p:cNvPr id="4" name="Picture 3">
+            <a:extLst>
+              <a:ext uri="{FF2B5EF4-FFF2-40B4-BE49-F238E27FC236}">
+                <a16:creationId xmlns:a16="http://schemas.microsoft.com/office/drawing/2014/main" id="{78207064-CA5F-4B9C-BB52-918D1DE8DB48}"/>
               </a:ext>
             </a:extLst>
           </p:cNvPr>
@@ -11418,13 +11546,10 @@
           <p:nvPr/>
         </p:nvPicPr>
         <p:blipFill>
-          <a:blip r:embed="rId2">
+          <a:blip r:embed="rId3">
             <a:extLst>
               <a:ext uri="{28A0092B-C50C-407E-A947-70E740481C1C}">
                 <a14:useLocalDpi xmlns:a14="http://schemas.microsoft.com/office/drawing/2010/main" val="0"/>
-              </a:ext>
-              <a:ext uri="{96DAC541-7B7A-43D3-8B79-37D633B846F1}">
-                <asvg:svgBlip xmlns:asvg="http://schemas.microsoft.com/office/drawing/2016/SVG/main" r:embed="rId3"/>
               </a:ext>
             </a:extLst>
           </a:blip>
@@ -11434,18 +11559,274 @@
         </p:blipFill>
         <p:spPr>
           <a:xfrm>
-            <a:off x="10933290" y="-94367"/>
-            <a:ext cx="513644" cy="513644"/>
+            <a:off x="7259566" y="1334258"/>
+            <a:ext cx="3922784" cy="3922784"/>
           </a:xfrm>
           <a:prstGeom prst="rect">
             <a:avLst/>
           </a:prstGeom>
         </p:spPr>
       </p:pic>
+      <p:pic>
+        <p:nvPicPr>
+          <p:cNvPr id="5" name="Picture 4">
+            <a:extLst>
+              <a:ext uri="{FF2B5EF4-FFF2-40B4-BE49-F238E27FC236}">
+                <a16:creationId xmlns:a16="http://schemas.microsoft.com/office/drawing/2014/main" id="{3A8C5E6D-EA01-4527-B466-C852BE9BD78C}"/>
+              </a:ext>
+            </a:extLst>
+          </p:cNvPr>
+          <p:cNvPicPr>
+            <a:picLocks noChangeAspect="1"/>
+          </p:cNvPicPr>
+          <p:nvPr>
+            <p:custDataLst>
+              <p:tags r:id="rId1"/>
+            </p:custDataLst>
+          </p:nvPr>
+        </p:nvPicPr>
+        <p:blipFill>
+          <a:blip r:embed="rId4">
+            <a:extLst>
+              <a:ext uri="{28A0092B-C50C-407E-A947-70E740481C1C}">
+                <a14:useLocalDpi xmlns:a14="http://schemas.microsoft.com/office/drawing/2010/main" val="0"/>
+              </a:ext>
+            </a:extLst>
+          </a:blip>
+          <a:stretch>
+            <a:fillRect/>
+          </a:stretch>
+        </p:blipFill>
+        <p:spPr>
+          <a:xfrm>
+            <a:off x="1482725" y="2492375"/>
+            <a:ext cx="4690285" cy="443429"/>
+          </a:xfrm>
+          <a:prstGeom prst="rect">
+            <a:avLst/>
+          </a:prstGeom>
+        </p:spPr>
+      </p:pic>
+      <p:sp>
+        <p:nvSpPr>
+          <p:cNvPr id="6" name="Rectangle 5">
+            <a:extLst>
+              <a:ext uri="{FF2B5EF4-FFF2-40B4-BE49-F238E27FC236}">
+                <a16:creationId xmlns:a16="http://schemas.microsoft.com/office/drawing/2014/main" id="{0E0771EE-EFF9-4122-8433-F0B9CECE7A8B}"/>
+              </a:ext>
+            </a:extLst>
+          </p:cNvPr>
+          <p:cNvSpPr/>
+          <p:nvPr/>
+        </p:nvSpPr>
+        <p:spPr>
+          <a:xfrm>
+            <a:off x="8905875" y="2371725"/>
+            <a:ext cx="647700" cy="638175"/>
+          </a:xfrm>
+          <a:prstGeom prst="rect">
+            <a:avLst/>
+          </a:prstGeom>
+          <a:solidFill>
+            <a:srgbClr val="30D830">
+              <a:alpha val="56863"/>
+            </a:srgbClr>
+          </a:solidFill>
+          <a:ln>
+            <a:noFill/>
+          </a:ln>
+        </p:spPr>
+        <p:style>
+          <a:lnRef idx="2">
+            <a:schemeClr val="accent1">
+              <a:shade val="50000"/>
+            </a:schemeClr>
+          </a:lnRef>
+          <a:fillRef idx="1">
+            <a:schemeClr val="accent1"/>
+          </a:fillRef>
+          <a:effectRef idx="0">
+            <a:schemeClr val="accent1"/>
+          </a:effectRef>
+          <a:fontRef idx="minor">
+            <a:schemeClr val="lt1"/>
+          </a:fontRef>
+        </p:style>
+        <p:txBody>
+          <a:bodyPr rtlCol="0" anchor="ctr"/>
+          <a:lstStyle/>
+          <a:p>
+            <a:pPr algn="ctr"/>
+            <a:endParaRPr lang="en-CA"/>
+          </a:p>
+        </p:txBody>
+      </p:sp>
+      <p:sp>
+        <p:nvSpPr>
+          <p:cNvPr id="7" name="Rectangle 6">
+            <a:extLst>
+              <a:ext uri="{FF2B5EF4-FFF2-40B4-BE49-F238E27FC236}">
+                <a16:creationId xmlns:a16="http://schemas.microsoft.com/office/drawing/2014/main" id="{17C8A7BF-4338-4FF5-B6FA-5B6CFB3D0EB8}"/>
+              </a:ext>
+            </a:extLst>
+          </p:cNvPr>
+          <p:cNvSpPr/>
+          <p:nvPr/>
+        </p:nvSpPr>
+        <p:spPr>
+          <a:xfrm>
+            <a:off x="8268021" y="3009900"/>
+            <a:ext cx="647700" cy="638175"/>
+          </a:xfrm>
+          <a:prstGeom prst="rect">
+            <a:avLst/>
+          </a:prstGeom>
+          <a:solidFill>
+            <a:srgbClr val="30D830">
+              <a:alpha val="56863"/>
+            </a:srgbClr>
+          </a:solidFill>
+          <a:ln>
+            <a:noFill/>
+          </a:ln>
+        </p:spPr>
+        <p:style>
+          <a:lnRef idx="2">
+            <a:schemeClr val="accent1">
+              <a:shade val="50000"/>
+            </a:schemeClr>
+          </a:lnRef>
+          <a:fillRef idx="1">
+            <a:schemeClr val="accent1"/>
+          </a:fillRef>
+          <a:effectRef idx="0">
+            <a:schemeClr val="accent1"/>
+          </a:effectRef>
+          <a:fontRef idx="minor">
+            <a:schemeClr val="lt1"/>
+          </a:fontRef>
+        </p:style>
+        <p:txBody>
+          <a:bodyPr rtlCol="0" anchor="ctr"/>
+          <a:lstStyle/>
+          <a:p>
+            <a:pPr algn="ctr"/>
+            <a:endParaRPr lang="en-CA"/>
+          </a:p>
+        </p:txBody>
+      </p:sp>
+      <p:sp>
+        <p:nvSpPr>
+          <p:cNvPr id="8" name="Rectangle 7">
+            <a:extLst>
+              <a:ext uri="{FF2B5EF4-FFF2-40B4-BE49-F238E27FC236}">
+                <a16:creationId xmlns:a16="http://schemas.microsoft.com/office/drawing/2014/main" id="{6850DAF8-5D29-4382-BCA9-9A0F5420B3FC}"/>
+              </a:ext>
+            </a:extLst>
+          </p:cNvPr>
+          <p:cNvSpPr/>
+          <p:nvPr/>
+        </p:nvSpPr>
+        <p:spPr>
+          <a:xfrm>
+            <a:off x="8897108" y="3648075"/>
+            <a:ext cx="647700" cy="638175"/>
+          </a:xfrm>
+          <a:prstGeom prst="rect">
+            <a:avLst/>
+          </a:prstGeom>
+          <a:solidFill>
+            <a:srgbClr val="30D830">
+              <a:alpha val="56863"/>
+            </a:srgbClr>
+          </a:solidFill>
+          <a:ln>
+            <a:noFill/>
+          </a:ln>
+        </p:spPr>
+        <p:style>
+          <a:lnRef idx="2">
+            <a:schemeClr val="accent1">
+              <a:shade val="50000"/>
+            </a:schemeClr>
+          </a:lnRef>
+          <a:fillRef idx="1">
+            <a:schemeClr val="accent1"/>
+          </a:fillRef>
+          <a:effectRef idx="0">
+            <a:schemeClr val="accent1"/>
+          </a:effectRef>
+          <a:fontRef idx="minor">
+            <a:schemeClr val="lt1"/>
+          </a:fontRef>
+        </p:style>
+        <p:txBody>
+          <a:bodyPr rtlCol="0" anchor="ctr"/>
+          <a:lstStyle/>
+          <a:p>
+            <a:pPr algn="ctr"/>
+            <a:endParaRPr lang="en-CA"/>
+          </a:p>
+        </p:txBody>
+      </p:sp>
+      <p:sp>
+        <p:nvSpPr>
+          <p:cNvPr id="9" name="Rectangle 8">
+            <a:extLst>
+              <a:ext uri="{FF2B5EF4-FFF2-40B4-BE49-F238E27FC236}">
+                <a16:creationId xmlns:a16="http://schemas.microsoft.com/office/drawing/2014/main" id="{0A111BBD-09FE-4EA7-BE69-F94762B5DA34}"/>
+              </a:ext>
+            </a:extLst>
+          </p:cNvPr>
+          <p:cNvSpPr/>
+          <p:nvPr/>
+        </p:nvSpPr>
+        <p:spPr>
+          <a:xfrm>
+            <a:off x="9526195" y="3009900"/>
+            <a:ext cx="647700" cy="638175"/>
+          </a:xfrm>
+          <a:prstGeom prst="rect">
+            <a:avLst/>
+          </a:prstGeom>
+          <a:solidFill>
+            <a:srgbClr val="30D830">
+              <a:alpha val="56863"/>
+            </a:srgbClr>
+          </a:solidFill>
+          <a:ln>
+            <a:noFill/>
+          </a:ln>
+        </p:spPr>
+        <p:style>
+          <a:lnRef idx="2">
+            <a:schemeClr val="accent1">
+              <a:shade val="50000"/>
+            </a:schemeClr>
+          </a:lnRef>
+          <a:fillRef idx="1">
+            <a:schemeClr val="accent1"/>
+          </a:fillRef>
+          <a:effectRef idx="0">
+            <a:schemeClr val="accent1"/>
+          </a:effectRef>
+          <a:fontRef idx="minor">
+            <a:schemeClr val="lt1"/>
+          </a:fontRef>
+        </p:style>
+        <p:txBody>
+          <a:bodyPr rtlCol="0" anchor="ctr"/>
+          <a:lstStyle/>
+          <a:p>
+            <a:pPr algn="ctr"/>
+            <a:endParaRPr lang="en-CA"/>
+          </a:p>
+        </p:txBody>
+      </p:sp>
     </p:spTree>
     <p:extLst>
       <p:ext uri="{BB962C8B-B14F-4D97-AF65-F5344CB8AC3E}">
-        <p14:creationId xmlns:p14="http://schemas.microsoft.com/office/powerpoint/2010/main" val="272287562"/>
+        <p14:creationId xmlns:p14="http://schemas.microsoft.com/office/powerpoint/2010/main" val="3363737648"/>
       </p:ext>
     </p:extLst>
   </p:cSld>
@@ -11477,7 +11858,7 @@
           <p:cNvPr id="2" name="Title 1">
             <a:extLst>
               <a:ext uri="{FF2B5EF4-FFF2-40B4-BE49-F238E27FC236}">
-                <a16:creationId xmlns:a16="http://schemas.microsoft.com/office/drawing/2014/main" id="{DCC2400E-47A5-42D0-89A6-71FF6FF67327}"/>
+                <a16:creationId xmlns:a16="http://schemas.microsoft.com/office/drawing/2014/main" id="{9E48EAAF-DEAE-4C01-865B-EB9AAAA25949}"/>
               </a:ext>
             </a:extLst>
           </p:cNvPr>
@@ -11495,17 +11876,17 @@
           <a:p>
             <a:r>
               <a:rPr lang="en-CA" dirty="0"/>
-              <a:t>Possible solutions</a:t>
-            </a:r>
-          </a:p>
-        </p:txBody>
-      </p:sp>
-      <p:sp>
-        <p:nvSpPr>
-          <p:cNvPr id="3" name="Content Placeholder 2">
-            <a:extLst>
-              <a:ext uri="{FF2B5EF4-FFF2-40B4-BE49-F238E27FC236}">
-                <a16:creationId xmlns:a16="http://schemas.microsoft.com/office/drawing/2014/main" id="{E96E7417-1E9B-409E-8A97-8FDB60C2AA44}"/>
+              <a:t>Checkerboard Consequences</a:t>
+            </a:r>
+          </a:p>
+        </p:txBody>
+      </p:sp>
+      <p:sp>
+        <p:nvSpPr>
+          <p:cNvPr id="6" name="Content Placeholder 5">
+            <a:extLst>
+              <a:ext uri="{FF2B5EF4-FFF2-40B4-BE49-F238E27FC236}">
+                <a16:creationId xmlns:a16="http://schemas.microsoft.com/office/drawing/2014/main" id="{949E00B1-4B2B-4A9F-AEFE-FCECE91C0E16}"/>
               </a:ext>
             </a:extLst>
           </p:cNvPr>
@@ -11516,55 +11897,87 @@
             <p:ph idx="1"/>
           </p:nvPr>
         </p:nvSpPr>
-        <p:spPr/>
+        <p:spPr>
+          <a:xfrm>
+            <a:off x="838200" y="1573955"/>
+            <a:ext cx="9748706" cy="4351338"/>
+          </a:xfrm>
+        </p:spPr>
         <p:txBody>
           <a:bodyPr/>
           <a:lstStyle/>
           <a:p>
             <a:r>
               <a:rPr lang="en-CA" dirty="0"/>
-              <a:t>Increase the grid resolution</a:t>
-            </a:r>
-          </a:p>
-          <a:p>
-            <a:pPr lvl="1"/>
+              <a:t>Our checkerboard problem can occur anywhere there is alternating data. The same effect would occur if we forced </a:t>
+            </a:r>
+            <a:r>
+              <a:rPr lang="el-GR" dirty="0">
+                <a:latin typeface="Cambria Math" panose="02040503050406030204" pitchFamily="18" charset="0"/>
+                <a:ea typeface="Cambria Math" panose="02040503050406030204" pitchFamily="18" charset="0"/>
+              </a:rPr>
+              <a:t>ρ</a:t>
+            </a:r>
+            <a:r>
+              <a:rPr lang="en-CA" dirty="0">
+                <a:latin typeface="Cambria Math" panose="02040503050406030204" pitchFamily="18" charset="0"/>
+                <a:ea typeface="Cambria Math" panose="02040503050406030204" pitchFamily="18" charset="0"/>
+              </a:rPr>
+              <a:t> to oscillate and looked at j instead. Still more problems can occur if the pressure oscillates.</a:t>
+            </a:r>
+            <a:endParaRPr lang="en-CA" dirty="0"/>
+          </a:p>
+          <a:p>
             <a:r>
               <a:rPr lang="en-CA" dirty="0"/>
-              <a:t>This is computationally inefficient</a:t>
-            </a:r>
-          </a:p>
-          <a:p>
-            <a:r>
-              <a:rPr lang="en-CA" dirty="0"/>
-              <a:t>Use only forward or reverse finite differences, not the centered difference</a:t>
-            </a:r>
-          </a:p>
-          <a:p>
-            <a:pPr lvl="1"/>
-            <a:r>
-              <a:rPr lang="en-CA" dirty="0"/>
-              <a:t>This will increase error in our results and defeats the purpose</a:t>
-            </a:r>
-          </a:p>
-          <a:p>
-            <a:r>
-              <a:rPr lang="en-CA" dirty="0"/>
-              <a:t>Use staggered grids</a:t>
-            </a:r>
-          </a:p>
-          <a:p>
-            <a:pPr lvl="1"/>
-            <a:r>
-              <a:rPr lang="en-CA" dirty="0"/>
-              <a:t>The accepted solution</a:t>
-            </a:r>
-          </a:p>
-        </p:txBody>
-      </p:sp>
+              <a:t>In the hydrodynamics case where some wave should dissipate, it may get stuck in a high-frequency state and remain in the simulation</a:t>
+            </a:r>
+          </a:p>
+        </p:txBody>
+      </p:sp>
+      <p:pic>
+        <p:nvPicPr>
+          <p:cNvPr id="4" name="Graphic 3" descr="Bookmark">
+            <a:extLst>
+              <a:ext uri="{FF2B5EF4-FFF2-40B4-BE49-F238E27FC236}">
+                <a16:creationId xmlns:a16="http://schemas.microsoft.com/office/drawing/2014/main" id="{431819FB-C456-4DA3-A2CD-D77608973717}"/>
+              </a:ext>
+            </a:extLst>
+          </p:cNvPr>
+          <p:cNvPicPr>
+            <a:picLocks noChangeAspect="1"/>
+          </p:cNvPicPr>
+          <p:nvPr/>
+        </p:nvPicPr>
+        <p:blipFill>
+          <a:blip r:embed="rId2">
+            <a:extLst>
+              <a:ext uri="{28A0092B-C50C-407E-A947-70E740481C1C}">
+                <a14:useLocalDpi xmlns:a14="http://schemas.microsoft.com/office/drawing/2010/main" val="0"/>
+              </a:ext>
+              <a:ext uri="{96DAC541-7B7A-43D3-8B79-37D633B846F1}">
+                <asvg:svgBlip xmlns:asvg="http://schemas.microsoft.com/office/drawing/2016/SVG/main" r:embed="rId3"/>
+              </a:ext>
+            </a:extLst>
+          </a:blip>
+          <a:stretch>
+            <a:fillRect/>
+          </a:stretch>
+        </p:blipFill>
+        <p:spPr>
+          <a:xfrm>
+            <a:off x="10933290" y="-94367"/>
+            <a:ext cx="513644" cy="513644"/>
+          </a:xfrm>
+          <a:prstGeom prst="rect">
+            <a:avLst/>
+          </a:prstGeom>
+        </p:spPr>
+      </p:pic>
     </p:spTree>
     <p:extLst>
       <p:ext uri="{BB962C8B-B14F-4D97-AF65-F5344CB8AC3E}">
-        <p14:creationId xmlns:p14="http://schemas.microsoft.com/office/powerpoint/2010/main" val="3027681198"/>
+        <p14:creationId xmlns:p14="http://schemas.microsoft.com/office/powerpoint/2010/main" val="272287562"/>
       </p:ext>
     </p:extLst>
   </p:cSld>
@@ -11616,10 +12029,10 @@
 <p:tagLst xmlns:a="http://schemas.openxmlformats.org/drawingml/2006/main" xmlns:r="http://schemas.openxmlformats.org/officeDocument/2006/relationships" xmlns:p="http://schemas.openxmlformats.org/presentationml/2006/main">
   <p:tag name="OUTPUTDPI" val="1200"/>
   <p:tag name="ORIGINALHEIGHT" val="165.7293"/>
-  <p:tag name="ORIGINALWIDTH" val="2368.954"/>
-  <p:tag name="LATEXADDIN" val="\documentclass{article}&#10;\usepackage{amsmath}&#10;\pagestyle{empty}&#10;\begin{document}&#10;&#10;$&#10; \rho (x, y, t)_{m,n}^l = 190\Delta t \exp( \frac{\pi x_m}{\Delta x} + \frac{\pi y_n}{\Delta y} + \frac{\pi t}{2 \Delta t} ) $&#10;&#10;&#10;\end{document}"/>
+  <p:tag name="ORIGINALWIDTH" val="1979.752"/>
+  <p:tag name="LATEXADDIN" val="\documentclass{article}&#10;\usepackage{amsmath}&#10;\pagestyle{empty}&#10;\begin{document}&#10;&#10;$&#10; \rho_{m,n}^l = 190\Delta t \exp( \frac{\pi x_m}{\Delta x} + \frac{\pi y_n}{\Delta y} + \frac{\pi t}{2 \Delta t} ) $&#10;&#10;&#10;\end{document}"/>
   <p:tag name="IGUANATEXSIZE" val="20"/>
-  <p:tag name="IGUANATEXCURSOR" val="82"/>
+  <p:tag name="IGUANATEXCURSOR" val="88"/>
   <p:tag name="TRANSPARENCY" val="True"/>
   <p:tag name="FILENAME" val=""/>
   <p:tag name="LATEXENGINEID" val="0"/>
@@ -11653,6 +12066,25 @@
 <file path=ppt/tags/tag13.xml><?xml version="1.0" encoding="utf-8"?>
 <p:tagLst xmlns:a="http://schemas.openxmlformats.org/drawingml/2006/main" xmlns:r="http://schemas.openxmlformats.org/officeDocument/2006/relationships" xmlns:p="http://schemas.openxmlformats.org/presentationml/2006/main">
   <p:tag name="OUTPUTDPI" val="1200"/>
+  <p:tag name="ORIGINALHEIGHT" val="218.2228"/>
+  <p:tag name="ORIGINALWIDTH" val="2308.211"/>
+  <p:tag name="LATEXADDIN" val="\documentclass{article}&#10;\usepackage{amsmath}&#10;\pagestyle{empty}&#10;\begin{document}&#10;&#10;$ \frac{\rho_{m,n}^{l+1} - \rho_{m,n}^l}{\Delta t} = \frac{j_{m+1,n}^l - j_{m-1,n}^l}{2\Delta x} + \frac{j_{m,n+1}^l - j_{m,n-1}^l}{2\Delta y}$&#10;&#10;&#10;\end{document}"/>
+  <p:tag name="IGUANATEXSIZE" val="20"/>
+  <p:tag name="IGUANATEXCURSOR" val="224"/>
+  <p:tag name="TRANSPARENCY" val="True"/>
+  <p:tag name="FILENAME" val=""/>
+  <p:tag name="LATEXENGINEID" val="0"/>
+  <p:tag name="TEMPFOLDER" val="C:\Users\Alex\Documents\University\PHYS 581\temp\"/>
+  <p:tag name="LATEXFORMHEIGHT" val="312"/>
+  <p:tag name="LATEXFORMWIDTH" val="384"/>
+  <p:tag name="LATEXFORMWRAP" val="True"/>
+  <p:tag name="BITMAPVECTOR" val="0"/>
+</p:tagLst>
+</file>
+
+<file path=ppt/tags/tag14.xml><?xml version="1.0" encoding="utf-8"?>
+<p:tagLst xmlns:a="http://schemas.openxmlformats.org/drawingml/2006/main" xmlns:r="http://schemas.openxmlformats.org/officeDocument/2006/relationships" xmlns:p="http://schemas.openxmlformats.org/presentationml/2006/main">
+  <p:tag name="OUTPUTDPI" val="1200"/>
   <p:tag name="ORIGINALHEIGHT" val="158.9802"/>
   <p:tag name="ORIGINALWIDTH" val="711.661"/>
   <p:tag name="LATEXADDIN" val="\documentclass{article}&#10;\usepackage{amsmath}&#10;\pagestyle{empty}&#10;\begin{document}&#10;&#10;$\frac{d\rho}{dt} = -\rho \nabla \cdot \mathbf{v}$&#10;&#10;&#10;\end{document}"/>
@@ -11669,7 +12101,7 @@
 </p:tagLst>
 </file>
 
-<file path=ppt/tags/tag14.xml><?xml version="1.0" encoding="utf-8"?>
+<file path=ppt/tags/tag15.xml><?xml version="1.0" encoding="utf-8"?>
 <p:tagLst xmlns:a="http://schemas.openxmlformats.org/drawingml/2006/main" xmlns:r="http://schemas.openxmlformats.org/officeDocument/2006/relationships" xmlns:p="http://schemas.openxmlformats.org/presentationml/2006/main">
   <p:tag name="OUTPUTDPI" val="1200"/>
   <p:tag name="ORIGINALHEIGHT" val="170.9787"/>
@@ -11688,7 +12120,7 @@
 </p:tagLst>
 </file>
 
-<file path=ppt/tags/tag15.xml><?xml version="1.0" encoding="utf-8"?>
+<file path=ppt/tags/tag16.xml><?xml version="1.0" encoding="utf-8"?>
 <p:tagLst xmlns:a="http://schemas.openxmlformats.org/drawingml/2006/main" xmlns:r="http://schemas.openxmlformats.org/officeDocument/2006/relationships" xmlns:p="http://schemas.openxmlformats.org/presentationml/2006/main">
   <p:tag name="OUTPUTDPI" val="1200"/>
   <p:tag name="ORIGINALHEIGHT" val="373.4533"/>
@@ -11707,7 +12139,7 @@
 </p:tagLst>
 </file>
 
-<file path=ppt/tags/tag16.xml><?xml version="1.0" encoding="utf-8"?>
+<file path=ppt/tags/tag17.xml><?xml version="1.0" encoding="utf-8"?>
 <p:tagLst xmlns:a="http://schemas.openxmlformats.org/drawingml/2006/main" xmlns:r="http://schemas.openxmlformats.org/officeDocument/2006/relationships" xmlns:p="http://schemas.openxmlformats.org/presentationml/2006/main">
   <p:tag name="OUTPUTDPI" val="1200"/>
   <p:tag name="ORIGINALHEIGHT" val="317.2103"/>
@@ -11726,7 +12158,7 @@
 </p:tagLst>
 </file>
 
-<file path=ppt/tags/tag17.xml><?xml version="1.0" encoding="utf-8"?>
+<file path=ppt/tags/tag18.xml><?xml version="1.0" encoding="utf-8"?>
 <p:tagLst xmlns:a="http://schemas.openxmlformats.org/drawingml/2006/main" xmlns:r="http://schemas.openxmlformats.org/officeDocument/2006/relationships" xmlns:p="http://schemas.openxmlformats.org/presentationml/2006/main">
   <p:tag name="OUTPUTDPI" val="1200"/>
   <p:tag name="ORIGINALHEIGHT" val="317.2103"/>
@@ -11844,8 +12276,8 @@
 <p:tagLst xmlns:a="http://schemas.openxmlformats.org/drawingml/2006/main" xmlns:r="http://schemas.openxmlformats.org/officeDocument/2006/relationships" xmlns:p="http://schemas.openxmlformats.org/presentationml/2006/main">
   <p:tag name="OUTPUTDPI" val="1200"/>
   <p:tag name="ORIGINALHEIGHT" val="123.7346"/>
-  <p:tag name="ORIGINALWIDTH" val="561.6797"/>
-  <p:tag name="LATEXADDIN" val="\documentclass{article}&#10;\usepackage{amsmath}&#10;\pagestyle{empty}&#10;\begin{document}&#10;&#10;$j = j(x,y)$&#10;&#10;&#10;\end{document}"/>
+  <p:tag name="ORIGINALWIDTH" val="662.1672"/>
+  <p:tag name="LATEXADDIN" val="\documentclass{article}&#10;\usepackage{amsmath}&#10;\pagestyle{empty}&#10;\begin{document}&#10;&#10;$j = j(x,y,t)$&#10;&#10;&#10;\end{document}"/>
   <p:tag name="IGUANATEXSIZE" val="28"/>
   <p:tag name="IGUANATEXCURSOR" val="93"/>
   <p:tag name="TRANSPARENCY" val="True"/>
@@ -11862,11 +12294,11 @@
 <file path=ppt/tags/tag8.xml><?xml version="1.0" encoding="utf-8"?>
 <p:tagLst xmlns:a="http://schemas.openxmlformats.org/drawingml/2006/main" xmlns:r="http://schemas.openxmlformats.org/officeDocument/2006/relationships" xmlns:p="http://schemas.openxmlformats.org/presentationml/2006/main">
   <p:tag name="OUTPUTDPI" val="1200"/>
-  <p:tag name="ORIGINALHEIGHT" val="168.7289"/>
-  <p:tag name="ORIGINALWIDTH" val="2390.701"/>
-  <p:tag name="LATEXADDIN" val="\documentclass{article}&#10;\usepackage{amsmath}&#10;\pagestyle{empty}&#10;\begin{document}&#10;&#10;$j(x,y)_{m,n} = \frac{95}{2} \exp( \frac{\pi x_m}{\Delta x} + \frac{\pi y_n}{\Delta y} + \frac{\pi t}{2\Delta t} ) + \frac{105}{2} $&#10;&#10;&#10;\end{document}"/>
+  <p:tag name="ORIGINALHEIGHT" val="191.2261"/>
+  <p:tag name="ORIGINALWIDTH" val="2094.488"/>
+  <p:tag name="LATEXADDIN" val="\documentclass{article}&#10;\usepackage{amsmath}&#10;\pagestyle{empty}&#10;\begin{document}&#10;&#10;$j_{m,n}^l = \frac{95}{2} \exp( \frac{\pi x_m}{\Delta x} + \frac{\pi y_n}{\Delta y} + \frac{\pi t^l}{2\Delta t} ) + \frac{105}{2} $&#10;&#10;&#10;\end{document}"/>
   <p:tag name="IGUANATEXSIZE" val="28"/>
-  <p:tag name="IGUANATEXCURSOR" val="195"/>
+  <p:tag name="IGUANATEXCURSOR" val="83"/>
   <p:tag name="TRANSPARENCY" val="True"/>
   <p:tag name="FILENAME" val=""/>
   <p:tag name="LATEXENGINEID" val="0"/>

--- a/Presentation3/Staggered Grids.pptx
+++ b/Presentation3/Staggered Grids.pptx
@@ -21,17 +21,15 @@
     <p:sldId id="271" r:id="rId15"/>
     <p:sldId id="268" r:id="rId16"/>
     <p:sldId id="269" r:id="rId17"/>
-    <p:sldId id="270" r:id="rId18"/>
-    <p:sldId id="272" r:id="rId19"/>
-    <p:sldId id="273" r:id="rId20"/>
-    <p:sldId id="274" r:id="rId21"/>
-    <p:sldId id="277" r:id="rId22"/>
-    <p:sldId id="281" r:id="rId23"/>
-    <p:sldId id="278" r:id="rId24"/>
-    <p:sldId id="279" r:id="rId25"/>
-    <p:sldId id="280" r:id="rId26"/>
-    <p:sldId id="283" r:id="rId27"/>
-    <p:sldId id="276" r:id="rId28"/>
+    <p:sldId id="273" r:id="rId18"/>
+    <p:sldId id="274" r:id="rId19"/>
+    <p:sldId id="277" r:id="rId20"/>
+    <p:sldId id="281" r:id="rId21"/>
+    <p:sldId id="278" r:id="rId22"/>
+    <p:sldId id="279" r:id="rId23"/>
+    <p:sldId id="280" r:id="rId24"/>
+    <p:sldId id="283" r:id="rId25"/>
+    <p:sldId id="276" r:id="rId26"/>
   </p:sldIdLst>
   <p:sldSz cx="12192000" cy="6858000"/>
   <p:notesSz cx="6858000" cy="9144000"/>
@@ -138,10 +136,6 @@
 </p:presentation>
 </file>
 
-<file path=ppt/revisionInfo.xml><?xml version="1.0" encoding="utf-8"?>
-<p1510:revInfo xmlns:a="http://schemas.openxmlformats.org/drawingml/2006/main" xmlns:r="http://schemas.openxmlformats.org/officeDocument/2006/relationships" xmlns:p1510="http://schemas.microsoft.com/office/powerpoint/2015/10/main"/>
-</file>
-
 <file path=ppt/slideLayouts/slideLayout1.xml><?xml version="1.0" encoding="utf-8"?>
 <p:sldLayout xmlns:a="http://schemas.openxmlformats.org/drawingml/2006/main" xmlns:r="http://schemas.openxmlformats.org/officeDocument/2006/relationships" xmlns:p="http://schemas.openxmlformats.org/presentationml/2006/main" type="title" preserve="1">
   <p:cSld name="Title Slide">
@@ -291,7 +285,7 @@
           <a:p>
             <a:fld id="{F972D81F-9226-4579-A993-28406F3FA19C}" type="datetimeFigureOut">
               <a:rPr lang="en-CA" smtClean="0"/>
-              <a:t>2018-04-02</a:t>
+              <a:t>2018-04-03</a:t>
             </a:fld>
             <a:endParaRPr lang="en-CA"/>
           </a:p>
@@ -491,7 +485,7 @@
           <a:p>
             <a:fld id="{F972D81F-9226-4579-A993-28406F3FA19C}" type="datetimeFigureOut">
               <a:rPr lang="en-CA" smtClean="0"/>
-              <a:t>2018-04-02</a:t>
+              <a:t>2018-04-03</a:t>
             </a:fld>
             <a:endParaRPr lang="en-CA"/>
           </a:p>
@@ -701,7 +695,7 @@
           <a:p>
             <a:fld id="{F972D81F-9226-4579-A993-28406F3FA19C}" type="datetimeFigureOut">
               <a:rPr lang="en-CA" smtClean="0"/>
-              <a:t>2018-04-02</a:t>
+              <a:t>2018-04-03</a:t>
             </a:fld>
             <a:endParaRPr lang="en-CA"/>
           </a:p>
@@ -901,7 +895,7 @@
           <a:p>
             <a:fld id="{F972D81F-9226-4579-A993-28406F3FA19C}" type="datetimeFigureOut">
               <a:rPr lang="en-CA" smtClean="0"/>
-              <a:t>2018-04-02</a:t>
+              <a:t>2018-04-03</a:t>
             </a:fld>
             <a:endParaRPr lang="en-CA"/>
           </a:p>
@@ -1177,7 +1171,7 @@
           <a:p>
             <a:fld id="{F972D81F-9226-4579-A993-28406F3FA19C}" type="datetimeFigureOut">
               <a:rPr lang="en-CA" smtClean="0"/>
-              <a:t>2018-04-02</a:t>
+              <a:t>2018-04-03</a:t>
             </a:fld>
             <a:endParaRPr lang="en-CA"/>
           </a:p>
@@ -1445,7 +1439,7 @@
           <a:p>
             <a:fld id="{F972D81F-9226-4579-A993-28406F3FA19C}" type="datetimeFigureOut">
               <a:rPr lang="en-CA" smtClean="0"/>
-              <a:t>2018-04-02</a:t>
+              <a:t>2018-04-03</a:t>
             </a:fld>
             <a:endParaRPr lang="en-CA"/>
           </a:p>
@@ -1860,7 +1854,7 @@
           <a:p>
             <a:fld id="{F972D81F-9226-4579-A993-28406F3FA19C}" type="datetimeFigureOut">
               <a:rPr lang="en-CA" smtClean="0"/>
-              <a:t>2018-04-02</a:t>
+              <a:t>2018-04-03</a:t>
             </a:fld>
             <a:endParaRPr lang="en-CA"/>
           </a:p>
@@ -2002,7 +1996,7 @@
           <a:p>
             <a:fld id="{F972D81F-9226-4579-A993-28406F3FA19C}" type="datetimeFigureOut">
               <a:rPr lang="en-CA" smtClean="0"/>
-              <a:t>2018-04-02</a:t>
+              <a:t>2018-04-03</a:t>
             </a:fld>
             <a:endParaRPr lang="en-CA"/>
           </a:p>
@@ -2115,7 +2109,7 @@
           <a:p>
             <a:fld id="{F972D81F-9226-4579-A993-28406F3FA19C}" type="datetimeFigureOut">
               <a:rPr lang="en-CA" smtClean="0"/>
-              <a:t>2018-04-02</a:t>
+              <a:t>2018-04-03</a:t>
             </a:fld>
             <a:endParaRPr lang="en-CA"/>
           </a:p>
@@ -2428,7 +2422,7 @@
           <a:p>
             <a:fld id="{F972D81F-9226-4579-A993-28406F3FA19C}" type="datetimeFigureOut">
               <a:rPr lang="en-CA" smtClean="0"/>
-              <a:t>2018-04-02</a:t>
+              <a:t>2018-04-03</a:t>
             </a:fld>
             <a:endParaRPr lang="en-CA"/>
           </a:p>
@@ -2717,7 +2711,7 @@
           <a:p>
             <a:fld id="{F972D81F-9226-4579-A993-28406F3FA19C}" type="datetimeFigureOut">
               <a:rPr lang="en-CA" smtClean="0"/>
-              <a:t>2018-04-02</a:t>
+              <a:t>2018-04-03</a:t>
             </a:fld>
             <a:endParaRPr lang="en-CA"/>
           </a:p>
@@ -2960,7 +2954,7 @@
           <a:p>
             <a:fld id="{F972D81F-9226-4579-A993-28406F3FA19C}" type="datetimeFigureOut">
               <a:rPr lang="en-CA" smtClean="0"/>
-              <a:t>2018-04-02</a:t>
+              <a:t>2018-04-03</a:t>
             </a:fld>
             <a:endParaRPr lang="en-CA"/>
           </a:p>
@@ -6366,7 +6360,21 @@
             </a:r>
             <a:r>
               <a:rPr lang="en-CA" dirty="0"/>
-              <a:t> derivatives, use multiple grids: one for the scalar quantity, and an additional one for each vector, shifted a half-step from the scalar grid.</a:t>
+              <a:t> order derivatives, use multiple grids</a:t>
+            </a:r>
+          </a:p>
+          <a:p>
+            <a:pPr lvl="1"/>
+            <a:r>
+              <a:rPr lang="en-CA" dirty="0"/>
+              <a:t>One for the scalar quantity</a:t>
+            </a:r>
+          </a:p>
+          <a:p>
+            <a:pPr lvl="1"/>
+            <a:r>
+              <a:rPr lang="en-CA" dirty="0"/>
+              <a:t>Additional one for each vector, shifted a half-step from the scalar grid.</a:t>
             </a:r>
           </a:p>
           <a:p>
@@ -6505,7 +6513,7 @@
           <a:p>
             <a:r>
               <a:rPr lang="en-CA" dirty="0"/>
-              <a:t>This effectively uses the finite difference from a higher resolution while keeping the lower memory, lower resolution result</a:t>
+              <a:t>This uses the finite difference from a higher resolution while keeping the lower memory, lower resolution result</a:t>
             </a:r>
           </a:p>
         </p:txBody>
@@ -7329,7 +7337,7 @@
           <a:p>
             <a:r>
               <a:rPr lang="en-CA" dirty="0"/>
-              <a:t>Example: E&amp;M Waves</a:t>
+              <a:t>Example: Shallow Water Equations</a:t>
             </a:r>
           </a:p>
         </p:txBody>
@@ -7355,7 +7363,157 @@
           <a:bodyPr/>
           <a:lstStyle/>
           <a:p>
-            <a:endParaRPr lang="en-CA"/>
+            <a:r>
+              <a:rPr lang="en-CA" dirty="0"/>
+              <a:t>These equations are derived from </a:t>
+            </a:r>
+            <a:r>
+              <a:rPr lang="en-CA" dirty="0" err="1"/>
+              <a:t>Navier</a:t>
+            </a:r>
+            <a:r>
+              <a:rPr lang="en-CA" dirty="0"/>
+              <a:t>-Stokes equations (with simplifications)</a:t>
+            </a:r>
+          </a:p>
+          <a:p>
+            <a:pPr lvl="1"/>
+            <a:r>
+              <a:rPr lang="en-CA" dirty="0"/>
+              <a:t>$$\</a:t>
+            </a:r>
+            <a:r>
+              <a:rPr lang="en-CA" dirty="0" err="1"/>
+              <a:t>frac</a:t>
+            </a:r>
+            <a:r>
+              <a:rPr lang="en-CA" dirty="0"/>
+              <a:t>{dh}{</a:t>
+            </a:r>
+            <a:r>
+              <a:rPr lang="en-CA" dirty="0" err="1"/>
+              <a:t>dt</a:t>
+            </a:r>
+            <a:r>
+              <a:rPr lang="en-CA" dirty="0"/>
+              <a:t>} + H \left( \</a:t>
+            </a:r>
+            <a:r>
+              <a:rPr lang="en-CA" dirty="0" err="1"/>
+              <a:t>frac</a:t>
+            </a:r>
+            <a:r>
+              <a:rPr lang="en-CA" dirty="0"/>
+              <a:t>{du}{dx} + \</a:t>
+            </a:r>
+            <a:r>
+              <a:rPr lang="en-CA" dirty="0" err="1"/>
+              <a:t>frac</a:t>
+            </a:r>
+            <a:r>
+              <a:rPr lang="en-CA" dirty="0"/>
+              <a:t>{dv}{</a:t>
+            </a:r>
+            <a:r>
+              <a:rPr lang="en-CA" dirty="0" err="1"/>
+              <a:t>dy</a:t>
+            </a:r>
+            <a:r>
+              <a:rPr lang="en-CA" dirty="0"/>
+              <a:t>} \right) = 0$$</a:t>
+            </a:r>
+          </a:p>
+          <a:p>
+            <a:pPr lvl="1"/>
+            <a:r>
+              <a:rPr lang="en-CA" dirty="0"/>
+              <a:t>$$\</a:t>
+            </a:r>
+            <a:r>
+              <a:rPr lang="en-CA" dirty="0" err="1"/>
+              <a:t>frac</a:t>
+            </a:r>
+            <a:r>
+              <a:rPr lang="en-CA" dirty="0"/>
+              <a:t>{du}{</a:t>
+            </a:r>
+            <a:r>
+              <a:rPr lang="en-CA" dirty="0" err="1"/>
+              <a:t>dt</a:t>
+            </a:r>
+            <a:r>
+              <a:rPr lang="en-CA" dirty="0"/>
+              <a:t>} - </a:t>
+            </a:r>
+            <a:r>
+              <a:rPr lang="en-CA" dirty="0" err="1"/>
+              <a:t>fv</a:t>
+            </a:r>
+            <a:r>
+              <a:rPr lang="en-CA" dirty="0"/>
+              <a:t> = - g \</a:t>
+            </a:r>
+            <a:r>
+              <a:rPr lang="en-CA" dirty="0" err="1"/>
+              <a:t>frac</a:t>
+            </a:r>
+            <a:r>
+              <a:rPr lang="en-CA" dirty="0"/>
+              <a:t>{dh}{dx}$$</a:t>
+            </a:r>
+          </a:p>
+          <a:p>
+            <a:pPr lvl="1"/>
+            <a:r>
+              <a:rPr lang="en-CA" dirty="0"/>
+              <a:t>$$\</a:t>
+            </a:r>
+            <a:r>
+              <a:rPr lang="en-CA" dirty="0" err="1"/>
+              <a:t>frac</a:t>
+            </a:r>
+            <a:r>
+              <a:rPr lang="en-CA" dirty="0"/>
+              <a:t>{dv}{</a:t>
+            </a:r>
+            <a:r>
+              <a:rPr lang="en-CA" dirty="0" err="1"/>
+              <a:t>dt</a:t>
+            </a:r>
+            <a:r>
+              <a:rPr lang="en-CA" dirty="0"/>
+              <a:t>} + </a:t>
+            </a:r>
+            <a:r>
+              <a:rPr lang="en-CA" dirty="0" err="1"/>
+              <a:t>fu</a:t>
+            </a:r>
+            <a:r>
+              <a:rPr lang="en-CA" dirty="0"/>
+              <a:t> = - g \</a:t>
+            </a:r>
+            <a:r>
+              <a:rPr lang="en-CA" dirty="0" err="1"/>
+              <a:t>frac</a:t>
+            </a:r>
+            <a:r>
+              <a:rPr lang="en-CA" dirty="0"/>
+              <a:t>{dh}{</a:t>
+            </a:r>
+            <a:r>
+              <a:rPr lang="en-CA" dirty="0" err="1"/>
+              <a:t>dy</a:t>
+            </a:r>
+            <a:r>
+              <a:rPr lang="en-CA" dirty="0"/>
+              <a:t>}$$</a:t>
+            </a:r>
+          </a:p>
+          <a:p>
+            <a:r>
+              <a:rPr lang="en-CA" dirty="0"/>
+              <a:t>Where h is the height of the fluid with velocities u and v in the x and y directions</a:t>
+            </a:r>
           </a:p>
         </p:txBody>
       </p:sp>
@@ -7412,7 +7570,7 @@
           <a:p>
             <a:r>
               <a:rPr lang="en-CA" dirty="0"/>
-              <a:t>Maxwell’s Equations</a:t>
+              <a:t>Finite Difference Equations</a:t>
             </a:r>
           </a:p>
         </p:txBody>
@@ -7435,10 +7593,163 @@
         </p:nvSpPr>
         <p:spPr/>
         <p:txBody>
-          <a:bodyPr/>
+          <a:bodyPr>
+            <a:normAutofit/>
+          </a:bodyPr>
           <a:lstStyle/>
           <a:p>
-            <a:endParaRPr lang="en-CA"/>
+            <a:r>
+              <a:rPr lang="en-CA" dirty="0"/>
+              <a:t>$$\</a:t>
+            </a:r>
+            <a:r>
+              <a:rPr lang="en-CA" dirty="0" err="1"/>
+              <a:t>frac</a:t>
+            </a:r>
+            <a:r>
+              <a:rPr lang="en-CA" dirty="0"/>
+              <a:t>{h_{x, y}^{t+1} - h_{x, y}^{t}}{\Delta t} = - H \left( \</a:t>
+            </a:r>
+            <a:r>
+              <a:rPr lang="en-CA" dirty="0" err="1"/>
+              <a:t>frac</a:t>
+            </a:r>
+            <a:r>
+              <a:rPr lang="en-CA" dirty="0"/>
+              <a:t>{u_{x + \</a:t>
+            </a:r>
+            <a:r>
+              <a:rPr lang="en-CA" dirty="0" err="1"/>
+              <a:t>frac</a:t>
+            </a:r>
+            <a:r>
+              <a:rPr lang="en-CA" dirty="0"/>
+              <a:t>{1}{2}, y}^{t} - u_{x - \</a:t>
+            </a:r>
+            <a:r>
+              <a:rPr lang="en-CA" dirty="0" err="1"/>
+              <a:t>frac</a:t>
+            </a:r>
+            <a:r>
+              <a:rPr lang="en-CA" dirty="0"/>
+              <a:t>{1}{2}, y}^{t}}{\Delta x} + \</a:t>
+            </a:r>
+            <a:r>
+              <a:rPr lang="en-CA" dirty="0" err="1"/>
+              <a:t>frac</a:t>
+            </a:r>
+            <a:r>
+              <a:rPr lang="en-CA" dirty="0"/>
+              <a:t>{v_{x, y + \</a:t>
+            </a:r>
+            <a:r>
+              <a:rPr lang="en-CA" dirty="0" err="1"/>
+              <a:t>frac</a:t>
+            </a:r>
+            <a:r>
+              <a:rPr lang="en-CA" dirty="0"/>
+              <a:t>{1}{2}}^{t} - v_{x, y - \</a:t>
+            </a:r>
+            <a:r>
+              <a:rPr lang="en-CA" dirty="0" err="1"/>
+              <a:t>frac</a:t>
+            </a:r>
+            <a:r>
+              <a:rPr lang="en-CA" dirty="0"/>
+              <a:t>{1}{2}}^{t}}{\Delta t} \right)$$</a:t>
+            </a:r>
+          </a:p>
+          <a:p>
+            <a:r>
+              <a:rPr lang="en-CA" dirty="0"/>
+              <a:t>$$ \</a:t>
+            </a:r>
+            <a:r>
+              <a:rPr lang="en-CA" dirty="0" err="1"/>
+              <a:t>frac</a:t>
+            </a:r>
+            <a:r>
+              <a:rPr lang="en-CA" dirty="0"/>
+              <a:t>{u_{x + \</a:t>
+            </a:r>
+            <a:r>
+              <a:rPr lang="en-CA" dirty="0" err="1"/>
+              <a:t>frac</a:t>
+            </a:r>
+            <a:r>
+              <a:rPr lang="en-CA" dirty="0"/>
+              <a:t>{1}{2}, y}^{t+1} - u_{x + \</a:t>
+            </a:r>
+            <a:r>
+              <a:rPr lang="en-CA" dirty="0" err="1"/>
+              <a:t>frac</a:t>
+            </a:r>
+            <a:r>
+              <a:rPr lang="en-CA" dirty="0"/>
+              <a:t>{1}{2}, y}^{t}}{\Delta t} = f v_{x + \</a:t>
+            </a:r>
+            <a:r>
+              <a:rPr lang="en-CA" dirty="0" err="1"/>
+              <a:t>frac</a:t>
+            </a:r>
+            <a:r>
+              <a:rPr lang="en-CA" dirty="0"/>
+              <a:t>{1}{2}, y}^{t} - g \</a:t>
+            </a:r>
+            <a:r>
+              <a:rPr lang="en-CA" dirty="0" err="1"/>
+              <a:t>frac</a:t>
+            </a:r>
+            <a:r>
+              <a:rPr lang="en-CA" dirty="0"/>
+              <a:t>{h_{x + 1, y}^{t} - h_{x, y}^{t}}{\Delta x}$$</a:t>
+            </a:r>
+          </a:p>
+          <a:p>
+            <a:r>
+              <a:rPr lang="en-CA" dirty="0"/>
+              <a:t>$$\</a:t>
+            </a:r>
+            <a:r>
+              <a:rPr lang="en-CA" dirty="0" err="1"/>
+              <a:t>frac</a:t>
+            </a:r>
+            <a:r>
+              <a:rPr lang="en-CA" dirty="0"/>
+              <a:t>{v_{x, y + \</a:t>
+            </a:r>
+            <a:r>
+              <a:rPr lang="en-CA" dirty="0" err="1"/>
+              <a:t>frac</a:t>
+            </a:r>
+            <a:r>
+              <a:rPr lang="en-CA" dirty="0"/>
+              <a:t>{1}{2}}^{t+1} - v_{x, y + \</a:t>
+            </a:r>
+            <a:r>
+              <a:rPr lang="en-CA" dirty="0" err="1"/>
+              <a:t>frac</a:t>
+            </a:r>
+            <a:r>
+              <a:rPr lang="en-CA" dirty="0"/>
+              <a:t>{1}{2}}^t}{\Delta t} = - f u_{x, y + \</a:t>
+            </a:r>
+            <a:r>
+              <a:rPr lang="en-CA" dirty="0" err="1"/>
+              <a:t>frac</a:t>
+            </a:r>
+            <a:r>
+              <a:rPr lang="en-CA" dirty="0"/>
+              <a:t>{1}{2}}^{t} - g \</a:t>
+            </a:r>
+            <a:r>
+              <a:rPr lang="en-CA" dirty="0" err="1"/>
+              <a:t>frac</a:t>
+            </a:r>
+            <a:r>
+              <a:rPr lang="en-CA" dirty="0"/>
+              <a:t>{h_{x, y+1}^{t} - h_{x, y}^t}{\Delta y}$$</a:t>
+            </a:r>
           </a:p>
         </p:txBody>
       </p:sp>
@@ -7477,7 +7788,7 @@
           <p:cNvPr id="2" name="Title 1">
             <a:extLst>
               <a:ext uri="{FF2B5EF4-FFF2-40B4-BE49-F238E27FC236}">
-                <a16:creationId xmlns:a16="http://schemas.microsoft.com/office/drawing/2014/main" id="{C8CC6C58-8F76-451E-92B6-33E049CE78FD}"/>
+                <a16:creationId xmlns:a16="http://schemas.microsoft.com/office/drawing/2014/main" id="{F516C5F0-1F11-49CF-9A2A-1B61EFE4FB27}"/>
               </a:ext>
             </a:extLst>
           </p:cNvPr>
@@ -7495,14 +7806,7 @@
           <a:p>
             <a:r>
               <a:rPr lang="en-CA" dirty="0"/>
-              <a:t>Maxwell-Faraday</a:t>
-            </a:r>
-            <a:br>
-              <a:rPr lang="en-CA" dirty="0"/>
-            </a:br>
-            <a:r>
-              <a:rPr lang="en-CA" dirty="0"/>
-              <a:t>System of Equations</a:t>
+              <a:t>Setting Up Grids</a:t>
             </a:r>
           </a:p>
         </p:txBody>
@@ -7512,7 +7816,7 @@
           <p:cNvPr id="3" name="Content Placeholder 2">
             <a:extLst>
               <a:ext uri="{FF2B5EF4-FFF2-40B4-BE49-F238E27FC236}">
-                <a16:creationId xmlns:a16="http://schemas.microsoft.com/office/drawing/2014/main" id="{D53CB266-E56B-49D1-8758-F2D520CFFD6E}"/>
+                <a16:creationId xmlns:a16="http://schemas.microsoft.com/office/drawing/2014/main" id="{2464E1B0-B7AD-4629-A252-7605FED01304}"/>
               </a:ext>
             </a:extLst>
           </p:cNvPr>
@@ -7523,19 +7827,76 @@
             <p:ph idx="1"/>
           </p:nvPr>
         </p:nvSpPr>
-        <p:spPr/>
-        <p:txBody>
-          <a:bodyPr/>
+        <p:spPr>
+          <a:xfrm>
+            <a:off x="838200" y="1825625"/>
+            <a:ext cx="4629346" cy="4351338"/>
+          </a:xfrm>
+        </p:spPr>
+        <p:txBody>
+          <a:bodyPr>
+            <a:normAutofit lnSpcReduction="10000"/>
+          </a:bodyPr>
           <a:lstStyle/>
           <a:p>
-            <a:endParaRPr lang="en-CA"/>
-          </a:p>
-        </p:txBody>
-      </p:sp>
+            <a:r>
+              <a:rPr lang="en-CA" dirty="0"/>
+              <a:t>Grids are created with ghost zones to set boundary conditions (in this case, boundary is zero)</a:t>
+            </a:r>
+          </a:p>
+          <a:p>
+            <a:r>
+              <a:rPr lang="en-CA" dirty="0"/>
+              <a:t>Velocity grids are used on the boundary, so they are actually rectangles</a:t>
+            </a:r>
+          </a:p>
+          <a:p>
+            <a:r>
+              <a:rPr lang="en-CA" dirty="0"/>
+              <a:t>The time derivatives depend of velocities depend on other velocity, so average is used</a:t>
+            </a:r>
+          </a:p>
+        </p:txBody>
+      </p:sp>
+      <p:pic>
+        <p:nvPicPr>
+          <p:cNvPr id="6" name="Picture 5">
+            <a:extLst>
+              <a:ext uri="{FF2B5EF4-FFF2-40B4-BE49-F238E27FC236}">
+                <a16:creationId xmlns:a16="http://schemas.microsoft.com/office/drawing/2014/main" id="{7CC23193-6366-4F4B-AA11-0FC6976D21AF}"/>
+              </a:ext>
+            </a:extLst>
+          </p:cNvPr>
+          <p:cNvPicPr>
+            <a:picLocks noChangeAspect="1"/>
+          </p:cNvPicPr>
+          <p:nvPr/>
+        </p:nvPicPr>
+        <p:blipFill rotWithShape="1">
+          <a:blip r:embed="rId2">
+            <a:extLst>
+              <a:ext uri="{28A0092B-C50C-407E-A947-70E740481C1C}">
+                <a14:useLocalDpi xmlns:a14="http://schemas.microsoft.com/office/drawing/2010/main" val="0"/>
+              </a:ext>
+            </a:extLst>
+          </a:blip>
+          <a:srcRect l="20569" b="19348"/>
+          <a:stretch/>
+        </p:blipFill>
+        <p:spPr>
+          <a:xfrm>
+            <a:off x="6451186" y="1542912"/>
+            <a:ext cx="4114565" cy="4185225"/>
+          </a:xfrm>
+          <a:prstGeom prst="rect">
+            <a:avLst/>
+          </a:prstGeom>
+        </p:spPr>
+      </p:pic>
     </p:spTree>
     <p:extLst>
       <p:ext uri="{BB962C8B-B14F-4D97-AF65-F5344CB8AC3E}">
-        <p14:creationId xmlns:p14="http://schemas.microsoft.com/office/powerpoint/2010/main" val="3148063328"/>
+        <p14:creationId xmlns:p14="http://schemas.microsoft.com/office/powerpoint/2010/main" val="2704870459"/>
       </p:ext>
     </p:extLst>
   </p:cSld>
@@ -7567,7 +7928,7 @@
           <p:cNvPr id="2" name="Title 1">
             <a:extLst>
               <a:ext uri="{FF2B5EF4-FFF2-40B4-BE49-F238E27FC236}">
-                <a16:creationId xmlns:a16="http://schemas.microsoft.com/office/drawing/2014/main" id="{B3D30977-B9F8-4A88-B289-FE51CD6A6F3B}"/>
+                <a16:creationId xmlns:a16="http://schemas.microsoft.com/office/drawing/2014/main" id="{B33F3322-66DE-4822-AB4C-780A0148D90B}"/>
               </a:ext>
             </a:extLst>
           </p:cNvPr>
@@ -7585,47 +7946,15 @@
           <a:p>
             <a:r>
               <a:rPr lang="en-CA" dirty="0"/>
-              <a:t>Maxwell-Faraday</a:t>
-            </a:r>
-            <a:br>
-              <a:rPr lang="en-CA" dirty="0"/>
-            </a:br>
-            <a:r>
-              <a:rPr lang="en-CA" dirty="0"/>
-              <a:t>FD Equations</a:t>
-            </a:r>
-          </a:p>
-        </p:txBody>
-      </p:sp>
-      <p:sp>
-        <p:nvSpPr>
-          <p:cNvPr id="3" name="Content Placeholder 2">
-            <a:extLst>
-              <a:ext uri="{FF2B5EF4-FFF2-40B4-BE49-F238E27FC236}">
-                <a16:creationId xmlns:a16="http://schemas.microsoft.com/office/drawing/2014/main" id="{99BEC287-B8E9-43EF-9BC5-14A41302CE4D}"/>
-              </a:ext>
-            </a:extLst>
-          </p:cNvPr>
-          <p:cNvSpPr>
-            <a:spLocks noGrp="1"/>
-          </p:cNvSpPr>
-          <p:nvPr>
-            <p:ph idx="1"/>
-          </p:nvPr>
-        </p:nvSpPr>
-        <p:spPr/>
-        <p:txBody>
-          <a:bodyPr/>
-          <a:lstStyle/>
-          <a:p>
-            <a:endParaRPr lang="en-CA"/>
+              <a:t>Results</a:t>
+            </a:r>
           </a:p>
         </p:txBody>
       </p:sp>
     </p:spTree>
     <p:extLst>
       <p:ext uri="{BB962C8B-B14F-4D97-AF65-F5344CB8AC3E}">
-        <p14:creationId xmlns:p14="http://schemas.microsoft.com/office/powerpoint/2010/main" val="3610659655"/>
+        <p14:creationId xmlns:p14="http://schemas.microsoft.com/office/powerpoint/2010/main" val="2214248976"/>
       </p:ext>
     </p:extLst>
   </p:cSld>
@@ -7657,7 +7986,7 @@
           <p:cNvPr id="2" name="Title 1">
             <a:extLst>
               <a:ext uri="{FF2B5EF4-FFF2-40B4-BE49-F238E27FC236}">
-                <a16:creationId xmlns:a16="http://schemas.microsoft.com/office/drawing/2014/main" id="{F516C5F0-1F11-49CF-9A2A-1B61EFE4FB27}"/>
+                <a16:creationId xmlns:a16="http://schemas.microsoft.com/office/drawing/2014/main" id="{9437FEAD-B621-498F-B935-13A1888BE65B}"/>
               </a:ext>
             </a:extLst>
           </p:cNvPr>
@@ -7675,7 +8004,7 @@
           <a:p>
             <a:r>
               <a:rPr lang="en-CA" dirty="0"/>
-              <a:t>Setting Up Grids</a:t>
+              <a:t>Hydrodynamics</a:t>
             </a:r>
           </a:p>
         </p:txBody>
@@ -7685,7 +8014,7 @@
           <p:cNvPr id="3" name="Content Placeholder 2">
             <a:extLst>
               <a:ext uri="{FF2B5EF4-FFF2-40B4-BE49-F238E27FC236}">
-                <a16:creationId xmlns:a16="http://schemas.microsoft.com/office/drawing/2014/main" id="{2464E1B0-B7AD-4629-A252-7605FED01304}"/>
+                <a16:creationId xmlns:a16="http://schemas.microsoft.com/office/drawing/2014/main" id="{18AA3101-9386-4D8E-ABA8-9B41382BAFF4}"/>
               </a:ext>
             </a:extLst>
           </p:cNvPr>
@@ -7701,14 +8030,68 @@
           <a:bodyPr/>
           <a:lstStyle/>
           <a:p>
-            <a:endParaRPr lang="en-CA"/>
-          </a:p>
-        </p:txBody>
-      </p:sp>
+            <a:r>
+              <a:rPr lang="en-CA" dirty="0"/>
+              <a:t>Hydrodynamics are also subject to conservation equations – of mass and momentum specifically</a:t>
+            </a:r>
+          </a:p>
+          <a:p>
+            <a:r>
+              <a:rPr lang="en-CA" dirty="0"/>
+              <a:t>Hydrodynamics problems may be subject to high frequency components in shocks and sudden discontinuities – staggered grids are therefore preferred</a:t>
+            </a:r>
+          </a:p>
+          <a:p>
+            <a:r>
+              <a:rPr lang="en-CA" dirty="0"/>
+              <a:t>The code provided in class uses a set of three grid systems: one for scalars, and two for vectors (one for each space dimension).</a:t>
+            </a:r>
+          </a:p>
+        </p:txBody>
+      </p:sp>
+      <p:pic>
+        <p:nvPicPr>
+          <p:cNvPr id="4" name="Graphic 3" descr="Bookmark">
+            <a:extLst>
+              <a:ext uri="{FF2B5EF4-FFF2-40B4-BE49-F238E27FC236}">
+                <a16:creationId xmlns:a16="http://schemas.microsoft.com/office/drawing/2014/main" id="{EB9909D8-739B-4778-9743-FDC823501AEB}"/>
+              </a:ext>
+            </a:extLst>
+          </p:cNvPr>
+          <p:cNvPicPr>
+            <a:picLocks noChangeAspect="1"/>
+          </p:cNvPicPr>
+          <p:nvPr/>
+        </p:nvPicPr>
+        <p:blipFill>
+          <a:blip r:embed="rId2">
+            <a:extLst>
+              <a:ext uri="{28A0092B-C50C-407E-A947-70E740481C1C}">
+                <a14:useLocalDpi xmlns:a14="http://schemas.microsoft.com/office/drawing/2010/main" val="0"/>
+              </a:ext>
+              <a:ext uri="{96DAC541-7B7A-43D3-8B79-37D633B846F1}">
+                <asvg:svgBlip xmlns:asvg="http://schemas.microsoft.com/office/drawing/2016/SVG/main" r:embed="rId3"/>
+              </a:ext>
+            </a:extLst>
+          </a:blip>
+          <a:stretch>
+            <a:fillRect/>
+          </a:stretch>
+        </p:blipFill>
+        <p:spPr>
+          <a:xfrm>
+            <a:off x="10933290" y="-94367"/>
+            <a:ext cx="513644" cy="513644"/>
+          </a:xfrm>
+          <a:prstGeom prst="rect">
+            <a:avLst/>
+          </a:prstGeom>
+        </p:spPr>
+      </p:pic>
     </p:spTree>
     <p:extLst>
       <p:ext uri="{BB962C8B-B14F-4D97-AF65-F5344CB8AC3E}">
-        <p14:creationId xmlns:p14="http://schemas.microsoft.com/office/powerpoint/2010/main" val="2704870459"/>
+        <p14:creationId xmlns:p14="http://schemas.microsoft.com/office/powerpoint/2010/main" val="3729969836"/>
       </p:ext>
     </p:extLst>
   </p:cSld>
@@ -7857,7 +8240,7 @@
               <a:rPr lang="en-CA" dirty="0">
                 <a:latin typeface="TeXGyreHeros" panose="00000500000000000000" pitchFamily="50" charset="0"/>
               </a:rPr>
-              <a:t>Finite differences is a way to evaluate differential equations in a discrete manner.</a:t>
+              <a:t>Finite differences is a way to evaluate differential equations discretely</a:t>
             </a:r>
           </a:p>
           <a:p>
@@ -8172,7 +8555,7 @@
           <p:cNvPr id="2" name="Title 1">
             <a:extLst>
               <a:ext uri="{FF2B5EF4-FFF2-40B4-BE49-F238E27FC236}">
-                <a16:creationId xmlns:a16="http://schemas.microsoft.com/office/drawing/2014/main" id="{B33F3322-66DE-4822-AB4C-780A0148D90B}"/>
+                <a16:creationId xmlns:a16="http://schemas.microsoft.com/office/drawing/2014/main" id="{969F53B1-15E2-4CD2-B717-E624BDB0717D}"/>
               </a:ext>
             </a:extLst>
           </p:cNvPr>
@@ -8190,40 +8573,524 @@
           <a:p>
             <a:r>
               <a:rPr lang="en-CA" dirty="0"/>
-              <a:t>Results</a:t>
-            </a:r>
-          </a:p>
-        </p:txBody>
-      </p:sp>
-      <p:sp>
-        <p:nvSpPr>
-          <p:cNvPr id="3" name="Content Placeholder 2">
-            <a:extLst>
-              <a:ext uri="{FF2B5EF4-FFF2-40B4-BE49-F238E27FC236}">
-                <a16:creationId xmlns:a16="http://schemas.microsoft.com/office/drawing/2014/main" id="{F2FCAD4F-9E19-4A46-813E-94CE14910585}"/>
-              </a:ext>
-            </a:extLst>
-          </p:cNvPr>
-          <p:cNvSpPr>
-            <a:spLocks noGrp="1"/>
-          </p:cNvSpPr>
-          <p:nvPr>
-            <p:ph idx="1"/>
-          </p:nvPr>
-        </p:nvSpPr>
-        <p:spPr/>
-        <p:txBody>
-          <a:bodyPr/>
+              <a:t>Hydrodynamics grid</a:t>
+            </a:r>
+          </a:p>
+        </p:txBody>
+      </p:sp>
+      <p:sp>
+        <p:nvSpPr>
+          <p:cNvPr id="6" name="TextBox 5">
+            <a:extLst>
+              <a:ext uri="{FF2B5EF4-FFF2-40B4-BE49-F238E27FC236}">
+                <a16:creationId xmlns:a16="http://schemas.microsoft.com/office/drawing/2014/main" id="{4F3424FE-E2C5-4B98-B7FD-71F5E8E228AD}"/>
+              </a:ext>
+            </a:extLst>
+          </p:cNvPr>
+          <p:cNvSpPr txBox="1"/>
+          <p:nvPr/>
+        </p:nvSpPr>
+        <p:spPr>
+          <a:xfrm>
+            <a:off x="9278049" y="1482085"/>
+            <a:ext cx="2370589" cy="646331"/>
+          </a:xfrm>
+          <a:prstGeom prst="rect">
+            <a:avLst/>
+          </a:prstGeom>
+          <a:noFill/>
+        </p:spPr>
+        <p:txBody>
+          <a:bodyPr wrap="square" rtlCol="0">
+            <a:spAutoFit/>
+          </a:bodyPr>
           <a:lstStyle/>
           <a:p>
+            <a:r>
+              <a:rPr lang="en-CA" dirty="0">
+                <a:solidFill>
+                  <a:srgbClr val="FF0000"/>
+                </a:solidFill>
+              </a:rPr>
+              <a:t>Scalars – density(d) and pressure(p)</a:t>
+            </a:r>
+          </a:p>
+        </p:txBody>
+      </p:sp>
+      <p:sp>
+        <p:nvSpPr>
+          <p:cNvPr id="7" name="TextBox 6">
+            <a:extLst>
+              <a:ext uri="{FF2B5EF4-FFF2-40B4-BE49-F238E27FC236}">
+                <a16:creationId xmlns:a16="http://schemas.microsoft.com/office/drawing/2014/main" id="{1D116875-C0E4-4F63-A369-D770B07C8D06}"/>
+              </a:ext>
+            </a:extLst>
+          </p:cNvPr>
+          <p:cNvSpPr txBox="1"/>
+          <p:nvPr/>
+        </p:nvSpPr>
+        <p:spPr>
+          <a:xfrm>
+            <a:off x="9366832" y="2374202"/>
+            <a:ext cx="1476045" cy="369332"/>
+          </a:xfrm>
+          <a:prstGeom prst="rect">
+            <a:avLst/>
+          </a:prstGeom>
+          <a:noFill/>
+        </p:spPr>
+        <p:txBody>
+          <a:bodyPr wrap="none" rtlCol="0">
+            <a:spAutoFit/>
+          </a:bodyPr>
+          <a:lstStyle/>
+          <a:p>
+            <a:r>
+              <a:rPr lang="en-CA" dirty="0">
+                <a:solidFill>
+                  <a:schemeClr val="accent1">
+                    <a:lumMod val="75000"/>
+                  </a:schemeClr>
+                </a:solidFill>
+              </a:rPr>
+              <a:t>X-velocity (v</a:t>
+            </a:r>
+            <a:r>
+              <a:rPr lang="en-CA" baseline="-25000" dirty="0">
+                <a:solidFill>
+                  <a:schemeClr val="accent1">
+                    <a:lumMod val="75000"/>
+                  </a:schemeClr>
+                </a:solidFill>
+              </a:rPr>
+              <a:t>1</a:t>
+            </a:r>
+            <a:r>
+              <a:rPr lang="en-CA" dirty="0">
+                <a:solidFill>
+                  <a:schemeClr val="accent1">
+                    <a:lumMod val="75000"/>
+                  </a:schemeClr>
+                </a:solidFill>
+              </a:rPr>
+              <a:t>)</a:t>
+            </a:r>
+          </a:p>
+        </p:txBody>
+      </p:sp>
+      <p:sp>
+        <p:nvSpPr>
+          <p:cNvPr id="8" name="TextBox 7">
+            <a:extLst>
+              <a:ext uri="{FF2B5EF4-FFF2-40B4-BE49-F238E27FC236}">
+                <a16:creationId xmlns:a16="http://schemas.microsoft.com/office/drawing/2014/main" id="{305980F4-F86C-4651-9C74-EE49CB901DBA}"/>
+              </a:ext>
+            </a:extLst>
+          </p:cNvPr>
+          <p:cNvSpPr txBox="1"/>
+          <p:nvPr/>
+        </p:nvSpPr>
+        <p:spPr>
+          <a:xfrm>
+            <a:off x="9366832" y="3021375"/>
+            <a:ext cx="1468031" cy="369332"/>
+          </a:xfrm>
+          <a:prstGeom prst="rect">
+            <a:avLst/>
+          </a:prstGeom>
+          <a:noFill/>
+        </p:spPr>
+        <p:txBody>
+          <a:bodyPr wrap="none" rtlCol="0">
+            <a:spAutoFit/>
+          </a:bodyPr>
+          <a:lstStyle/>
+          <a:p>
+            <a:r>
+              <a:rPr lang="en-CA" dirty="0">
+                <a:solidFill>
+                  <a:schemeClr val="accent6">
+                    <a:lumMod val="75000"/>
+                  </a:schemeClr>
+                </a:solidFill>
+              </a:rPr>
+              <a:t>Y-velocity (v</a:t>
+            </a:r>
+            <a:r>
+              <a:rPr lang="en-CA" baseline="-25000" dirty="0">
+                <a:solidFill>
+                  <a:schemeClr val="accent6">
+                    <a:lumMod val="75000"/>
+                  </a:schemeClr>
+                </a:solidFill>
+              </a:rPr>
+              <a:t>2</a:t>
+            </a:r>
+            <a:r>
+              <a:rPr lang="en-CA" dirty="0">
+                <a:solidFill>
+                  <a:schemeClr val="accent6">
+                    <a:lumMod val="75000"/>
+                  </a:schemeClr>
+                </a:solidFill>
+              </a:rPr>
+              <a:t>)</a:t>
+            </a:r>
+          </a:p>
+        </p:txBody>
+      </p:sp>
+      <p:sp>
+        <p:nvSpPr>
+          <p:cNvPr id="9" name="Oval 8">
+            <a:extLst>
+              <a:ext uri="{FF2B5EF4-FFF2-40B4-BE49-F238E27FC236}">
+                <a16:creationId xmlns:a16="http://schemas.microsoft.com/office/drawing/2014/main" id="{56685BFF-4294-4E60-8CF7-B01AD93868AE}"/>
+              </a:ext>
+            </a:extLst>
+          </p:cNvPr>
+          <p:cNvSpPr/>
+          <p:nvPr/>
+        </p:nvSpPr>
+        <p:spPr>
+          <a:xfrm>
+            <a:off x="9160603" y="1610804"/>
+            <a:ext cx="117446" cy="117445"/>
+          </a:xfrm>
+          <a:prstGeom prst="ellipse">
+            <a:avLst/>
+          </a:prstGeom>
+          <a:solidFill>
+            <a:srgbClr val="FF0000"/>
+          </a:solidFill>
+          <a:ln>
+            <a:noFill/>
+          </a:ln>
+        </p:spPr>
+        <p:style>
+          <a:lnRef idx="2">
+            <a:schemeClr val="accent1">
+              <a:shade val="50000"/>
+            </a:schemeClr>
+          </a:lnRef>
+          <a:fillRef idx="1">
+            <a:schemeClr val="accent1"/>
+          </a:fillRef>
+          <a:effectRef idx="0">
+            <a:schemeClr val="accent1"/>
+          </a:effectRef>
+          <a:fontRef idx="minor">
+            <a:schemeClr val="lt1"/>
+          </a:fontRef>
+        </p:style>
+        <p:txBody>
+          <a:bodyPr rtlCol="0" anchor="ctr"/>
+          <a:lstStyle/>
+          <a:p>
+            <a:pPr algn="ctr"/>
             <a:endParaRPr lang="en-CA"/>
           </a:p>
         </p:txBody>
       </p:sp>
+      <p:sp>
+        <p:nvSpPr>
+          <p:cNvPr id="10" name="Rectangle 9">
+            <a:extLst>
+              <a:ext uri="{FF2B5EF4-FFF2-40B4-BE49-F238E27FC236}">
+                <a16:creationId xmlns:a16="http://schemas.microsoft.com/office/drawing/2014/main" id="{1BDD061C-6D05-4747-8ED0-3B387C7B2AF6}"/>
+              </a:ext>
+            </a:extLst>
+          </p:cNvPr>
+          <p:cNvSpPr/>
+          <p:nvPr/>
+        </p:nvSpPr>
+        <p:spPr>
+          <a:xfrm>
+            <a:off x="9219326" y="2486811"/>
+            <a:ext cx="58723" cy="176168"/>
+          </a:xfrm>
+          <a:prstGeom prst="rect">
+            <a:avLst/>
+          </a:prstGeom>
+          <a:solidFill>
+            <a:schemeClr val="accent1">
+              <a:lumMod val="75000"/>
+            </a:schemeClr>
+          </a:solidFill>
+          <a:ln>
+            <a:noFill/>
+          </a:ln>
+        </p:spPr>
+        <p:style>
+          <a:lnRef idx="2">
+            <a:schemeClr val="accent1">
+              <a:shade val="50000"/>
+            </a:schemeClr>
+          </a:lnRef>
+          <a:fillRef idx="1">
+            <a:schemeClr val="accent1"/>
+          </a:fillRef>
+          <a:effectRef idx="0">
+            <a:schemeClr val="accent1"/>
+          </a:effectRef>
+          <a:fontRef idx="minor">
+            <a:schemeClr val="lt1"/>
+          </a:fontRef>
+        </p:style>
+        <p:txBody>
+          <a:bodyPr rtlCol="0" anchor="ctr"/>
+          <a:lstStyle/>
+          <a:p>
+            <a:pPr algn="ctr"/>
+            <a:endParaRPr lang="en-CA"/>
+          </a:p>
+        </p:txBody>
+      </p:sp>
+      <p:sp>
+        <p:nvSpPr>
+          <p:cNvPr id="11" name="Rectangle 10">
+            <a:extLst>
+              <a:ext uri="{FF2B5EF4-FFF2-40B4-BE49-F238E27FC236}">
+                <a16:creationId xmlns:a16="http://schemas.microsoft.com/office/drawing/2014/main" id="{04E2E68F-AFF5-4A02-B27C-666CB41886E9}"/>
+              </a:ext>
+            </a:extLst>
+          </p:cNvPr>
+          <p:cNvSpPr/>
+          <p:nvPr/>
+        </p:nvSpPr>
+        <p:spPr>
+          <a:xfrm rot="5400000">
+            <a:off x="9189964" y="3117957"/>
+            <a:ext cx="58723" cy="176168"/>
+          </a:xfrm>
+          <a:prstGeom prst="rect">
+            <a:avLst/>
+          </a:prstGeom>
+          <a:solidFill>
+            <a:schemeClr val="accent6">
+              <a:lumMod val="75000"/>
+            </a:schemeClr>
+          </a:solidFill>
+          <a:ln>
+            <a:noFill/>
+          </a:ln>
+        </p:spPr>
+        <p:style>
+          <a:lnRef idx="2">
+            <a:schemeClr val="accent1">
+              <a:shade val="50000"/>
+            </a:schemeClr>
+          </a:lnRef>
+          <a:fillRef idx="1">
+            <a:schemeClr val="accent1"/>
+          </a:fillRef>
+          <a:effectRef idx="0">
+            <a:schemeClr val="accent1"/>
+          </a:effectRef>
+          <a:fontRef idx="minor">
+            <a:schemeClr val="lt1"/>
+          </a:fontRef>
+        </p:style>
+        <p:txBody>
+          <a:bodyPr rtlCol="0" anchor="ctr"/>
+          <a:lstStyle/>
+          <a:p>
+            <a:pPr algn="ctr"/>
+            <a:endParaRPr lang="en-CA"/>
+          </a:p>
+        </p:txBody>
+      </p:sp>
+      <p:sp>
+        <p:nvSpPr>
+          <p:cNvPr id="19" name="TextBox 18">
+            <a:extLst>
+              <a:ext uri="{FF2B5EF4-FFF2-40B4-BE49-F238E27FC236}">
+                <a16:creationId xmlns:a16="http://schemas.microsoft.com/office/drawing/2014/main" id="{88522757-E1BD-4BD3-978B-6672F24B9F11}"/>
+              </a:ext>
+            </a:extLst>
+          </p:cNvPr>
+          <p:cNvSpPr txBox="1"/>
+          <p:nvPr/>
+        </p:nvSpPr>
+        <p:spPr>
+          <a:xfrm>
+            <a:off x="981512" y="1690688"/>
+            <a:ext cx="2919369" cy="3416320"/>
+          </a:xfrm>
+          <a:prstGeom prst="rect">
+            <a:avLst/>
+          </a:prstGeom>
+          <a:noFill/>
+        </p:spPr>
+        <p:txBody>
+          <a:bodyPr wrap="square" rtlCol="0">
+            <a:spAutoFit/>
+          </a:bodyPr>
+          <a:lstStyle/>
+          <a:p>
+            <a:pPr marL="285750" indent="-285750">
+              <a:buFont typeface="Arial" panose="020B0604020202020204" pitchFamily="34" charset="0"/>
+              <a:buChar char="•"/>
+            </a:pPr>
+            <a:r>
+              <a:rPr lang="en-CA" dirty="0"/>
+              <a:t>Indices for vectors run from 0 to N</a:t>
+            </a:r>
+          </a:p>
+          <a:p>
+            <a:pPr marL="285750" indent="-285750">
+              <a:buFont typeface="Arial" panose="020B0604020202020204" pitchFamily="34" charset="0"/>
+              <a:buChar char="•"/>
+            </a:pPr>
+            <a:r>
+              <a:rPr lang="en-CA" dirty="0"/>
+              <a:t>Indices for scalars run from 0 to N-1</a:t>
+            </a:r>
+          </a:p>
+          <a:p>
+            <a:pPr marL="285750" indent="-285750">
+              <a:buFont typeface="Arial" panose="020B0604020202020204" pitchFamily="34" charset="0"/>
+              <a:buChar char="•"/>
+            </a:pPr>
+            <a:endParaRPr lang="en-CA" dirty="0"/>
+          </a:p>
+          <a:p>
+            <a:pPr marL="285750" indent="-285750">
+              <a:buFont typeface="Arial" panose="020B0604020202020204" pitchFamily="34" charset="0"/>
+              <a:buChar char="•"/>
+            </a:pPr>
+            <a:r>
+              <a:rPr lang="en-CA" dirty="0"/>
+              <a:t>Example:</a:t>
+            </a:r>
+          </a:p>
+          <a:p>
+            <a:r>
+              <a:rPr lang="en-CA" dirty="0"/>
+              <a:t>v1(</a:t>
+            </a:r>
+            <a:r>
+              <a:rPr lang="en-CA" dirty="0" err="1"/>
+              <a:t>i,j</a:t>
+            </a:r>
+            <a:r>
+              <a:rPr lang="en-CA" dirty="0"/>
+              <a:t>) is the x-velocity on the face between density values d(</a:t>
+            </a:r>
+            <a:r>
+              <a:rPr lang="en-CA" dirty="0" err="1"/>
+              <a:t>i,j</a:t>
+            </a:r>
+            <a:r>
+              <a:rPr lang="en-CA" dirty="0"/>
+              <a:t>) and d(i-1,j)</a:t>
+            </a:r>
+          </a:p>
+          <a:p>
+            <a:endParaRPr lang="en-CA" dirty="0"/>
+          </a:p>
+          <a:p>
+            <a:r>
+              <a:rPr lang="en-CA" dirty="0"/>
+              <a:t>d(</a:t>
+            </a:r>
+            <a:r>
+              <a:rPr lang="en-CA" dirty="0" err="1"/>
+              <a:t>i,j</a:t>
+            </a:r>
+            <a:r>
+              <a:rPr lang="en-CA" dirty="0"/>
+              <a:t>) is the density between velocities v2(i,j+1) and v2(</a:t>
+            </a:r>
+            <a:r>
+              <a:rPr lang="en-CA" dirty="0" err="1"/>
+              <a:t>i,j</a:t>
+            </a:r>
+            <a:r>
+              <a:rPr lang="en-CA" dirty="0"/>
+              <a:t>)</a:t>
+            </a:r>
+          </a:p>
+        </p:txBody>
+      </p:sp>
+      <p:pic>
+        <p:nvPicPr>
+          <p:cNvPr id="4" name="Picture 3">
+            <a:extLst>
+              <a:ext uri="{FF2B5EF4-FFF2-40B4-BE49-F238E27FC236}">
+                <a16:creationId xmlns:a16="http://schemas.microsoft.com/office/drawing/2014/main" id="{17A7E82C-8DCA-4D07-BE48-FB1CCD348116}"/>
+              </a:ext>
+            </a:extLst>
+          </p:cNvPr>
+          <p:cNvPicPr>
+            <a:picLocks noChangeAspect="1"/>
+          </p:cNvPicPr>
+          <p:nvPr/>
+        </p:nvPicPr>
+        <p:blipFill>
+          <a:blip r:embed="rId2">
+            <a:extLst>
+              <a:ext uri="{28A0092B-C50C-407E-A947-70E740481C1C}">
+                <a14:useLocalDpi xmlns:a14="http://schemas.microsoft.com/office/drawing/2010/main" val="0"/>
+              </a:ext>
+            </a:extLst>
+          </a:blip>
+          <a:stretch>
+            <a:fillRect/>
+          </a:stretch>
+        </p:blipFill>
+        <p:spPr>
+          <a:xfrm>
+            <a:off x="3725032" y="1482085"/>
+            <a:ext cx="5180086" cy="5189230"/>
+          </a:xfrm>
+          <a:prstGeom prst="rect">
+            <a:avLst/>
+          </a:prstGeom>
+        </p:spPr>
+      </p:pic>
+      <p:pic>
+        <p:nvPicPr>
+          <p:cNvPr id="12" name="Graphic 11" descr="Bookmark">
+            <a:extLst>
+              <a:ext uri="{FF2B5EF4-FFF2-40B4-BE49-F238E27FC236}">
+                <a16:creationId xmlns:a16="http://schemas.microsoft.com/office/drawing/2014/main" id="{9EECFAE6-7B02-440F-B490-981458BF97EF}"/>
+              </a:ext>
+            </a:extLst>
+          </p:cNvPr>
+          <p:cNvPicPr>
+            <a:picLocks noChangeAspect="1"/>
+          </p:cNvPicPr>
+          <p:nvPr/>
+        </p:nvPicPr>
+        <p:blipFill>
+          <a:blip r:embed="rId3">
+            <a:extLst>
+              <a:ext uri="{28A0092B-C50C-407E-A947-70E740481C1C}">
+                <a14:useLocalDpi xmlns:a14="http://schemas.microsoft.com/office/drawing/2010/main" val="0"/>
+              </a:ext>
+              <a:ext uri="{96DAC541-7B7A-43D3-8B79-37D633B846F1}">
+                <asvg:svgBlip xmlns:asvg="http://schemas.microsoft.com/office/drawing/2016/SVG/main" r:embed="rId4"/>
+              </a:ext>
+            </a:extLst>
+          </a:blip>
+          <a:stretch>
+            <a:fillRect/>
+          </a:stretch>
+        </p:blipFill>
+        <p:spPr>
+          <a:xfrm>
+            <a:off x="10933290" y="-94367"/>
+            <a:ext cx="513644" cy="513644"/>
+          </a:xfrm>
+          <a:prstGeom prst="rect">
+            <a:avLst/>
+          </a:prstGeom>
+        </p:spPr>
+      </p:pic>
     </p:spTree>
     <p:extLst>
       <p:ext uri="{BB962C8B-B14F-4D97-AF65-F5344CB8AC3E}">
-        <p14:creationId xmlns:p14="http://schemas.microsoft.com/office/powerpoint/2010/main" val="2214248976"/>
+        <p14:creationId xmlns:p14="http://schemas.microsoft.com/office/powerpoint/2010/main" val="1631953745"/>
       </p:ext>
     </p:extLst>
   </p:cSld>
@@ -8255,7 +9122,7 @@
           <p:cNvPr id="2" name="Title 1">
             <a:extLst>
               <a:ext uri="{FF2B5EF4-FFF2-40B4-BE49-F238E27FC236}">
-                <a16:creationId xmlns:a16="http://schemas.microsoft.com/office/drawing/2014/main" id="{9437FEAD-B621-498F-B935-13A1888BE65B}"/>
+                <a16:creationId xmlns:a16="http://schemas.microsoft.com/office/drawing/2014/main" id="{CC6D1FDE-1777-4ED4-A7CF-DD8D94416F9F}"/>
               </a:ext>
             </a:extLst>
           </p:cNvPr>
@@ -8272,8 +9139,12 @@
           <a:lstStyle/>
           <a:p>
             <a:r>
+              <a:rPr lang="en-CA" dirty="0" err="1"/>
+              <a:t>Navier</a:t>
+            </a:r>
+            <a:r>
               <a:rPr lang="en-CA" dirty="0"/>
-              <a:t>Hydrodynamics</a:t>
+              <a:t>-Stokes equations</a:t>
             </a:r>
           </a:p>
         </p:txBody>
@@ -8283,7 +9154,7 @@
           <p:cNvPr id="3" name="Content Placeholder 2">
             <a:extLst>
               <a:ext uri="{FF2B5EF4-FFF2-40B4-BE49-F238E27FC236}">
-                <a16:creationId xmlns:a16="http://schemas.microsoft.com/office/drawing/2014/main" id="{18AA3101-9386-4D8E-ABA8-9B41382BAFF4}"/>
+                <a16:creationId xmlns:a16="http://schemas.microsoft.com/office/drawing/2014/main" id="{83E51793-9751-492D-847B-F3A84C50BE25}"/>
               </a:ext>
             </a:extLst>
           </p:cNvPr>
@@ -8301,29 +9172,109 @@
           <a:p>
             <a:r>
               <a:rPr lang="en-CA" dirty="0"/>
-              <a:t>Hydrodynamics are also subject to conservation equations – of mass and momentum specifically</a:t>
-            </a:r>
+              <a:t>Conservation of mass (Continuity):</a:t>
+            </a:r>
+          </a:p>
+          <a:p>
+            <a:endParaRPr lang="en-CA" dirty="0"/>
+          </a:p>
+          <a:p>
+            <a:endParaRPr lang="en-CA" dirty="0"/>
           </a:p>
           <a:p>
             <a:r>
               <a:rPr lang="en-CA" dirty="0"/>
-              <a:t>Hydrodynamics problems may be subject to high frequency components in shocks and sudden discontinuities – staggered grids are therefore preferred</a:t>
-            </a:r>
-          </a:p>
-          <a:p>
-            <a:r>
-              <a:rPr lang="en-CA" dirty="0"/>
-              <a:t>The code provided in class uses a set of three grid systems: one for scalars, and two for vectors (one for each space dimension).</a:t>
+              <a:t>Conservation of momentum (Euler’s Equation):</a:t>
             </a:r>
           </a:p>
         </p:txBody>
       </p:sp>
       <p:pic>
         <p:nvPicPr>
-          <p:cNvPr id="4" name="Graphic 3" descr="Bookmark">
-            <a:extLst>
-              <a:ext uri="{FF2B5EF4-FFF2-40B4-BE49-F238E27FC236}">
-                <a16:creationId xmlns:a16="http://schemas.microsoft.com/office/drawing/2014/main" id="{EB9909D8-739B-4778-9743-FDC823501AEB}"/>
+          <p:cNvPr id="5" name="Picture 4">
+            <a:extLst>
+              <a:ext uri="{FF2B5EF4-FFF2-40B4-BE49-F238E27FC236}">
+                <a16:creationId xmlns:a16="http://schemas.microsoft.com/office/drawing/2014/main" id="{EF78BE4D-9C06-47C9-95D5-5B39D4195F76}"/>
+              </a:ext>
+            </a:extLst>
+          </p:cNvPr>
+          <p:cNvPicPr>
+            <a:picLocks noChangeAspect="1"/>
+          </p:cNvPicPr>
+          <p:nvPr>
+            <p:custDataLst>
+              <p:tags r:id="rId1"/>
+            </p:custDataLst>
+          </p:nvPr>
+        </p:nvPicPr>
+        <p:blipFill>
+          <a:blip r:embed="rId4">
+            <a:extLst>
+              <a:ext uri="{28A0092B-C50C-407E-A947-70E740481C1C}">
+                <a14:useLocalDpi xmlns:a14="http://schemas.microsoft.com/office/drawing/2010/main" val="0"/>
+              </a:ext>
+            </a:extLst>
+          </a:blip>
+          <a:stretch>
+            <a:fillRect/>
+          </a:stretch>
+        </p:blipFill>
+        <p:spPr>
+          <a:xfrm>
+            <a:off x="2506748" y="2523376"/>
+            <a:ext cx="2546890" cy="568958"/>
+          </a:xfrm>
+          <a:prstGeom prst="rect">
+            <a:avLst/>
+          </a:prstGeom>
+        </p:spPr>
+      </p:pic>
+      <p:pic>
+        <p:nvPicPr>
+          <p:cNvPr id="7" name="Picture 6">
+            <a:extLst>
+              <a:ext uri="{FF2B5EF4-FFF2-40B4-BE49-F238E27FC236}">
+                <a16:creationId xmlns:a16="http://schemas.microsoft.com/office/drawing/2014/main" id="{076C4123-E1B2-4974-8CEE-CAE42EE094AF}"/>
+              </a:ext>
+            </a:extLst>
+          </p:cNvPr>
+          <p:cNvPicPr>
+            <a:picLocks noChangeAspect="1"/>
+          </p:cNvPicPr>
+          <p:nvPr>
+            <p:custDataLst>
+              <p:tags r:id="rId2"/>
+            </p:custDataLst>
+          </p:nvPr>
+        </p:nvPicPr>
+        <p:blipFill>
+          <a:blip r:embed="rId5">
+            <a:extLst>
+              <a:ext uri="{28A0092B-C50C-407E-A947-70E740481C1C}">
+                <a14:useLocalDpi xmlns:a14="http://schemas.microsoft.com/office/drawing/2010/main" val="0"/>
+              </a:ext>
+            </a:extLst>
+          </a:blip>
+          <a:stretch>
+            <a:fillRect/>
+          </a:stretch>
+        </p:blipFill>
+        <p:spPr>
+          <a:xfrm>
+            <a:off x="2506748" y="4123457"/>
+            <a:ext cx="2546890" cy="649545"/>
+          </a:xfrm>
+          <a:prstGeom prst="rect">
+            <a:avLst/>
+          </a:prstGeom>
+        </p:spPr>
+      </p:pic>
+      <p:pic>
+        <p:nvPicPr>
+          <p:cNvPr id="6" name="Graphic 5" descr="Bookmark">
+            <a:extLst>
+              <a:ext uri="{FF2B5EF4-FFF2-40B4-BE49-F238E27FC236}">
+                <a16:creationId xmlns:a16="http://schemas.microsoft.com/office/drawing/2014/main" id="{88BED1D8-A231-4D43-9487-24DE0804689C}"/>
               </a:ext>
             </a:extLst>
           </p:cNvPr>
@@ -8333,13 +9284,13 @@
           <p:nvPr/>
         </p:nvPicPr>
         <p:blipFill>
-          <a:blip r:embed="rId2">
+          <a:blip r:embed="rId6">
             <a:extLst>
               <a:ext uri="{28A0092B-C50C-407E-A947-70E740481C1C}">
                 <a14:useLocalDpi xmlns:a14="http://schemas.microsoft.com/office/drawing/2010/main" val="0"/>
               </a:ext>
               <a:ext uri="{96DAC541-7B7A-43D3-8B79-37D633B846F1}">
-                <asvg:svgBlip xmlns:asvg="http://schemas.microsoft.com/office/drawing/2016/SVG/main" r:embed="rId3"/>
+                <asvg:svgBlip xmlns:asvg="http://schemas.microsoft.com/office/drawing/2016/SVG/main" r:embed="rId7"/>
               </a:ext>
             </a:extLst>
           </a:blip>
@@ -8360,7 +9311,7 @@
     </p:spTree>
     <p:extLst>
       <p:ext uri="{BB962C8B-B14F-4D97-AF65-F5344CB8AC3E}">
-        <p14:creationId xmlns:p14="http://schemas.microsoft.com/office/powerpoint/2010/main" val="3729969836"/>
+        <p14:creationId xmlns:p14="http://schemas.microsoft.com/office/powerpoint/2010/main" val="3225984595"/>
       </p:ext>
     </p:extLst>
   </p:cSld>
@@ -8392,7 +9343,7 @@
           <p:cNvPr id="2" name="Title 1">
             <a:extLst>
               <a:ext uri="{FF2B5EF4-FFF2-40B4-BE49-F238E27FC236}">
-                <a16:creationId xmlns:a16="http://schemas.microsoft.com/office/drawing/2014/main" id="{969F53B1-15E2-4CD2-B717-E624BDB0717D}"/>
+                <a16:creationId xmlns:a16="http://schemas.microsoft.com/office/drawing/2014/main" id="{CC6D1FDE-1777-4ED4-A7CF-DD8D94416F9F}"/>
               </a:ext>
             </a:extLst>
           </p:cNvPr>
@@ -8409,179 +9360,182 @@
           <a:lstStyle/>
           <a:p>
             <a:r>
+              <a:rPr lang="en-CA" dirty="0" err="1"/>
+              <a:t>Navier</a:t>
+            </a:r>
+            <a:r>
               <a:rPr lang="en-CA" dirty="0"/>
-              <a:t>Hydrodynamics grid</a:t>
-            </a:r>
-          </a:p>
-        </p:txBody>
-      </p:sp>
-      <p:sp>
-        <p:nvSpPr>
-          <p:cNvPr id="6" name="TextBox 5">
-            <a:extLst>
-              <a:ext uri="{FF2B5EF4-FFF2-40B4-BE49-F238E27FC236}">
-                <a16:creationId xmlns:a16="http://schemas.microsoft.com/office/drawing/2014/main" id="{4F3424FE-E2C5-4B98-B7FD-71F5E8E228AD}"/>
-              </a:ext>
-            </a:extLst>
-          </p:cNvPr>
-          <p:cNvSpPr txBox="1"/>
-          <p:nvPr/>
-        </p:nvSpPr>
-        <p:spPr>
-          <a:xfrm>
-            <a:off x="9278049" y="1482085"/>
-            <a:ext cx="2370589" cy="646331"/>
+              <a:t>-Stokes equations - FD</a:t>
+            </a:r>
+          </a:p>
+        </p:txBody>
+      </p:sp>
+      <p:sp>
+        <p:nvSpPr>
+          <p:cNvPr id="3" name="Content Placeholder 2">
+            <a:extLst>
+              <a:ext uri="{FF2B5EF4-FFF2-40B4-BE49-F238E27FC236}">
+                <a16:creationId xmlns:a16="http://schemas.microsoft.com/office/drawing/2014/main" id="{83E51793-9751-492D-847B-F3A84C50BE25}"/>
+              </a:ext>
+            </a:extLst>
+          </p:cNvPr>
+          <p:cNvSpPr>
+            <a:spLocks noGrp="1"/>
+          </p:cNvSpPr>
+          <p:nvPr>
+            <p:ph idx="1"/>
+          </p:nvPr>
+        </p:nvSpPr>
+        <p:spPr/>
+        <p:txBody>
+          <a:bodyPr/>
+          <a:lstStyle/>
+          <a:p>
+            <a:r>
+              <a:rPr lang="en-CA" dirty="0"/>
+              <a:t>Conservation of mass (Continuity):</a:t>
+            </a:r>
+          </a:p>
+          <a:p>
+            <a:endParaRPr lang="en-CA" dirty="0"/>
+          </a:p>
+          <a:p>
+            <a:endParaRPr lang="en-CA" dirty="0"/>
+          </a:p>
+          <a:p>
+            <a:r>
+              <a:rPr lang="en-CA" dirty="0"/>
+              <a:t>Conservation of momentum (Euler’s Equation):</a:t>
+            </a:r>
+          </a:p>
+        </p:txBody>
+      </p:sp>
+      <p:pic>
+        <p:nvPicPr>
+          <p:cNvPr id="13" name="Picture 12">
+            <a:extLst>
+              <a:ext uri="{FF2B5EF4-FFF2-40B4-BE49-F238E27FC236}">
+                <a16:creationId xmlns:a16="http://schemas.microsoft.com/office/drawing/2014/main" id="{1C9BDCDC-1492-48AC-A84A-9A2379B0FFD2}"/>
+              </a:ext>
+            </a:extLst>
+          </p:cNvPr>
+          <p:cNvPicPr>
+            <a:picLocks noChangeAspect="1"/>
+          </p:cNvPicPr>
+          <p:nvPr>
+            <p:custDataLst>
+              <p:tags r:id="rId1"/>
+            </p:custDataLst>
+          </p:nvPr>
+        </p:nvPicPr>
+        <p:blipFill>
+          <a:blip r:embed="rId5">
+            <a:extLst>
+              <a:ext uri="{28A0092B-C50C-407E-A947-70E740481C1C}">
+                <a14:useLocalDpi xmlns:a14="http://schemas.microsoft.com/office/drawing/2010/main" val="0"/>
+              </a:ext>
+            </a:extLst>
+          </a:blip>
+          <a:stretch>
+            <a:fillRect/>
+          </a:stretch>
+        </p:blipFill>
+        <p:spPr>
+          <a:xfrm>
+            <a:off x="3056762" y="2595113"/>
+            <a:ext cx="6656001" cy="758857"/>
           </a:xfrm>
           <a:prstGeom prst="rect">
             <a:avLst/>
           </a:prstGeom>
-          <a:noFill/>
-        </p:spPr>
-        <p:txBody>
-          <a:bodyPr wrap="square" rtlCol="0">
-            <a:spAutoFit/>
-          </a:bodyPr>
-          <a:lstStyle/>
-          <a:p>
-            <a:r>
-              <a:rPr lang="en-CA" dirty="0">
-                <a:solidFill>
-                  <a:srgbClr val="FF0000"/>
-                </a:solidFill>
-              </a:rPr>
-              <a:t>Scalars – density(d) and pressure(p)</a:t>
-            </a:r>
-          </a:p>
-        </p:txBody>
-      </p:sp>
-      <p:sp>
-        <p:nvSpPr>
-          <p:cNvPr id="7" name="TextBox 6">
-            <a:extLst>
-              <a:ext uri="{FF2B5EF4-FFF2-40B4-BE49-F238E27FC236}">
-                <a16:creationId xmlns:a16="http://schemas.microsoft.com/office/drawing/2014/main" id="{1D116875-C0E4-4F63-A369-D770B07C8D06}"/>
-              </a:ext>
-            </a:extLst>
-          </p:cNvPr>
-          <p:cNvSpPr txBox="1"/>
-          <p:nvPr/>
-        </p:nvSpPr>
-        <p:spPr>
-          <a:xfrm>
-            <a:off x="9366832" y="2374202"/>
-            <a:ext cx="1476045" cy="369332"/>
+        </p:spPr>
+      </p:pic>
+      <p:pic>
+        <p:nvPicPr>
+          <p:cNvPr id="15" name="Picture 14">
+            <a:extLst>
+              <a:ext uri="{FF2B5EF4-FFF2-40B4-BE49-F238E27FC236}">
+                <a16:creationId xmlns:a16="http://schemas.microsoft.com/office/drawing/2014/main" id="{32993C4E-54DC-4537-A926-644E9DF66E5A}"/>
+              </a:ext>
+            </a:extLst>
+          </p:cNvPr>
+          <p:cNvPicPr>
+            <a:picLocks noChangeAspect="1"/>
+          </p:cNvPicPr>
+          <p:nvPr>
+            <p:custDataLst>
+              <p:tags r:id="rId2"/>
+            </p:custDataLst>
+          </p:nvPr>
+        </p:nvPicPr>
+        <p:blipFill>
+          <a:blip r:embed="rId6">
+            <a:extLst>
+              <a:ext uri="{28A0092B-C50C-407E-A947-70E740481C1C}">
+                <a14:useLocalDpi xmlns:a14="http://schemas.microsoft.com/office/drawing/2010/main" val="0"/>
+              </a:ext>
+            </a:extLst>
+          </a:blip>
+          <a:stretch>
+            <a:fillRect/>
+          </a:stretch>
+        </p:blipFill>
+        <p:spPr>
+          <a:xfrm>
+            <a:off x="3816381" y="4199059"/>
+            <a:ext cx="4559238" cy="644571"/>
           </a:xfrm>
           <a:prstGeom prst="rect">
             <a:avLst/>
           </a:prstGeom>
-          <a:noFill/>
-        </p:spPr>
-        <p:txBody>
-          <a:bodyPr wrap="none" rtlCol="0">
-            <a:spAutoFit/>
-          </a:bodyPr>
-          <a:lstStyle/>
-          <a:p>
-            <a:r>
-              <a:rPr lang="en-CA" dirty="0">
-                <a:solidFill>
-                  <a:schemeClr val="accent1">
-                    <a:lumMod val="75000"/>
-                  </a:schemeClr>
-                </a:solidFill>
-              </a:rPr>
-              <a:t>X-velocity (v</a:t>
-            </a:r>
-            <a:r>
-              <a:rPr lang="en-CA" baseline="-25000" dirty="0">
-                <a:solidFill>
-                  <a:schemeClr val="accent1">
-                    <a:lumMod val="75000"/>
-                  </a:schemeClr>
-                </a:solidFill>
-              </a:rPr>
-              <a:t>1</a:t>
-            </a:r>
-            <a:r>
-              <a:rPr lang="en-CA" dirty="0">
-                <a:solidFill>
-                  <a:schemeClr val="accent1">
-                    <a:lumMod val="75000"/>
-                  </a:schemeClr>
-                </a:solidFill>
-              </a:rPr>
-              <a:t>)</a:t>
-            </a:r>
-          </a:p>
-        </p:txBody>
-      </p:sp>
-      <p:sp>
-        <p:nvSpPr>
-          <p:cNvPr id="8" name="TextBox 7">
-            <a:extLst>
-              <a:ext uri="{FF2B5EF4-FFF2-40B4-BE49-F238E27FC236}">
-                <a16:creationId xmlns:a16="http://schemas.microsoft.com/office/drawing/2014/main" id="{305980F4-F86C-4651-9C74-EE49CB901DBA}"/>
-              </a:ext>
-            </a:extLst>
-          </p:cNvPr>
-          <p:cNvSpPr txBox="1"/>
-          <p:nvPr/>
-        </p:nvSpPr>
-        <p:spPr>
-          <a:xfrm>
-            <a:off x="9366832" y="3021375"/>
-            <a:ext cx="1468031" cy="369332"/>
+        </p:spPr>
+      </p:pic>
+      <p:pic>
+        <p:nvPicPr>
+          <p:cNvPr id="18" name="Picture 17">
+            <a:extLst>
+              <a:ext uri="{FF2B5EF4-FFF2-40B4-BE49-F238E27FC236}">
+                <a16:creationId xmlns:a16="http://schemas.microsoft.com/office/drawing/2014/main" id="{0E834288-200F-421F-BD58-AD7090C89D97}"/>
+              </a:ext>
+            </a:extLst>
+          </p:cNvPr>
+          <p:cNvPicPr>
+            <a:picLocks noChangeAspect="1"/>
+          </p:cNvPicPr>
+          <p:nvPr>
+            <p:custDataLst>
+              <p:tags r:id="rId3"/>
+            </p:custDataLst>
+          </p:nvPr>
+        </p:nvPicPr>
+        <p:blipFill>
+          <a:blip r:embed="rId7">
+            <a:extLst>
+              <a:ext uri="{28A0092B-C50C-407E-A947-70E740481C1C}">
+                <a14:useLocalDpi xmlns:a14="http://schemas.microsoft.com/office/drawing/2010/main" val="0"/>
+              </a:ext>
+            </a:extLst>
+          </a:blip>
+          <a:stretch>
+            <a:fillRect/>
+          </a:stretch>
+        </p:blipFill>
+        <p:spPr>
+          <a:xfrm>
+            <a:off x="3816381" y="5224029"/>
+            <a:ext cx="4559239" cy="644571"/>
           </a:xfrm>
           <a:prstGeom prst="rect">
             <a:avLst/>
           </a:prstGeom>
-          <a:noFill/>
-        </p:spPr>
-        <p:txBody>
-          <a:bodyPr wrap="none" rtlCol="0">
-            <a:spAutoFit/>
-          </a:bodyPr>
-          <a:lstStyle/>
-          <a:p>
-            <a:r>
-              <a:rPr lang="en-CA" dirty="0">
-                <a:solidFill>
-                  <a:schemeClr val="accent6">
-                    <a:lumMod val="75000"/>
-                  </a:schemeClr>
-                </a:solidFill>
-              </a:rPr>
-              <a:t>Y-velocity (v</a:t>
-            </a:r>
-            <a:r>
-              <a:rPr lang="en-CA" baseline="-25000" dirty="0">
-                <a:solidFill>
-                  <a:schemeClr val="accent6">
-                    <a:lumMod val="75000"/>
-                  </a:schemeClr>
-                </a:solidFill>
-              </a:rPr>
-              <a:t>2</a:t>
-            </a:r>
-            <a:r>
-              <a:rPr lang="en-CA" dirty="0">
-                <a:solidFill>
-                  <a:schemeClr val="accent6">
-                    <a:lumMod val="75000"/>
-                  </a:schemeClr>
-                </a:solidFill>
-              </a:rPr>
-              <a:t>)</a:t>
-            </a:r>
-          </a:p>
-        </p:txBody>
-      </p:sp>
-      <p:sp>
-        <p:nvSpPr>
-          <p:cNvPr id="9" name="Oval 8">
-            <a:extLst>
-              <a:ext uri="{FF2B5EF4-FFF2-40B4-BE49-F238E27FC236}">
-                <a16:creationId xmlns:a16="http://schemas.microsoft.com/office/drawing/2014/main" id="{56685BFF-4294-4E60-8CF7-B01AD93868AE}"/>
+        </p:spPr>
+      </p:pic>
+      <p:sp>
+        <p:nvSpPr>
+          <p:cNvPr id="19" name="Oval 18">
+            <a:extLst>
+              <a:ext uri="{FF2B5EF4-FFF2-40B4-BE49-F238E27FC236}">
+                <a16:creationId xmlns:a16="http://schemas.microsoft.com/office/drawing/2014/main" id="{1CD020A1-F54A-4A08-8DE3-BC9A2BA1EB52}"/>
               </a:ext>
             </a:extLst>
           </p:cNvPr>
@@ -8590,17 +9544,17 @@
         </p:nvSpPr>
         <p:spPr>
           <a:xfrm>
-            <a:off x="9160603" y="1610804"/>
-            <a:ext cx="117446" cy="117445"/>
+            <a:off x="6207853" y="4555656"/>
+            <a:ext cx="855677" cy="318782"/>
           </a:xfrm>
           <a:prstGeom prst="ellipse">
             <a:avLst/>
           </a:prstGeom>
-          <a:solidFill>
-            <a:srgbClr val="FF0000"/>
-          </a:solidFill>
+          <a:noFill/>
           <a:ln>
-            <a:noFill/>
+            <a:solidFill>
+              <a:srgbClr val="C00000"/>
+            </a:solidFill>
           </a:ln>
         </p:spPr>
         <p:style>
@@ -8630,10 +9584,10 @@
       </p:sp>
       <p:sp>
         <p:nvSpPr>
-          <p:cNvPr id="10" name="Rectangle 9">
-            <a:extLst>
-              <a:ext uri="{FF2B5EF4-FFF2-40B4-BE49-F238E27FC236}">
-                <a16:creationId xmlns:a16="http://schemas.microsoft.com/office/drawing/2014/main" id="{1BDD061C-6D05-4747-8ED0-3B387C7B2AF6}"/>
+          <p:cNvPr id="21" name="Oval 20">
+            <a:extLst>
+              <a:ext uri="{FF2B5EF4-FFF2-40B4-BE49-F238E27FC236}">
+                <a16:creationId xmlns:a16="http://schemas.microsoft.com/office/drawing/2014/main" id="{861C4E48-16E6-4857-9DE0-2CEDBEC29933}"/>
               </a:ext>
             </a:extLst>
           </p:cNvPr>
@@ -8642,19 +9596,17 @@
         </p:nvSpPr>
         <p:spPr>
           <a:xfrm>
-            <a:off x="9219326" y="2486811"/>
-            <a:ext cx="58723" cy="176168"/>
-          </a:xfrm>
-          <a:prstGeom prst="rect">
-            <a:avLst/>
-          </a:prstGeom>
-          <a:solidFill>
-            <a:schemeClr val="accent1">
-              <a:lumMod val="75000"/>
-            </a:schemeClr>
-          </a:solidFill>
+            <a:off x="6207853" y="5605678"/>
+            <a:ext cx="855677" cy="318782"/>
+          </a:xfrm>
+          <a:prstGeom prst="ellipse">
+            <a:avLst/>
+          </a:prstGeom>
+          <a:noFill/>
           <a:ln>
-            <a:noFill/>
+            <a:solidFill>
+              <a:srgbClr val="C00000"/>
+            </a:solidFill>
           </a:ln>
         </p:spPr>
         <p:style>
@@ -8684,64 +9636,10 @@
       </p:sp>
       <p:sp>
         <p:nvSpPr>
-          <p:cNvPr id="11" name="Rectangle 10">
-            <a:extLst>
-              <a:ext uri="{FF2B5EF4-FFF2-40B4-BE49-F238E27FC236}">
-                <a16:creationId xmlns:a16="http://schemas.microsoft.com/office/drawing/2014/main" id="{04E2E68F-AFF5-4A02-B27C-666CB41886E9}"/>
-              </a:ext>
-            </a:extLst>
-          </p:cNvPr>
-          <p:cNvSpPr/>
-          <p:nvPr/>
-        </p:nvSpPr>
-        <p:spPr>
-          <a:xfrm rot="5400000">
-            <a:off x="9189964" y="3117957"/>
-            <a:ext cx="58723" cy="176168"/>
-          </a:xfrm>
-          <a:prstGeom prst="rect">
-            <a:avLst/>
-          </a:prstGeom>
-          <a:solidFill>
-            <a:schemeClr val="accent6">
-              <a:lumMod val="75000"/>
-            </a:schemeClr>
-          </a:solidFill>
-          <a:ln>
-            <a:noFill/>
-          </a:ln>
-        </p:spPr>
-        <p:style>
-          <a:lnRef idx="2">
-            <a:schemeClr val="accent1">
-              <a:shade val="50000"/>
-            </a:schemeClr>
-          </a:lnRef>
-          <a:fillRef idx="1">
-            <a:schemeClr val="accent1"/>
-          </a:fillRef>
-          <a:effectRef idx="0">
-            <a:schemeClr val="accent1"/>
-          </a:effectRef>
-          <a:fontRef idx="minor">
-            <a:schemeClr val="lt1"/>
-          </a:fontRef>
-        </p:style>
-        <p:txBody>
-          <a:bodyPr rtlCol="0" anchor="ctr"/>
-          <a:lstStyle/>
-          <a:p>
-            <a:pPr algn="ctr"/>
-            <a:endParaRPr lang="en-CA"/>
-          </a:p>
-        </p:txBody>
-      </p:sp>
-      <p:sp>
-        <p:nvSpPr>
-          <p:cNvPr id="19" name="TextBox 18">
-            <a:extLst>
-              <a:ext uri="{FF2B5EF4-FFF2-40B4-BE49-F238E27FC236}">
-                <a16:creationId xmlns:a16="http://schemas.microsoft.com/office/drawing/2014/main" id="{88522757-E1BD-4BD3-978B-6672F24B9F11}"/>
+          <p:cNvPr id="22" name="TextBox 21">
+            <a:extLst>
+              <a:ext uri="{FF2B5EF4-FFF2-40B4-BE49-F238E27FC236}">
+                <a16:creationId xmlns:a16="http://schemas.microsoft.com/office/drawing/2014/main" id="{7C26722E-B2C8-4722-BA2A-C3C90DDFC4D6}"/>
               </a:ext>
             </a:extLst>
           </p:cNvPr>
@@ -8750,8 +9648,8 @@
         </p:nvSpPr>
         <p:spPr>
           <a:xfrm>
-            <a:off x="981512" y="1690688"/>
-            <a:ext cx="2919369" cy="3416320"/>
+            <a:off x="8712471" y="4874439"/>
+            <a:ext cx="1169760" cy="523220"/>
           </a:xfrm>
           <a:prstGeom prst="rect">
             <a:avLst/>
@@ -8764,97 +9662,23 @@
           </a:bodyPr>
           <a:lstStyle/>
           <a:p>
-            <a:pPr marL="285750" indent="-285750">
-              <a:buFont typeface="Arial" panose="020B0604020202020204" pitchFamily="34" charset="0"/>
-              <a:buChar char="•"/>
-            </a:pPr>
-            <a:r>
-              <a:rPr lang="en-CA" dirty="0"/>
-              <a:t>Indices for vectors run from 0 to N</a:t>
-            </a:r>
-          </a:p>
-          <a:p>
-            <a:pPr marL="285750" indent="-285750">
-              <a:buFont typeface="Arial" panose="020B0604020202020204" pitchFamily="34" charset="0"/>
-              <a:buChar char="•"/>
-            </a:pPr>
-            <a:r>
-              <a:rPr lang="en-CA" dirty="0"/>
-              <a:t>Indices for scalars run from 0 to N-1</a:t>
-            </a:r>
-          </a:p>
-          <a:p>
-            <a:pPr marL="285750" indent="-285750">
-              <a:buFont typeface="Arial" panose="020B0604020202020204" pitchFamily="34" charset="0"/>
-              <a:buChar char="•"/>
-            </a:pPr>
-            <a:endParaRPr lang="en-CA" dirty="0"/>
-          </a:p>
-          <a:p>
-            <a:pPr marL="285750" indent="-285750">
-              <a:buFont typeface="Arial" panose="020B0604020202020204" pitchFamily="34" charset="0"/>
-              <a:buChar char="•"/>
-            </a:pPr>
-            <a:r>
-              <a:rPr lang="en-CA" dirty="0"/>
-              <a:t>Example:</a:t>
-            </a:r>
-          </a:p>
-          <a:p>
-            <a:r>
-              <a:rPr lang="en-CA" dirty="0"/>
-              <a:t>v1(</a:t>
-            </a:r>
-            <a:r>
-              <a:rPr lang="en-CA" dirty="0" err="1"/>
-              <a:t>i,j</a:t>
-            </a:r>
-            <a:r>
-              <a:rPr lang="en-CA" dirty="0"/>
-              <a:t>) is the x-velocity on the face between density values d(</a:t>
-            </a:r>
-            <a:r>
-              <a:rPr lang="en-CA" dirty="0" err="1"/>
-              <a:t>i,j</a:t>
-            </a:r>
-            <a:r>
-              <a:rPr lang="en-CA" dirty="0"/>
-              <a:t>) and d(i-1,j)</a:t>
-            </a:r>
-          </a:p>
-          <a:p>
-            <a:endParaRPr lang="en-CA" dirty="0"/>
-          </a:p>
-          <a:p>
-            <a:r>
-              <a:rPr lang="en-CA" dirty="0"/>
-              <a:t>d(</a:t>
-            </a:r>
-            <a:r>
-              <a:rPr lang="en-CA" dirty="0" err="1"/>
-              <a:t>i,j</a:t>
-            </a:r>
-            <a:r>
-              <a:rPr lang="en-CA" dirty="0"/>
-              <a:t>) is the density between velocities v2(i,j+1) and v2(</a:t>
-            </a:r>
-            <a:r>
-              <a:rPr lang="en-CA" dirty="0" err="1"/>
-              <a:t>i,j</a:t>
-            </a:r>
-            <a:r>
-              <a:rPr lang="en-CA" dirty="0"/>
-              <a:t>)</a:t>
+            <a:r>
+              <a:rPr lang="en-CA" sz="2800" dirty="0">
+                <a:solidFill>
+                  <a:srgbClr val="C00000"/>
+                </a:solidFill>
+              </a:rPr>
+              <a:t>Uh-oh</a:t>
             </a:r>
           </a:p>
         </p:txBody>
       </p:sp>
       <p:pic>
         <p:nvPicPr>
-          <p:cNvPr id="4" name="Picture 3">
-            <a:extLst>
-              <a:ext uri="{FF2B5EF4-FFF2-40B4-BE49-F238E27FC236}">
-                <a16:creationId xmlns:a16="http://schemas.microsoft.com/office/drawing/2014/main" id="{17A7E82C-8DCA-4D07-BE48-FB1CCD348116}"/>
+          <p:cNvPr id="10" name="Graphic 9" descr="Bookmark">
+            <a:extLst>
+              <a:ext uri="{FF2B5EF4-FFF2-40B4-BE49-F238E27FC236}">
+                <a16:creationId xmlns:a16="http://schemas.microsoft.com/office/drawing/2014/main" id="{A2DD67A3-3BAC-45A6-9AA3-635599CF0872}"/>
               </a:ext>
             </a:extLst>
           </p:cNvPr>
@@ -8864,10 +9688,13 @@
           <p:nvPr/>
         </p:nvPicPr>
         <p:blipFill>
-          <a:blip r:embed="rId2">
+          <a:blip r:embed="rId8">
             <a:extLst>
               <a:ext uri="{28A0092B-C50C-407E-A947-70E740481C1C}">
                 <a14:useLocalDpi xmlns:a14="http://schemas.microsoft.com/office/drawing/2010/main" val="0"/>
+              </a:ext>
+              <a:ext uri="{96DAC541-7B7A-43D3-8B79-37D633B846F1}">
+                <asvg:svgBlip xmlns:asvg="http://schemas.microsoft.com/office/drawing/2016/SVG/main" r:embed="rId9"/>
               </a:ext>
             </a:extLst>
           </a:blip>
@@ -8877,45 +9704,6 @@
         </p:blipFill>
         <p:spPr>
           <a:xfrm>
-            <a:off x="3725032" y="1482085"/>
-            <a:ext cx="5180086" cy="5189230"/>
-          </a:xfrm>
-          <a:prstGeom prst="rect">
-            <a:avLst/>
-          </a:prstGeom>
-        </p:spPr>
-      </p:pic>
-      <p:pic>
-        <p:nvPicPr>
-          <p:cNvPr id="12" name="Graphic 11" descr="Bookmark">
-            <a:extLst>
-              <a:ext uri="{FF2B5EF4-FFF2-40B4-BE49-F238E27FC236}">
-                <a16:creationId xmlns:a16="http://schemas.microsoft.com/office/drawing/2014/main" id="{9EECFAE6-7B02-440F-B490-981458BF97EF}"/>
-              </a:ext>
-            </a:extLst>
-          </p:cNvPr>
-          <p:cNvPicPr>
-            <a:picLocks noChangeAspect="1"/>
-          </p:cNvPicPr>
-          <p:nvPr/>
-        </p:nvPicPr>
-        <p:blipFill>
-          <a:blip r:embed="rId3">
-            <a:extLst>
-              <a:ext uri="{28A0092B-C50C-407E-A947-70E740481C1C}">
-                <a14:useLocalDpi xmlns:a14="http://schemas.microsoft.com/office/drawing/2010/main" val="0"/>
-              </a:ext>
-              <a:ext uri="{96DAC541-7B7A-43D3-8B79-37D633B846F1}">
-                <asvg:svgBlip xmlns:asvg="http://schemas.microsoft.com/office/drawing/2016/SVG/main" r:embed="rId4"/>
-              </a:ext>
-            </a:extLst>
-          </a:blip>
-          <a:stretch>
-            <a:fillRect/>
-          </a:stretch>
-        </p:blipFill>
-        <p:spPr>
-          <a:xfrm>
             <a:off x="10933290" y="-94367"/>
             <a:ext cx="513644" cy="513644"/>
           </a:xfrm>
@@ -8927,7 +9715,7 @@
     </p:spTree>
     <p:extLst>
       <p:ext uri="{BB962C8B-B14F-4D97-AF65-F5344CB8AC3E}">
-        <p14:creationId xmlns:p14="http://schemas.microsoft.com/office/powerpoint/2010/main" val="1631953745"/>
+        <p14:creationId xmlns:p14="http://schemas.microsoft.com/office/powerpoint/2010/main" val="2870228972"/>
       </p:ext>
     </p:extLst>
   </p:cSld>
@@ -8959,631 +9747,6 @@
           <p:cNvPr id="2" name="Title 1">
             <a:extLst>
               <a:ext uri="{FF2B5EF4-FFF2-40B4-BE49-F238E27FC236}">
-                <a16:creationId xmlns:a16="http://schemas.microsoft.com/office/drawing/2014/main" id="{CC6D1FDE-1777-4ED4-A7CF-DD8D94416F9F}"/>
-              </a:ext>
-            </a:extLst>
-          </p:cNvPr>
-          <p:cNvSpPr>
-            <a:spLocks noGrp="1"/>
-          </p:cNvSpPr>
-          <p:nvPr>
-            <p:ph type="title"/>
-          </p:nvPr>
-        </p:nvSpPr>
-        <p:spPr/>
-        <p:txBody>
-          <a:bodyPr/>
-          <a:lstStyle/>
-          <a:p>
-            <a:r>
-              <a:rPr lang="en-CA" dirty="0" err="1"/>
-              <a:t>Navier</a:t>
-            </a:r>
-            <a:r>
-              <a:rPr lang="en-CA" dirty="0"/>
-              <a:t>-Stokes equations</a:t>
-            </a:r>
-          </a:p>
-        </p:txBody>
-      </p:sp>
-      <p:sp>
-        <p:nvSpPr>
-          <p:cNvPr id="3" name="Content Placeholder 2">
-            <a:extLst>
-              <a:ext uri="{FF2B5EF4-FFF2-40B4-BE49-F238E27FC236}">
-                <a16:creationId xmlns:a16="http://schemas.microsoft.com/office/drawing/2014/main" id="{83E51793-9751-492D-847B-F3A84C50BE25}"/>
-              </a:ext>
-            </a:extLst>
-          </p:cNvPr>
-          <p:cNvSpPr>
-            <a:spLocks noGrp="1"/>
-          </p:cNvSpPr>
-          <p:nvPr>
-            <p:ph idx="1"/>
-          </p:nvPr>
-        </p:nvSpPr>
-        <p:spPr/>
-        <p:txBody>
-          <a:bodyPr/>
-          <a:lstStyle/>
-          <a:p>
-            <a:r>
-              <a:rPr lang="en-CA" dirty="0"/>
-              <a:t>Conservation of mass (Continuity):</a:t>
-            </a:r>
-          </a:p>
-          <a:p>
-            <a:endParaRPr lang="en-CA" dirty="0"/>
-          </a:p>
-          <a:p>
-            <a:endParaRPr lang="en-CA" dirty="0"/>
-          </a:p>
-          <a:p>
-            <a:r>
-              <a:rPr lang="en-CA" dirty="0"/>
-              <a:t>Conservation of momentum (Euler’s Equation):</a:t>
-            </a:r>
-          </a:p>
-        </p:txBody>
-      </p:sp>
-      <p:pic>
-        <p:nvPicPr>
-          <p:cNvPr id="5" name="Picture 4">
-            <a:extLst>
-              <a:ext uri="{FF2B5EF4-FFF2-40B4-BE49-F238E27FC236}">
-                <a16:creationId xmlns:a16="http://schemas.microsoft.com/office/drawing/2014/main" id="{EF78BE4D-9C06-47C9-95D5-5B39D4195F76}"/>
-              </a:ext>
-            </a:extLst>
-          </p:cNvPr>
-          <p:cNvPicPr>
-            <a:picLocks noChangeAspect="1"/>
-          </p:cNvPicPr>
-          <p:nvPr>
-            <p:custDataLst>
-              <p:tags r:id="rId1"/>
-            </p:custDataLst>
-          </p:nvPr>
-        </p:nvPicPr>
-        <p:blipFill>
-          <a:blip r:embed="rId4">
-            <a:extLst>
-              <a:ext uri="{28A0092B-C50C-407E-A947-70E740481C1C}">
-                <a14:useLocalDpi xmlns:a14="http://schemas.microsoft.com/office/drawing/2010/main" val="0"/>
-              </a:ext>
-            </a:extLst>
-          </a:blip>
-          <a:stretch>
-            <a:fillRect/>
-          </a:stretch>
-        </p:blipFill>
-        <p:spPr>
-          <a:xfrm>
-            <a:off x="2506748" y="2523376"/>
-            <a:ext cx="2546890" cy="568958"/>
-          </a:xfrm>
-          <a:prstGeom prst="rect">
-            <a:avLst/>
-          </a:prstGeom>
-        </p:spPr>
-      </p:pic>
-      <p:pic>
-        <p:nvPicPr>
-          <p:cNvPr id="7" name="Picture 6">
-            <a:extLst>
-              <a:ext uri="{FF2B5EF4-FFF2-40B4-BE49-F238E27FC236}">
-                <a16:creationId xmlns:a16="http://schemas.microsoft.com/office/drawing/2014/main" id="{076C4123-E1B2-4974-8CEE-CAE42EE094AF}"/>
-              </a:ext>
-            </a:extLst>
-          </p:cNvPr>
-          <p:cNvPicPr>
-            <a:picLocks noChangeAspect="1"/>
-          </p:cNvPicPr>
-          <p:nvPr>
-            <p:custDataLst>
-              <p:tags r:id="rId2"/>
-            </p:custDataLst>
-          </p:nvPr>
-        </p:nvPicPr>
-        <p:blipFill>
-          <a:blip r:embed="rId5">
-            <a:extLst>
-              <a:ext uri="{28A0092B-C50C-407E-A947-70E740481C1C}">
-                <a14:useLocalDpi xmlns:a14="http://schemas.microsoft.com/office/drawing/2010/main" val="0"/>
-              </a:ext>
-            </a:extLst>
-          </a:blip>
-          <a:stretch>
-            <a:fillRect/>
-          </a:stretch>
-        </p:blipFill>
-        <p:spPr>
-          <a:xfrm>
-            <a:off x="2506748" y="4123457"/>
-            <a:ext cx="2546890" cy="649545"/>
-          </a:xfrm>
-          <a:prstGeom prst="rect">
-            <a:avLst/>
-          </a:prstGeom>
-        </p:spPr>
-      </p:pic>
-      <p:pic>
-        <p:nvPicPr>
-          <p:cNvPr id="6" name="Graphic 5" descr="Bookmark">
-            <a:extLst>
-              <a:ext uri="{FF2B5EF4-FFF2-40B4-BE49-F238E27FC236}">
-                <a16:creationId xmlns:a16="http://schemas.microsoft.com/office/drawing/2014/main" id="{88BED1D8-A231-4D43-9487-24DE0804689C}"/>
-              </a:ext>
-            </a:extLst>
-          </p:cNvPr>
-          <p:cNvPicPr>
-            <a:picLocks noChangeAspect="1"/>
-          </p:cNvPicPr>
-          <p:nvPr/>
-        </p:nvPicPr>
-        <p:blipFill>
-          <a:blip r:embed="rId6">
-            <a:extLst>
-              <a:ext uri="{28A0092B-C50C-407E-A947-70E740481C1C}">
-                <a14:useLocalDpi xmlns:a14="http://schemas.microsoft.com/office/drawing/2010/main" val="0"/>
-              </a:ext>
-              <a:ext uri="{96DAC541-7B7A-43D3-8B79-37D633B846F1}">
-                <asvg:svgBlip xmlns:asvg="http://schemas.microsoft.com/office/drawing/2016/SVG/main" r:embed="rId7"/>
-              </a:ext>
-            </a:extLst>
-          </a:blip>
-          <a:stretch>
-            <a:fillRect/>
-          </a:stretch>
-        </p:blipFill>
-        <p:spPr>
-          <a:xfrm>
-            <a:off x="10933290" y="-94367"/>
-            <a:ext cx="513644" cy="513644"/>
-          </a:xfrm>
-          <a:prstGeom prst="rect">
-            <a:avLst/>
-          </a:prstGeom>
-        </p:spPr>
-      </p:pic>
-    </p:spTree>
-    <p:extLst>
-      <p:ext uri="{BB962C8B-B14F-4D97-AF65-F5344CB8AC3E}">
-        <p14:creationId xmlns:p14="http://schemas.microsoft.com/office/powerpoint/2010/main" val="3225984595"/>
-      </p:ext>
-    </p:extLst>
-  </p:cSld>
-  <p:clrMapOvr>
-    <a:masterClrMapping/>
-  </p:clrMapOvr>
-</p:sld>
-</file>
-
-<file path=ppt/slides/slide24.xml><?xml version="1.0" encoding="utf-8"?>
-<p:sld xmlns:a="http://schemas.openxmlformats.org/drawingml/2006/main" xmlns:r="http://schemas.openxmlformats.org/officeDocument/2006/relationships" xmlns:p="http://schemas.openxmlformats.org/presentationml/2006/main">
-  <p:cSld>
-    <p:spTree>
-      <p:nvGrpSpPr>
-        <p:cNvPr id="1" name=""/>
-        <p:cNvGrpSpPr/>
-        <p:nvPr/>
-      </p:nvGrpSpPr>
-      <p:grpSpPr>
-        <a:xfrm>
-          <a:off x="0" y="0"/>
-          <a:ext cx="0" cy="0"/>
-          <a:chOff x="0" y="0"/>
-          <a:chExt cx="0" cy="0"/>
-        </a:xfrm>
-      </p:grpSpPr>
-      <p:sp>
-        <p:nvSpPr>
-          <p:cNvPr id="2" name="Title 1">
-            <a:extLst>
-              <a:ext uri="{FF2B5EF4-FFF2-40B4-BE49-F238E27FC236}">
-                <a16:creationId xmlns:a16="http://schemas.microsoft.com/office/drawing/2014/main" id="{CC6D1FDE-1777-4ED4-A7CF-DD8D94416F9F}"/>
-              </a:ext>
-            </a:extLst>
-          </p:cNvPr>
-          <p:cNvSpPr>
-            <a:spLocks noGrp="1"/>
-          </p:cNvSpPr>
-          <p:nvPr>
-            <p:ph type="title"/>
-          </p:nvPr>
-        </p:nvSpPr>
-        <p:spPr/>
-        <p:txBody>
-          <a:bodyPr/>
-          <a:lstStyle/>
-          <a:p>
-            <a:r>
-              <a:rPr lang="en-CA" dirty="0" err="1"/>
-              <a:t>Navier</a:t>
-            </a:r>
-            <a:r>
-              <a:rPr lang="en-CA" dirty="0"/>
-              <a:t>-Stokes equations - FD</a:t>
-            </a:r>
-          </a:p>
-        </p:txBody>
-      </p:sp>
-      <p:sp>
-        <p:nvSpPr>
-          <p:cNvPr id="3" name="Content Placeholder 2">
-            <a:extLst>
-              <a:ext uri="{FF2B5EF4-FFF2-40B4-BE49-F238E27FC236}">
-                <a16:creationId xmlns:a16="http://schemas.microsoft.com/office/drawing/2014/main" id="{83E51793-9751-492D-847B-F3A84C50BE25}"/>
-              </a:ext>
-            </a:extLst>
-          </p:cNvPr>
-          <p:cNvSpPr>
-            <a:spLocks noGrp="1"/>
-          </p:cNvSpPr>
-          <p:nvPr>
-            <p:ph idx="1"/>
-          </p:nvPr>
-        </p:nvSpPr>
-        <p:spPr/>
-        <p:txBody>
-          <a:bodyPr/>
-          <a:lstStyle/>
-          <a:p>
-            <a:r>
-              <a:rPr lang="en-CA" dirty="0"/>
-              <a:t>Conservation of mass (Continuity):</a:t>
-            </a:r>
-          </a:p>
-          <a:p>
-            <a:endParaRPr lang="en-CA" dirty="0"/>
-          </a:p>
-          <a:p>
-            <a:endParaRPr lang="en-CA" dirty="0"/>
-          </a:p>
-          <a:p>
-            <a:r>
-              <a:rPr lang="en-CA" dirty="0"/>
-              <a:t>Conservation of momentum (Euler’s Equation):</a:t>
-            </a:r>
-          </a:p>
-        </p:txBody>
-      </p:sp>
-      <p:pic>
-        <p:nvPicPr>
-          <p:cNvPr id="13" name="Picture 12">
-            <a:extLst>
-              <a:ext uri="{FF2B5EF4-FFF2-40B4-BE49-F238E27FC236}">
-                <a16:creationId xmlns:a16="http://schemas.microsoft.com/office/drawing/2014/main" id="{1C9BDCDC-1492-48AC-A84A-9A2379B0FFD2}"/>
-              </a:ext>
-            </a:extLst>
-          </p:cNvPr>
-          <p:cNvPicPr>
-            <a:picLocks noChangeAspect="1"/>
-          </p:cNvPicPr>
-          <p:nvPr>
-            <p:custDataLst>
-              <p:tags r:id="rId1"/>
-            </p:custDataLst>
-          </p:nvPr>
-        </p:nvPicPr>
-        <p:blipFill>
-          <a:blip r:embed="rId5">
-            <a:extLst>
-              <a:ext uri="{28A0092B-C50C-407E-A947-70E740481C1C}">
-                <a14:useLocalDpi xmlns:a14="http://schemas.microsoft.com/office/drawing/2010/main" val="0"/>
-              </a:ext>
-            </a:extLst>
-          </a:blip>
-          <a:stretch>
-            <a:fillRect/>
-          </a:stretch>
-        </p:blipFill>
-        <p:spPr>
-          <a:xfrm>
-            <a:off x="3056762" y="2595113"/>
-            <a:ext cx="6656001" cy="758857"/>
-          </a:xfrm>
-          <a:prstGeom prst="rect">
-            <a:avLst/>
-          </a:prstGeom>
-        </p:spPr>
-      </p:pic>
-      <p:pic>
-        <p:nvPicPr>
-          <p:cNvPr id="15" name="Picture 14">
-            <a:extLst>
-              <a:ext uri="{FF2B5EF4-FFF2-40B4-BE49-F238E27FC236}">
-                <a16:creationId xmlns:a16="http://schemas.microsoft.com/office/drawing/2014/main" id="{32993C4E-54DC-4537-A926-644E9DF66E5A}"/>
-              </a:ext>
-            </a:extLst>
-          </p:cNvPr>
-          <p:cNvPicPr>
-            <a:picLocks noChangeAspect="1"/>
-          </p:cNvPicPr>
-          <p:nvPr>
-            <p:custDataLst>
-              <p:tags r:id="rId2"/>
-            </p:custDataLst>
-          </p:nvPr>
-        </p:nvPicPr>
-        <p:blipFill>
-          <a:blip r:embed="rId6">
-            <a:extLst>
-              <a:ext uri="{28A0092B-C50C-407E-A947-70E740481C1C}">
-                <a14:useLocalDpi xmlns:a14="http://schemas.microsoft.com/office/drawing/2010/main" val="0"/>
-              </a:ext>
-            </a:extLst>
-          </a:blip>
-          <a:stretch>
-            <a:fillRect/>
-          </a:stretch>
-        </p:blipFill>
-        <p:spPr>
-          <a:xfrm>
-            <a:off x="3816381" y="4199059"/>
-            <a:ext cx="4559238" cy="644571"/>
-          </a:xfrm>
-          <a:prstGeom prst="rect">
-            <a:avLst/>
-          </a:prstGeom>
-        </p:spPr>
-      </p:pic>
-      <p:pic>
-        <p:nvPicPr>
-          <p:cNvPr id="18" name="Picture 17">
-            <a:extLst>
-              <a:ext uri="{FF2B5EF4-FFF2-40B4-BE49-F238E27FC236}">
-                <a16:creationId xmlns:a16="http://schemas.microsoft.com/office/drawing/2014/main" id="{0E834288-200F-421F-BD58-AD7090C89D97}"/>
-              </a:ext>
-            </a:extLst>
-          </p:cNvPr>
-          <p:cNvPicPr>
-            <a:picLocks noChangeAspect="1"/>
-          </p:cNvPicPr>
-          <p:nvPr>
-            <p:custDataLst>
-              <p:tags r:id="rId3"/>
-            </p:custDataLst>
-          </p:nvPr>
-        </p:nvPicPr>
-        <p:blipFill>
-          <a:blip r:embed="rId7">
-            <a:extLst>
-              <a:ext uri="{28A0092B-C50C-407E-A947-70E740481C1C}">
-                <a14:useLocalDpi xmlns:a14="http://schemas.microsoft.com/office/drawing/2010/main" val="0"/>
-              </a:ext>
-            </a:extLst>
-          </a:blip>
-          <a:stretch>
-            <a:fillRect/>
-          </a:stretch>
-        </p:blipFill>
-        <p:spPr>
-          <a:xfrm>
-            <a:off x="3816381" y="5224029"/>
-            <a:ext cx="4559239" cy="644571"/>
-          </a:xfrm>
-          <a:prstGeom prst="rect">
-            <a:avLst/>
-          </a:prstGeom>
-        </p:spPr>
-      </p:pic>
-      <p:sp>
-        <p:nvSpPr>
-          <p:cNvPr id="19" name="Oval 18">
-            <a:extLst>
-              <a:ext uri="{FF2B5EF4-FFF2-40B4-BE49-F238E27FC236}">
-                <a16:creationId xmlns:a16="http://schemas.microsoft.com/office/drawing/2014/main" id="{1CD020A1-F54A-4A08-8DE3-BC9A2BA1EB52}"/>
-              </a:ext>
-            </a:extLst>
-          </p:cNvPr>
-          <p:cNvSpPr/>
-          <p:nvPr/>
-        </p:nvSpPr>
-        <p:spPr>
-          <a:xfrm>
-            <a:off x="6207853" y="4555656"/>
-            <a:ext cx="855677" cy="318782"/>
-          </a:xfrm>
-          <a:prstGeom prst="ellipse">
-            <a:avLst/>
-          </a:prstGeom>
-          <a:noFill/>
-          <a:ln>
-            <a:solidFill>
-              <a:srgbClr val="C00000"/>
-            </a:solidFill>
-          </a:ln>
-        </p:spPr>
-        <p:style>
-          <a:lnRef idx="2">
-            <a:schemeClr val="accent1">
-              <a:shade val="50000"/>
-            </a:schemeClr>
-          </a:lnRef>
-          <a:fillRef idx="1">
-            <a:schemeClr val="accent1"/>
-          </a:fillRef>
-          <a:effectRef idx="0">
-            <a:schemeClr val="accent1"/>
-          </a:effectRef>
-          <a:fontRef idx="minor">
-            <a:schemeClr val="lt1"/>
-          </a:fontRef>
-        </p:style>
-        <p:txBody>
-          <a:bodyPr rtlCol="0" anchor="ctr"/>
-          <a:lstStyle/>
-          <a:p>
-            <a:pPr algn="ctr"/>
-            <a:endParaRPr lang="en-CA"/>
-          </a:p>
-        </p:txBody>
-      </p:sp>
-      <p:sp>
-        <p:nvSpPr>
-          <p:cNvPr id="21" name="Oval 20">
-            <a:extLst>
-              <a:ext uri="{FF2B5EF4-FFF2-40B4-BE49-F238E27FC236}">
-                <a16:creationId xmlns:a16="http://schemas.microsoft.com/office/drawing/2014/main" id="{861C4E48-16E6-4857-9DE0-2CEDBEC29933}"/>
-              </a:ext>
-            </a:extLst>
-          </p:cNvPr>
-          <p:cNvSpPr/>
-          <p:nvPr/>
-        </p:nvSpPr>
-        <p:spPr>
-          <a:xfrm>
-            <a:off x="6207853" y="5605678"/>
-            <a:ext cx="855677" cy="318782"/>
-          </a:xfrm>
-          <a:prstGeom prst="ellipse">
-            <a:avLst/>
-          </a:prstGeom>
-          <a:noFill/>
-          <a:ln>
-            <a:solidFill>
-              <a:srgbClr val="C00000"/>
-            </a:solidFill>
-          </a:ln>
-        </p:spPr>
-        <p:style>
-          <a:lnRef idx="2">
-            <a:schemeClr val="accent1">
-              <a:shade val="50000"/>
-            </a:schemeClr>
-          </a:lnRef>
-          <a:fillRef idx="1">
-            <a:schemeClr val="accent1"/>
-          </a:fillRef>
-          <a:effectRef idx="0">
-            <a:schemeClr val="accent1"/>
-          </a:effectRef>
-          <a:fontRef idx="minor">
-            <a:schemeClr val="lt1"/>
-          </a:fontRef>
-        </p:style>
-        <p:txBody>
-          <a:bodyPr rtlCol="0" anchor="ctr"/>
-          <a:lstStyle/>
-          <a:p>
-            <a:pPr algn="ctr"/>
-            <a:endParaRPr lang="en-CA"/>
-          </a:p>
-        </p:txBody>
-      </p:sp>
-      <p:sp>
-        <p:nvSpPr>
-          <p:cNvPr id="22" name="TextBox 21">
-            <a:extLst>
-              <a:ext uri="{FF2B5EF4-FFF2-40B4-BE49-F238E27FC236}">
-                <a16:creationId xmlns:a16="http://schemas.microsoft.com/office/drawing/2014/main" id="{7C26722E-B2C8-4722-BA2A-C3C90DDFC4D6}"/>
-              </a:ext>
-            </a:extLst>
-          </p:cNvPr>
-          <p:cNvSpPr txBox="1"/>
-          <p:nvPr/>
-        </p:nvSpPr>
-        <p:spPr>
-          <a:xfrm>
-            <a:off x="8712471" y="4874439"/>
-            <a:ext cx="1169760" cy="523220"/>
-          </a:xfrm>
-          <a:prstGeom prst="rect">
-            <a:avLst/>
-          </a:prstGeom>
-          <a:noFill/>
-        </p:spPr>
-        <p:txBody>
-          <a:bodyPr wrap="square" rtlCol="0">
-            <a:spAutoFit/>
-          </a:bodyPr>
-          <a:lstStyle/>
-          <a:p>
-            <a:r>
-              <a:rPr lang="en-CA" sz="2800" dirty="0">
-                <a:solidFill>
-                  <a:srgbClr val="C00000"/>
-                </a:solidFill>
-              </a:rPr>
-              <a:t>Uh-oh</a:t>
-            </a:r>
-          </a:p>
-        </p:txBody>
-      </p:sp>
-      <p:pic>
-        <p:nvPicPr>
-          <p:cNvPr id="10" name="Graphic 9" descr="Bookmark">
-            <a:extLst>
-              <a:ext uri="{FF2B5EF4-FFF2-40B4-BE49-F238E27FC236}">
-                <a16:creationId xmlns:a16="http://schemas.microsoft.com/office/drawing/2014/main" id="{A2DD67A3-3BAC-45A6-9AA3-635599CF0872}"/>
-              </a:ext>
-            </a:extLst>
-          </p:cNvPr>
-          <p:cNvPicPr>
-            <a:picLocks noChangeAspect="1"/>
-          </p:cNvPicPr>
-          <p:nvPr/>
-        </p:nvPicPr>
-        <p:blipFill>
-          <a:blip r:embed="rId8">
-            <a:extLst>
-              <a:ext uri="{28A0092B-C50C-407E-A947-70E740481C1C}">
-                <a14:useLocalDpi xmlns:a14="http://schemas.microsoft.com/office/drawing/2010/main" val="0"/>
-              </a:ext>
-              <a:ext uri="{96DAC541-7B7A-43D3-8B79-37D633B846F1}">
-                <asvg:svgBlip xmlns:asvg="http://schemas.microsoft.com/office/drawing/2016/SVG/main" r:embed="rId9"/>
-              </a:ext>
-            </a:extLst>
-          </a:blip>
-          <a:stretch>
-            <a:fillRect/>
-          </a:stretch>
-        </p:blipFill>
-        <p:spPr>
-          <a:xfrm>
-            <a:off x="10933290" y="-94367"/>
-            <a:ext cx="513644" cy="513644"/>
-          </a:xfrm>
-          <a:prstGeom prst="rect">
-            <a:avLst/>
-          </a:prstGeom>
-        </p:spPr>
-      </p:pic>
-    </p:spTree>
-    <p:extLst>
-      <p:ext uri="{BB962C8B-B14F-4D97-AF65-F5344CB8AC3E}">
-        <p14:creationId xmlns:p14="http://schemas.microsoft.com/office/powerpoint/2010/main" val="2870228972"/>
-      </p:ext>
-    </p:extLst>
-  </p:cSld>
-  <p:clrMapOvr>
-    <a:masterClrMapping/>
-  </p:clrMapOvr>
-</p:sld>
-</file>
-
-<file path=ppt/slides/slide25.xml><?xml version="1.0" encoding="utf-8"?>
-<p:sld xmlns:a="http://schemas.openxmlformats.org/drawingml/2006/main" xmlns:r="http://schemas.openxmlformats.org/officeDocument/2006/relationships" xmlns:p="http://schemas.openxmlformats.org/presentationml/2006/main">
-  <p:cSld>
-    <p:spTree>
-      <p:nvGrpSpPr>
-        <p:cNvPr id="1" name=""/>
-        <p:cNvGrpSpPr/>
-        <p:nvPr/>
-      </p:nvGrpSpPr>
-      <p:grpSpPr>
-        <a:xfrm>
-          <a:off x="0" y="0"/>
-          <a:ext cx="0" cy="0"/>
-          <a:chOff x="0" y="0"/>
-          <a:chExt cx="0" cy="0"/>
-        </a:xfrm>
-      </p:grpSpPr>
-      <p:sp>
-        <p:nvSpPr>
-          <p:cNvPr id="2" name="Title 1">
-            <a:extLst>
-              <a:ext uri="{FF2B5EF4-FFF2-40B4-BE49-F238E27FC236}">
                 <a16:creationId xmlns:a16="http://schemas.microsoft.com/office/drawing/2014/main" id="{8A5CF6BD-402F-4840-A7EF-314FAAADC386}"/>
               </a:ext>
             </a:extLst>
@@ -9776,7 +9939,7 @@
 </p:sld>
 </file>
 
-<file path=ppt/slides/slide26.xml><?xml version="1.0" encoding="utf-8"?>
+<file path=ppt/slides/slide24.xml><?xml version="1.0" encoding="utf-8"?>
 <p:sld xmlns:a="http://schemas.openxmlformats.org/drawingml/2006/main" xmlns:r="http://schemas.openxmlformats.org/officeDocument/2006/relationships" xmlns:p="http://schemas.openxmlformats.org/presentationml/2006/main">
   <p:cSld>
     <p:spTree>
@@ -10151,7 +10314,7 @@
 </p:sld>
 </file>
 
-<file path=ppt/slides/slide27.xml><?xml version="1.0" encoding="utf-8"?>
+<file path=ppt/slides/slide25.xml><?xml version="1.0" encoding="utf-8"?>
 <p:sld xmlns:a="http://schemas.openxmlformats.org/drawingml/2006/main" xmlns:r="http://schemas.openxmlformats.org/officeDocument/2006/relationships" xmlns:p="http://schemas.openxmlformats.org/presentationml/2006/main">
   <p:cSld>
     <p:spTree>
